--- a/lectures/10/2_Research Presentation.pptx
+++ b/lectures/10/2_Research Presentation.pptx
@@ -6,10 +6,10 @@
     <p:sldMasterId id="2147483660" r:id="rId5"/>
   </p:sldMasterIdLst>
   <p:notesMasterIdLst>
-    <p:notesMasterId r:id="rId17"/>
+    <p:notesMasterId r:id="rId22"/>
   </p:notesMasterIdLst>
   <p:handoutMasterIdLst>
-    <p:handoutMasterId r:id="rId18"/>
+    <p:handoutMasterId r:id="rId23"/>
   </p:handoutMasterIdLst>
   <p:sldIdLst>
     <p:sldId id="280" r:id="rId6"/>
@@ -18,11 +18,16 @@
     <p:sldId id="282" r:id="rId9"/>
     <p:sldId id="297" r:id="rId10"/>
     <p:sldId id="298" r:id="rId11"/>
-    <p:sldId id="281" r:id="rId12"/>
-    <p:sldId id="299" r:id="rId13"/>
-    <p:sldId id="300" r:id="rId14"/>
-    <p:sldId id="259" r:id="rId15"/>
-    <p:sldId id="296" r:id="rId16"/>
+    <p:sldId id="292" r:id="rId12"/>
+    <p:sldId id="293" r:id="rId13"/>
+    <p:sldId id="294" r:id="rId14"/>
+    <p:sldId id="295" r:id="rId15"/>
+    <p:sldId id="301" r:id="rId16"/>
+    <p:sldId id="281" r:id="rId17"/>
+    <p:sldId id="299" r:id="rId18"/>
+    <p:sldId id="300" r:id="rId19"/>
+    <p:sldId id="259" r:id="rId20"/>
+    <p:sldId id="296" r:id="rId21"/>
   </p:sldIdLst>
   <p:sldSz cx="12192000" cy="6858000"/>
   <p:notesSz cx="6858000" cy="9144000"/>
@@ -132,6 +137,2676 @@
 </p:presentation>
 </file>
 
+<file path=ppt/diagrams/colors1.xml><?xml version="1.0" encoding="utf-8"?>
+<dgm:colorsDef xmlns:dgm="http://schemas.openxmlformats.org/drawingml/2006/diagram" xmlns:a="http://schemas.openxmlformats.org/drawingml/2006/main" uniqueId="urn:microsoft.com/office/officeart/2005/8/colors/colorful2">
+  <dgm:title val=""/>
+  <dgm:desc val=""/>
+  <dgm:catLst>
+    <dgm:cat type="colorful" pri="10200"/>
+  </dgm:catLst>
+  <dgm:styleLbl name="node0">
+    <dgm:fillClrLst meth="repeat">
+      <a:schemeClr val="accent1"/>
+    </dgm:fillClrLst>
+    <dgm:linClrLst meth="repeat">
+      <a:schemeClr val="lt1"/>
+    </dgm:linClrLst>
+    <dgm:effectClrLst/>
+    <dgm:txLinClrLst/>
+    <dgm:txFillClrLst/>
+    <dgm:txEffectClrLst/>
+  </dgm:styleLbl>
+  <dgm:styleLbl name="node1">
+    <dgm:fillClrLst>
+      <a:schemeClr val="accent2"/>
+      <a:schemeClr val="accent3"/>
+    </dgm:fillClrLst>
+    <dgm:linClrLst meth="repeat">
+      <a:schemeClr val="lt1"/>
+    </dgm:linClrLst>
+    <dgm:effectClrLst/>
+    <dgm:txLinClrLst/>
+    <dgm:txFillClrLst/>
+    <dgm:txEffectClrLst/>
+  </dgm:styleLbl>
+  <dgm:styleLbl name="alignNode1">
+    <dgm:fillClrLst>
+      <a:schemeClr val="accent2"/>
+      <a:schemeClr val="accent3"/>
+    </dgm:fillClrLst>
+    <dgm:linClrLst>
+      <a:schemeClr val="accent2"/>
+      <a:schemeClr val="accent3"/>
+    </dgm:linClrLst>
+    <dgm:effectClrLst/>
+    <dgm:txLinClrLst/>
+    <dgm:txFillClrLst/>
+    <dgm:txEffectClrLst/>
+  </dgm:styleLbl>
+  <dgm:styleLbl name="lnNode1">
+    <dgm:fillClrLst>
+      <a:schemeClr val="accent2"/>
+      <a:schemeClr val="accent3"/>
+    </dgm:fillClrLst>
+    <dgm:linClrLst meth="repeat">
+      <a:schemeClr val="lt1"/>
+    </dgm:linClrLst>
+    <dgm:effectClrLst/>
+    <dgm:txLinClrLst/>
+    <dgm:txFillClrLst/>
+    <dgm:txEffectClrLst/>
+  </dgm:styleLbl>
+  <dgm:styleLbl name="vennNode1">
+    <dgm:fillClrLst>
+      <a:schemeClr val="accent2">
+        <a:alpha val="50000"/>
+      </a:schemeClr>
+      <a:schemeClr val="accent3">
+        <a:alpha val="50000"/>
+      </a:schemeClr>
+    </dgm:fillClrLst>
+    <dgm:linClrLst meth="repeat">
+      <a:schemeClr val="lt1"/>
+    </dgm:linClrLst>
+    <dgm:effectClrLst/>
+    <dgm:txLinClrLst/>
+    <dgm:txFillClrLst/>
+    <dgm:txEffectClrLst/>
+  </dgm:styleLbl>
+  <dgm:styleLbl name="node2">
+    <dgm:fillClrLst>
+      <a:schemeClr val="accent3"/>
+    </dgm:fillClrLst>
+    <dgm:linClrLst meth="repeat">
+      <a:schemeClr val="lt1"/>
+    </dgm:linClrLst>
+    <dgm:effectClrLst/>
+    <dgm:txLinClrLst/>
+    <dgm:txFillClrLst/>
+    <dgm:txEffectClrLst/>
+  </dgm:styleLbl>
+  <dgm:styleLbl name="node3">
+    <dgm:fillClrLst>
+      <a:schemeClr val="accent4"/>
+    </dgm:fillClrLst>
+    <dgm:linClrLst meth="repeat">
+      <a:schemeClr val="lt1"/>
+    </dgm:linClrLst>
+    <dgm:effectClrLst/>
+    <dgm:txLinClrLst/>
+    <dgm:txFillClrLst/>
+    <dgm:txEffectClrLst/>
+  </dgm:styleLbl>
+  <dgm:styleLbl name="node4">
+    <dgm:fillClrLst>
+      <a:schemeClr val="accent5"/>
+    </dgm:fillClrLst>
+    <dgm:linClrLst meth="repeat">
+      <a:schemeClr val="lt1"/>
+    </dgm:linClrLst>
+    <dgm:effectClrLst/>
+    <dgm:txLinClrLst/>
+    <dgm:txFillClrLst/>
+    <dgm:txEffectClrLst/>
+  </dgm:styleLbl>
+  <dgm:styleLbl name="fgImgPlace1">
+    <dgm:fillClrLst>
+      <a:schemeClr val="accent2">
+        <a:tint val="50000"/>
+      </a:schemeClr>
+      <a:schemeClr val="accent3">
+        <a:tint val="50000"/>
+      </a:schemeClr>
+    </dgm:fillClrLst>
+    <dgm:linClrLst meth="repeat">
+      <a:schemeClr val="lt1"/>
+    </dgm:linClrLst>
+    <dgm:effectClrLst/>
+    <dgm:txLinClrLst/>
+    <dgm:txFillClrLst meth="repeat">
+      <a:schemeClr val="lt1"/>
+    </dgm:txFillClrLst>
+    <dgm:txEffectClrLst/>
+  </dgm:styleLbl>
+  <dgm:styleLbl name="alignImgPlace1">
+    <dgm:fillClrLst>
+      <a:schemeClr val="accent2">
+        <a:tint val="50000"/>
+      </a:schemeClr>
+      <a:schemeClr val="accent3">
+        <a:tint val="20000"/>
+      </a:schemeClr>
+    </dgm:fillClrLst>
+    <dgm:linClrLst meth="repeat">
+      <a:schemeClr val="lt1"/>
+    </dgm:linClrLst>
+    <dgm:effectClrLst/>
+    <dgm:txLinClrLst/>
+    <dgm:txFillClrLst meth="repeat">
+      <a:schemeClr val="lt1"/>
+    </dgm:txFillClrLst>
+    <dgm:txEffectClrLst/>
+  </dgm:styleLbl>
+  <dgm:styleLbl name="bgImgPlace1">
+    <dgm:fillClrLst>
+      <a:schemeClr val="accent2">
+        <a:tint val="50000"/>
+      </a:schemeClr>
+      <a:schemeClr val="accent3">
+        <a:tint val="20000"/>
+      </a:schemeClr>
+    </dgm:fillClrLst>
+    <dgm:linClrLst meth="repeat">
+      <a:schemeClr val="lt1"/>
+    </dgm:linClrLst>
+    <dgm:effectClrLst/>
+    <dgm:txLinClrLst/>
+    <dgm:txFillClrLst meth="repeat">
+      <a:schemeClr val="lt1"/>
+    </dgm:txFillClrLst>
+    <dgm:txEffectClrLst/>
+  </dgm:styleLbl>
+  <dgm:styleLbl name="sibTrans2D1">
+    <dgm:fillClrLst>
+      <a:schemeClr val="accent2"/>
+      <a:schemeClr val="accent3"/>
+    </dgm:fillClrLst>
+    <dgm:linClrLst meth="repeat">
+      <a:schemeClr val="lt1"/>
+    </dgm:linClrLst>
+    <dgm:effectClrLst/>
+    <dgm:txLinClrLst/>
+    <dgm:txFillClrLst/>
+    <dgm:txEffectClrLst/>
+  </dgm:styleLbl>
+  <dgm:styleLbl name="fgSibTrans2D1">
+    <dgm:fillClrLst>
+      <a:schemeClr val="accent2"/>
+      <a:schemeClr val="accent3"/>
+    </dgm:fillClrLst>
+    <dgm:linClrLst meth="repeat">
+      <a:schemeClr val="lt1"/>
+    </dgm:linClrLst>
+    <dgm:effectClrLst/>
+    <dgm:txLinClrLst/>
+    <dgm:txFillClrLst meth="repeat">
+      <a:schemeClr val="lt1"/>
+    </dgm:txFillClrLst>
+    <dgm:txEffectClrLst/>
+  </dgm:styleLbl>
+  <dgm:styleLbl name="bgSibTrans2D1">
+    <dgm:fillClrLst>
+      <a:schemeClr val="accent2"/>
+      <a:schemeClr val="accent3"/>
+    </dgm:fillClrLst>
+    <dgm:linClrLst meth="repeat">
+      <a:schemeClr val="lt1"/>
+    </dgm:linClrLst>
+    <dgm:effectClrLst/>
+    <dgm:txLinClrLst/>
+    <dgm:txFillClrLst meth="repeat">
+      <a:schemeClr val="lt1"/>
+    </dgm:txFillClrLst>
+    <dgm:txEffectClrLst/>
+  </dgm:styleLbl>
+  <dgm:styleLbl name="sibTrans1D1">
+    <dgm:fillClrLst/>
+    <dgm:linClrLst>
+      <a:schemeClr val="accent2"/>
+      <a:schemeClr val="accent3"/>
+    </dgm:linClrLst>
+    <dgm:effectClrLst/>
+    <dgm:txLinClrLst/>
+    <dgm:txFillClrLst meth="repeat">
+      <a:schemeClr val="tx1"/>
+    </dgm:txFillClrLst>
+    <dgm:txEffectClrLst/>
+  </dgm:styleLbl>
+  <dgm:styleLbl name="callout">
+    <dgm:fillClrLst meth="repeat">
+      <a:schemeClr val="accent2"/>
+    </dgm:fillClrLst>
+    <dgm:linClrLst meth="repeat">
+      <a:schemeClr val="accent2">
+        <a:tint val="50000"/>
+      </a:schemeClr>
+    </dgm:linClrLst>
+    <dgm:effectClrLst/>
+    <dgm:txLinClrLst/>
+    <dgm:txFillClrLst meth="repeat">
+      <a:schemeClr val="tx1"/>
+    </dgm:txFillClrLst>
+    <dgm:txEffectClrLst/>
+  </dgm:styleLbl>
+  <dgm:styleLbl name="asst0">
+    <dgm:fillClrLst meth="repeat">
+      <a:schemeClr val="accent2"/>
+    </dgm:fillClrLst>
+    <dgm:linClrLst meth="repeat">
+      <a:schemeClr val="lt1">
+        <a:shade val="80000"/>
+      </a:schemeClr>
+    </dgm:linClrLst>
+    <dgm:effectClrLst/>
+    <dgm:txLinClrLst/>
+    <dgm:txFillClrLst/>
+    <dgm:txEffectClrLst/>
+  </dgm:styleLbl>
+  <dgm:styleLbl name="asst1">
+    <dgm:fillClrLst meth="repeat">
+      <a:schemeClr val="accent3"/>
+    </dgm:fillClrLst>
+    <dgm:linClrLst meth="repeat">
+      <a:schemeClr val="lt1">
+        <a:shade val="80000"/>
+      </a:schemeClr>
+    </dgm:linClrLst>
+    <dgm:effectClrLst/>
+    <dgm:txLinClrLst/>
+    <dgm:txFillClrLst/>
+    <dgm:txEffectClrLst/>
+  </dgm:styleLbl>
+  <dgm:styleLbl name="asst2">
+    <dgm:fillClrLst>
+      <a:schemeClr val="accent4"/>
+    </dgm:fillClrLst>
+    <dgm:linClrLst meth="repeat">
+      <a:schemeClr val="lt1"/>
+    </dgm:linClrLst>
+    <dgm:effectClrLst/>
+    <dgm:txLinClrLst/>
+    <dgm:txFillClrLst/>
+    <dgm:txEffectClrLst/>
+  </dgm:styleLbl>
+  <dgm:styleLbl name="asst3">
+    <dgm:fillClrLst>
+      <a:schemeClr val="accent5"/>
+    </dgm:fillClrLst>
+    <dgm:linClrLst meth="repeat">
+      <a:schemeClr val="lt1"/>
+    </dgm:linClrLst>
+    <dgm:effectClrLst/>
+    <dgm:txLinClrLst/>
+    <dgm:txFillClrLst/>
+    <dgm:txEffectClrLst/>
+  </dgm:styleLbl>
+  <dgm:styleLbl name="asst4">
+    <dgm:fillClrLst>
+      <a:schemeClr val="accent6"/>
+    </dgm:fillClrLst>
+    <dgm:linClrLst meth="repeat">
+      <a:schemeClr val="lt1"/>
+    </dgm:linClrLst>
+    <dgm:effectClrLst/>
+    <dgm:txLinClrLst/>
+    <dgm:txFillClrLst/>
+    <dgm:txEffectClrLst/>
+  </dgm:styleLbl>
+  <dgm:styleLbl name="parChTrans2D1">
+    <dgm:fillClrLst meth="repeat">
+      <a:schemeClr val="accent2"/>
+    </dgm:fillClrLst>
+    <dgm:linClrLst meth="repeat">
+      <a:schemeClr val="lt1"/>
+    </dgm:linClrLst>
+    <dgm:effectClrLst/>
+    <dgm:txLinClrLst/>
+    <dgm:txFillClrLst meth="repeat">
+      <a:schemeClr val="lt1"/>
+    </dgm:txFillClrLst>
+    <dgm:txEffectClrLst/>
+  </dgm:styleLbl>
+  <dgm:styleLbl name="parChTrans2D2">
+    <dgm:fillClrLst meth="repeat">
+      <a:schemeClr val="accent3"/>
+    </dgm:fillClrLst>
+    <dgm:linClrLst meth="repeat">
+      <a:schemeClr val="lt1"/>
+    </dgm:linClrLst>
+    <dgm:effectClrLst/>
+    <dgm:txLinClrLst/>
+    <dgm:txFillClrLst/>
+    <dgm:txEffectClrLst/>
+  </dgm:styleLbl>
+  <dgm:styleLbl name="parChTrans2D3">
+    <dgm:fillClrLst meth="repeat">
+      <a:schemeClr val="accent4"/>
+    </dgm:fillClrLst>
+    <dgm:linClrLst meth="repeat">
+      <a:schemeClr val="lt1"/>
+    </dgm:linClrLst>
+    <dgm:effectClrLst/>
+    <dgm:txLinClrLst/>
+    <dgm:txFillClrLst/>
+    <dgm:txEffectClrLst/>
+  </dgm:styleLbl>
+  <dgm:styleLbl name="parChTrans2D4">
+    <dgm:fillClrLst meth="repeat">
+      <a:schemeClr val="accent5"/>
+    </dgm:fillClrLst>
+    <dgm:linClrLst meth="repeat">
+      <a:schemeClr val="lt1"/>
+    </dgm:linClrLst>
+    <dgm:effectClrLst/>
+    <dgm:txLinClrLst/>
+    <dgm:txFillClrLst meth="repeat">
+      <a:schemeClr val="lt1"/>
+    </dgm:txFillClrLst>
+    <dgm:txEffectClrLst/>
+  </dgm:styleLbl>
+  <dgm:styleLbl name="parChTrans1D1">
+    <dgm:fillClrLst meth="repeat">
+      <a:schemeClr val="accent2"/>
+    </dgm:fillClrLst>
+    <dgm:linClrLst meth="repeat">
+      <a:schemeClr val="accent2"/>
+    </dgm:linClrLst>
+    <dgm:effectClrLst/>
+    <dgm:txLinClrLst/>
+    <dgm:txFillClrLst meth="repeat">
+      <a:schemeClr val="tx1"/>
+    </dgm:txFillClrLst>
+    <dgm:txEffectClrLst/>
+  </dgm:styleLbl>
+  <dgm:styleLbl name="parChTrans1D2">
+    <dgm:fillClrLst meth="repeat">
+      <a:schemeClr val="accent2">
+        <a:tint val="90000"/>
+      </a:schemeClr>
+    </dgm:fillClrLst>
+    <dgm:linClrLst meth="repeat">
+      <a:schemeClr val="accent3"/>
+    </dgm:linClrLst>
+    <dgm:effectClrLst/>
+    <dgm:txLinClrLst/>
+    <dgm:txFillClrLst meth="repeat">
+      <a:schemeClr val="tx1"/>
+    </dgm:txFillClrLst>
+    <dgm:txEffectClrLst/>
+  </dgm:styleLbl>
+  <dgm:styleLbl name="parChTrans1D3">
+    <dgm:fillClrLst meth="repeat">
+      <a:schemeClr val="accent2">
+        <a:tint val="70000"/>
+      </a:schemeClr>
+    </dgm:fillClrLst>
+    <dgm:linClrLst meth="repeat">
+      <a:schemeClr val="accent4"/>
+    </dgm:linClrLst>
+    <dgm:effectClrLst/>
+    <dgm:txLinClrLst/>
+    <dgm:txFillClrLst meth="repeat">
+      <a:schemeClr val="tx1"/>
+    </dgm:txFillClrLst>
+    <dgm:txEffectClrLst/>
+  </dgm:styleLbl>
+  <dgm:styleLbl name="parChTrans1D4">
+    <dgm:fillClrLst meth="repeat">
+      <a:schemeClr val="accent2">
+        <a:tint val="50000"/>
+      </a:schemeClr>
+    </dgm:fillClrLst>
+    <dgm:linClrLst meth="repeat">
+      <a:schemeClr val="accent5"/>
+    </dgm:linClrLst>
+    <dgm:effectClrLst/>
+    <dgm:txLinClrLst/>
+    <dgm:txFillClrLst meth="repeat">
+      <a:schemeClr val="tx1"/>
+    </dgm:txFillClrLst>
+    <dgm:txEffectClrLst/>
+  </dgm:styleLbl>
+  <dgm:styleLbl name="fgAcc1">
+    <dgm:fillClrLst meth="repeat">
+      <a:schemeClr val="lt1">
+        <a:alpha val="90000"/>
+      </a:schemeClr>
+    </dgm:fillClrLst>
+    <dgm:linClrLst>
+      <a:schemeClr val="accent2"/>
+      <a:schemeClr val="accent3"/>
+    </dgm:linClrLst>
+    <dgm:effectClrLst/>
+    <dgm:txLinClrLst/>
+    <dgm:txFillClrLst meth="repeat">
+      <a:schemeClr val="dk1"/>
+    </dgm:txFillClrLst>
+    <dgm:txEffectClrLst/>
+  </dgm:styleLbl>
+  <dgm:styleLbl name="conFgAcc1">
+    <dgm:fillClrLst meth="repeat">
+      <a:schemeClr val="lt1">
+        <a:alpha val="90000"/>
+      </a:schemeClr>
+    </dgm:fillClrLst>
+    <dgm:linClrLst>
+      <a:schemeClr val="accent2"/>
+      <a:schemeClr val="accent3"/>
+    </dgm:linClrLst>
+    <dgm:effectClrLst/>
+    <dgm:txLinClrLst/>
+    <dgm:txFillClrLst meth="repeat">
+      <a:schemeClr val="dk1"/>
+    </dgm:txFillClrLst>
+    <dgm:txEffectClrLst/>
+  </dgm:styleLbl>
+  <dgm:styleLbl name="alignAcc1">
+    <dgm:fillClrLst meth="repeat">
+      <a:schemeClr val="lt1">
+        <a:alpha val="90000"/>
+      </a:schemeClr>
+    </dgm:fillClrLst>
+    <dgm:linClrLst>
+      <a:schemeClr val="accent2"/>
+      <a:schemeClr val="accent3"/>
+    </dgm:linClrLst>
+    <dgm:effectClrLst/>
+    <dgm:txLinClrLst/>
+    <dgm:txFillClrLst meth="repeat">
+      <a:schemeClr val="dk1"/>
+    </dgm:txFillClrLst>
+    <dgm:txEffectClrLst/>
+  </dgm:styleLbl>
+  <dgm:styleLbl name="trAlignAcc1">
+    <dgm:fillClrLst meth="repeat">
+      <a:schemeClr val="lt1">
+        <a:alpha val="40000"/>
+      </a:schemeClr>
+    </dgm:fillClrLst>
+    <dgm:linClrLst meth="repeat">
+      <a:schemeClr val="accent2"/>
+    </dgm:linClrLst>
+    <dgm:effectClrLst/>
+    <dgm:txLinClrLst/>
+    <dgm:txFillClrLst meth="repeat">
+      <a:schemeClr val="dk1"/>
+    </dgm:txFillClrLst>
+    <dgm:txEffectClrLst/>
+  </dgm:styleLbl>
+  <dgm:styleLbl name="bgAcc1">
+    <dgm:fillClrLst meth="repeat">
+      <a:schemeClr val="lt1">
+        <a:alpha val="90000"/>
+      </a:schemeClr>
+    </dgm:fillClrLst>
+    <dgm:linClrLst>
+      <a:schemeClr val="accent2"/>
+      <a:schemeClr val="accent3"/>
+    </dgm:linClrLst>
+    <dgm:effectClrLst/>
+    <dgm:txLinClrLst/>
+    <dgm:txFillClrLst meth="repeat">
+      <a:schemeClr val="dk1"/>
+    </dgm:txFillClrLst>
+    <dgm:txEffectClrLst/>
+  </dgm:styleLbl>
+  <dgm:styleLbl name="solidFgAcc1">
+    <dgm:fillClrLst meth="repeat">
+      <a:schemeClr val="lt1"/>
+    </dgm:fillClrLst>
+    <dgm:linClrLst>
+      <a:schemeClr val="accent2"/>
+      <a:schemeClr val="accent3"/>
+    </dgm:linClrLst>
+    <dgm:effectClrLst/>
+    <dgm:txLinClrLst/>
+    <dgm:txFillClrLst meth="repeat">
+      <a:schemeClr val="dk1"/>
+    </dgm:txFillClrLst>
+    <dgm:txEffectClrLst/>
+  </dgm:styleLbl>
+  <dgm:styleLbl name="solidAlignAcc1">
+    <dgm:fillClrLst meth="repeat">
+      <a:schemeClr val="lt1"/>
+    </dgm:fillClrLst>
+    <dgm:linClrLst>
+      <a:schemeClr val="accent2"/>
+      <a:schemeClr val="accent3"/>
+    </dgm:linClrLst>
+    <dgm:effectClrLst/>
+    <dgm:txLinClrLst/>
+    <dgm:txFillClrLst meth="repeat">
+      <a:schemeClr val="dk1"/>
+    </dgm:txFillClrLst>
+    <dgm:txEffectClrLst/>
+  </dgm:styleLbl>
+  <dgm:styleLbl name="solidBgAcc1">
+    <dgm:fillClrLst meth="repeat">
+      <a:schemeClr val="lt1"/>
+    </dgm:fillClrLst>
+    <dgm:linClrLst>
+      <a:schemeClr val="accent2"/>
+      <a:schemeClr val="accent3"/>
+    </dgm:linClrLst>
+    <dgm:effectClrLst/>
+    <dgm:txLinClrLst/>
+    <dgm:txFillClrLst meth="repeat">
+      <a:schemeClr val="dk1"/>
+    </dgm:txFillClrLst>
+    <dgm:txEffectClrLst/>
+  </dgm:styleLbl>
+  <dgm:styleLbl name="fgAccFollowNode1">
+    <dgm:fillClrLst>
+      <a:schemeClr val="accent2">
+        <a:tint val="40000"/>
+        <a:alpha val="90000"/>
+      </a:schemeClr>
+      <a:schemeClr val="accent3">
+        <a:tint val="40000"/>
+        <a:alpha val="90000"/>
+      </a:schemeClr>
+    </dgm:fillClrLst>
+    <dgm:linClrLst>
+      <a:schemeClr val="accent2">
+        <a:tint val="40000"/>
+        <a:alpha val="90000"/>
+      </a:schemeClr>
+      <a:schemeClr val="accent3">
+        <a:tint val="40000"/>
+        <a:alpha val="90000"/>
+      </a:schemeClr>
+    </dgm:linClrLst>
+    <dgm:effectClrLst/>
+    <dgm:txLinClrLst/>
+    <dgm:txFillClrLst meth="repeat">
+      <a:schemeClr val="dk1"/>
+    </dgm:txFillClrLst>
+    <dgm:txEffectClrLst/>
+  </dgm:styleLbl>
+  <dgm:styleLbl name="alignAccFollowNode1">
+    <dgm:fillClrLst>
+      <a:schemeClr val="accent2">
+        <a:tint val="40000"/>
+        <a:alpha val="90000"/>
+      </a:schemeClr>
+      <a:schemeClr val="accent3">
+        <a:tint val="40000"/>
+        <a:alpha val="90000"/>
+      </a:schemeClr>
+    </dgm:fillClrLst>
+    <dgm:linClrLst>
+      <a:schemeClr val="accent2">
+        <a:tint val="40000"/>
+        <a:alpha val="90000"/>
+      </a:schemeClr>
+      <a:schemeClr val="accent3">
+        <a:tint val="40000"/>
+        <a:alpha val="90000"/>
+      </a:schemeClr>
+    </dgm:linClrLst>
+    <dgm:effectClrLst/>
+    <dgm:txLinClrLst/>
+    <dgm:txFillClrLst meth="repeat">
+      <a:schemeClr val="dk1"/>
+    </dgm:txFillClrLst>
+    <dgm:txEffectClrLst/>
+  </dgm:styleLbl>
+  <dgm:styleLbl name="bgAccFollowNode1">
+    <dgm:fillClrLst>
+      <a:schemeClr val="accent2">
+        <a:tint val="40000"/>
+        <a:alpha val="90000"/>
+      </a:schemeClr>
+      <a:schemeClr val="accent3">
+        <a:tint val="40000"/>
+        <a:alpha val="90000"/>
+      </a:schemeClr>
+    </dgm:fillClrLst>
+    <dgm:linClrLst>
+      <a:schemeClr val="accent2">
+        <a:tint val="40000"/>
+        <a:alpha val="90000"/>
+      </a:schemeClr>
+      <a:schemeClr val="accent3">
+        <a:tint val="40000"/>
+        <a:alpha val="90000"/>
+      </a:schemeClr>
+    </dgm:linClrLst>
+    <dgm:effectClrLst/>
+    <dgm:txLinClrLst/>
+    <dgm:txFillClrLst meth="repeat">
+      <a:schemeClr val="dk1"/>
+    </dgm:txFillClrLst>
+    <dgm:txEffectClrLst/>
+  </dgm:styleLbl>
+  <dgm:styleLbl name="fgAcc0">
+    <dgm:fillClrLst meth="repeat">
+      <a:schemeClr val="lt1">
+        <a:alpha val="90000"/>
+      </a:schemeClr>
+    </dgm:fillClrLst>
+    <dgm:linClrLst>
+      <a:schemeClr val="accent1"/>
+    </dgm:linClrLst>
+    <dgm:effectClrLst/>
+    <dgm:txLinClrLst/>
+    <dgm:txFillClrLst meth="repeat">
+      <a:schemeClr val="dk1"/>
+    </dgm:txFillClrLst>
+    <dgm:txEffectClrLst/>
+  </dgm:styleLbl>
+  <dgm:styleLbl name="fgAcc2">
+    <dgm:fillClrLst meth="repeat">
+      <a:schemeClr val="lt1">
+        <a:alpha val="90000"/>
+      </a:schemeClr>
+    </dgm:fillClrLst>
+    <dgm:linClrLst>
+      <a:schemeClr val="accent3"/>
+    </dgm:linClrLst>
+    <dgm:effectClrLst/>
+    <dgm:txLinClrLst/>
+    <dgm:txFillClrLst meth="repeat">
+      <a:schemeClr val="dk1"/>
+    </dgm:txFillClrLst>
+    <dgm:txEffectClrLst/>
+  </dgm:styleLbl>
+  <dgm:styleLbl name="fgAcc3">
+    <dgm:fillClrLst meth="repeat">
+      <a:schemeClr val="lt1">
+        <a:alpha val="90000"/>
+      </a:schemeClr>
+    </dgm:fillClrLst>
+    <dgm:linClrLst>
+      <a:schemeClr val="accent4"/>
+    </dgm:linClrLst>
+    <dgm:effectClrLst/>
+    <dgm:txLinClrLst/>
+    <dgm:txFillClrLst meth="repeat">
+      <a:schemeClr val="dk1"/>
+    </dgm:txFillClrLst>
+    <dgm:txEffectClrLst/>
+  </dgm:styleLbl>
+  <dgm:styleLbl name="fgAcc4">
+    <dgm:fillClrLst meth="repeat">
+      <a:schemeClr val="lt1">
+        <a:alpha val="90000"/>
+      </a:schemeClr>
+    </dgm:fillClrLst>
+    <dgm:linClrLst>
+      <a:schemeClr val="accent5"/>
+    </dgm:linClrLst>
+    <dgm:effectClrLst/>
+    <dgm:txLinClrLst/>
+    <dgm:txFillClrLst meth="repeat">
+      <a:schemeClr val="dk1"/>
+    </dgm:txFillClrLst>
+    <dgm:txEffectClrLst/>
+  </dgm:styleLbl>
+  <dgm:styleLbl name="bgShp">
+    <dgm:fillClrLst meth="repeat">
+      <a:schemeClr val="accent2">
+        <a:tint val="40000"/>
+      </a:schemeClr>
+    </dgm:fillClrLst>
+    <dgm:linClrLst meth="repeat">
+      <a:schemeClr val="dk1"/>
+    </dgm:linClrLst>
+    <dgm:effectClrLst/>
+    <dgm:txLinClrLst/>
+    <dgm:txFillClrLst meth="repeat">
+      <a:schemeClr val="dk1"/>
+    </dgm:txFillClrLst>
+    <dgm:txEffectClrLst/>
+  </dgm:styleLbl>
+  <dgm:styleLbl name="dkBgShp">
+    <dgm:fillClrLst meth="repeat">
+      <a:schemeClr val="accent2">
+        <a:shade val="90000"/>
+      </a:schemeClr>
+    </dgm:fillClrLst>
+    <dgm:linClrLst meth="repeat">
+      <a:schemeClr val="dk1"/>
+    </dgm:linClrLst>
+    <dgm:effectClrLst/>
+    <dgm:txLinClrLst/>
+    <dgm:txFillClrLst meth="repeat">
+      <a:schemeClr val="lt1"/>
+    </dgm:txFillClrLst>
+    <dgm:txEffectClrLst/>
+  </dgm:styleLbl>
+  <dgm:styleLbl name="trBgShp">
+    <dgm:fillClrLst meth="repeat">
+      <a:schemeClr val="accent2">
+        <a:tint val="50000"/>
+        <a:alpha val="40000"/>
+      </a:schemeClr>
+    </dgm:fillClrLst>
+    <dgm:linClrLst meth="repeat">
+      <a:schemeClr val="accent2"/>
+    </dgm:linClrLst>
+    <dgm:effectClrLst/>
+    <dgm:txLinClrLst/>
+    <dgm:txFillClrLst meth="repeat">
+      <a:schemeClr val="lt1"/>
+    </dgm:txFillClrLst>
+    <dgm:txEffectClrLst/>
+  </dgm:styleLbl>
+  <dgm:styleLbl name="fgShp">
+    <dgm:fillClrLst meth="repeat">
+      <a:schemeClr val="accent2">
+        <a:tint val="40000"/>
+      </a:schemeClr>
+    </dgm:fillClrLst>
+    <dgm:linClrLst meth="repeat">
+      <a:schemeClr val="lt1"/>
+    </dgm:linClrLst>
+    <dgm:effectClrLst/>
+    <dgm:txLinClrLst/>
+    <dgm:txFillClrLst meth="repeat">
+      <a:schemeClr val="dk1"/>
+    </dgm:txFillClrLst>
+    <dgm:txEffectClrLst/>
+  </dgm:styleLbl>
+  <dgm:styleLbl name="revTx">
+    <dgm:fillClrLst meth="repeat">
+      <a:schemeClr val="lt1">
+        <a:alpha val="0"/>
+      </a:schemeClr>
+    </dgm:fillClrLst>
+    <dgm:linClrLst meth="repeat">
+      <a:schemeClr val="dk1">
+        <a:alpha val="0"/>
+      </a:schemeClr>
+    </dgm:linClrLst>
+    <dgm:effectClrLst/>
+    <dgm:txLinClrLst/>
+    <dgm:txFillClrLst meth="repeat">
+      <a:schemeClr val="tx1"/>
+    </dgm:txFillClrLst>
+    <dgm:txEffectClrLst/>
+  </dgm:styleLbl>
+</dgm:colorsDef>
+</file>
+
+<file path=ppt/diagrams/data1.xml><?xml version="1.0" encoding="utf-8"?>
+<dgm:dataModel xmlns:dgm="http://schemas.openxmlformats.org/drawingml/2006/diagram" xmlns:a="http://schemas.openxmlformats.org/drawingml/2006/main">
+  <dgm:ptLst>
+    <dgm:pt modelId="{16C9B104-0BCC-4824-90A5-5BAD0F37B574}" type="doc">
+      <dgm:prSet loTypeId="urn:microsoft.com/office/officeart/2005/8/layout/list1" loCatId="list" qsTypeId="urn:microsoft.com/office/officeart/2005/8/quickstyle/simple4" qsCatId="simple" csTypeId="urn:microsoft.com/office/officeart/2005/8/colors/colorful2" csCatId="colorful"/>
+      <dgm:spPr/>
+      <dgm:t>
+        <a:bodyPr/>
+        <a:lstStyle/>
+        <a:p>
+          <a:endParaRPr lang="en-US"/>
+        </a:p>
+      </dgm:t>
+    </dgm:pt>
+    <dgm:pt modelId="{B7823CE8-FBB7-4361-A032-D1853CBFF935}">
+      <dgm:prSet/>
+      <dgm:spPr/>
+      <dgm:t>
+        <a:bodyPr/>
+        <a:lstStyle/>
+        <a:p>
+          <a:r>
+            <a:rPr lang="en-US"/>
+            <a:t>SIGNIFICANCE LEVEL (α)</a:t>
+          </a:r>
+        </a:p>
+      </dgm:t>
+    </dgm:pt>
+    <dgm:pt modelId="{701A1226-96AE-4C9A-A70A-45F2E9A23400}" type="parTrans" cxnId="{F78C7C15-FFAE-4563-92D4-A30E69CB91E0}">
+      <dgm:prSet/>
+      <dgm:spPr/>
+      <dgm:t>
+        <a:bodyPr/>
+        <a:lstStyle/>
+        <a:p>
+          <a:endParaRPr lang="en-US"/>
+        </a:p>
+      </dgm:t>
+    </dgm:pt>
+    <dgm:pt modelId="{C6FA204B-DF29-4AE1-999B-9654C15CD12C}" type="sibTrans" cxnId="{F78C7C15-FFAE-4563-92D4-A30E69CB91E0}">
+      <dgm:prSet/>
+      <dgm:spPr/>
+      <dgm:t>
+        <a:bodyPr/>
+        <a:lstStyle/>
+        <a:p>
+          <a:endParaRPr lang="en-US"/>
+        </a:p>
+      </dgm:t>
+    </dgm:pt>
+    <dgm:pt modelId="{556499C2-8B5E-4329-A51A-E7EFF46F1D67}">
+      <dgm:prSet/>
+      <dgm:spPr/>
+      <dgm:t>
+        <a:bodyPr/>
+        <a:lstStyle/>
+        <a:p>
+          <a:r>
+            <a:rPr lang="en-US"/>
+            <a:t>The acceptable level of error selected by the researcher, usually set at 0.05. The level of error refers to the probability of rejecting the null hypothesis when it is actually true for the population.</a:t>
+          </a:r>
+        </a:p>
+      </dgm:t>
+    </dgm:pt>
+    <dgm:pt modelId="{D07CD537-652F-490D-AFF6-5248F7B2C918}" type="parTrans" cxnId="{9A025AA5-CC61-4383-8462-54AF45B8818E}">
+      <dgm:prSet/>
+      <dgm:spPr/>
+      <dgm:t>
+        <a:bodyPr/>
+        <a:lstStyle/>
+        <a:p>
+          <a:endParaRPr lang="en-US"/>
+        </a:p>
+      </dgm:t>
+    </dgm:pt>
+    <dgm:pt modelId="{B10E7AAF-4710-45F9-8545-48969CD594CC}" type="sibTrans" cxnId="{9A025AA5-CC61-4383-8462-54AF45B8818E}">
+      <dgm:prSet/>
+      <dgm:spPr/>
+      <dgm:t>
+        <a:bodyPr/>
+        <a:lstStyle/>
+        <a:p>
+          <a:endParaRPr lang="en-US"/>
+        </a:p>
+      </dgm:t>
+    </dgm:pt>
+    <dgm:pt modelId="{93E9CB6C-A392-473D-B23F-E1BBBD312842}">
+      <dgm:prSet/>
+      <dgm:spPr/>
+      <dgm:t>
+        <a:bodyPr/>
+        <a:lstStyle/>
+        <a:p>
+          <a:r>
+            <a:rPr lang="en-US"/>
+            <a:t>p-VALUE</a:t>
+          </a:r>
+        </a:p>
+      </dgm:t>
+    </dgm:pt>
+    <dgm:pt modelId="{DF5BD614-5182-4588-9D35-2032D97D9309}" type="parTrans" cxnId="{126265DE-E1B9-4D07-9906-BD2C42C23D79}">
+      <dgm:prSet/>
+      <dgm:spPr/>
+      <dgm:t>
+        <a:bodyPr/>
+        <a:lstStyle/>
+        <a:p>
+          <a:endParaRPr lang="en-US"/>
+        </a:p>
+      </dgm:t>
+    </dgm:pt>
+    <dgm:pt modelId="{EA8EE61A-1223-42E7-B5CB-C01A04EA3BF2}" type="sibTrans" cxnId="{126265DE-E1B9-4D07-9906-BD2C42C23D79}">
+      <dgm:prSet/>
+      <dgm:spPr/>
+      <dgm:t>
+        <a:bodyPr/>
+        <a:lstStyle/>
+        <a:p>
+          <a:endParaRPr lang="en-US"/>
+        </a:p>
+      </dgm:t>
+    </dgm:pt>
+    <dgm:pt modelId="{3A4D4E94-1BB3-4758-B136-4D26E42CB158}">
+      <dgm:prSet/>
+      <dgm:spPr/>
+      <dgm:t>
+        <a:bodyPr/>
+        <a:lstStyle/>
+        <a:p>
+          <a:r>
+            <a:rPr lang="en-US"/>
+            <a:t>The probability of obtaining a given result if in fact the null hypothesis were true in the population. A result is regarded as statistically significant if the p-value is less than the chosen significance level of the test.</a:t>
+          </a:r>
+        </a:p>
+      </dgm:t>
+    </dgm:pt>
+    <dgm:pt modelId="{E469B182-5437-4E6A-B0A4-BEF1666319F7}" type="parTrans" cxnId="{BED8DB59-8F1D-44E1-8505-7BDB37CC4C21}">
+      <dgm:prSet/>
+      <dgm:spPr/>
+      <dgm:t>
+        <a:bodyPr/>
+        <a:lstStyle/>
+        <a:p>
+          <a:endParaRPr lang="en-US"/>
+        </a:p>
+      </dgm:t>
+    </dgm:pt>
+    <dgm:pt modelId="{0573F910-722D-4317-B930-38814B68F2C6}" type="sibTrans" cxnId="{BED8DB59-8F1D-44E1-8505-7BDB37CC4C21}">
+      <dgm:prSet/>
+      <dgm:spPr/>
+      <dgm:t>
+        <a:bodyPr/>
+        <a:lstStyle/>
+        <a:p>
+          <a:endParaRPr lang="en-US"/>
+        </a:p>
+      </dgm:t>
+    </dgm:pt>
+    <dgm:pt modelId="{417BAE03-35F1-4905-9367-8FED4409CCF0}" type="pres">
+      <dgm:prSet presAssocID="{16C9B104-0BCC-4824-90A5-5BAD0F37B574}" presName="linear" presStyleCnt="0">
+        <dgm:presLayoutVars>
+          <dgm:dir/>
+          <dgm:animLvl val="lvl"/>
+          <dgm:resizeHandles val="exact"/>
+        </dgm:presLayoutVars>
+      </dgm:prSet>
+      <dgm:spPr/>
+    </dgm:pt>
+    <dgm:pt modelId="{6B77ABD6-26D8-4D35-9A2E-B93C42CD03C8}" type="pres">
+      <dgm:prSet presAssocID="{B7823CE8-FBB7-4361-A032-D1853CBFF935}" presName="parentLin" presStyleCnt="0"/>
+      <dgm:spPr/>
+    </dgm:pt>
+    <dgm:pt modelId="{530E280E-0E00-492E-87B3-A5084F76F69B}" type="pres">
+      <dgm:prSet presAssocID="{B7823CE8-FBB7-4361-A032-D1853CBFF935}" presName="parentLeftMargin" presStyleLbl="node1" presStyleIdx="0" presStyleCnt="2"/>
+      <dgm:spPr/>
+    </dgm:pt>
+    <dgm:pt modelId="{3AF36798-DADE-4390-96A1-3FC56F435A24}" type="pres">
+      <dgm:prSet presAssocID="{B7823CE8-FBB7-4361-A032-D1853CBFF935}" presName="parentText" presStyleLbl="node1" presStyleIdx="0" presStyleCnt="2">
+        <dgm:presLayoutVars>
+          <dgm:chMax val="0"/>
+          <dgm:bulletEnabled val="1"/>
+        </dgm:presLayoutVars>
+      </dgm:prSet>
+      <dgm:spPr/>
+    </dgm:pt>
+    <dgm:pt modelId="{430FA98A-4D14-40FB-B12F-A48D264C61EC}" type="pres">
+      <dgm:prSet presAssocID="{B7823CE8-FBB7-4361-A032-D1853CBFF935}" presName="negativeSpace" presStyleCnt="0"/>
+      <dgm:spPr/>
+    </dgm:pt>
+    <dgm:pt modelId="{9A0DFF5B-9154-4D3E-805B-175EF9A373BA}" type="pres">
+      <dgm:prSet presAssocID="{B7823CE8-FBB7-4361-A032-D1853CBFF935}" presName="childText" presStyleLbl="conFgAcc1" presStyleIdx="0" presStyleCnt="2">
+        <dgm:presLayoutVars>
+          <dgm:bulletEnabled val="1"/>
+        </dgm:presLayoutVars>
+      </dgm:prSet>
+      <dgm:spPr/>
+    </dgm:pt>
+    <dgm:pt modelId="{2A46CA1C-AD80-48F5-BB44-6D28E8220ABA}" type="pres">
+      <dgm:prSet presAssocID="{C6FA204B-DF29-4AE1-999B-9654C15CD12C}" presName="spaceBetweenRectangles" presStyleCnt="0"/>
+      <dgm:spPr/>
+    </dgm:pt>
+    <dgm:pt modelId="{95A31DBD-5970-43E6-B345-77BB33ECD959}" type="pres">
+      <dgm:prSet presAssocID="{93E9CB6C-A392-473D-B23F-E1BBBD312842}" presName="parentLin" presStyleCnt="0"/>
+      <dgm:spPr/>
+    </dgm:pt>
+    <dgm:pt modelId="{2B0923D4-8AD4-4A97-8869-938A38EAB41F}" type="pres">
+      <dgm:prSet presAssocID="{93E9CB6C-A392-473D-B23F-E1BBBD312842}" presName="parentLeftMargin" presStyleLbl="node1" presStyleIdx="0" presStyleCnt="2"/>
+      <dgm:spPr/>
+    </dgm:pt>
+    <dgm:pt modelId="{864BB972-076D-4DFC-AC2E-B3C33AE3A39C}" type="pres">
+      <dgm:prSet presAssocID="{93E9CB6C-A392-473D-B23F-E1BBBD312842}" presName="parentText" presStyleLbl="node1" presStyleIdx="1" presStyleCnt="2">
+        <dgm:presLayoutVars>
+          <dgm:chMax val="0"/>
+          <dgm:bulletEnabled val="1"/>
+        </dgm:presLayoutVars>
+      </dgm:prSet>
+      <dgm:spPr/>
+    </dgm:pt>
+    <dgm:pt modelId="{E5A0EED7-3658-436B-9CB4-444E1ADE4940}" type="pres">
+      <dgm:prSet presAssocID="{93E9CB6C-A392-473D-B23F-E1BBBD312842}" presName="negativeSpace" presStyleCnt="0"/>
+      <dgm:spPr/>
+    </dgm:pt>
+    <dgm:pt modelId="{8FF83E93-CF8B-4C35-86F8-34F4A3A40B1B}" type="pres">
+      <dgm:prSet presAssocID="{93E9CB6C-A392-473D-B23F-E1BBBD312842}" presName="childText" presStyleLbl="conFgAcc1" presStyleIdx="1" presStyleCnt="2">
+        <dgm:presLayoutVars>
+          <dgm:bulletEnabled val="1"/>
+        </dgm:presLayoutVars>
+      </dgm:prSet>
+      <dgm:spPr/>
+    </dgm:pt>
+  </dgm:ptLst>
+  <dgm:cxnLst>
+    <dgm:cxn modelId="{F78C7C15-FFAE-4563-92D4-A30E69CB91E0}" srcId="{16C9B104-0BCC-4824-90A5-5BAD0F37B574}" destId="{B7823CE8-FBB7-4361-A032-D1853CBFF935}" srcOrd="0" destOrd="0" parTransId="{701A1226-96AE-4C9A-A70A-45F2E9A23400}" sibTransId="{C6FA204B-DF29-4AE1-999B-9654C15CD12C}"/>
+    <dgm:cxn modelId="{2B23B52C-2612-41CA-874A-F0B525A50618}" type="presOf" srcId="{556499C2-8B5E-4329-A51A-E7EFF46F1D67}" destId="{9A0DFF5B-9154-4D3E-805B-175EF9A373BA}" srcOrd="0" destOrd="0" presId="urn:microsoft.com/office/officeart/2005/8/layout/list1"/>
+    <dgm:cxn modelId="{E1C2106E-8845-4F90-B6B8-59AB9F424CA6}" type="presOf" srcId="{93E9CB6C-A392-473D-B23F-E1BBBD312842}" destId="{2B0923D4-8AD4-4A97-8869-938A38EAB41F}" srcOrd="0" destOrd="0" presId="urn:microsoft.com/office/officeart/2005/8/layout/list1"/>
+    <dgm:cxn modelId="{BED8DB59-8F1D-44E1-8505-7BDB37CC4C21}" srcId="{93E9CB6C-A392-473D-B23F-E1BBBD312842}" destId="{3A4D4E94-1BB3-4758-B136-4D26E42CB158}" srcOrd="0" destOrd="0" parTransId="{E469B182-5437-4E6A-B0A4-BEF1666319F7}" sibTransId="{0573F910-722D-4317-B930-38814B68F2C6}"/>
+    <dgm:cxn modelId="{7B10F58D-5370-4CC7-958C-26D59BCB8550}" type="presOf" srcId="{3A4D4E94-1BB3-4758-B136-4D26E42CB158}" destId="{8FF83E93-CF8B-4C35-86F8-34F4A3A40B1B}" srcOrd="0" destOrd="0" presId="urn:microsoft.com/office/officeart/2005/8/layout/list1"/>
+    <dgm:cxn modelId="{907447A4-615F-4B31-BB16-0022E1129255}" type="presOf" srcId="{B7823CE8-FBB7-4361-A032-D1853CBFF935}" destId="{3AF36798-DADE-4390-96A1-3FC56F435A24}" srcOrd="1" destOrd="0" presId="urn:microsoft.com/office/officeart/2005/8/layout/list1"/>
+    <dgm:cxn modelId="{9A025AA5-CC61-4383-8462-54AF45B8818E}" srcId="{B7823CE8-FBB7-4361-A032-D1853CBFF935}" destId="{556499C2-8B5E-4329-A51A-E7EFF46F1D67}" srcOrd="0" destOrd="0" parTransId="{D07CD537-652F-490D-AFF6-5248F7B2C918}" sibTransId="{B10E7AAF-4710-45F9-8545-48969CD594CC}"/>
+    <dgm:cxn modelId="{FF40E3AA-CA06-4A3E-87E1-8DE94B6A821C}" type="presOf" srcId="{B7823CE8-FBB7-4361-A032-D1853CBFF935}" destId="{530E280E-0E00-492E-87B3-A5084F76F69B}" srcOrd="0" destOrd="0" presId="urn:microsoft.com/office/officeart/2005/8/layout/list1"/>
+    <dgm:cxn modelId="{F44DC1B2-F219-4D29-8A42-EA7E926762D2}" type="presOf" srcId="{93E9CB6C-A392-473D-B23F-E1BBBD312842}" destId="{864BB972-076D-4DFC-AC2E-B3C33AE3A39C}" srcOrd="1" destOrd="0" presId="urn:microsoft.com/office/officeart/2005/8/layout/list1"/>
+    <dgm:cxn modelId="{42BCD7BA-E1D1-49CF-A6CF-8149868AC3D4}" type="presOf" srcId="{16C9B104-0BCC-4824-90A5-5BAD0F37B574}" destId="{417BAE03-35F1-4905-9367-8FED4409CCF0}" srcOrd="0" destOrd="0" presId="urn:microsoft.com/office/officeart/2005/8/layout/list1"/>
+    <dgm:cxn modelId="{126265DE-E1B9-4D07-9906-BD2C42C23D79}" srcId="{16C9B104-0BCC-4824-90A5-5BAD0F37B574}" destId="{93E9CB6C-A392-473D-B23F-E1BBBD312842}" srcOrd="1" destOrd="0" parTransId="{DF5BD614-5182-4588-9D35-2032D97D9309}" sibTransId="{EA8EE61A-1223-42E7-B5CB-C01A04EA3BF2}"/>
+    <dgm:cxn modelId="{5A7C417E-C2E9-4290-99F0-D604FC6F6100}" type="presParOf" srcId="{417BAE03-35F1-4905-9367-8FED4409CCF0}" destId="{6B77ABD6-26D8-4D35-9A2E-B93C42CD03C8}" srcOrd="0" destOrd="0" presId="urn:microsoft.com/office/officeart/2005/8/layout/list1"/>
+    <dgm:cxn modelId="{79E5D015-EBC5-44FA-853B-2646BA3FE18C}" type="presParOf" srcId="{6B77ABD6-26D8-4D35-9A2E-B93C42CD03C8}" destId="{530E280E-0E00-492E-87B3-A5084F76F69B}" srcOrd="0" destOrd="0" presId="urn:microsoft.com/office/officeart/2005/8/layout/list1"/>
+    <dgm:cxn modelId="{FD593A13-649E-42DD-903F-1600AB599BDF}" type="presParOf" srcId="{6B77ABD6-26D8-4D35-9A2E-B93C42CD03C8}" destId="{3AF36798-DADE-4390-96A1-3FC56F435A24}" srcOrd="1" destOrd="0" presId="urn:microsoft.com/office/officeart/2005/8/layout/list1"/>
+    <dgm:cxn modelId="{87F5A847-7C74-4067-BA4C-5286E13F0D18}" type="presParOf" srcId="{417BAE03-35F1-4905-9367-8FED4409CCF0}" destId="{430FA98A-4D14-40FB-B12F-A48D264C61EC}" srcOrd="1" destOrd="0" presId="urn:microsoft.com/office/officeart/2005/8/layout/list1"/>
+    <dgm:cxn modelId="{006E5B67-4B9D-448E-BF2B-DA5704693B36}" type="presParOf" srcId="{417BAE03-35F1-4905-9367-8FED4409CCF0}" destId="{9A0DFF5B-9154-4D3E-805B-175EF9A373BA}" srcOrd="2" destOrd="0" presId="urn:microsoft.com/office/officeart/2005/8/layout/list1"/>
+    <dgm:cxn modelId="{D8D5FD1F-0502-4272-B50E-E23212D6E4F5}" type="presParOf" srcId="{417BAE03-35F1-4905-9367-8FED4409CCF0}" destId="{2A46CA1C-AD80-48F5-BB44-6D28E8220ABA}" srcOrd="3" destOrd="0" presId="urn:microsoft.com/office/officeart/2005/8/layout/list1"/>
+    <dgm:cxn modelId="{F466D135-BB64-4902-94AA-A79E12276102}" type="presParOf" srcId="{417BAE03-35F1-4905-9367-8FED4409CCF0}" destId="{95A31DBD-5970-43E6-B345-77BB33ECD959}" srcOrd="4" destOrd="0" presId="urn:microsoft.com/office/officeart/2005/8/layout/list1"/>
+    <dgm:cxn modelId="{EBCA5F0D-FC44-4AAF-9A10-477BFC4B1091}" type="presParOf" srcId="{95A31DBD-5970-43E6-B345-77BB33ECD959}" destId="{2B0923D4-8AD4-4A97-8869-938A38EAB41F}" srcOrd="0" destOrd="0" presId="urn:microsoft.com/office/officeart/2005/8/layout/list1"/>
+    <dgm:cxn modelId="{8CCF2008-438A-47DC-A9A9-6380F348CBEC}" type="presParOf" srcId="{95A31DBD-5970-43E6-B345-77BB33ECD959}" destId="{864BB972-076D-4DFC-AC2E-B3C33AE3A39C}" srcOrd="1" destOrd="0" presId="urn:microsoft.com/office/officeart/2005/8/layout/list1"/>
+    <dgm:cxn modelId="{CA05F267-D6E6-4728-BCBB-0F39B1655AC3}" type="presParOf" srcId="{417BAE03-35F1-4905-9367-8FED4409CCF0}" destId="{E5A0EED7-3658-436B-9CB4-444E1ADE4940}" srcOrd="5" destOrd="0" presId="urn:microsoft.com/office/officeart/2005/8/layout/list1"/>
+    <dgm:cxn modelId="{6ED05928-7DBA-4E4B-B97D-1C95BA4C91FD}" type="presParOf" srcId="{417BAE03-35F1-4905-9367-8FED4409CCF0}" destId="{8FF83E93-CF8B-4C35-86F8-34F4A3A40B1B}" srcOrd="6" destOrd="0" presId="urn:microsoft.com/office/officeart/2005/8/layout/list1"/>
+  </dgm:cxnLst>
+  <dgm:bg/>
+  <dgm:whole/>
+  <dgm:extLst>
+    <a:ext uri="http://schemas.microsoft.com/office/drawing/2008/diagram">
+      <dsp:dataModelExt xmlns:dsp="http://schemas.microsoft.com/office/drawing/2008/diagram" relId="rId6" minVer="http://schemas.openxmlformats.org/drawingml/2006/diagram"/>
+    </a:ext>
+  </dgm:extLst>
+</dgm:dataModel>
+</file>
+
+<file path=ppt/diagrams/drawing1.xml><?xml version="1.0" encoding="utf-8"?>
+<dsp:drawing xmlns:dgm="http://schemas.openxmlformats.org/drawingml/2006/diagram" xmlns:dsp="http://schemas.microsoft.com/office/drawing/2008/diagram" xmlns:a="http://schemas.openxmlformats.org/drawingml/2006/main">
+  <dsp:spTree>
+    <dsp:nvGrpSpPr>
+      <dsp:cNvPr id="0" name=""/>
+      <dsp:cNvGrpSpPr/>
+    </dsp:nvGrpSpPr>
+    <dsp:grpSpPr/>
+    <dsp:sp modelId="{9A0DFF5B-9154-4D3E-805B-175EF9A373BA}">
+      <dsp:nvSpPr>
+        <dsp:cNvPr id="0" name=""/>
+        <dsp:cNvSpPr/>
+      </dsp:nvSpPr>
+      <dsp:spPr>
+        <a:xfrm>
+          <a:off x="0" y="382684"/>
+          <a:ext cx="6666833" cy="2282175"/>
+        </a:xfrm>
+        <a:prstGeom prst="rect">
+          <a:avLst/>
+        </a:prstGeom>
+        <a:solidFill>
+          <a:schemeClr val="lt1">
+            <a:alpha val="90000"/>
+            <a:hueOff val="0"/>
+            <a:satOff val="0"/>
+            <a:lumOff val="0"/>
+            <a:alphaOff val="0"/>
+          </a:schemeClr>
+        </a:solidFill>
+        <a:ln w="6350" cap="flat" cmpd="sng" algn="ctr">
+          <a:solidFill>
+            <a:schemeClr val="accent2">
+              <a:hueOff val="0"/>
+              <a:satOff val="0"/>
+              <a:lumOff val="0"/>
+              <a:alphaOff val="0"/>
+            </a:schemeClr>
+          </a:solidFill>
+          <a:prstDash val="solid"/>
+          <a:miter lim="800000"/>
+        </a:ln>
+        <a:effectLst/>
+      </dsp:spPr>
+      <dsp:style>
+        <a:lnRef idx="1">
+          <a:scrgbClr r="0" g="0" b="0"/>
+        </a:lnRef>
+        <a:fillRef idx="1">
+          <a:scrgbClr r="0" g="0" b="0"/>
+        </a:fillRef>
+        <a:effectRef idx="0">
+          <a:scrgbClr r="0" g="0" b="0"/>
+        </a:effectRef>
+        <a:fontRef idx="minor"/>
+      </dsp:style>
+      <dsp:txBody>
+        <a:bodyPr spcFirstLastPara="0" vert="horz" wrap="square" lIns="517420" tIns="479044" rIns="517420" bIns="163576" numCol="1" spcCol="1270" anchor="t" anchorCtr="0">
+          <a:noAutofit/>
+        </a:bodyPr>
+        <a:lstStyle/>
+        <a:p>
+          <a:pPr marL="228600" lvl="1" indent="-228600" algn="l" defTabSz="1022350">
+            <a:lnSpc>
+              <a:spcPct val="90000"/>
+            </a:lnSpc>
+            <a:spcBef>
+              <a:spcPct val="0"/>
+            </a:spcBef>
+            <a:spcAft>
+              <a:spcPct val="15000"/>
+            </a:spcAft>
+            <a:buChar char="•"/>
+          </a:pPr>
+          <a:r>
+            <a:rPr lang="en-US" sz="2300" kern="1200"/>
+            <a:t>The acceptable level of error selected by the researcher, usually set at 0.05. The level of error refers to the probability of rejecting the null hypothesis when it is actually true for the population.</a:t>
+          </a:r>
+        </a:p>
+      </dsp:txBody>
+      <dsp:txXfrm>
+        <a:off x="0" y="382684"/>
+        <a:ext cx="6666833" cy="2282175"/>
+      </dsp:txXfrm>
+    </dsp:sp>
+    <dsp:sp modelId="{3AF36798-DADE-4390-96A1-3FC56F435A24}">
+      <dsp:nvSpPr>
+        <dsp:cNvPr id="0" name=""/>
+        <dsp:cNvSpPr/>
+      </dsp:nvSpPr>
+      <dsp:spPr>
+        <a:xfrm>
+          <a:off x="333341" y="43204"/>
+          <a:ext cx="4666783" cy="678960"/>
+        </a:xfrm>
+        <a:prstGeom prst="roundRect">
+          <a:avLst/>
+        </a:prstGeom>
+        <a:gradFill rotWithShape="0">
+          <a:gsLst>
+            <a:gs pos="0">
+              <a:schemeClr val="accent2">
+                <a:hueOff val="0"/>
+                <a:satOff val="0"/>
+                <a:lumOff val="0"/>
+                <a:alphaOff val="0"/>
+                <a:satMod val="103000"/>
+                <a:lumMod val="102000"/>
+                <a:tint val="94000"/>
+              </a:schemeClr>
+            </a:gs>
+            <a:gs pos="50000">
+              <a:schemeClr val="accent2">
+                <a:hueOff val="0"/>
+                <a:satOff val="0"/>
+                <a:lumOff val="0"/>
+                <a:alphaOff val="0"/>
+                <a:satMod val="110000"/>
+                <a:lumMod val="100000"/>
+                <a:shade val="100000"/>
+              </a:schemeClr>
+            </a:gs>
+            <a:gs pos="100000">
+              <a:schemeClr val="accent2">
+                <a:hueOff val="0"/>
+                <a:satOff val="0"/>
+                <a:lumOff val="0"/>
+                <a:alphaOff val="0"/>
+                <a:lumMod val="99000"/>
+                <a:satMod val="120000"/>
+                <a:shade val="78000"/>
+              </a:schemeClr>
+            </a:gs>
+          </a:gsLst>
+          <a:lin ang="5400000" scaled="0"/>
+        </a:gradFill>
+        <a:ln>
+          <a:noFill/>
+        </a:ln>
+        <a:effectLst/>
+      </dsp:spPr>
+      <dsp:style>
+        <a:lnRef idx="0">
+          <a:scrgbClr r="0" g="0" b="0"/>
+        </a:lnRef>
+        <a:fillRef idx="3">
+          <a:scrgbClr r="0" g="0" b="0"/>
+        </a:fillRef>
+        <a:effectRef idx="2">
+          <a:scrgbClr r="0" g="0" b="0"/>
+        </a:effectRef>
+        <a:fontRef idx="minor">
+          <a:schemeClr val="lt1"/>
+        </a:fontRef>
+      </dsp:style>
+      <dsp:txBody>
+        <a:bodyPr spcFirstLastPara="0" vert="horz" wrap="square" lIns="176393" tIns="0" rIns="176393" bIns="0" numCol="1" spcCol="1270" anchor="ctr" anchorCtr="0">
+          <a:noAutofit/>
+        </a:bodyPr>
+        <a:lstStyle/>
+        <a:p>
+          <a:pPr marL="0" lvl="0" indent="0" algn="l" defTabSz="1022350">
+            <a:lnSpc>
+              <a:spcPct val="90000"/>
+            </a:lnSpc>
+            <a:spcBef>
+              <a:spcPct val="0"/>
+            </a:spcBef>
+            <a:spcAft>
+              <a:spcPct val="35000"/>
+            </a:spcAft>
+            <a:buNone/>
+          </a:pPr>
+          <a:r>
+            <a:rPr lang="en-US" sz="2300" kern="1200"/>
+            <a:t>SIGNIFICANCE LEVEL (α)</a:t>
+          </a:r>
+        </a:p>
+      </dsp:txBody>
+      <dsp:txXfrm>
+        <a:off x="366485" y="76348"/>
+        <a:ext cx="4600495" cy="612672"/>
+      </dsp:txXfrm>
+    </dsp:sp>
+    <dsp:sp modelId="{8FF83E93-CF8B-4C35-86F8-34F4A3A40B1B}">
+      <dsp:nvSpPr>
+        <dsp:cNvPr id="0" name=""/>
+        <dsp:cNvSpPr/>
+      </dsp:nvSpPr>
+      <dsp:spPr>
+        <a:xfrm>
+          <a:off x="0" y="3128540"/>
+          <a:ext cx="6666833" cy="2282175"/>
+        </a:xfrm>
+        <a:prstGeom prst="rect">
+          <a:avLst/>
+        </a:prstGeom>
+        <a:solidFill>
+          <a:schemeClr val="lt1">
+            <a:alpha val="90000"/>
+            <a:hueOff val="0"/>
+            <a:satOff val="0"/>
+            <a:lumOff val="0"/>
+            <a:alphaOff val="0"/>
+          </a:schemeClr>
+        </a:solidFill>
+        <a:ln w="6350" cap="flat" cmpd="sng" algn="ctr">
+          <a:solidFill>
+            <a:schemeClr val="accent2">
+              <a:hueOff val="-1455363"/>
+              <a:satOff val="-83928"/>
+              <a:lumOff val="8628"/>
+              <a:alphaOff val="0"/>
+            </a:schemeClr>
+          </a:solidFill>
+          <a:prstDash val="solid"/>
+          <a:miter lim="800000"/>
+        </a:ln>
+        <a:effectLst/>
+      </dsp:spPr>
+      <dsp:style>
+        <a:lnRef idx="1">
+          <a:scrgbClr r="0" g="0" b="0"/>
+        </a:lnRef>
+        <a:fillRef idx="1">
+          <a:scrgbClr r="0" g="0" b="0"/>
+        </a:fillRef>
+        <a:effectRef idx="0">
+          <a:scrgbClr r="0" g="0" b="0"/>
+        </a:effectRef>
+        <a:fontRef idx="minor"/>
+      </dsp:style>
+      <dsp:txBody>
+        <a:bodyPr spcFirstLastPara="0" vert="horz" wrap="square" lIns="517420" tIns="479044" rIns="517420" bIns="163576" numCol="1" spcCol="1270" anchor="t" anchorCtr="0">
+          <a:noAutofit/>
+        </a:bodyPr>
+        <a:lstStyle/>
+        <a:p>
+          <a:pPr marL="228600" lvl="1" indent="-228600" algn="l" defTabSz="1022350">
+            <a:lnSpc>
+              <a:spcPct val="90000"/>
+            </a:lnSpc>
+            <a:spcBef>
+              <a:spcPct val="0"/>
+            </a:spcBef>
+            <a:spcAft>
+              <a:spcPct val="15000"/>
+            </a:spcAft>
+            <a:buChar char="•"/>
+          </a:pPr>
+          <a:r>
+            <a:rPr lang="en-US" sz="2300" kern="1200"/>
+            <a:t>The probability of obtaining a given result if in fact the null hypothesis were true in the population. A result is regarded as statistically significant if the p-value is less than the chosen significance level of the test.</a:t>
+          </a:r>
+        </a:p>
+      </dsp:txBody>
+      <dsp:txXfrm>
+        <a:off x="0" y="3128540"/>
+        <a:ext cx="6666833" cy="2282175"/>
+      </dsp:txXfrm>
+    </dsp:sp>
+    <dsp:sp modelId="{864BB972-076D-4DFC-AC2E-B3C33AE3A39C}">
+      <dsp:nvSpPr>
+        <dsp:cNvPr id="0" name=""/>
+        <dsp:cNvSpPr/>
+      </dsp:nvSpPr>
+      <dsp:spPr>
+        <a:xfrm>
+          <a:off x="333341" y="2789060"/>
+          <a:ext cx="4666783" cy="678960"/>
+        </a:xfrm>
+        <a:prstGeom prst="roundRect">
+          <a:avLst/>
+        </a:prstGeom>
+        <a:gradFill rotWithShape="0">
+          <a:gsLst>
+            <a:gs pos="0">
+              <a:schemeClr val="accent2">
+                <a:hueOff val="-1455363"/>
+                <a:satOff val="-83928"/>
+                <a:lumOff val="8628"/>
+                <a:alphaOff val="0"/>
+                <a:satMod val="103000"/>
+                <a:lumMod val="102000"/>
+                <a:tint val="94000"/>
+              </a:schemeClr>
+            </a:gs>
+            <a:gs pos="50000">
+              <a:schemeClr val="accent2">
+                <a:hueOff val="-1455363"/>
+                <a:satOff val="-83928"/>
+                <a:lumOff val="8628"/>
+                <a:alphaOff val="0"/>
+                <a:satMod val="110000"/>
+                <a:lumMod val="100000"/>
+                <a:shade val="100000"/>
+              </a:schemeClr>
+            </a:gs>
+            <a:gs pos="100000">
+              <a:schemeClr val="accent2">
+                <a:hueOff val="-1455363"/>
+                <a:satOff val="-83928"/>
+                <a:lumOff val="8628"/>
+                <a:alphaOff val="0"/>
+                <a:lumMod val="99000"/>
+                <a:satMod val="120000"/>
+                <a:shade val="78000"/>
+              </a:schemeClr>
+            </a:gs>
+          </a:gsLst>
+          <a:lin ang="5400000" scaled="0"/>
+        </a:gradFill>
+        <a:ln>
+          <a:noFill/>
+        </a:ln>
+        <a:effectLst/>
+      </dsp:spPr>
+      <dsp:style>
+        <a:lnRef idx="0">
+          <a:scrgbClr r="0" g="0" b="0"/>
+        </a:lnRef>
+        <a:fillRef idx="3">
+          <a:scrgbClr r="0" g="0" b="0"/>
+        </a:fillRef>
+        <a:effectRef idx="2">
+          <a:scrgbClr r="0" g="0" b="0"/>
+        </a:effectRef>
+        <a:fontRef idx="minor">
+          <a:schemeClr val="lt1"/>
+        </a:fontRef>
+      </dsp:style>
+      <dsp:txBody>
+        <a:bodyPr spcFirstLastPara="0" vert="horz" wrap="square" lIns="176393" tIns="0" rIns="176393" bIns="0" numCol="1" spcCol="1270" anchor="ctr" anchorCtr="0">
+          <a:noAutofit/>
+        </a:bodyPr>
+        <a:lstStyle/>
+        <a:p>
+          <a:pPr marL="0" lvl="0" indent="0" algn="l" defTabSz="1022350">
+            <a:lnSpc>
+              <a:spcPct val="90000"/>
+            </a:lnSpc>
+            <a:spcBef>
+              <a:spcPct val="0"/>
+            </a:spcBef>
+            <a:spcAft>
+              <a:spcPct val="35000"/>
+            </a:spcAft>
+            <a:buNone/>
+          </a:pPr>
+          <a:r>
+            <a:rPr lang="en-US" sz="2300" kern="1200"/>
+            <a:t>p-VALUE</a:t>
+          </a:r>
+        </a:p>
+      </dsp:txBody>
+      <dsp:txXfrm>
+        <a:off x="366485" y="2822204"/>
+        <a:ext cx="4600495" cy="612672"/>
+      </dsp:txXfrm>
+    </dsp:sp>
+  </dsp:spTree>
+</dsp:drawing>
+</file>
+
+<file path=ppt/diagrams/layout1.xml><?xml version="1.0" encoding="utf-8"?>
+<dgm:layoutDef xmlns:dgm="http://schemas.openxmlformats.org/drawingml/2006/diagram" xmlns:a="http://schemas.openxmlformats.org/drawingml/2006/main" uniqueId="urn:microsoft.com/office/officeart/2005/8/layout/list1">
+  <dgm:title val=""/>
+  <dgm:desc val=""/>
+  <dgm:catLst>
+    <dgm:cat type="list" pri="4000"/>
+  </dgm:catLst>
+  <dgm:sampData>
+    <dgm:dataModel>
+      <dgm:ptLst>
+        <dgm:pt modelId="0" type="doc"/>
+        <dgm:pt modelId="1">
+          <dgm:prSet phldr="1"/>
+        </dgm:pt>
+        <dgm:pt modelId="2">
+          <dgm:prSet phldr="1"/>
+        </dgm:pt>
+        <dgm:pt modelId="3">
+          <dgm:prSet phldr="1"/>
+        </dgm:pt>
+      </dgm:ptLst>
+      <dgm:cxnLst>
+        <dgm:cxn modelId="4" srcId="0" destId="1" srcOrd="0" destOrd="0"/>
+        <dgm:cxn modelId="5" srcId="0" destId="2" srcOrd="1" destOrd="0"/>
+        <dgm:cxn modelId="6" srcId="0" destId="3" srcOrd="2" destOrd="0"/>
+      </dgm:cxnLst>
+      <dgm:bg/>
+      <dgm:whole/>
+    </dgm:dataModel>
+  </dgm:sampData>
+  <dgm:styleData>
+    <dgm:dataModel>
+      <dgm:ptLst>
+        <dgm:pt modelId="0" type="doc"/>
+        <dgm:pt modelId="1"/>
+        <dgm:pt modelId="2"/>
+      </dgm:ptLst>
+      <dgm:cxnLst>
+        <dgm:cxn modelId="4" srcId="0" destId="1" srcOrd="0" destOrd="0"/>
+        <dgm:cxn modelId="5" srcId="0" destId="2" srcOrd="1" destOrd="0"/>
+      </dgm:cxnLst>
+      <dgm:bg/>
+      <dgm:whole/>
+    </dgm:dataModel>
+  </dgm:styleData>
+  <dgm:clrData>
+    <dgm:dataModel>
+      <dgm:ptLst>
+        <dgm:pt modelId="0" type="doc"/>
+        <dgm:pt modelId="1"/>
+        <dgm:pt modelId="2"/>
+        <dgm:pt modelId="3"/>
+        <dgm:pt modelId="4"/>
+      </dgm:ptLst>
+      <dgm:cxnLst>
+        <dgm:cxn modelId="5" srcId="0" destId="1" srcOrd="0" destOrd="0"/>
+        <dgm:cxn modelId="6" srcId="0" destId="2" srcOrd="1" destOrd="0"/>
+        <dgm:cxn modelId="7" srcId="0" destId="3" srcOrd="2" destOrd="0"/>
+        <dgm:cxn modelId="8" srcId="0" destId="4" srcOrd="3" destOrd="0"/>
+      </dgm:cxnLst>
+      <dgm:bg/>
+      <dgm:whole/>
+    </dgm:dataModel>
+  </dgm:clrData>
+  <dgm:layoutNode name="linear">
+    <dgm:varLst>
+      <dgm:dir/>
+      <dgm:animLvl val="lvl"/>
+      <dgm:resizeHandles val="exact"/>
+    </dgm:varLst>
+    <dgm:choose name="Name0">
+      <dgm:if name="Name1" func="var" arg="dir" op="equ" val="norm">
+        <dgm:alg type="lin">
+          <dgm:param type="linDir" val="fromT"/>
+          <dgm:param type="vertAlign" val="mid"/>
+          <dgm:param type="horzAlign" val="l"/>
+          <dgm:param type="nodeHorzAlign" val="l"/>
+        </dgm:alg>
+      </dgm:if>
+      <dgm:else name="Name2">
+        <dgm:alg type="lin">
+          <dgm:param type="linDir" val="fromT"/>
+          <dgm:param type="vertAlign" val="mid"/>
+          <dgm:param type="horzAlign" val="r"/>
+          <dgm:param type="nodeHorzAlign" val="r"/>
+        </dgm:alg>
+      </dgm:else>
+    </dgm:choose>
+    <dgm:shape xmlns:r="http://schemas.openxmlformats.org/officeDocument/2006/relationships" r:blip="">
+      <dgm:adjLst/>
+    </dgm:shape>
+    <dgm:presOf/>
+    <dgm:constrLst>
+      <dgm:constr type="w" for="ch" forName="parentLin" refType="w"/>
+      <dgm:constr type="h" for="ch" forName="parentLin" val="INF"/>
+      <dgm:constr type="w" for="des" forName="parentLeftMargin" refType="w" fact="0.05"/>
+      <dgm:constr type="w" for="des" forName="parentText" refType="w" fact="0.7"/>
+      <dgm:constr type="h" for="des" forName="parentText" refType="primFontSz" refFor="des" refForName="parentText" fact="0.82"/>
+      <dgm:constr type="h" for="ch" forName="negativeSpace" refType="primFontSz" refFor="des" refForName="parentText" fact="-0.41"/>
+      <dgm:constr type="h" for="ch" forName="negativeSpace" refType="h" refFor="des" refForName="parentText" op="lte" fact="-0.82"/>
+      <dgm:constr type="h" for="ch" forName="negativeSpace" refType="h" refFor="des" refForName="parentText" op="gte" fact="-0.82"/>
+      <dgm:constr type="w" for="ch" forName="childText" refType="w"/>
+      <dgm:constr type="h" for="ch" forName="childText" refType="primFontSz" refFor="des" refForName="parentText" fact="0.7"/>
+      <dgm:constr type="primFontSz" for="des" forName="parentText" val="65"/>
+      <dgm:constr type="primFontSz" for="ch" forName="childText" refType="primFontSz" refFor="des" refForName="parentText"/>
+      <dgm:constr type="tMarg" for="ch" forName="childText" refType="primFontSz" refFor="des" refForName="parentText" fact="1.64"/>
+      <dgm:constr type="tMarg" for="ch" forName="childText" refType="h" refFor="des" refForName="parentText" op="lte" fact="3.28"/>
+      <dgm:constr type="tMarg" for="ch" forName="childText" refType="h" refFor="des" refForName="parentText" op="gte" fact="3.28"/>
+      <dgm:constr type="lMarg" for="ch" forName="childText" refType="w" fact="0.22"/>
+      <dgm:constr type="rMarg" for="ch" forName="childText" refType="lMarg" refFor="ch" refForName="childText"/>
+      <dgm:constr type="lMarg" for="des" forName="parentText" refType="w" fact="0.075"/>
+      <dgm:constr type="rMarg" for="des" forName="parentText" refType="lMarg" refFor="des" refForName="parentText"/>
+      <dgm:constr type="h" for="ch" forName="spaceBetweenRectangles" refType="primFontSz" refFor="des" refForName="parentText" fact="0.15"/>
+    </dgm:constrLst>
+    <dgm:ruleLst>
+      <dgm:rule type="primFontSz" for="des" forName="parentText" val="5" fact="NaN" max="NaN"/>
+    </dgm:ruleLst>
+    <dgm:forEach name="Name3" axis="ch" ptType="node">
+      <dgm:layoutNode name="parentLin">
+        <dgm:choose name="Name4">
+          <dgm:if name="Name5" func="var" arg="dir" op="equ" val="norm">
+            <dgm:alg type="lin">
+              <dgm:param type="linDir" val="fromL"/>
+              <dgm:param type="horzAlign" val="l"/>
+              <dgm:param type="nodeHorzAlign" val="l"/>
+            </dgm:alg>
+          </dgm:if>
+          <dgm:else name="Name6">
+            <dgm:alg type="lin">
+              <dgm:param type="linDir" val="fromR"/>
+              <dgm:param type="horzAlign" val="r"/>
+              <dgm:param type="nodeHorzAlign" val="r"/>
+            </dgm:alg>
+          </dgm:else>
+        </dgm:choose>
+        <dgm:shape xmlns:r="http://schemas.openxmlformats.org/officeDocument/2006/relationships" r:blip="">
+          <dgm:adjLst/>
+        </dgm:shape>
+        <dgm:presOf/>
+        <dgm:constrLst/>
+        <dgm:ruleLst/>
+        <dgm:layoutNode name="parentLeftMargin">
+          <dgm:alg type="sp"/>
+          <dgm:shape xmlns:r="http://schemas.openxmlformats.org/officeDocument/2006/relationships" type="rect" r:blip="" hideGeom="1">
+            <dgm:adjLst/>
+          </dgm:shape>
+          <dgm:presOf axis="self"/>
+          <dgm:constrLst>
+            <dgm:constr type="h"/>
+          </dgm:constrLst>
+          <dgm:ruleLst/>
+        </dgm:layoutNode>
+        <dgm:layoutNode name="parentText" styleLbl="node1">
+          <dgm:varLst>
+            <dgm:chMax val="0"/>
+            <dgm:bulletEnabled val="1"/>
+          </dgm:varLst>
+          <dgm:choose name="Name7">
+            <dgm:if name="Name8" func="var" arg="dir" op="equ" val="norm">
+              <dgm:alg type="tx">
+                <dgm:param type="parTxLTRAlign" val="l"/>
+                <dgm:param type="parTxRTLAlign" val="l"/>
+              </dgm:alg>
+            </dgm:if>
+            <dgm:else name="Name9">
+              <dgm:alg type="tx">
+                <dgm:param type="parTxLTRAlign" val="r"/>
+                <dgm:param type="parTxRTLAlign" val="r"/>
+              </dgm:alg>
+            </dgm:else>
+          </dgm:choose>
+          <dgm:shape xmlns:r="http://schemas.openxmlformats.org/officeDocument/2006/relationships" type="roundRect" r:blip="">
+            <dgm:adjLst/>
+          </dgm:shape>
+          <dgm:presOf axis="self" ptType="node"/>
+          <dgm:constrLst>
+            <dgm:constr type="tMarg"/>
+            <dgm:constr type="bMarg"/>
+          </dgm:constrLst>
+          <dgm:ruleLst/>
+        </dgm:layoutNode>
+      </dgm:layoutNode>
+      <dgm:layoutNode name="negativeSpace">
+        <dgm:alg type="sp"/>
+        <dgm:shape xmlns:r="http://schemas.openxmlformats.org/officeDocument/2006/relationships" r:blip="">
+          <dgm:adjLst/>
+        </dgm:shape>
+        <dgm:presOf/>
+        <dgm:constrLst/>
+        <dgm:ruleLst/>
+      </dgm:layoutNode>
+      <dgm:layoutNode name="childText" styleLbl="conFgAcc1">
+        <dgm:varLst>
+          <dgm:bulletEnabled val="1"/>
+        </dgm:varLst>
+        <dgm:alg type="tx">
+          <dgm:param type="stBulletLvl" val="1"/>
+        </dgm:alg>
+        <dgm:shape xmlns:r="http://schemas.openxmlformats.org/officeDocument/2006/relationships" type="rect" r:blip="" zOrderOff="-2">
+          <dgm:adjLst/>
+        </dgm:shape>
+        <dgm:presOf axis="des" ptType="node"/>
+        <dgm:constrLst>
+          <dgm:constr type="secFontSz" refType="primFontSz"/>
+        </dgm:constrLst>
+        <dgm:ruleLst>
+          <dgm:rule type="h" val="INF" fact="NaN" max="NaN"/>
+        </dgm:ruleLst>
+      </dgm:layoutNode>
+      <dgm:forEach name="Name10" axis="followSib" ptType="sibTrans" cnt="1">
+        <dgm:layoutNode name="spaceBetweenRectangles">
+          <dgm:alg type="sp"/>
+          <dgm:shape xmlns:r="http://schemas.openxmlformats.org/officeDocument/2006/relationships" r:blip="">
+            <dgm:adjLst/>
+          </dgm:shape>
+          <dgm:presOf/>
+          <dgm:constrLst/>
+          <dgm:ruleLst/>
+        </dgm:layoutNode>
+      </dgm:forEach>
+    </dgm:forEach>
+  </dgm:layoutNode>
+</dgm:layoutDef>
+</file>
+
+<file path=ppt/diagrams/quickStyle1.xml><?xml version="1.0" encoding="utf-8"?>
+<dgm:styleDef xmlns:dgm="http://schemas.openxmlformats.org/drawingml/2006/diagram" xmlns:a="http://schemas.openxmlformats.org/drawingml/2006/main" uniqueId="urn:microsoft.com/office/officeart/2005/8/quickstyle/simple4">
+  <dgm:title val=""/>
+  <dgm:desc val=""/>
+  <dgm:catLst>
+    <dgm:cat type="simple" pri="10400"/>
+  </dgm:catLst>
+  <dgm:scene3d>
+    <a:camera prst="orthographicFront"/>
+    <a:lightRig rig="threePt" dir="t"/>
+  </dgm:scene3d>
+  <dgm:styleLbl name="node0">
+    <dgm:scene3d>
+      <a:camera prst="orthographicFront"/>
+      <a:lightRig rig="threePt" dir="t"/>
+    </dgm:scene3d>
+    <dgm:sp3d/>
+    <dgm:txPr/>
+    <dgm:style>
+      <a:lnRef idx="0">
+        <a:scrgbClr r="0" g="0" b="0"/>
+      </a:lnRef>
+      <a:fillRef idx="3">
+        <a:scrgbClr r="0" g="0" b="0"/>
+      </a:fillRef>
+      <a:effectRef idx="2">
+        <a:scrgbClr r="0" g="0" b="0"/>
+      </a:effectRef>
+      <a:fontRef idx="minor">
+        <a:schemeClr val="lt1"/>
+      </a:fontRef>
+    </dgm:style>
+  </dgm:styleLbl>
+  <dgm:styleLbl name="lnNode1">
+    <dgm:scene3d>
+      <a:camera prst="orthographicFront"/>
+      <a:lightRig rig="threePt" dir="t"/>
+    </dgm:scene3d>
+    <dgm:sp3d/>
+    <dgm:txPr/>
+    <dgm:style>
+      <a:lnRef idx="1">
+        <a:scrgbClr r="0" g="0" b="0"/>
+      </a:lnRef>
+      <a:fillRef idx="3">
+        <a:scrgbClr r="0" g="0" b="0"/>
+      </a:fillRef>
+      <a:effectRef idx="2">
+        <a:scrgbClr r="0" g="0" b="0"/>
+      </a:effectRef>
+      <a:fontRef idx="minor">
+        <a:schemeClr val="lt1"/>
+      </a:fontRef>
+    </dgm:style>
+  </dgm:styleLbl>
+  <dgm:styleLbl name="vennNode1">
+    <dgm:scene3d>
+      <a:camera prst="orthographicFront"/>
+      <a:lightRig rig="threePt" dir="t"/>
+    </dgm:scene3d>
+    <dgm:sp3d/>
+    <dgm:txPr/>
+    <dgm:style>
+      <a:lnRef idx="0">
+        <a:scrgbClr r="0" g="0" b="0"/>
+      </a:lnRef>
+      <a:fillRef idx="3">
+        <a:scrgbClr r="0" g="0" b="0"/>
+      </a:fillRef>
+      <a:effectRef idx="0">
+        <a:scrgbClr r="0" g="0" b="0"/>
+      </a:effectRef>
+      <a:fontRef idx="minor">
+        <a:schemeClr val="tx1"/>
+      </a:fontRef>
+    </dgm:style>
+  </dgm:styleLbl>
+  <dgm:styleLbl name="alignNode1">
+    <dgm:scene3d>
+      <a:camera prst="orthographicFront"/>
+      <a:lightRig rig="threePt" dir="t"/>
+    </dgm:scene3d>
+    <dgm:sp3d/>
+    <dgm:txPr/>
+    <dgm:style>
+      <a:lnRef idx="1">
+        <a:scrgbClr r="0" g="0" b="0"/>
+      </a:lnRef>
+      <a:fillRef idx="3">
+        <a:scrgbClr r="0" g="0" b="0"/>
+      </a:fillRef>
+      <a:effectRef idx="2">
+        <a:scrgbClr r="0" g="0" b="0"/>
+      </a:effectRef>
+      <a:fontRef idx="minor">
+        <a:schemeClr val="lt1"/>
+      </a:fontRef>
+    </dgm:style>
+  </dgm:styleLbl>
+  <dgm:styleLbl name="node1">
+    <dgm:scene3d>
+      <a:camera prst="orthographicFront"/>
+      <a:lightRig rig="threePt" dir="t"/>
+    </dgm:scene3d>
+    <dgm:sp3d/>
+    <dgm:txPr/>
+    <dgm:style>
+      <a:lnRef idx="0">
+        <a:scrgbClr r="0" g="0" b="0"/>
+      </a:lnRef>
+      <a:fillRef idx="3">
+        <a:scrgbClr r="0" g="0" b="0"/>
+      </a:fillRef>
+      <a:effectRef idx="2">
+        <a:scrgbClr r="0" g="0" b="0"/>
+      </a:effectRef>
+      <a:fontRef idx="minor">
+        <a:schemeClr val="lt1"/>
+      </a:fontRef>
+    </dgm:style>
+  </dgm:styleLbl>
+  <dgm:styleLbl name="node2">
+    <dgm:scene3d>
+      <a:camera prst="orthographicFront"/>
+      <a:lightRig rig="threePt" dir="t"/>
+    </dgm:scene3d>
+    <dgm:sp3d/>
+    <dgm:txPr/>
+    <dgm:style>
+      <a:lnRef idx="0">
+        <a:scrgbClr r="0" g="0" b="0"/>
+      </a:lnRef>
+      <a:fillRef idx="3">
+        <a:scrgbClr r="0" g="0" b="0"/>
+      </a:fillRef>
+      <a:effectRef idx="2">
+        <a:scrgbClr r="0" g="0" b="0"/>
+      </a:effectRef>
+      <a:fontRef idx="minor">
+        <a:schemeClr val="lt1"/>
+      </a:fontRef>
+    </dgm:style>
+  </dgm:styleLbl>
+  <dgm:styleLbl name="node3">
+    <dgm:scene3d>
+      <a:camera prst="orthographicFront"/>
+      <a:lightRig rig="threePt" dir="t"/>
+    </dgm:scene3d>
+    <dgm:sp3d/>
+    <dgm:txPr/>
+    <dgm:style>
+      <a:lnRef idx="0">
+        <a:scrgbClr r="0" g="0" b="0"/>
+      </a:lnRef>
+      <a:fillRef idx="3">
+        <a:scrgbClr r="0" g="0" b="0"/>
+      </a:fillRef>
+      <a:effectRef idx="2">
+        <a:scrgbClr r="0" g="0" b="0"/>
+      </a:effectRef>
+      <a:fontRef idx="minor">
+        <a:schemeClr val="lt1"/>
+      </a:fontRef>
+    </dgm:style>
+  </dgm:styleLbl>
+  <dgm:styleLbl name="node4">
+    <dgm:scene3d>
+      <a:camera prst="orthographicFront"/>
+      <a:lightRig rig="threePt" dir="t"/>
+    </dgm:scene3d>
+    <dgm:sp3d/>
+    <dgm:txPr/>
+    <dgm:style>
+      <a:lnRef idx="0">
+        <a:scrgbClr r="0" g="0" b="0"/>
+      </a:lnRef>
+      <a:fillRef idx="3">
+        <a:scrgbClr r="0" g="0" b="0"/>
+      </a:fillRef>
+      <a:effectRef idx="2">
+        <a:scrgbClr r="0" g="0" b="0"/>
+      </a:effectRef>
+      <a:fontRef idx="minor">
+        <a:schemeClr val="lt1"/>
+      </a:fontRef>
+    </dgm:style>
+  </dgm:styleLbl>
+  <dgm:styleLbl name="fgImgPlace1">
+    <dgm:scene3d>
+      <a:camera prst="orthographicFront"/>
+      <a:lightRig rig="threePt" dir="t"/>
+    </dgm:scene3d>
+    <dgm:sp3d/>
+    <dgm:txPr/>
+    <dgm:style>
+      <a:lnRef idx="0">
+        <a:scrgbClr r="0" g="0" b="0"/>
+      </a:lnRef>
+      <a:fillRef idx="1">
+        <a:scrgbClr r="0" g="0" b="0"/>
+      </a:fillRef>
+      <a:effectRef idx="2">
+        <a:scrgbClr r="0" g="0" b="0"/>
+      </a:effectRef>
+      <a:fontRef idx="minor"/>
+    </dgm:style>
+  </dgm:styleLbl>
+  <dgm:styleLbl name="alignImgPlace1">
+    <dgm:scene3d>
+      <a:camera prst="orthographicFront"/>
+      <a:lightRig rig="threePt" dir="t"/>
+    </dgm:scene3d>
+    <dgm:sp3d/>
+    <dgm:txPr/>
+    <dgm:style>
+      <a:lnRef idx="0">
+        <a:scrgbClr r="0" g="0" b="0"/>
+      </a:lnRef>
+      <a:fillRef idx="1">
+        <a:scrgbClr r="0" g="0" b="0"/>
+      </a:fillRef>
+      <a:effectRef idx="2">
+        <a:scrgbClr r="0" g="0" b="0"/>
+      </a:effectRef>
+      <a:fontRef idx="minor"/>
+    </dgm:style>
+  </dgm:styleLbl>
+  <dgm:styleLbl name="bgImgPlace1">
+    <dgm:scene3d>
+      <a:camera prst="orthographicFront"/>
+      <a:lightRig rig="threePt" dir="t"/>
+    </dgm:scene3d>
+    <dgm:sp3d/>
+    <dgm:txPr/>
+    <dgm:style>
+      <a:lnRef idx="0">
+        <a:scrgbClr r="0" g="0" b="0"/>
+      </a:lnRef>
+      <a:fillRef idx="1">
+        <a:scrgbClr r="0" g="0" b="0"/>
+      </a:fillRef>
+      <a:effectRef idx="2">
+        <a:scrgbClr r="0" g="0" b="0"/>
+      </a:effectRef>
+      <a:fontRef idx="minor"/>
+    </dgm:style>
+  </dgm:styleLbl>
+  <dgm:styleLbl name="sibTrans2D1">
+    <dgm:scene3d>
+      <a:camera prst="orthographicFront"/>
+      <a:lightRig rig="threePt" dir="t"/>
+    </dgm:scene3d>
+    <dgm:sp3d/>
+    <dgm:txPr/>
+    <dgm:style>
+      <a:lnRef idx="0">
+        <a:scrgbClr r="0" g="0" b="0"/>
+      </a:lnRef>
+      <a:fillRef idx="3">
+        <a:scrgbClr r="0" g="0" b="0"/>
+      </a:fillRef>
+      <a:effectRef idx="2">
+        <a:scrgbClr r="0" g="0" b="0"/>
+      </a:effectRef>
+      <a:fontRef idx="minor">
+        <a:schemeClr val="lt1"/>
+      </a:fontRef>
+    </dgm:style>
+  </dgm:styleLbl>
+  <dgm:styleLbl name="fgSibTrans2D1">
+    <dgm:scene3d>
+      <a:camera prst="orthographicFront"/>
+      <a:lightRig rig="threePt" dir="t"/>
+    </dgm:scene3d>
+    <dgm:sp3d/>
+    <dgm:txPr/>
+    <dgm:style>
+      <a:lnRef idx="0">
+        <a:scrgbClr r="0" g="0" b="0"/>
+      </a:lnRef>
+      <a:fillRef idx="3">
+        <a:scrgbClr r="0" g="0" b="0"/>
+      </a:fillRef>
+      <a:effectRef idx="2">
+        <a:scrgbClr r="0" g="0" b="0"/>
+      </a:effectRef>
+      <a:fontRef idx="minor">
+        <a:schemeClr val="lt1"/>
+      </a:fontRef>
+    </dgm:style>
+  </dgm:styleLbl>
+  <dgm:styleLbl name="bgSibTrans2D1">
+    <dgm:scene3d>
+      <a:camera prst="orthographicFront"/>
+      <a:lightRig rig="threePt" dir="t"/>
+    </dgm:scene3d>
+    <dgm:sp3d/>
+    <dgm:txPr/>
+    <dgm:style>
+      <a:lnRef idx="0">
+        <a:scrgbClr r="0" g="0" b="0"/>
+      </a:lnRef>
+      <a:fillRef idx="3">
+        <a:scrgbClr r="0" g="0" b="0"/>
+      </a:fillRef>
+      <a:effectRef idx="2">
+        <a:scrgbClr r="0" g="0" b="0"/>
+      </a:effectRef>
+      <a:fontRef idx="minor">
+        <a:schemeClr val="lt1"/>
+      </a:fontRef>
+    </dgm:style>
+  </dgm:styleLbl>
+  <dgm:styleLbl name="sibTrans1D1">
+    <dgm:scene3d>
+      <a:camera prst="orthographicFront"/>
+      <a:lightRig rig="threePt" dir="t"/>
+    </dgm:scene3d>
+    <dgm:sp3d/>
+    <dgm:txPr/>
+    <dgm:style>
+      <a:lnRef idx="1">
+        <a:scrgbClr r="0" g="0" b="0"/>
+      </a:lnRef>
+      <a:fillRef idx="0">
+        <a:scrgbClr r="0" g="0" b="0"/>
+      </a:fillRef>
+      <a:effectRef idx="0">
+        <a:scrgbClr r="0" g="0" b="0"/>
+      </a:effectRef>
+      <a:fontRef idx="minor"/>
+    </dgm:style>
+  </dgm:styleLbl>
+  <dgm:styleLbl name="callout">
+    <dgm:scene3d>
+      <a:camera prst="orthographicFront"/>
+      <a:lightRig rig="threePt" dir="t"/>
+    </dgm:scene3d>
+    <dgm:sp3d/>
+    <dgm:txPr/>
+    <dgm:style>
+      <a:lnRef idx="2">
+        <a:scrgbClr r="0" g="0" b="0"/>
+      </a:lnRef>
+      <a:fillRef idx="1">
+        <a:scrgbClr r="0" g="0" b="0"/>
+      </a:fillRef>
+      <a:effectRef idx="1">
+        <a:scrgbClr r="0" g="0" b="0"/>
+      </a:effectRef>
+      <a:fontRef idx="minor"/>
+    </dgm:style>
+  </dgm:styleLbl>
+  <dgm:styleLbl name="asst0">
+    <dgm:scene3d>
+      <a:camera prst="orthographicFront"/>
+      <a:lightRig rig="threePt" dir="t"/>
+    </dgm:scene3d>
+    <dgm:sp3d/>
+    <dgm:txPr/>
+    <dgm:style>
+      <a:lnRef idx="0">
+        <a:scrgbClr r="0" g="0" b="0"/>
+      </a:lnRef>
+      <a:fillRef idx="3">
+        <a:scrgbClr r="0" g="0" b="0"/>
+      </a:fillRef>
+      <a:effectRef idx="2">
+        <a:scrgbClr r="0" g="0" b="0"/>
+      </a:effectRef>
+      <a:fontRef idx="minor">
+        <a:schemeClr val="lt1"/>
+      </a:fontRef>
+    </dgm:style>
+  </dgm:styleLbl>
+  <dgm:styleLbl name="asst1">
+    <dgm:scene3d>
+      <a:camera prst="orthographicFront"/>
+      <a:lightRig rig="threePt" dir="t"/>
+    </dgm:scene3d>
+    <dgm:sp3d/>
+    <dgm:txPr/>
+    <dgm:style>
+      <a:lnRef idx="0">
+        <a:scrgbClr r="0" g="0" b="0"/>
+      </a:lnRef>
+      <a:fillRef idx="3">
+        <a:scrgbClr r="0" g="0" b="0"/>
+      </a:fillRef>
+      <a:effectRef idx="2">
+        <a:scrgbClr r="0" g="0" b="0"/>
+      </a:effectRef>
+      <a:fontRef idx="minor">
+        <a:schemeClr val="lt1"/>
+      </a:fontRef>
+    </dgm:style>
+  </dgm:styleLbl>
+  <dgm:styleLbl name="asst2">
+    <dgm:scene3d>
+      <a:camera prst="orthographicFront"/>
+      <a:lightRig rig="threePt" dir="t"/>
+    </dgm:scene3d>
+    <dgm:sp3d/>
+    <dgm:txPr/>
+    <dgm:style>
+      <a:lnRef idx="0">
+        <a:scrgbClr r="0" g="0" b="0"/>
+      </a:lnRef>
+      <a:fillRef idx="3">
+        <a:scrgbClr r="0" g="0" b="0"/>
+      </a:fillRef>
+      <a:effectRef idx="2">
+        <a:scrgbClr r="0" g="0" b="0"/>
+      </a:effectRef>
+      <a:fontRef idx="minor">
+        <a:schemeClr val="lt1"/>
+      </a:fontRef>
+    </dgm:style>
+  </dgm:styleLbl>
+  <dgm:styleLbl name="asst3">
+    <dgm:scene3d>
+      <a:camera prst="orthographicFront"/>
+      <a:lightRig rig="threePt" dir="t"/>
+    </dgm:scene3d>
+    <dgm:sp3d/>
+    <dgm:txPr/>
+    <dgm:style>
+      <a:lnRef idx="0">
+        <a:scrgbClr r="0" g="0" b="0"/>
+      </a:lnRef>
+      <a:fillRef idx="3">
+        <a:scrgbClr r="0" g="0" b="0"/>
+      </a:fillRef>
+      <a:effectRef idx="2">
+        <a:scrgbClr r="0" g="0" b="0"/>
+      </a:effectRef>
+      <a:fontRef idx="minor">
+        <a:schemeClr val="lt1"/>
+      </a:fontRef>
+    </dgm:style>
+  </dgm:styleLbl>
+  <dgm:styleLbl name="asst4">
+    <dgm:scene3d>
+      <a:camera prst="orthographicFront"/>
+      <a:lightRig rig="threePt" dir="t"/>
+    </dgm:scene3d>
+    <dgm:sp3d/>
+    <dgm:txPr/>
+    <dgm:style>
+      <a:lnRef idx="0">
+        <a:scrgbClr r="0" g="0" b="0"/>
+      </a:lnRef>
+      <a:fillRef idx="3">
+        <a:scrgbClr r="0" g="0" b="0"/>
+      </a:fillRef>
+      <a:effectRef idx="2">
+        <a:scrgbClr r="0" g="0" b="0"/>
+      </a:effectRef>
+      <a:fontRef idx="minor">
+        <a:schemeClr val="lt1"/>
+      </a:fontRef>
+    </dgm:style>
+  </dgm:styleLbl>
+  <dgm:styleLbl name="parChTrans2D1">
+    <dgm:scene3d>
+      <a:camera prst="orthographicFront"/>
+      <a:lightRig rig="threePt" dir="t"/>
+    </dgm:scene3d>
+    <dgm:sp3d/>
+    <dgm:txPr/>
+    <dgm:style>
+      <a:lnRef idx="0">
+        <a:scrgbClr r="0" g="0" b="0"/>
+      </a:lnRef>
+      <a:fillRef idx="3">
+        <a:scrgbClr r="0" g="0" b="0"/>
+      </a:fillRef>
+      <a:effectRef idx="2">
+        <a:scrgbClr r="0" g="0" b="0"/>
+      </a:effectRef>
+      <a:fontRef idx="minor">
+        <a:schemeClr val="lt1"/>
+      </a:fontRef>
+    </dgm:style>
+  </dgm:styleLbl>
+  <dgm:styleLbl name="parChTrans2D2">
+    <dgm:scene3d>
+      <a:camera prst="orthographicFront"/>
+      <a:lightRig rig="threePt" dir="t"/>
+    </dgm:scene3d>
+    <dgm:sp3d/>
+    <dgm:txPr/>
+    <dgm:style>
+      <a:lnRef idx="0">
+        <a:scrgbClr r="0" g="0" b="0"/>
+      </a:lnRef>
+      <a:fillRef idx="3">
+        <a:scrgbClr r="0" g="0" b="0"/>
+      </a:fillRef>
+      <a:effectRef idx="2">
+        <a:scrgbClr r="0" g="0" b="0"/>
+      </a:effectRef>
+      <a:fontRef idx="minor">
+        <a:schemeClr val="lt1"/>
+      </a:fontRef>
+    </dgm:style>
+  </dgm:styleLbl>
+  <dgm:styleLbl name="parChTrans2D3">
+    <dgm:scene3d>
+      <a:camera prst="orthographicFront"/>
+      <a:lightRig rig="threePt" dir="t"/>
+    </dgm:scene3d>
+    <dgm:sp3d/>
+    <dgm:txPr/>
+    <dgm:style>
+      <a:lnRef idx="1">
+        <a:scrgbClr r="0" g="0" b="0"/>
+      </a:lnRef>
+      <a:fillRef idx="3">
+        <a:scrgbClr r="0" g="0" b="0"/>
+      </a:fillRef>
+      <a:effectRef idx="2">
+        <a:scrgbClr r="0" g="0" b="0"/>
+      </a:effectRef>
+      <a:fontRef idx="minor">
+        <a:schemeClr val="lt1"/>
+      </a:fontRef>
+    </dgm:style>
+  </dgm:styleLbl>
+  <dgm:styleLbl name="parChTrans2D4">
+    <dgm:scene3d>
+      <a:camera prst="orthographicFront"/>
+      <a:lightRig rig="threePt" dir="t"/>
+    </dgm:scene3d>
+    <dgm:sp3d/>
+    <dgm:txPr/>
+    <dgm:style>
+      <a:lnRef idx="1">
+        <a:scrgbClr r="0" g="0" b="0"/>
+      </a:lnRef>
+      <a:fillRef idx="3">
+        <a:scrgbClr r="0" g="0" b="0"/>
+      </a:fillRef>
+      <a:effectRef idx="2">
+        <a:scrgbClr r="0" g="0" b="0"/>
+      </a:effectRef>
+      <a:fontRef idx="minor">
+        <a:schemeClr val="lt1"/>
+      </a:fontRef>
+    </dgm:style>
+  </dgm:styleLbl>
+  <dgm:styleLbl name="parChTrans1D1">
+    <dgm:scene3d>
+      <a:camera prst="orthographicFront"/>
+      <a:lightRig rig="threePt" dir="t"/>
+    </dgm:scene3d>
+    <dgm:sp3d/>
+    <dgm:txPr/>
+    <dgm:style>
+      <a:lnRef idx="1">
+        <a:scrgbClr r="0" g="0" b="0"/>
+      </a:lnRef>
+      <a:fillRef idx="0">
+        <a:scrgbClr r="0" g="0" b="0"/>
+      </a:fillRef>
+      <a:effectRef idx="0">
+        <a:scrgbClr r="0" g="0" b="0"/>
+      </a:effectRef>
+      <a:fontRef idx="minor"/>
+    </dgm:style>
+  </dgm:styleLbl>
+  <dgm:styleLbl name="parChTrans1D2">
+    <dgm:scene3d>
+      <a:camera prst="orthographicFront"/>
+      <a:lightRig rig="threePt" dir="t"/>
+    </dgm:scene3d>
+    <dgm:sp3d/>
+    <dgm:txPr/>
+    <dgm:style>
+      <a:lnRef idx="1">
+        <a:scrgbClr r="0" g="0" b="0"/>
+      </a:lnRef>
+      <a:fillRef idx="0">
+        <a:scrgbClr r="0" g="0" b="0"/>
+      </a:fillRef>
+      <a:effectRef idx="0">
+        <a:scrgbClr r="0" g="0" b="0"/>
+      </a:effectRef>
+      <a:fontRef idx="minor"/>
+    </dgm:style>
+  </dgm:styleLbl>
+  <dgm:styleLbl name="parChTrans1D3">
+    <dgm:scene3d>
+      <a:camera prst="orthographicFront"/>
+      <a:lightRig rig="threePt" dir="t"/>
+    </dgm:scene3d>
+    <dgm:sp3d/>
+    <dgm:txPr/>
+    <dgm:style>
+      <a:lnRef idx="1">
+        <a:scrgbClr r="0" g="0" b="0"/>
+      </a:lnRef>
+      <a:fillRef idx="0">
+        <a:scrgbClr r="0" g="0" b="0"/>
+      </a:fillRef>
+      <a:effectRef idx="0">
+        <a:scrgbClr r="0" g="0" b="0"/>
+      </a:effectRef>
+      <a:fontRef idx="minor"/>
+    </dgm:style>
+  </dgm:styleLbl>
+  <dgm:styleLbl name="parChTrans1D4">
+    <dgm:scene3d>
+      <a:camera prst="orthographicFront"/>
+      <a:lightRig rig="threePt" dir="t"/>
+    </dgm:scene3d>
+    <dgm:sp3d/>
+    <dgm:txPr/>
+    <dgm:style>
+      <a:lnRef idx="1">
+        <a:scrgbClr r="0" g="0" b="0"/>
+      </a:lnRef>
+      <a:fillRef idx="0">
+        <a:scrgbClr r="0" g="0" b="0"/>
+      </a:fillRef>
+      <a:effectRef idx="0">
+        <a:scrgbClr r="0" g="0" b="0"/>
+      </a:effectRef>
+      <a:fontRef idx="minor"/>
+    </dgm:style>
+  </dgm:styleLbl>
+  <dgm:styleLbl name="fgAcc1">
+    <dgm:scene3d>
+      <a:camera prst="orthographicFront"/>
+      <a:lightRig rig="threePt" dir="t"/>
+    </dgm:scene3d>
+    <dgm:sp3d/>
+    <dgm:txPr/>
+    <dgm:style>
+      <a:lnRef idx="1">
+        <a:scrgbClr r="0" g="0" b="0"/>
+      </a:lnRef>
+      <a:fillRef idx="1">
+        <a:scrgbClr r="0" g="0" b="0"/>
+      </a:fillRef>
+      <a:effectRef idx="0">
+        <a:scrgbClr r="0" g="0" b="0"/>
+      </a:effectRef>
+      <a:fontRef idx="minor"/>
+    </dgm:style>
+  </dgm:styleLbl>
+  <dgm:styleLbl name="conFgAcc1">
+    <dgm:scene3d>
+      <a:camera prst="orthographicFront"/>
+      <a:lightRig rig="threePt" dir="t"/>
+    </dgm:scene3d>
+    <dgm:sp3d/>
+    <dgm:txPr/>
+    <dgm:style>
+      <a:lnRef idx="1">
+        <a:scrgbClr r="0" g="0" b="0"/>
+      </a:lnRef>
+      <a:fillRef idx="1">
+        <a:scrgbClr r="0" g="0" b="0"/>
+      </a:fillRef>
+      <a:effectRef idx="0">
+        <a:scrgbClr r="0" g="0" b="0"/>
+      </a:effectRef>
+      <a:fontRef idx="minor"/>
+    </dgm:style>
+  </dgm:styleLbl>
+  <dgm:styleLbl name="alignAcc1">
+    <dgm:scene3d>
+      <a:camera prst="orthographicFront"/>
+      <a:lightRig rig="threePt" dir="t"/>
+    </dgm:scene3d>
+    <dgm:sp3d/>
+    <dgm:txPr/>
+    <dgm:style>
+      <a:lnRef idx="1">
+        <a:scrgbClr r="0" g="0" b="0"/>
+      </a:lnRef>
+      <a:fillRef idx="1">
+        <a:scrgbClr r="0" g="0" b="0"/>
+      </a:fillRef>
+      <a:effectRef idx="0">
+        <a:scrgbClr r="0" g="0" b="0"/>
+      </a:effectRef>
+      <a:fontRef idx="minor"/>
+    </dgm:style>
+  </dgm:styleLbl>
+  <dgm:styleLbl name="trAlignAcc1">
+    <dgm:scene3d>
+      <a:camera prst="orthographicFront"/>
+      <a:lightRig rig="threePt" dir="t"/>
+    </dgm:scene3d>
+    <dgm:sp3d/>
+    <dgm:txPr/>
+    <dgm:style>
+      <a:lnRef idx="1">
+        <a:scrgbClr r="0" g="0" b="0"/>
+      </a:lnRef>
+      <a:fillRef idx="1">
+        <a:scrgbClr r="0" g="0" b="0"/>
+      </a:fillRef>
+      <a:effectRef idx="0">
+        <a:scrgbClr r="0" g="0" b="0"/>
+      </a:effectRef>
+      <a:fontRef idx="minor"/>
+    </dgm:style>
+  </dgm:styleLbl>
+  <dgm:styleLbl name="bgAcc1">
+    <dgm:scene3d>
+      <a:camera prst="orthographicFront"/>
+      <a:lightRig rig="threePt" dir="t"/>
+    </dgm:scene3d>
+    <dgm:sp3d/>
+    <dgm:txPr/>
+    <dgm:style>
+      <a:lnRef idx="1">
+        <a:scrgbClr r="0" g="0" b="0"/>
+      </a:lnRef>
+      <a:fillRef idx="1">
+        <a:scrgbClr r="0" g="0" b="0"/>
+      </a:fillRef>
+      <a:effectRef idx="0">
+        <a:scrgbClr r="0" g="0" b="0"/>
+      </a:effectRef>
+      <a:fontRef idx="minor"/>
+    </dgm:style>
+  </dgm:styleLbl>
+  <dgm:styleLbl name="solidFgAcc1">
+    <dgm:scene3d>
+      <a:camera prst="orthographicFront"/>
+      <a:lightRig rig="threePt" dir="t"/>
+    </dgm:scene3d>
+    <dgm:sp3d/>
+    <dgm:txPr/>
+    <dgm:style>
+      <a:lnRef idx="1">
+        <a:scrgbClr r="0" g="0" b="0"/>
+      </a:lnRef>
+      <a:fillRef idx="1">
+        <a:scrgbClr r="0" g="0" b="0"/>
+      </a:fillRef>
+      <a:effectRef idx="0">
+        <a:scrgbClr r="0" g="0" b="0"/>
+      </a:effectRef>
+      <a:fontRef idx="minor"/>
+    </dgm:style>
+  </dgm:styleLbl>
+  <dgm:styleLbl name="solidAlignAcc1">
+    <dgm:scene3d>
+      <a:camera prst="orthographicFront"/>
+      <a:lightRig rig="threePt" dir="t"/>
+    </dgm:scene3d>
+    <dgm:sp3d/>
+    <dgm:txPr/>
+    <dgm:style>
+      <a:lnRef idx="1">
+        <a:scrgbClr r="0" g="0" b="0"/>
+      </a:lnRef>
+      <a:fillRef idx="1">
+        <a:scrgbClr r="0" g="0" b="0"/>
+      </a:fillRef>
+      <a:effectRef idx="0">
+        <a:scrgbClr r="0" g="0" b="0"/>
+      </a:effectRef>
+      <a:fontRef idx="minor"/>
+    </dgm:style>
+  </dgm:styleLbl>
+  <dgm:styleLbl name="solidBgAcc1">
+    <dgm:scene3d>
+      <a:camera prst="orthographicFront"/>
+      <a:lightRig rig="threePt" dir="t"/>
+    </dgm:scene3d>
+    <dgm:sp3d/>
+    <dgm:txPr/>
+    <dgm:style>
+      <a:lnRef idx="1">
+        <a:scrgbClr r="0" g="0" b="0"/>
+      </a:lnRef>
+      <a:fillRef idx="1">
+        <a:scrgbClr r="0" g="0" b="0"/>
+      </a:fillRef>
+      <a:effectRef idx="0">
+        <a:scrgbClr r="0" g="0" b="0"/>
+      </a:effectRef>
+      <a:fontRef idx="minor"/>
+    </dgm:style>
+  </dgm:styleLbl>
+  <dgm:styleLbl name="fgAccFollowNode1">
+    <dgm:scene3d>
+      <a:camera prst="orthographicFront"/>
+      <a:lightRig rig="threePt" dir="t"/>
+    </dgm:scene3d>
+    <dgm:sp3d/>
+    <dgm:txPr/>
+    <dgm:style>
+      <a:lnRef idx="1">
+        <a:scrgbClr r="0" g="0" b="0"/>
+      </a:lnRef>
+      <a:fillRef idx="1">
+        <a:scrgbClr r="0" g="0" b="0"/>
+      </a:fillRef>
+      <a:effectRef idx="0">
+        <a:scrgbClr r="0" g="0" b="0"/>
+      </a:effectRef>
+      <a:fontRef idx="minor"/>
+    </dgm:style>
+  </dgm:styleLbl>
+  <dgm:styleLbl name="alignAccFollowNode1">
+    <dgm:scene3d>
+      <a:camera prst="orthographicFront"/>
+      <a:lightRig rig="threePt" dir="t"/>
+    </dgm:scene3d>
+    <dgm:sp3d/>
+    <dgm:txPr/>
+    <dgm:style>
+      <a:lnRef idx="1">
+        <a:scrgbClr r="0" g="0" b="0"/>
+      </a:lnRef>
+      <a:fillRef idx="1">
+        <a:scrgbClr r="0" g="0" b="0"/>
+      </a:fillRef>
+      <a:effectRef idx="0">
+        <a:scrgbClr r="0" g="0" b="0"/>
+      </a:effectRef>
+      <a:fontRef idx="minor"/>
+    </dgm:style>
+  </dgm:styleLbl>
+  <dgm:styleLbl name="bgAccFollowNode1">
+    <dgm:scene3d>
+      <a:camera prst="orthographicFront"/>
+      <a:lightRig rig="threePt" dir="t"/>
+    </dgm:scene3d>
+    <dgm:sp3d/>
+    <dgm:txPr/>
+    <dgm:style>
+      <a:lnRef idx="1">
+        <a:scrgbClr r="0" g="0" b="0"/>
+      </a:lnRef>
+      <a:fillRef idx="1">
+        <a:scrgbClr r="0" g="0" b="0"/>
+      </a:fillRef>
+      <a:effectRef idx="0">
+        <a:scrgbClr r="0" g="0" b="0"/>
+      </a:effectRef>
+      <a:fontRef idx="minor"/>
+    </dgm:style>
+  </dgm:styleLbl>
+  <dgm:styleLbl name="fgAcc0">
+    <dgm:scene3d>
+      <a:camera prst="orthographicFront"/>
+      <a:lightRig rig="threePt" dir="t"/>
+    </dgm:scene3d>
+    <dgm:sp3d/>
+    <dgm:txPr/>
+    <dgm:style>
+      <a:lnRef idx="1">
+        <a:scrgbClr r="0" g="0" b="0"/>
+      </a:lnRef>
+      <a:fillRef idx="1">
+        <a:scrgbClr r="0" g="0" b="0"/>
+      </a:fillRef>
+      <a:effectRef idx="0">
+        <a:scrgbClr r="0" g="0" b="0"/>
+      </a:effectRef>
+      <a:fontRef idx="minor"/>
+    </dgm:style>
+  </dgm:styleLbl>
+  <dgm:styleLbl name="fgAcc2">
+    <dgm:scene3d>
+      <a:camera prst="orthographicFront"/>
+      <a:lightRig rig="threePt" dir="t"/>
+    </dgm:scene3d>
+    <dgm:sp3d/>
+    <dgm:txPr/>
+    <dgm:style>
+      <a:lnRef idx="1">
+        <a:scrgbClr r="0" g="0" b="0"/>
+      </a:lnRef>
+      <a:fillRef idx="1">
+        <a:scrgbClr r="0" g="0" b="0"/>
+      </a:fillRef>
+      <a:effectRef idx="0">
+        <a:scrgbClr r="0" g="0" b="0"/>
+      </a:effectRef>
+      <a:fontRef idx="minor"/>
+    </dgm:style>
+  </dgm:styleLbl>
+  <dgm:styleLbl name="fgAcc3">
+    <dgm:scene3d>
+      <a:camera prst="orthographicFront"/>
+      <a:lightRig rig="threePt" dir="t"/>
+    </dgm:scene3d>
+    <dgm:sp3d/>
+    <dgm:txPr/>
+    <dgm:style>
+      <a:lnRef idx="1">
+        <a:scrgbClr r="0" g="0" b="0"/>
+      </a:lnRef>
+      <a:fillRef idx="1">
+        <a:scrgbClr r="0" g="0" b="0"/>
+      </a:fillRef>
+      <a:effectRef idx="0">
+        <a:scrgbClr r="0" g="0" b="0"/>
+      </a:effectRef>
+      <a:fontRef idx="minor"/>
+    </dgm:style>
+  </dgm:styleLbl>
+  <dgm:styleLbl name="fgAcc4">
+    <dgm:scene3d>
+      <a:camera prst="orthographicFront"/>
+      <a:lightRig rig="threePt" dir="t"/>
+    </dgm:scene3d>
+    <dgm:sp3d/>
+    <dgm:txPr/>
+    <dgm:style>
+      <a:lnRef idx="1">
+        <a:scrgbClr r="0" g="0" b="0"/>
+      </a:lnRef>
+      <a:fillRef idx="1">
+        <a:scrgbClr r="0" g="0" b="0"/>
+      </a:fillRef>
+      <a:effectRef idx="0">
+        <a:scrgbClr r="0" g="0" b="0"/>
+      </a:effectRef>
+      <a:fontRef idx="minor"/>
+    </dgm:style>
+  </dgm:styleLbl>
+  <dgm:styleLbl name="bgShp">
+    <dgm:scene3d>
+      <a:camera prst="orthographicFront"/>
+      <a:lightRig rig="threePt" dir="t"/>
+    </dgm:scene3d>
+    <dgm:sp3d/>
+    <dgm:txPr/>
+    <dgm:style>
+      <a:lnRef idx="0">
+        <a:scrgbClr r="0" g="0" b="0"/>
+      </a:lnRef>
+      <a:fillRef idx="1">
+        <a:scrgbClr r="0" g="0" b="0"/>
+      </a:fillRef>
+      <a:effectRef idx="2">
+        <a:scrgbClr r="0" g="0" b="0"/>
+      </a:effectRef>
+      <a:fontRef idx="minor"/>
+    </dgm:style>
+  </dgm:styleLbl>
+  <dgm:styleLbl name="dkBgShp">
+    <dgm:scene3d>
+      <a:camera prst="orthographicFront"/>
+      <a:lightRig rig="threePt" dir="t"/>
+    </dgm:scene3d>
+    <dgm:sp3d/>
+    <dgm:txPr/>
+    <dgm:style>
+      <a:lnRef idx="0">
+        <a:scrgbClr r="0" g="0" b="0"/>
+      </a:lnRef>
+      <a:fillRef idx="1">
+        <a:scrgbClr r="0" g="0" b="0"/>
+      </a:fillRef>
+      <a:effectRef idx="2">
+        <a:scrgbClr r="0" g="0" b="0"/>
+      </a:effectRef>
+      <a:fontRef idx="minor"/>
+    </dgm:style>
+  </dgm:styleLbl>
+  <dgm:styleLbl name="trBgShp">
+    <dgm:scene3d>
+      <a:camera prst="orthographicFront"/>
+      <a:lightRig rig="threePt" dir="t"/>
+    </dgm:scene3d>
+    <dgm:sp3d/>
+    <dgm:txPr/>
+    <dgm:style>
+      <a:lnRef idx="0">
+        <a:scrgbClr r="0" g="0" b="0"/>
+      </a:lnRef>
+      <a:fillRef idx="1">
+        <a:scrgbClr r="0" g="0" b="0"/>
+      </a:fillRef>
+      <a:effectRef idx="0">
+        <a:scrgbClr r="0" g="0" b="0"/>
+      </a:effectRef>
+      <a:fontRef idx="minor"/>
+    </dgm:style>
+  </dgm:styleLbl>
+  <dgm:styleLbl name="fgShp">
+    <dgm:scene3d>
+      <a:camera prst="orthographicFront"/>
+      <a:lightRig rig="threePt" dir="t"/>
+    </dgm:scene3d>
+    <dgm:sp3d/>
+    <dgm:txPr/>
+    <dgm:style>
+      <a:lnRef idx="0">
+        <a:scrgbClr r="0" g="0" b="0"/>
+      </a:lnRef>
+      <a:fillRef idx="3">
+        <a:scrgbClr r="0" g="0" b="0"/>
+      </a:fillRef>
+      <a:effectRef idx="2">
+        <a:scrgbClr r="0" g="0" b="0"/>
+      </a:effectRef>
+      <a:fontRef idx="minor"/>
+    </dgm:style>
+  </dgm:styleLbl>
+  <dgm:styleLbl name="revTx">
+    <dgm:scene3d>
+      <a:camera prst="orthographicFront"/>
+      <a:lightRig rig="threePt" dir="t"/>
+    </dgm:scene3d>
+    <dgm:sp3d/>
+    <dgm:txPr/>
+    <dgm:style>
+      <a:lnRef idx="0">
+        <a:scrgbClr r="0" g="0" b="0"/>
+      </a:lnRef>
+      <a:fillRef idx="0">
+        <a:scrgbClr r="0" g="0" b="0"/>
+      </a:fillRef>
+      <a:effectRef idx="0">
+        <a:scrgbClr r="0" g="0" b="0"/>
+      </a:effectRef>
+      <a:fontRef idx="minor"/>
+    </dgm:style>
+  </dgm:styleLbl>
+</dgm:styleDef>
+</file>
+
 <file path=ppt/handoutMasters/handoutMaster1.xml><?xml version="1.0" encoding="utf-8"?>
 <p:handoutMaster xmlns:a="http://schemas.openxmlformats.org/drawingml/2006/main" xmlns:r="http://schemas.openxmlformats.org/officeDocument/2006/relationships" xmlns:p="http://schemas.openxmlformats.org/presentationml/2006/main">
   <p:cSld>
@@ -226,7 +2901,7 @@
           <a:p>
             <a:fld id="{73B2889B-A0AC-4482-8592-5C96F2309420}" type="datetimeFigureOut">
               <a:rPr lang="en-US" smtClean="0"/>
-              <a:t>10/27/2021</a:t>
+              <a:t>10/30/2021</a:t>
             </a:fld>
             <a:endParaRPr lang="en-US"/>
           </a:p>
@@ -403,7 +3078,7 @@
           <a:p>
             <a:fld id="{830EB223-FFC0-462A-A3B8-EAA7CE0F8CBD}" type="datetimeFigureOut">
               <a:rPr lang="en-US" smtClean="0"/>
-              <a:t>10/27/2021</a:t>
+              <a:t>10/30/2021</a:t>
             </a:fld>
             <a:endParaRPr lang="en-US" dirty="0"/>
           </a:p>
@@ -902,7 +3577,7 @@
                 <a:tabLst/>
                 <a:defRPr/>
               </a:pPr>
-              <a:t>10</a:t>
+              <a:t>15</a:t>
             </a:fld>
             <a:endParaRPr kumimoji="0" lang="en-US" sz="1200" b="0" i="0" u="none" strike="noStrike" kern="1200" cap="none" spc="0" normalizeH="0" baseline="0" noProof="0" dirty="0">
               <a:ln>
@@ -1049,7 +3724,7 @@
                 <a:tabLst/>
                 <a:defRPr/>
               </a:pPr>
-              <a:t>11</a:t>
+              <a:t>16</a:t>
             </a:fld>
             <a:endParaRPr kumimoji="0" lang="en-US" sz="1200" b="0" i="0" u="none" strike="noStrike" kern="1200" cap="none" spc="0" normalizeH="0" baseline="0" noProof="0" dirty="0">
               <a:ln>
@@ -1810,7 +4485,7 @@
           <a:p>
             <a:fld id="{BC849E9A-41F7-4779-A581-48A7C374A227}" type="slidenum">
               <a:rPr lang="en-US" smtClean="0"/>
-              <a:t>7</a:t>
+              <a:t>12</a:t>
             </a:fld>
             <a:endParaRPr lang="en-US" dirty="0"/>
           </a:p>
@@ -1919,7 +4594,7 @@
           <a:p>
             <a:fld id="{BC849E9A-41F7-4779-A581-48A7C374A227}" type="slidenum">
               <a:rPr lang="en-US" smtClean="0"/>
-              <a:t>8</a:t>
+              <a:t>13</a:t>
             </a:fld>
             <a:endParaRPr lang="en-US" dirty="0"/>
           </a:p>
@@ -2014,7 +4689,7 @@
           <a:p>
             <a:fld id="{BC849E9A-41F7-4779-A581-48A7C374A227}" type="slidenum">
               <a:rPr lang="en-US" smtClean="0"/>
-              <a:t>9</a:t>
+              <a:t>14</a:t>
             </a:fld>
             <a:endParaRPr lang="en-US" dirty="0"/>
           </a:p>
@@ -2180,7 +4855,7 @@
           <a:p>
             <a:fld id="{DECF21A4-E71B-4D3A-AF45-E989C23A7BB1}" type="datetimeFigureOut">
               <a:rPr lang="en-US" smtClean="0"/>
-              <a:t>10/27/2021</a:t>
+              <a:t>10/30/2021</a:t>
             </a:fld>
             <a:endParaRPr lang="en-US" dirty="0"/>
           </a:p>
@@ -2378,7 +5053,7 @@
           <a:p>
             <a:fld id="{DECF21A4-E71B-4D3A-AF45-E989C23A7BB1}" type="datetimeFigureOut">
               <a:rPr lang="en-US" smtClean="0"/>
-              <a:t>10/27/2021</a:t>
+              <a:t>10/30/2021</a:t>
             </a:fld>
             <a:endParaRPr lang="en-US" dirty="0"/>
           </a:p>
@@ -2586,7 +5261,7 @@
           <a:p>
             <a:fld id="{DECF21A4-E71B-4D3A-AF45-E989C23A7BB1}" type="datetimeFigureOut">
               <a:rPr lang="en-US" smtClean="0"/>
-              <a:t>10/27/2021</a:t>
+              <a:t>10/30/2021</a:t>
             </a:fld>
             <a:endParaRPr lang="en-US" dirty="0"/>
           </a:p>
@@ -2806,7 +5481,7 @@
           <a:p>
             <a:fld id="{8AF234EC-1E1E-4781-99A9-0A28CCB2B4BE}" type="datetime1">
               <a:rPr lang="en-US" smtClean="0"/>
-              <a:t>10/27/2021</a:t>
+              <a:t>10/30/2021</a:t>
             </a:fld>
             <a:endParaRPr lang="en-US" dirty="0"/>
           </a:p>
@@ -3008,7 +5683,7 @@
           <a:p>
             <a:fld id="{18063F28-525C-4D2F-9462-E350E3E64AF6}" type="datetime1">
               <a:rPr lang="en-US" smtClean="0"/>
-              <a:t>10/27/2021</a:t>
+              <a:t>10/30/2021</a:t>
             </a:fld>
             <a:endParaRPr lang="en-US" dirty="0"/>
           </a:p>
@@ -3287,7 +5962,7 @@
           <a:p>
             <a:fld id="{37CF39F8-67D0-454E-8A32-D01189D240B4}" type="datetime1">
               <a:rPr lang="en-US" smtClean="0"/>
-              <a:t>10/27/2021</a:t>
+              <a:t>10/30/2021</a:t>
             </a:fld>
             <a:endParaRPr lang="en-US" dirty="0"/>
           </a:p>
@@ -3556,7 +6231,7 @@
           <a:p>
             <a:fld id="{710022DA-7B43-4B05-9EB2-95FA5414D608}" type="datetime1">
               <a:rPr lang="en-US" smtClean="0"/>
-              <a:t>10/27/2021</a:t>
+              <a:t>10/30/2021</a:t>
             </a:fld>
             <a:endParaRPr lang="en-US" dirty="0"/>
           </a:p>
@@ -3972,7 +6647,7 @@
           <a:p>
             <a:fld id="{DCC0965F-5C4D-4D57-8560-49DE2E8F69E1}" type="datetime1">
               <a:rPr lang="en-US" smtClean="0"/>
-              <a:t>10/27/2021</a:t>
+              <a:t>10/30/2021</a:t>
             </a:fld>
             <a:endParaRPr lang="en-US" dirty="0"/>
           </a:p>
@@ -4117,7 +6792,7 @@
           <a:p>
             <a:fld id="{E470E1BA-6770-4704-AEF1-C1E53A826593}" type="datetime1">
               <a:rPr lang="en-US" smtClean="0"/>
-              <a:t>10/27/2021</a:t>
+              <a:t>10/30/2021</a:t>
             </a:fld>
             <a:endParaRPr lang="en-US" dirty="0"/>
           </a:p>
@@ -4234,7 +6909,7 @@
           <a:p>
             <a:fld id="{6D69FE86-AC42-4784-A62A-371E4E04F25D}" type="datetime1">
               <a:rPr lang="en-US" smtClean="0"/>
-              <a:t>10/27/2021</a:t>
+              <a:t>10/30/2021</a:t>
             </a:fld>
             <a:endParaRPr lang="en-US" dirty="0"/>
           </a:p>
@@ -4549,7 +7224,7 @@
           <a:p>
             <a:fld id="{563FD4EB-8A2B-4B15-81B4-AF489665346C}" type="datetime1">
               <a:rPr lang="en-US" smtClean="0"/>
-              <a:t>10/27/2021</a:t>
+              <a:t>10/30/2021</a:t>
             </a:fld>
             <a:endParaRPr lang="en-US" dirty="0"/>
           </a:p>
@@ -4751,7 +7426,7 @@
           <a:p>
             <a:fld id="{DECF21A4-E71B-4D3A-AF45-E989C23A7BB1}" type="datetimeFigureOut">
               <a:rPr lang="en-US" smtClean="0"/>
-              <a:t>10/27/2021</a:t>
+              <a:t>10/30/2021</a:t>
             </a:fld>
             <a:endParaRPr lang="en-US" dirty="0"/>
           </a:p>
@@ -5043,7 +7718,7 @@
           <a:p>
             <a:fld id="{5AFB6B90-020F-4ADD-B4E0-542FB5BFAA23}" type="datetime1">
               <a:rPr lang="en-US" smtClean="0"/>
-              <a:t>10/27/2021</a:t>
+              <a:t>10/30/2021</a:t>
             </a:fld>
             <a:endParaRPr lang="en-US" dirty="0"/>
           </a:p>
@@ -5245,7 +7920,7 @@
           <a:p>
             <a:fld id="{22A9C4EA-047E-4A78-A42D-B75F2DB9C834}" type="datetime1">
               <a:rPr lang="en-US" smtClean="0"/>
-              <a:t>10/27/2021</a:t>
+              <a:t>10/30/2021</a:t>
             </a:fld>
             <a:endParaRPr lang="en-US" dirty="0"/>
           </a:p>
@@ -5457,7 +8132,7 @@
           <a:p>
             <a:fld id="{AC42DE87-5538-44B3-819A-CF13FBCDF38E}" type="datetime1">
               <a:rPr lang="en-US" smtClean="0"/>
-              <a:t>10/27/2021</a:t>
+              <a:t>10/30/2021</a:t>
             </a:fld>
             <a:endParaRPr lang="en-US" dirty="0"/>
           </a:p>
@@ -5736,7 +8411,7 @@
           <a:p>
             <a:fld id="{DECF21A4-E71B-4D3A-AF45-E989C23A7BB1}" type="datetimeFigureOut">
               <a:rPr lang="en-US" smtClean="0"/>
-              <a:t>10/27/2021</a:t>
+              <a:t>10/30/2021</a:t>
             </a:fld>
             <a:endParaRPr lang="en-US" dirty="0"/>
           </a:p>
@@ -6001,7 +8676,7 @@
           <a:p>
             <a:fld id="{DECF21A4-E71B-4D3A-AF45-E989C23A7BB1}" type="datetimeFigureOut">
               <a:rPr lang="en-US" smtClean="0"/>
-              <a:t>10/27/2021</a:t>
+              <a:t>10/30/2021</a:t>
             </a:fld>
             <a:endParaRPr lang="en-US" dirty="0"/>
           </a:p>
@@ -6413,7 +9088,7 @@
           <a:p>
             <a:fld id="{DECF21A4-E71B-4D3A-AF45-E989C23A7BB1}" type="datetimeFigureOut">
               <a:rPr lang="en-US" smtClean="0"/>
-              <a:t>10/27/2021</a:t>
+              <a:t>10/30/2021</a:t>
             </a:fld>
             <a:endParaRPr lang="en-US" dirty="0"/>
           </a:p>
@@ -6554,7 +9229,7 @@
           <a:p>
             <a:fld id="{DECF21A4-E71B-4D3A-AF45-E989C23A7BB1}" type="datetimeFigureOut">
               <a:rPr lang="en-US" smtClean="0"/>
-              <a:t>10/27/2021</a:t>
+              <a:t>10/30/2021</a:t>
             </a:fld>
             <a:endParaRPr lang="en-US" dirty="0"/>
           </a:p>
@@ -6667,7 +9342,7 @@
           <a:p>
             <a:fld id="{DECF21A4-E71B-4D3A-AF45-E989C23A7BB1}" type="datetimeFigureOut">
               <a:rPr lang="en-US" smtClean="0"/>
-              <a:t>10/27/2021</a:t>
+              <a:t>10/30/2021</a:t>
             </a:fld>
             <a:endParaRPr lang="en-US" dirty="0"/>
           </a:p>
@@ -6978,7 +9653,7 @@
           <a:p>
             <a:fld id="{DECF21A4-E71B-4D3A-AF45-E989C23A7BB1}" type="datetimeFigureOut">
               <a:rPr lang="en-US" smtClean="0"/>
-              <a:t>10/27/2021</a:t>
+              <a:t>10/30/2021</a:t>
             </a:fld>
             <a:endParaRPr lang="en-US" dirty="0"/>
           </a:p>
@@ -7270,7 +9945,7 @@
           <a:p>
             <a:fld id="{DECF21A4-E71B-4D3A-AF45-E989C23A7BB1}" type="datetimeFigureOut">
               <a:rPr lang="en-US" smtClean="0"/>
-              <a:t>10/27/2021</a:t>
+              <a:t>10/30/2021</a:t>
             </a:fld>
             <a:endParaRPr lang="en-US" dirty="0"/>
           </a:p>
@@ -7511,7 +10186,7 @@
           <a:p>
             <a:fld id="{DECF21A4-E71B-4D3A-AF45-E989C23A7BB1}" type="datetimeFigureOut">
               <a:rPr lang="en-US" smtClean="0"/>
-              <a:t>10/27/2021</a:t>
+              <a:t>10/30/2021</a:t>
             </a:fld>
             <a:endParaRPr lang="en-US" dirty="0"/>
           </a:p>
@@ -8079,7 +10754,7 @@
           <a:p>
             <a:fld id="{BF3C8070-8CAD-4030-857E-B3DF8F925AC3}" type="datetime1">
               <a:rPr lang="en-US" smtClean="0"/>
-              <a:t>10/27/2021</a:t>
+              <a:t>10/30/2021</a:t>
             </a:fld>
             <a:endParaRPr lang="en-US" dirty="0"/>
           </a:p>
@@ -12769,6 +15444,3871 @@
           <p:cNvPr id="11" name="Rectangle 10">
             <a:extLst>
               <a:ext uri="{FF2B5EF4-FFF2-40B4-BE49-F238E27FC236}">
+                <a16:creationId xmlns:a16="http://schemas.microsoft.com/office/drawing/2014/main" id="{32AEEBC8-9D30-42EF-95F2-386C2653FBF0}"/>
+              </a:ext>
+              <a:ext uri="{C183D7F6-B498-43B3-948B-1728B52AA6E4}">
+                <adec:decorative xmlns:adec="http://schemas.microsoft.com/office/drawing/2017/decorative" val="1"/>
+              </a:ext>
+            </a:extLst>
+          </p:cNvPr>
+          <p:cNvSpPr>
+            <a:spLocks noGrp="1" noRot="1" noChangeAspect="1" noMove="1" noResize="1" noEditPoints="1" noAdjustHandles="1" noChangeArrowheads="1" noChangeShapeType="1" noTextEdit="1"/>
+          </p:cNvSpPr>
+          <p:nvPr>
+            <p:extLst>
+              <p:ext uri="{386F3935-93C4-4BCD-93E2-E3B085C9AB24}">
+                <p16:designElem xmlns:p16="http://schemas.microsoft.com/office/powerpoint/2015/main" val="1"/>
+              </p:ext>
+            </p:extLst>
+          </p:nvPr>
+        </p:nvSpPr>
+        <p:spPr>
+          <a:xfrm>
+            <a:off x="0" y="0"/>
+            <a:ext cx="12192000" cy="6858000"/>
+          </a:xfrm>
+          <a:prstGeom prst="rect">
+            <a:avLst/>
+          </a:prstGeom>
+          <a:ln>
+            <a:noFill/>
+          </a:ln>
+        </p:spPr>
+        <p:style>
+          <a:lnRef idx="2">
+            <a:schemeClr val="accent1">
+              <a:shade val="50000"/>
+            </a:schemeClr>
+          </a:lnRef>
+          <a:fillRef idx="1">
+            <a:schemeClr val="accent1"/>
+          </a:fillRef>
+          <a:effectRef idx="0">
+            <a:schemeClr val="accent1"/>
+          </a:effectRef>
+          <a:fontRef idx="minor">
+            <a:schemeClr val="lt1"/>
+          </a:fontRef>
+        </p:style>
+        <p:txBody>
+          <a:bodyPr rtlCol="0" anchor="ctr"/>
+          <a:lstStyle/>
+          <a:p>
+            <a:pPr marL="0" marR="0" lvl="0" indent="0" algn="ctr" defTabSz="914400" rtl="0" eaLnBrk="1" fontAlgn="auto" latinLnBrk="0" hangingPunct="1">
+              <a:lnSpc>
+                <a:spcPct val="100000"/>
+              </a:lnSpc>
+              <a:spcBef>
+                <a:spcPts val="0"/>
+              </a:spcBef>
+              <a:spcAft>
+                <a:spcPts val="0"/>
+              </a:spcAft>
+              <a:buClrTx/>
+              <a:buSzTx/>
+              <a:buFontTx/>
+              <a:buNone/>
+              <a:tabLst/>
+              <a:defRPr/>
+            </a:pPr>
+            <a:endParaRPr kumimoji="0" lang="en-US" sz="1800" b="0" i="0" u="none" strike="noStrike" kern="1200" cap="none" spc="0" normalizeH="0" baseline="0" noProof="0">
+              <a:ln>
+                <a:noFill/>
+              </a:ln>
+              <a:solidFill>
+                <a:prstClr val="white"/>
+              </a:solidFill>
+              <a:effectLst/>
+              <a:uLnTx/>
+              <a:uFillTx/>
+              <a:latin typeface="Calibri" panose="020F0502020204030204"/>
+              <a:ea typeface="+mn-ea"/>
+              <a:cs typeface="+mn-cs"/>
+            </a:endParaRPr>
+          </a:p>
+        </p:txBody>
+      </p:sp>
+      <p:sp>
+        <p:nvSpPr>
+          <p:cNvPr id="2" name="Title 1">
+            <a:extLst>
+              <a:ext uri="{FF2B5EF4-FFF2-40B4-BE49-F238E27FC236}">
+                <a16:creationId xmlns:a16="http://schemas.microsoft.com/office/drawing/2014/main" id="{A6253966-ECCF-413A-8B9E-8F3E5467C4DF}"/>
+              </a:ext>
+            </a:extLst>
+          </p:cNvPr>
+          <p:cNvSpPr>
+            <a:spLocks noGrp="1"/>
+          </p:cNvSpPr>
+          <p:nvPr>
+            <p:ph type="title"/>
+          </p:nvPr>
+        </p:nvSpPr>
+        <p:spPr>
+          <a:xfrm>
+            <a:off x="630936" y="502920"/>
+            <a:ext cx="3419856" cy="1463040"/>
+          </a:xfrm>
+        </p:spPr>
+        <p:txBody>
+          <a:bodyPr anchor="ctr">
+            <a:normAutofit/>
+          </a:bodyPr>
+          <a:lstStyle/>
+          <a:p>
+            <a:r>
+              <a:rPr lang="en-US" sz="3000"/>
+              <a:t>Testing Hypotheses about Individual Variables </a:t>
+            </a:r>
+          </a:p>
+        </p:txBody>
+      </p:sp>
+      <p:sp>
+        <p:nvSpPr>
+          <p:cNvPr id="13" name="sketch line">
+            <a:extLst>
+              <a:ext uri="{FF2B5EF4-FFF2-40B4-BE49-F238E27FC236}">
+                <a16:creationId xmlns:a16="http://schemas.microsoft.com/office/drawing/2014/main" id="{2E92FA66-67D7-4CB4-94D3-E643A9AD4757}"/>
+              </a:ext>
+              <a:ext uri="{C183D7F6-B498-43B3-948B-1728B52AA6E4}">
+                <adec:decorative xmlns:adec="http://schemas.microsoft.com/office/drawing/2017/decorative" val="1"/>
+              </a:ext>
+            </a:extLst>
+          </p:cNvPr>
+          <p:cNvSpPr>
+            <a:spLocks noGrp="1" noRot="1" noChangeAspect="1" noMove="1" noResize="1" noEditPoints="1" noAdjustHandles="1" noChangeArrowheads="1" noChangeShapeType="1" noTextEdit="1"/>
+          </p:cNvSpPr>
+          <p:nvPr>
+            <p:extLst>
+              <p:ext uri="{386F3935-93C4-4BCD-93E2-E3B085C9AB24}">
+                <p16:designElem xmlns:p16="http://schemas.microsoft.com/office/powerpoint/2015/main" val="1"/>
+              </p:ext>
+            </p:extLst>
+          </p:nvPr>
+        </p:nvSpPr>
+        <p:spPr>
+          <a:xfrm rot="5400000">
+            <a:off x="3566159" y="1225296"/>
+            <a:ext cx="1554480" cy="18288"/>
+          </a:xfrm>
+          <a:custGeom>
+            <a:avLst/>
+            <a:gdLst>
+              <a:gd name="connsiteX0" fmla="*/ 0 w 1554480"/>
+              <a:gd name="connsiteY0" fmla="*/ 0 h 18288"/>
+              <a:gd name="connsiteX1" fmla="*/ 549250 w 1554480"/>
+              <a:gd name="connsiteY1" fmla="*/ 0 h 18288"/>
+              <a:gd name="connsiteX2" fmla="*/ 1082954 w 1554480"/>
+              <a:gd name="connsiteY2" fmla="*/ 0 h 18288"/>
+              <a:gd name="connsiteX3" fmla="*/ 1554480 w 1554480"/>
+              <a:gd name="connsiteY3" fmla="*/ 0 h 18288"/>
+              <a:gd name="connsiteX4" fmla="*/ 1554480 w 1554480"/>
+              <a:gd name="connsiteY4" fmla="*/ 18288 h 18288"/>
+              <a:gd name="connsiteX5" fmla="*/ 1067410 w 1554480"/>
+              <a:gd name="connsiteY5" fmla="*/ 18288 h 18288"/>
+              <a:gd name="connsiteX6" fmla="*/ 549250 w 1554480"/>
+              <a:gd name="connsiteY6" fmla="*/ 18288 h 18288"/>
+              <a:gd name="connsiteX7" fmla="*/ 0 w 1554480"/>
+              <a:gd name="connsiteY7" fmla="*/ 18288 h 18288"/>
+              <a:gd name="connsiteX8" fmla="*/ 0 w 1554480"/>
+              <a:gd name="connsiteY8" fmla="*/ 0 h 18288"/>
+            </a:gdLst>
+            <a:ahLst/>
+            <a:cxnLst>
+              <a:cxn ang="0">
+                <a:pos x="connsiteX0" y="connsiteY0"/>
+              </a:cxn>
+              <a:cxn ang="0">
+                <a:pos x="connsiteX1" y="connsiteY1"/>
+              </a:cxn>
+              <a:cxn ang="0">
+                <a:pos x="connsiteX2" y="connsiteY2"/>
+              </a:cxn>
+              <a:cxn ang="0">
+                <a:pos x="connsiteX3" y="connsiteY3"/>
+              </a:cxn>
+              <a:cxn ang="0">
+                <a:pos x="connsiteX4" y="connsiteY4"/>
+              </a:cxn>
+              <a:cxn ang="0">
+                <a:pos x="connsiteX5" y="connsiteY5"/>
+              </a:cxn>
+              <a:cxn ang="0">
+                <a:pos x="connsiteX6" y="connsiteY6"/>
+              </a:cxn>
+              <a:cxn ang="0">
+                <a:pos x="connsiteX7" y="connsiteY7"/>
+              </a:cxn>
+              <a:cxn ang="0">
+                <a:pos x="connsiteX8" y="connsiteY8"/>
+              </a:cxn>
+            </a:cxnLst>
+            <a:rect l="l" t="t" r="r" b="b"/>
+            <a:pathLst>
+              <a:path w="1554480" h="18288" fill="none" extrusionOk="0">
+                <a:moveTo>
+                  <a:pt x="0" y="0"/>
+                </a:moveTo>
+                <a:cubicBezTo>
+                  <a:pt x="114141" y="-19864"/>
+                  <a:pt x="345055" y="-1657"/>
+                  <a:pt x="549250" y="0"/>
+                </a:cubicBezTo>
+                <a:cubicBezTo>
+                  <a:pt x="753445" y="1657"/>
+                  <a:pt x="862292" y="-5674"/>
+                  <a:pt x="1082954" y="0"/>
+                </a:cubicBezTo>
+                <a:cubicBezTo>
+                  <a:pt x="1303616" y="5674"/>
+                  <a:pt x="1363530" y="4537"/>
+                  <a:pt x="1554480" y="0"/>
+                </a:cubicBezTo>
+                <a:cubicBezTo>
+                  <a:pt x="1554963" y="7176"/>
+                  <a:pt x="1553909" y="13682"/>
+                  <a:pt x="1554480" y="18288"/>
+                </a:cubicBezTo>
+                <a:cubicBezTo>
+                  <a:pt x="1338847" y="6127"/>
+                  <a:pt x="1215066" y="37851"/>
+                  <a:pt x="1067410" y="18288"/>
+                </a:cubicBezTo>
+                <a:cubicBezTo>
+                  <a:pt x="919754" y="-1275"/>
+                  <a:pt x="800465" y="3080"/>
+                  <a:pt x="549250" y="18288"/>
+                </a:cubicBezTo>
+                <a:cubicBezTo>
+                  <a:pt x="298035" y="33496"/>
+                  <a:pt x="158868" y="22769"/>
+                  <a:pt x="0" y="18288"/>
+                </a:cubicBezTo>
+                <a:cubicBezTo>
+                  <a:pt x="-655" y="13237"/>
+                  <a:pt x="709" y="4645"/>
+                  <a:pt x="0" y="0"/>
+                </a:cubicBezTo>
+                <a:close/>
+              </a:path>
+              <a:path w="1554480" h="18288" stroke="0" extrusionOk="0">
+                <a:moveTo>
+                  <a:pt x="0" y="0"/>
+                </a:moveTo>
+                <a:cubicBezTo>
+                  <a:pt x="249941" y="-58"/>
+                  <a:pt x="367334" y="23448"/>
+                  <a:pt x="502615" y="0"/>
+                </a:cubicBezTo>
+                <a:cubicBezTo>
+                  <a:pt x="637897" y="-23448"/>
+                  <a:pt x="813653" y="-20418"/>
+                  <a:pt x="974141" y="0"/>
+                </a:cubicBezTo>
+                <a:cubicBezTo>
+                  <a:pt x="1134629" y="20418"/>
+                  <a:pt x="1268772" y="6288"/>
+                  <a:pt x="1554480" y="0"/>
+                </a:cubicBezTo>
+                <a:cubicBezTo>
+                  <a:pt x="1554917" y="7222"/>
+                  <a:pt x="1555359" y="13299"/>
+                  <a:pt x="1554480" y="18288"/>
+                </a:cubicBezTo>
+                <a:cubicBezTo>
+                  <a:pt x="1336087" y="12172"/>
+                  <a:pt x="1310024" y="19759"/>
+                  <a:pt x="1067410" y="18288"/>
+                </a:cubicBezTo>
+                <a:cubicBezTo>
+                  <a:pt x="824796" y="16818"/>
+                  <a:pt x="787902" y="34647"/>
+                  <a:pt x="518160" y="18288"/>
+                </a:cubicBezTo>
+                <a:cubicBezTo>
+                  <a:pt x="248418" y="1930"/>
+                  <a:pt x="133160" y="9205"/>
+                  <a:pt x="0" y="18288"/>
+                </a:cubicBezTo>
+                <a:cubicBezTo>
+                  <a:pt x="-643" y="9451"/>
+                  <a:pt x="-340" y="7114"/>
+                  <a:pt x="0" y="0"/>
+                </a:cubicBezTo>
+                <a:close/>
+              </a:path>
+            </a:pathLst>
+          </a:custGeom>
+          <a:solidFill>
+            <a:schemeClr val="accent2"/>
+          </a:solidFill>
+          <a:ln w="41275" cap="rnd">
+            <a:solidFill>
+              <a:schemeClr val="accent2"/>
+            </a:solidFill>
+            <a:round/>
+            <a:extLst>
+              <a:ext uri="{C807C97D-BFC1-408E-A445-0C87EB9F89A2}">
+                <ask:lineSketchStyleProps xmlns:ask="http://schemas.microsoft.com/office/drawing/2018/sketchyshapes" sd="1219033472">
+                  <a:prstGeom prst="rect">
+                    <a:avLst/>
+                  </a:prstGeom>
+                  <ask:type>
+                    <ask:lineSketchFreehand/>
+                  </ask:type>
+                </ask:lineSketchStyleProps>
+              </a:ext>
+            </a:extLst>
+          </a:ln>
+        </p:spPr>
+        <p:style>
+          <a:lnRef idx="2">
+            <a:schemeClr val="accent1">
+              <a:shade val="50000"/>
+            </a:schemeClr>
+          </a:lnRef>
+          <a:fillRef idx="1">
+            <a:schemeClr val="accent1"/>
+          </a:fillRef>
+          <a:effectRef idx="0">
+            <a:schemeClr val="accent1"/>
+          </a:effectRef>
+          <a:fontRef idx="minor">
+            <a:schemeClr val="lt1"/>
+          </a:fontRef>
+        </p:style>
+        <p:txBody>
+          <a:bodyPr rtlCol="0" anchor="ctr"/>
+          <a:lstStyle/>
+          <a:p>
+            <a:pPr marL="0" marR="0" lvl="0" indent="0" algn="ctr" defTabSz="914400" rtl="0" eaLnBrk="1" fontAlgn="auto" latinLnBrk="0" hangingPunct="1">
+              <a:lnSpc>
+                <a:spcPct val="100000"/>
+              </a:lnSpc>
+              <a:spcBef>
+                <a:spcPts val="0"/>
+              </a:spcBef>
+              <a:spcAft>
+                <a:spcPts val="0"/>
+              </a:spcAft>
+              <a:buClrTx/>
+              <a:buSzTx/>
+              <a:buFontTx/>
+              <a:buNone/>
+              <a:tabLst/>
+              <a:defRPr/>
+            </a:pPr>
+            <a:endParaRPr kumimoji="0" lang="en-US" sz="1800" b="0" i="0" u="none" strike="noStrike" kern="1200" cap="none" spc="0" normalizeH="0" baseline="0" noProof="0">
+              <a:ln>
+                <a:noFill/>
+              </a:ln>
+              <a:solidFill>
+                <a:prstClr val="white"/>
+              </a:solidFill>
+              <a:effectLst/>
+              <a:uLnTx/>
+              <a:uFillTx/>
+              <a:latin typeface="Calibri" panose="020F0502020204030204"/>
+              <a:ea typeface="+mn-ea"/>
+              <a:cs typeface="+mn-cs"/>
+            </a:endParaRPr>
+          </a:p>
+        </p:txBody>
+      </p:sp>
+      <p:sp>
+        <p:nvSpPr>
+          <p:cNvPr id="3" name="Content Placeholder 2">
+            <a:extLst>
+              <a:ext uri="{FF2B5EF4-FFF2-40B4-BE49-F238E27FC236}">
+                <a16:creationId xmlns:a16="http://schemas.microsoft.com/office/drawing/2014/main" id="{B6B894F5-97E5-49EF-B4FA-1453B1DEADF7}"/>
+              </a:ext>
+            </a:extLst>
+          </p:cNvPr>
+          <p:cNvSpPr>
+            <a:spLocks noGrp="1"/>
+          </p:cNvSpPr>
+          <p:nvPr>
+            <p:ph idx="1"/>
+          </p:nvPr>
+        </p:nvSpPr>
+        <p:spPr>
+          <a:xfrm>
+            <a:off x="4654295" y="502920"/>
+            <a:ext cx="6894576" cy="1463040"/>
+          </a:xfrm>
+        </p:spPr>
+        <p:txBody>
+          <a:bodyPr anchor="ctr">
+            <a:normAutofit/>
+          </a:bodyPr>
+          <a:lstStyle/>
+          <a:p>
+            <a:r>
+              <a:rPr lang="en-US" sz="2200"/>
+              <a:t>Categorical Variables: Chi-square goodness-of-fit test: A statistical test to determine whether some observed pattern of frequencies corresponds to an expected pattern. </a:t>
+            </a:r>
+          </a:p>
+        </p:txBody>
+      </p:sp>
+      <p:pic>
+        <p:nvPicPr>
+          <p:cNvPr id="5" name="table">
+            <a:extLst>
+              <a:ext uri="{FF2B5EF4-FFF2-40B4-BE49-F238E27FC236}">
+                <a16:creationId xmlns:a16="http://schemas.microsoft.com/office/drawing/2014/main" id="{1845115E-79C9-4AF8-A5F2-E936ACF0FC6B}"/>
+              </a:ext>
+            </a:extLst>
+          </p:cNvPr>
+          <p:cNvPicPr>
+            <a:picLocks noChangeAspect="1"/>
+          </p:cNvPicPr>
+          <p:nvPr/>
+        </p:nvPicPr>
+        <p:blipFill>
+          <a:blip r:embed="rId2"/>
+          <a:stretch>
+            <a:fillRect/>
+          </a:stretch>
+        </p:blipFill>
+        <p:spPr>
+          <a:xfrm>
+            <a:off x="909942" y="2290936"/>
+            <a:ext cx="10359924" cy="3959352"/>
+          </a:xfrm>
+          <a:prstGeom prst="rect">
+            <a:avLst/>
+          </a:prstGeom>
+        </p:spPr>
+      </p:pic>
+      <p:sp>
+        <p:nvSpPr>
+          <p:cNvPr id="4" name="Content Placeholder 2">
+            <a:extLst>
+              <a:ext uri="{FF2B5EF4-FFF2-40B4-BE49-F238E27FC236}">
+                <a16:creationId xmlns:a16="http://schemas.microsoft.com/office/drawing/2014/main" id="{D58A3C99-0A0D-4DB7-BB0C-25662606B826}"/>
+              </a:ext>
+            </a:extLst>
+          </p:cNvPr>
+          <p:cNvSpPr>
+            <a:spLocks noGrp="1"/>
+          </p:cNvSpPr>
+          <p:nvPr/>
+        </p:nvSpPr>
+        <p:spPr bwMode="auto">
+          <a:xfrm>
+            <a:off x="1981200" y="2003264"/>
+            <a:ext cx="8321040" cy="457200"/>
+          </a:xfrm>
+          <a:prstGeom prst="rect">
+            <a:avLst/>
+          </a:prstGeom>
+          <a:noFill/>
+          <a:ln w="9525">
+            <a:noFill/>
+            <a:miter lim="800000"/>
+            <a:headEnd/>
+            <a:tailEnd/>
+          </a:ln>
+        </p:spPr>
+        <p:txBody>
+          <a:bodyPr vert="horz" wrap="square" lIns="91440" tIns="45720" rIns="91440" bIns="45720" numCol="1" anchor="t" anchorCtr="0" compatLnSpc="1">
+            <a:prstTxWarp prst="textNoShape">
+              <a:avLst/>
+            </a:prstTxWarp>
+          </a:bodyPr>
+          <a:lstStyle>
+            <a:lvl1pPr marL="342900" indent="-342900" algn="l" rtl="0" eaLnBrk="1" fontAlgn="base" hangingPunct="1">
+              <a:spcBef>
+                <a:spcPts val="600"/>
+              </a:spcBef>
+              <a:spcAft>
+                <a:spcPts val="600"/>
+              </a:spcAft>
+              <a:buChar char="•"/>
+              <a:defRPr sz="3600">
+                <a:solidFill>
+                  <a:schemeClr val="tx1"/>
+                </a:solidFill>
+                <a:latin typeface="+mj-lt"/>
+                <a:ea typeface="ＭＳ Ｐゴシック" pitchFamily="-105" charset="-128"/>
+                <a:cs typeface="Times New Roman MT Std"/>
+              </a:defRPr>
+            </a:lvl1pPr>
+            <a:lvl2pPr marL="804672" indent="-347472" algn="l" rtl="0" eaLnBrk="1" fontAlgn="base" hangingPunct="1">
+              <a:spcBef>
+                <a:spcPts val="600"/>
+              </a:spcBef>
+              <a:spcAft>
+                <a:spcPts val="600"/>
+              </a:spcAft>
+              <a:buFont typeface="Arial" panose="020B0604020202020204" pitchFamily="34" charset="0"/>
+              <a:buChar char="•"/>
+              <a:defRPr sz="3200">
+                <a:solidFill>
+                  <a:schemeClr val="tx1"/>
+                </a:solidFill>
+                <a:latin typeface="+mj-lt"/>
+                <a:ea typeface="ＭＳ Ｐゴシック" charset="-128"/>
+                <a:cs typeface="Times New Roman MT Std"/>
+              </a:defRPr>
+            </a:lvl2pPr>
+            <a:lvl3pPr marL="1188720" indent="-274320" algn="l" rtl="0" eaLnBrk="1" fontAlgn="base" hangingPunct="1">
+              <a:spcBef>
+                <a:spcPts val="600"/>
+              </a:spcBef>
+              <a:spcAft>
+                <a:spcPts val="600"/>
+              </a:spcAft>
+              <a:buChar char="•"/>
+              <a:defRPr sz="3000">
+                <a:solidFill>
+                  <a:schemeClr val="tx1"/>
+                </a:solidFill>
+                <a:latin typeface="+mj-lt"/>
+                <a:ea typeface="ＭＳ Ｐゴシック" charset="-128"/>
+                <a:cs typeface="Times New Roman MT Std"/>
+              </a:defRPr>
+            </a:lvl3pPr>
+            <a:lvl4pPr marL="1645920" indent="-274320" algn="l" rtl="0" eaLnBrk="1" fontAlgn="base" hangingPunct="1">
+              <a:spcBef>
+                <a:spcPts val="600"/>
+              </a:spcBef>
+              <a:spcAft>
+                <a:spcPts val="600"/>
+              </a:spcAft>
+              <a:buFont typeface="Arial" panose="020B0604020202020204" pitchFamily="34" charset="0"/>
+              <a:buChar char="•"/>
+              <a:defRPr sz="2800">
+                <a:solidFill>
+                  <a:schemeClr val="tx1"/>
+                </a:solidFill>
+                <a:latin typeface="+mj-lt"/>
+                <a:ea typeface="ＭＳ Ｐゴシック" charset="-128"/>
+                <a:cs typeface="Times New Roman MT Std"/>
+              </a:defRPr>
+            </a:lvl4pPr>
+            <a:lvl5pPr marL="2057400" indent="-228600" algn="l" rtl="0" eaLnBrk="1" fontAlgn="base" hangingPunct="1">
+              <a:spcBef>
+                <a:spcPts val="600"/>
+              </a:spcBef>
+              <a:spcAft>
+                <a:spcPts val="600"/>
+              </a:spcAft>
+              <a:buFont typeface="Arial" panose="020B0604020202020204" pitchFamily="34" charset="0"/>
+              <a:buChar char="•"/>
+              <a:defRPr sz="2400">
+                <a:solidFill>
+                  <a:schemeClr val="tx1"/>
+                </a:solidFill>
+                <a:latin typeface="+mj-lt"/>
+                <a:ea typeface="ＭＳ Ｐゴシック" charset="-128"/>
+                <a:cs typeface="Times New Roman MT Std"/>
+              </a:defRPr>
+            </a:lvl5pPr>
+            <a:lvl6pPr marL="2514600" indent="-228600" algn="l" rtl="0" eaLnBrk="1" fontAlgn="base" hangingPunct="1">
+              <a:spcBef>
+                <a:spcPct val="20000"/>
+              </a:spcBef>
+              <a:spcAft>
+                <a:spcPct val="0"/>
+              </a:spcAft>
+              <a:buChar char="»"/>
+              <a:defRPr sz="1600">
+                <a:solidFill>
+                  <a:schemeClr val="tx1"/>
+                </a:solidFill>
+                <a:latin typeface="+mn-lt"/>
+                <a:ea typeface="ＭＳ Ｐゴシック" charset="-128"/>
+              </a:defRPr>
+            </a:lvl6pPr>
+            <a:lvl7pPr marL="2971800" indent="-228600" algn="l" rtl="0" eaLnBrk="1" fontAlgn="base" hangingPunct="1">
+              <a:spcBef>
+                <a:spcPct val="20000"/>
+              </a:spcBef>
+              <a:spcAft>
+                <a:spcPct val="0"/>
+              </a:spcAft>
+              <a:buChar char="»"/>
+              <a:defRPr sz="1600">
+                <a:solidFill>
+                  <a:schemeClr val="tx1"/>
+                </a:solidFill>
+                <a:latin typeface="+mn-lt"/>
+                <a:ea typeface="ＭＳ Ｐゴシック" charset="-128"/>
+              </a:defRPr>
+            </a:lvl7pPr>
+            <a:lvl8pPr marL="3429000" indent="-228600" algn="l" rtl="0" eaLnBrk="1" fontAlgn="base" hangingPunct="1">
+              <a:spcBef>
+                <a:spcPct val="20000"/>
+              </a:spcBef>
+              <a:spcAft>
+                <a:spcPct val="0"/>
+              </a:spcAft>
+              <a:buChar char="»"/>
+              <a:defRPr sz="1600">
+                <a:solidFill>
+                  <a:schemeClr val="tx1"/>
+                </a:solidFill>
+                <a:latin typeface="+mn-lt"/>
+                <a:ea typeface="ＭＳ Ｐゴシック" charset="-128"/>
+              </a:defRPr>
+            </a:lvl8pPr>
+            <a:lvl9pPr marL="3886200" indent="-228600" algn="l" rtl="0" eaLnBrk="1" fontAlgn="base" hangingPunct="1">
+              <a:spcBef>
+                <a:spcPct val="20000"/>
+              </a:spcBef>
+              <a:spcAft>
+                <a:spcPct val="0"/>
+              </a:spcAft>
+              <a:buChar char="»"/>
+              <a:defRPr sz="1600">
+                <a:solidFill>
+                  <a:schemeClr val="tx1"/>
+                </a:solidFill>
+                <a:latin typeface="+mn-lt"/>
+                <a:ea typeface="ＭＳ Ｐゴシック" charset="-128"/>
+              </a:defRPr>
+            </a:lvl9pPr>
+          </a:lstStyle>
+          <a:p>
+            <a:pPr marL="0" marR="0" lvl="0" indent="0" algn="l" defTabSz="914400" rtl="0" eaLnBrk="1" fontAlgn="base" latinLnBrk="0" hangingPunct="1">
+              <a:lnSpc>
+                <a:spcPct val="100000"/>
+              </a:lnSpc>
+              <a:spcBef>
+                <a:spcPts val="600"/>
+              </a:spcBef>
+              <a:spcAft>
+                <a:spcPts val="600"/>
+              </a:spcAft>
+              <a:buClrTx/>
+              <a:buSzTx/>
+              <a:buFontTx/>
+              <a:buNone/>
+              <a:tabLst/>
+              <a:defRPr/>
+            </a:pPr>
+            <a:r>
+              <a:rPr kumimoji="0" lang="en-US" sz="1700" b="1" i="0" u="none" strike="noStrike" kern="1200" cap="none" spc="0" normalizeH="0" baseline="0" noProof="0" dirty="0">
+                <a:ln>
+                  <a:noFill/>
+                </a:ln>
+                <a:solidFill>
+                  <a:prstClr val="black"/>
+                </a:solidFill>
+                <a:effectLst/>
+                <a:uLnTx/>
+                <a:uFillTx/>
+                <a:latin typeface="Calibri Light" panose="020F0302020204030204"/>
+                <a:ea typeface="ＭＳ Ｐゴシック" pitchFamily="-105" charset="-128"/>
+              </a:rPr>
+              <a:t>Exhibit 17.8  </a:t>
+            </a:r>
+            <a:r>
+              <a:rPr kumimoji="0" lang="en-US" sz="1700" b="0" i="0" u="none" strike="noStrike" kern="1200" cap="none" spc="0" normalizeH="0" baseline="0" noProof="0" dirty="0">
+                <a:ln>
+                  <a:noFill/>
+                </a:ln>
+                <a:solidFill>
+                  <a:prstClr val="black"/>
+                </a:solidFill>
+                <a:effectLst/>
+                <a:uLnTx/>
+                <a:uFillTx/>
+                <a:latin typeface="Calibri Light" panose="020F0302020204030204"/>
+                <a:ea typeface="ＭＳ Ｐゴシック" pitchFamily="-105" charset="-128"/>
+              </a:rPr>
+              <a:t>AFC Customer Education Level Versus Education Level in Trade Area</a:t>
+            </a:r>
+          </a:p>
+        </p:txBody>
+      </p:sp>
+      <p:sp>
+        <p:nvSpPr>
+          <p:cNvPr id="6" name="Content Placeholder 4">
+            <a:extLst>
+              <a:ext uri="{FF2B5EF4-FFF2-40B4-BE49-F238E27FC236}">
+                <a16:creationId xmlns:a16="http://schemas.microsoft.com/office/drawing/2014/main" id="{6EF89187-6AFF-4ACC-9120-C68C077666E7}"/>
+              </a:ext>
+            </a:extLst>
+          </p:cNvPr>
+          <p:cNvSpPr>
+            <a:spLocks noGrp="1"/>
+          </p:cNvSpPr>
+          <p:nvPr/>
+        </p:nvSpPr>
+        <p:spPr bwMode="auto">
+          <a:xfrm>
+            <a:off x="1981200" y="6309360"/>
+            <a:ext cx="8229600" cy="685800"/>
+          </a:xfrm>
+          <a:prstGeom prst="rect">
+            <a:avLst/>
+          </a:prstGeom>
+          <a:noFill/>
+          <a:ln w="9525">
+            <a:noFill/>
+            <a:miter lim="800000"/>
+            <a:headEnd/>
+            <a:tailEnd/>
+          </a:ln>
+        </p:spPr>
+        <p:txBody>
+          <a:bodyPr vert="horz" wrap="square" lIns="91440" tIns="45720" rIns="91440" bIns="45720" numCol="1" anchor="t" anchorCtr="0" compatLnSpc="1">
+            <a:prstTxWarp prst="textNoShape">
+              <a:avLst/>
+            </a:prstTxWarp>
+          </a:bodyPr>
+          <a:lstStyle>
+            <a:lvl1pPr marL="342900" indent="-342900" algn="l" rtl="0" eaLnBrk="1" fontAlgn="base" hangingPunct="1">
+              <a:spcBef>
+                <a:spcPts val="600"/>
+              </a:spcBef>
+              <a:spcAft>
+                <a:spcPts val="600"/>
+              </a:spcAft>
+              <a:buChar char="•"/>
+              <a:defRPr sz="3600">
+                <a:solidFill>
+                  <a:schemeClr val="tx1"/>
+                </a:solidFill>
+                <a:latin typeface="+mj-lt"/>
+                <a:ea typeface="ＭＳ Ｐゴシック" pitchFamily="-105" charset="-128"/>
+                <a:cs typeface="Times New Roman MT Std"/>
+              </a:defRPr>
+            </a:lvl1pPr>
+            <a:lvl2pPr marL="804672" indent="-347472" algn="l" rtl="0" eaLnBrk="1" fontAlgn="base" hangingPunct="1">
+              <a:spcBef>
+                <a:spcPts val="600"/>
+              </a:spcBef>
+              <a:spcAft>
+                <a:spcPts val="600"/>
+              </a:spcAft>
+              <a:buFont typeface="Arial" panose="020B0604020202020204" pitchFamily="34" charset="0"/>
+              <a:buChar char="•"/>
+              <a:defRPr sz="3200">
+                <a:solidFill>
+                  <a:schemeClr val="tx1"/>
+                </a:solidFill>
+                <a:latin typeface="+mj-lt"/>
+                <a:ea typeface="ＭＳ Ｐゴシック" charset="-128"/>
+                <a:cs typeface="Times New Roman MT Std"/>
+              </a:defRPr>
+            </a:lvl2pPr>
+            <a:lvl3pPr marL="1188720" indent="-274320" algn="l" rtl="0" eaLnBrk="1" fontAlgn="base" hangingPunct="1">
+              <a:spcBef>
+                <a:spcPts val="600"/>
+              </a:spcBef>
+              <a:spcAft>
+                <a:spcPts val="600"/>
+              </a:spcAft>
+              <a:buChar char="•"/>
+              <a:defRPr sz="3000">
+                <a:solidFill>
+                  <a:schemeClr val="tx1"/>
+                </a:solidFill>
+                <a:latin typeface="+mj-lt"/>
+                <a:ea typeface="ＭＳ Ｐゴシック" charset="-128"/>
+                <a:cs typeface="Times New Roman MT Std"/>
+              </a:defRPr>
+            </a:lvl3pPr>
+            <a:lvl4pPr marL="1645920" indent="-274320" algn="l" rtl="0" eaLnBrk="1" fontAlgn="base" hangingPunct="1">
+              <a:spcBef>
+                <a:spcPts val="600"/>
+              </a:spcBef>
+              <a:spcAft>
+                <a:spcPts val="600"/>
+              </a:spcAft>
+              <a:buFont typeface="Arial" panose="020B0604020202020204" pitchFamily="34" charset="0"/>
+              <a:buChar char="•"/>
+              <a:defRPr sz="2800">
+                <a:solidFill>
+                  <a:schemeClr val="tx1"/>
+                </a:solidFill>
+                <a:latin typeface="+mj-lt"/>
+                <a:ea typeface="ＭＳ Ｐゴシック" charset="-128"/>
+                <a:cs typeface="Times New Roman MT Std"/>
+              </a:defRPr>
+            </a:lvl4pPr>
+            <a:lvl5pPr marL="2057400" indent="-228600" algn="l" rtl="0" eaLnBrk="1" fontAlgn="base" hangingPunct="1">
+              <a:spcBef>
+                <a:spcPts val="600"/>
+              </a:spcBef>
+              <a:spcAft>
+                <a:spcPts val="600"/>
+              </a:spcAft>
+              <a:buFont typeface="Arial" panose="020B0604020202020204" pitchFamily="34" charset="0"/>
+              <a:buChar char="•"/>
+              <a:defRPr sz="2400">
+                <a:solidFill>
+                  <a:schemeClr val="tx1"/>
+                </a:solidFill>
+                <a:latin typeface="+mj-lt"/>
+                <a:ea typeface="ＭＳ Ｐゴシック" charset="-128"/>
+                <a:cs typeface="Times New Roman MT Std"/>
+              </a:defRPr>
+            </a:lvl5pPr>
+            <a:lvl6pPr marL="2514600" indent="-228600" algn="l" rtl="0" eaLnBrk="1" fontAlgn="base" hangingPunct="1">
+              <a:spcBef>
+                <a:spcPct val="20000"/>
+              </a:spcBef>
+              <a:spcAft>
+                <a:spcPct val="0"/>
+              </a:spcAft>
+              <a:buChar char="»"/>
+              <a:defRPr sz="1600">
+                <a:solidFill>
+                  <a:schemeClr val="tx1"/>
+                </a:solidFill>
+                <a:latin typeface="+mn-lt"/>
+                <a:ea typeface="ＭＳ Ｐゴシック" charset="-128"/>
+              </a:defRPr>
+            </a:lvl6pPr>
+            <a:lvl7pPr marL="2971800" indent="-228600" algn="l" rtl="0" eaLnBrk="1" fontAlgn="base" hangingPunct="1">
+              <a:spcBef>
+                <a:spcPct val="20000"/>
+              </a:spcBef>
+              <a:spcAft>
+                <a:spcPct val="0"/>
+              </a:spcAft>
+              <a:buChar char="»"/>
+              <a:defRPr sz="1600">
+                <a:solidFill>
+                  <a:schemeClr val="tx1"/>
+                </a:solidFill>
+                <a:latin typeface="+mn-lt"/>
+                <a:ea typeface="ＭＳ Ｐゴシック" charset="-128"/>
+              </a:defRPr>
+            </a:lvl7pPr>
+            <a:lvl8pPr marL="3429000" indent="-228600" algn="l" rtl="0" eaLnBrk="1" fontAlgn="base" hangingPunct="1">
+              <a:spcBef>
+                <a:spcPct val="20000"/>
+              </a:spcBef>
+              <a:spcAft>
+                <a:spcPct val="0"/>
+              </a:spcAft>
+              <a:buChar char="»"/>
+              <a:defRPr sz="1600">
+                <a:solidFill>
+                  <a:schemeClr val="tx1"/>
+                </a:solidFill>
+                <a:latin typeface="+mn-lt"/>
+                <a:ea typeface="ＭＳ Ｐゴシック" charset="-128"/>
+              </a:defRPr>
+            </a:lvl8pPr>
+            <a:lvl9pPr marL="3886200" indent="-228600" algn="l" rtl="0" eaLnBrk="1" fontAlgn="base" hangingPunct="1">
+              <a:spcBef>
+                <a:spcPct val="20000"/>
+              </a:spcBef>
+              <a:spcAft>
+                <a:spcPct val="0"/>
+              </a:spcAft>
+              <a:buChar char="»"/>
+              <a:defRPr sz="1600">
+                <a:solidFill>
+                  <a:schemeClr val="tx1"/>
+                </a:solidFill>
+                <a:latin typeface="+mn-lt"/>
+                <a:ea typeface="ＭＳ Ｐゴシック" charset="-128"/>
+              </a:defRPr>
+            </a:lvl9pPr>
+          </a:lstStyle>
+          <a:p>
+            <a:pPr marL="0" marR="0" lvl="0" indent="0" algn="ctr" defTabSz="914400" rtl="0" eaLnBrk="1" fontAlgn="base" latinLnBrk="0" hangingPunct="1">
+              <a:lnSpc>
+                <a:spcPct val="100000"/>
+              </a:lnSpc>
+              <a:spcBef>
+                <a:spcPts val="600"/>
+              </a:spcBef>
+              <a:spcAft>
+                <a:spcPts val="600"/>
+              </a:spcAft>
+              <a:buClrTx/>
+              <a:buSzTx/>
+              <a:buFontTx/>
+              <a:buNone/>
+              <a:tabLst/>
+              <a:defRPr/>
+            </a:pPr>
+            <a:r>
+              <a:rPr kumimoji="0" lang="en-US" sz="3600" b="1" i="0" u="none" strike="noStrike" kern="1200" cap="none" spc="0" normalizeH="0" baseline="0" noProof="0" dirty="0">
+                <a:ln>
+                  <a:noFill/>
+                </a:ln>
+                <a:solidFill>
+                  <a:prstClr val="black"/>
+                </a:solidFill>
+                <a:effectLst/>
+                <a:uLnTx/>
+                <a:uFillTx/>
+                <a:latin typeface="Calibri Light" panose="020F0302020204030204"/>
+                <a:ea typeface="ＭＳ Ｐゴシック" pitchFamily="-105" charset="-128"/>
+              </a:rPr>
+              <a:t>(</a:t>
+            </a:r>
+            <a:r>
+              <a:rPr kumimoji="0" lang="el-GR" sz="3600" b="1" i="1" u="none" strike="noStrike" kern="1200" cap="none" spc="0" normalizeH="0" baseline="0" noProof="0" dirty="0">
+                <a:ln>
+                  <a:noFill/>
+                </a:ln>
+                <a:solidFill>
+                  <a:prstClr val="black"/>
+                </a:solidFill>
+                <a:effectLst/>
+                <a:uLnTx/>
+                <a:uFillTx/>
+                <a:latin typeface="Calibri Light" panose="020F0302020204030204"/>
+                <a:ea typeface="ＭＳ Ｐゴシック" pitchFamily="-105" charset="-128"/>
+              </a:rPr>
+              <a:t>Χ</a:t>
+            </a:r>
+            <a:r>
+              <a:rPr kumimoji="0" lang="en-US" sz="3600" b="1" i="0" u="none" strike="noStrike" kern="1200" cap="none" spc="0" normalizeH="0" baseline="30000" noProof="0" dirty="0">
+                <a:ln>
+                  <a:noFill/>
+                </a:ln>
+                <a:solidFill>
+                  <a:prstClr val="black"/>
+                </a:solidFill>
+                <a:effectLst/>
+                <a:uLnTx/>
+                <a:uFillTx/>
+                <a:latin typeface="Calibri Light" panose="020F0302020204030204"/>
+                <a:ea typeface="ＭＳ Ｐゴシック" pitchFamily="-105" charset="-128"/>
+              </a:rPr>
+              <a:t>2</a:t>
+            </a:r>
+            <a:r>
+              <a:rPr kumimoji="0" lang="en-US" sz="3600" b="1" i="0" u="none" strike="noStrike" kern="1200" cap="none" spc="0" normalizeH="0" baseline="0" noProof="0" dirty="0">
+                <a:ln>
+                  <a:noFill/>
+                </a:ln>
+                <a:solidFill>
+                  <a:prstClr val="black"/>
+                </a:solidFill>
+                <a:effectLst/>
+                <a:uLnTx/>
+                <a:uFillTx/>
+                <a:latin typeface="Calibri Light" panose="020F0302020204030204"/>
+                <a:ea typeface="ＭＳ Ｐゴシック" pitchFamily="-105" charset="-128"/>
+              </a:rPr>
+              <a:t> = 118.38, 5 </a:t>
+            </a:r>
+            <a:r>
+              <a:rPr kumimoji="0" lang="en-US" sz="3600" b="1" i="0" u="none" strike="noStrike" kern="1200" cap="none" spc="0" normalizeH="0" baseline="0" noProof="0" dirty="0" err="1">
+                <a:ln>
+                  <a:noFill/>
+                </a:ln>
+                <a:solidFill>
+                  <a:prstClr val="black"/>
+                </a:solidFill>
+                <a:effectLst/>
+                <a:uLnTx/>
+                <a:uFillTx/>
+                <a:latin typeface="Calibri Light" panose="020F0302020204030204"/>
+                <a:ea typeface="ＭＳ Ｐゴシック" pitchFamily="-105" charset="-128"/>
+              </a:rPr>
+              <a:t>d.f.</a:t>
+            </a:r>
+            <a:r>
+              <a:rPr kumimoji="0" lang="en-US" sz="3600" b="1" i="0" u="none" strike="noStrike" kern="1200" cap="none" spc="0" normalizeH="0" baseline="0" noProof="0" dirty="0">
+                <a:ln>
+                  <a:noFill/>
+                </a:ln>
+                <a:solidFill>
+                  <a:prstClr val="black"/>
+                </a:solidFill>
+                <a:effectLst/>
+                <a:uLnTx/>
+                <a:uFillTx/>
+                <a:latin typeface="Calibri Light" panose="020F0302020204030204"/>
+                <a:ea typeface="ＭＳ Ｐゴシック" pitchFamily="-105" charset="-128"/>
+              </a:rPr>
+              <a:t>, p &lt; .001)</a:t>
+            </a:r>
+            <a:endParaRPr kumimoji="0" lang="en-US" sz="3600" b="0" i="0" u="none" strike="noStrike" kern="1200" cap="none" spc="0" normalizeH="0" baseline="0" noProof="0" dirty="0">
+              <a:ln>
+                <a:noFill/>
+              </a:ln>
+              <a:solidFill>
+                <a:prstClr val="black"/>
+              </a:solidFill>
+              <a:effectLst/>
+              <a:uLnTx/>
+              <a:uFillTx/>
+              <a:latin typeface="Calibri Light" panose="020F0302020204030204"/>
+              <a:ea typeface="ＭＳ Ｐゴシック" pitchFamily="-105" charset="-128"/>
+            </a:endParaRPr>
+          </a:p>
+        </p:txBody>
+      </p:sp>
+    </p:spTree>
+    <p:extLst>
+      <p:ext uri="{BB962C8B-B14F-4D97-AF65-F5344CB8AC3E}">
+        <p14:creationId xmlns:p14="http://schemas.microsoft.com/office/powerpoint/2010/main" val="2627122636"/>
+      </p:ext>
+    </p:extLst>
+  </p:cSld>
+  <p:clrMapOvr>
+    <a:masterClrMapping/>
+  </p:clrMapOvr>
+</p:sld>
+</file>
+
+<file path=ppt/slides/slide11.xml><?xml version="1.0" encoding="utf-8"?>
+<p:sld xmlns:a="http://schemas.openxmlformats.org/drawingml/2006/main" xmlns:r="http://schemas.openxmlformats.org/officeDocument/2006/relationships" xmlns:p="http://schemas.openxmlformats.org/presentationml/2006/main">
+  <p:cSld>
+    <p:bg>
+      <p:bgPr>
+        <a:solidFill>
+          <a:schemeClr val="bg1"/>
+        </a:solidFill>
+        <a:effectLst/>
+      </p:bgPr>
+    </p:bg>
+    <p:spTree>
+      <p:nvGrpSpPr>
+        <p:cNvPr id="1" name=""/>
+        <p:cNvGrpSpPr/>
+        <p:nvPr/>
+      </p:nvGrpSpPr>
+      <p:grpSpPr>
+        <a:xfrm>
+          <a:off x="0" y="0"/>
+          <a:ext cx="0" cy="0"/>
+          <a:chOff x="0" y="0"/>
+          <a:chExt cx="0" cy="0"/>
+        </a:xfrm>
+      </p:grpSpPr>
+      <p:sp useBgFill="1">
+        <p:nvSpPr>
+          <p:cNvPr id="8" name="Rectangle 7">
+            <a:extLst>
+              <a:ext uri="{FF2B5EF4-FFF2-40B4-BE49-F238E27FC236}">
+                <a16:creationId xmlns:a16="http://schemas.microsoft.com/office/drawing/2014/main" id="{777A147A-9ED8-46B4-8660-1B3C2AA880B5}"/>
+              </a:ext>
+              <a:ext uri="{C183D7F6-B498-43B3-948B-1728B52AA6E4}">
+                <adec:decorative xmlns:adec="http://schemas.microsoft.com/office/drawing/2017/decorative" val="1"/>
+              </a:ext>
+            </a:extLst>
+          </p:cNvPr>
+          <p:cNvSpPr>
+            <a:spLocks noGrp="1" noRot="1" noChangeAspect="1" noMove="1" noResize="1" noEditPoints="1" noAdjustHandles="1" noChangeArrowheads="1" noChangeShapeType="1" noTextEdit="1"/>
+          </p:cNvSpPr>
+          <p:nvPr>
+            <p:extLst>
+              <p:ext uri="{386F3935-93C4-4BCD-93E2-E3B085C9AB24}">
+                <p16:designElem xmlns:p16="http://schemas.microsoft.com/office/powerpoint/2015/main" val="1"/>
+              </p:ext>
+            </p:extLst>
+          </p:nvPr>
+        </p:nvSpPr>
+        <p:spPr>
+          <a:xfrm>
+            <a:off x="0" y="0"/>
+            <a:ext cx="12188952" cy="6858000"/>
+          </a:xfrm>
+          <a:prstGeom prst="rect">
+            <a:avLst/>
+          </a:prstGeom>
+          <a:ln>
+            <a:noFill/>
+          </a:ln>
+        </p:spPr>
+        <p:style>
+          <a:lnRef idx="2">
+            <a:schemeClr val="accent1">
+              <a:shade val="50000"/>
+            </a:schemeClr>
+          </a:lnRef>
+          <a:fillRef idx="1">
+            <a:schemeClr val="accent1"/>
+          </a:fillRef>
+          <a:effectRef idx="0">
+            <a:schemeClr val="accent1"/>
+          </a:effectRef>
+          <a:fontRef idx="minor">
+            <a:schemeClr val="lt1"/>
+          </a:fontRef>
+        </p:style>
+        <p:txBody>
+          <a:bodyPr rtlCol="0" anchor="ctr"/>
+          <a:lstStyle/>
+          <a:p>
+            <a:pPr marL="0" marR="0" lvl="0" indent="0" algn="ctr" defTabSz="914400" rtl="0" eaLnBrk="1" fontAlgn="auto" latinLnBrk="0" hangingPunct="1">
+              <a:lnSpc>
+                <a:spcPct val="100000"/>
+              </a:lnSpc>
+              <a:spcBef>
+                <a:spcPts val="0"/>
+              </a:spcBef>
+              <a:spcAft>
+                <a:spcPts val="0"/>
+              </a:spcAft>
+              <a:buClrTx/>
+              <a:buSzTx/>
+              <a:buFontTx/>
+              <a:buNone/>
+              <a:tabLst/>
+              <a:defRPr/>
+            </a:pPr>
+            <a:endParaRPr kumimoji="0" lang="en-US" sz="1800" b="0" i="0" u="none" strike="noStrike" kern="1200" cap="none" spc="0" normalizeH="0" baseline="0" noProof="0">
+              <a:ln>
+                <a:noFill/>
+              </a:ln>
+              <a:solidFill>
+                <a:prstClr val="white"/>
+              </a:solidFill>
+              <a:effectLst/>
+              <a:uLnTx/>
+              <a:uFillTx/>
+              <a:latin typeface="Calibri" panose="020F0502020204030204"/>
+              <a:ea typeface="+mn-ea"/>
+              <a:cs typeface="+mn-cs"/>
+            </a:endParaRPr>
+          </a:p>
+        </p:txBody>
+      </p:sp>
+      <p:sp>
+        <p:nvSpPr>
+          <p:cNvPr id="2" name="Title 1">
+            <a:extLst>
+              <a:ext uri="{FF2B5EF4-FFF2-40B4-BE49-F238E27FC236}">
+                <a16:creationId xmlns:a16="http://schemas.microsoft.com/office/drawing/2014/main" id="{7F989E08-721B-47B3-9B94-F52CEB1E59B3}"/>
+              </a:ext>
+            </a:extLst>
+          </p:cNvPr>
+          <p:cNvSpPr>
+            <a:spLocks noGrp="1"/>
+          </p:cNvSpPr>
+          <p:nvPr>
+            <p:ph type="title"/>
+          </p:nvPr>
+        </p:nvSpPr>
+        <p:spPr>
+          <a:xfrm>
+            <a:off x="841248" y="548640"/>
+            <a:ext cx="3600860" cy="5431536"/>
+          </a:xfrm>
+        </p:spPr>
+        <p:txBody>
+          <a:bodyPr>
+            <a:normAutofit/>
+          </a:bodyPr>
+          <a:lstStyle/>
+          <a:p>
+            <a:r>
+              <a:rPr lang="en-US" sz="5400"/>
+              <a:t>Testing Hypotheses about Individual Variables </a:t>
+            </a:r>
+          </a:p>
+        </p:txBody>
+      </p:sp>
+      <p:sp>
+        <p:nvSpPr>
+          <p:cNvPr id="10" name="sketch line">
+            <a:extLst>
+              <a:ext uri="{FF2B5EF4-FFF2-40B4-BE49-F238E27FC236}">
+                <a16:creationId xmlns:a16="http://schemas.microsoft.com/office/drawing/2014/main" id="{5D6C15A0-C087-4593-8414-2B4EC1CDC3DE}"/>
+              </a:ext>
+              <a:ext uri="{C183D7F6-B498-43B3-948B-1728B52AA6E4}">
+                <adec:decorative xmlns:adec="http://schemas.microsoft.com/office/drawing/2017/decorative" val="1"/>
+              </a:ext>
+            </a:extLst>
+          </p:cNvPr>
+          <p:cNvSpPr>
+            <a:spLocks noGrp="1" noRot="1" noChangeAspect="1" noMove="1" noResize="1" noEditPoints="1" noAdjustHandles="1" noChangeArrowheads="1" noChangeShapeType="1" noTextEdit="1"/>
+          </p:cNvSpPr>
+          <p:nvPr>
+            <p:extLst>
+              <p:ext uri="{386F3935-93C4-4BCD-93E2-E3B085C9AB24}">
+                <p16:designElem xmlns:p16="http://schemas.microsoft.com/office/powerpoint/2015/main" val="1"/>
+              </p:ext>
+            </p:extLst>
+          </p:nvPr>
+        </p:nvSpPr>
+        <p:spPr>
+          <a:xfrm rot="5400000">
+            <a:off x="2543983" y="3258715"/>
+            <a:ext cx="4480560" cy="18288"/>
+          </a:xfrm>
+          <a:custGeom>
+            <a:avLst/>
+            <a:gdLst>
+              <a:gd name="connsiteX0" fmla="*/ 0 w 4480560"/>
+              <a:gd name="connsiteY0" fmla="*/ 0 h 18288"/>
+              <a:gd name="connsiteX1" fmla="*/ 595274 w 4480560"/>
+              <a:gd name="connsiteY1" fmla="*/ 0 h 18288"/>
+              <a:gd name="connsiteX2" fmla="*/ 1100938 w 4480560"/>
+              <a:gd name="connsiteY2" fmla="*/ 0 h 18288"/>
+              <a:gd name="connsiteX3" fmla="*/ 1651406 w 4480560"/>
+              <a:gd name="connsiteY3" fmla="*/ 0 h 18288"/>
+              <a:gd name="connsiteX4" fmla="*/ 2336292 w 4480560"/>
+              <a:gd name="connsiteY4" fmla="*/ 0 h 18288"/>
+              <a:gd name="connsiteX5" fmla="*/ 2931566 w 4480560"/>
+              <a:gd name="connsiteY5" fmla="*/ 0 h 18288"/>
+              <a:gd name="connsiteX6" fmla="*/ 3482035 w 4480560"/>
+              <a:gd name="connsiteY6" fmla="*/ 0 h 18288"/>
+              <a:gd name="connsiteX7" fmla="*/ 4480560 w 4480560"/>
+              <a:gd name="connsiteY7" fmla="*/ 0 h 18288"/>
+              <a:gd name="connsiteX8" fmla="*/ 4480560 w 4480560"/>
+              <a:gd name="connsiteY8" fmla="*/ 18288 h 18288"/>
+              <a:gd name="connsiteX9" fmla="*/ 3840480 w 4480560"/>
+              <a:gd name="connsiteY9" fmla="*/ 18288 h 18288"/>
+              <a:gd name="connsiteX10" fmla="*/ 3290011 w 4480560"/>
+              <a:gd name="connsiteY10" fmla="*/ 18288 h 18288"/>
+              <a:gd name="connsiteX11" fmla="*/ 2560320 w 4480560"/>
+              <a:gd name="connsiteY11" fmla="*/ 18288 h 18288"/>
+              <a:gd name="connsiteX12" fmla="*/ 1965046 w 4480560"/>
+              <a:gd name="connsiteY12" fmla="*/ 18288 h 18288"/>
+              <a:gd name="connsiteX13" fmla="*/ 1459382 w 4480560"/>
+              <a:gd name="connsiteY13" fmla="*/ 18288 h 18288"/>
+              <a:gd name="connsiteX14" fmla="*/ 774497 w 4480560"/>
+              <a:gd name="connsiteY14" fmla="*/ 18288 h 18288"/>
+              <a:gd name="connsiteX15" fmla="*/ 0 w 4480560"/>
+              <a:gd name="connsiteY15" fmla="*/ 18288 h 18288"/>
+              <a:gd name="connsiteX16" fmla="*/ 0 w 4480560"/>
+              <a:gd name="connsiteY16" fmla="*/ 0 h 18288"/>
+            </a:gdLst>
+            <a:ahLst/>
+            <a:cxnLst>
+              <a:cxn ang="0">
+                <a:pos x="connsiteX0" y="connsiteY0"/>
+              </a:cxn>
+              <a:cxn ang="0">
+                <a:pos x="connsiteX1" y="connsiteY1"/>
+              </a:cxn>
+              <a:cxn ang="0">
+                <a:pos x="connsiteX2" y="connsiteY2"/>
+              </a:cxn>
+              <a:cxn ang="0">
+                <a:pos x="connsiteX3" y="connsiteY3"/>
+              </a:cxn>
+              <a:cxn ang="0">
+                <a:pos x="connsiteX4" y="connsiteY4"/>
+              </a:cxn>
+              <a:cxn ang="0">
+                <a:pos x="connsiteX5" y="connsiteY5"/>
+              </a:cxn>
+              <a:cxn ang="0">
+                <a:pos x="connsiteX6" y="connsiteY6"/>
+              </a:cxn>
+              <a:cxn ang="0">
+                <a:pos x="connsiteX7" y="connsiteY7"/>
+              </a:cxn>
+              <a:cxn ang="0">
+                <a:pos x="connsiteX8" y="connsiteY8"/>
+              </a:cxn>
+              <a:cxn ang="0">
+                <a:pos x="connsiteX9" y="connsiteY9"/>
+              </a:cxn>
+              <a:cxn ang="0">
+                <a:pos x="connsiteX10" y="connsiteY10"/>
+              </a:cxn>
+              <a:cxn ang="0">
+                <a:pos x="connsiteX11" y="connsiteY11"/>
+              </a:cxn>
+              <a:cxn ang="0">
+                <a:pos x="connsiteX12" y="connsiteY12"/>
+              </a:cxn>
+              <a:cxn ang="0">
+                <a:pos x="connsiteX13" y="connsiteY13"/>
+              </a:cxn>
+              <a:cxn ang="0">
+                <a:pos x="connsiteX14" y="connsiteY14"/>
+              </a:cxn>
+              <a:cxn ang="0">
+                <a:pos x="connsiteX15" y="connsiteY15"/>
+              </a:cxn>
+              <a:cxn ang="0">
+                <a:pos x="connsiteX16" y="connsiteY16"/>
+              </a:cxn>
+            </a:cxnLst>
+            <a:rect l="l" t="t" r="r" b="b"/>
+            <a:pathLst>
+              <a:path w="4480560" h="18288" fill="none" extrusionOk="0">
+                <a:moveTo>
+                  <a:pt x="0" y="0"/>
+                </a:moveTo>
+                <a:cubicBezTo>
+                  <a:pt x="267821" y="8731"/>
+                  <a:pt x="334105" y="2629"/>
+                  <a:pt x="595274" y="0"/>
+                </a:cubicBezTo>
+                <a:cubicBezTo>
+                  <a:pt x="856443" y="-2629"/>
+                  <a:pt x="863808" y="-13353"/>
+                  <a:pt x="1100938" y="0"/>
+                </a:cubicBezTo>
+                <a:cubicBezTo>
+                  <a:pt x="1338068" y="13353"/>
+                  <a:pt x="1431663" y="-25862"/>
+                  <a:pt x="1651406" y="0"/>
+                </a:cubicBezTo>
+                <a:cubicBezTo>
+                  <a:pt x="1871149" y="25862"/>
+                  <a:pt x="2173163" y="23827"/>
+                  <a:pt x="2336292" y="0"/>
+                </a:cubicBezTo>
+                <a:cubicBezTo>
+                  <a:pt x="2499421" y="-23827"/>
+                  <a:pt x="2720589" y="28148"/>
+                  <a:pt x="2931566" y="0"/>
+                </a:cubicBezTo>
+                <a:cubicBezTo>
+                  <a:pt x="3142543" y="-28148"/>
+                  <a:pt x="3323630" y="27022"/>
+                  <a:pt x="3482035" y="0"/>
+                </a:cubicBezTo>
+                <a:cubicBezTo>
+                  <a:pt x="3640440" y="-27022"/>
+                  <a:pt x="4012110" y="-20118"/>
+                  <a:pt x="4480560" y="0"/>
+                </a:cubicBezTo>
+                <a:cubicBezTo>
+                  <a:pt x="4480958" y="7429"/>
+                  <a:pt x="4480540" y="10822"/>
+                  <a:pt x="4480560" y="18288"/>
+                </a:cubicBezTo>
+                <a:cubicBezTo>
+                  <a:pt x="4314132" y="14924"/>
+                  <a:pt x="4028383" y="36632"/>
+                  <a:pt x="3840480" y="18288"/>
+                </a:cubicBezTo>
+                <a:cubicBezTo>
+                  <a:pt x="3652577" y="-56"/>
+                  <a:pt x="3547615" y="2848"/>
+                  <a:pt x="3290011" y="18288"/>
+                </a:cubicBezTo>
+                <a:cubicBezTo>
+                  <a:pt x="3032407" y="33728"/>
+                  <a:pt x="2830268" y="8719"/>
+                  <a:pt x="2560320" y="18288"/>
+                </a:cubicBezTo>
+                <a:cubicBezTo>
+                  <a:pt x="2290372" y="27857"/>
+                  <a:pt x="2147422" y="6728"/>
+                  <a:pt x="1965046" y="18288"/>
+                </a:cubicBezTo>
+                <a:cubicBezTo>
+                  <a:pt x="1782670" y="29848"/>
+                  <a:pt x="1689791" y="40680"/>
+                  <a:pt x="1459382" y="18288"/>
+                </a:cubicBezTo>
+                <a:cubicBezTo>
+                  <a:pt x="1228973" y="-4104"/>
+                  <a:pt x="915486" y="36501"/>
+                  <a:pt x="774497" y="18288"/>
+                </a:cubicBezTo>
+                <a:cubicBezTo>
+                  <a:pt x="633508" y="75"/>
+                  <a:pt x="361442" y="-11107"/>
+                  <a:pt x="0" y="18288"/>
+                </a:cubicBezTo>
+                <a:cubicBezTo>
+                  <a:pt x="-591" y="13205"/>
+                  <a:pt x="-663" y="6329"/>
+                  <a:pt x="0" y="0"/>
+                </a:cubicBezTo>
+                <a:close/>
+              </a:path>
+              <a:path w="4480560" h="18288" stroke="0" extrusionOk="0">
+                <a:moveTo>
+                  <a:pt x="0" y="0"/>
+                </a:moveTo>
+                <a:cubicBezTo>
+                  <a:pt x="285465" y="225"/>
+                  <a:pt x="322691" y="16223"/>
+                  <a:pt x="595274" y="0"/>
+                </a:cubicBezTo>
+                <a:cubicBezTo>
+                  <a:pt x="867857" y="-16223"/>
+                  <a:pt x="989129" y="-11242"/>
+                  <a:pt x="1100938" y="0"/>
+                </a:cubicBezTo>
+                <a:cubicBezTo>
+                  <a:pt x="1212747" y="11242"/>
+                  <a:pt x="1574350" y="-36410"/>
+                  <a:pt x="1830629" y="0"/>
+                </a:cubicBezTo>
+                <a:cubicBezTo>
+                  <a:pt x="2086908" y="36410"/>
+                  <a:pt x="2180922" y="4645"/>
+                  <a:pt x="2425903" y="0"/>
+                </a:cubicBezTo>
+                <a:cubicBezTo>
+                  <a:pt x="2670884" y="-4645"/>
+                  <a:pt x="2782024" y="22929"/>
+                  <a:pt x="3021178" y="0"/>
+                </a:cubicBezTo>
+                <a:cubicBezTo>
+                  <a:pt x="3260332" y="-22929"/>
+                  <a:pt x="3456982" y="-1586"/>
+                  <a:pt x="3750869" y="0"/>
+                </a:cubicBezTo>
+                <a:cubicBezTo>
+                  <a:pt x="4044756" y="1586"/>
+                  <a:pt x="4302726" y="17043"/>
+                  <a:pt x="4480560" y="0"/>
+                </a:cubicBezTo>
+                <a:cubicBezTo>
+                  <a:pt x="4479674" y="5429"/>
+                  <a:pt x="4481381" y="14046"/>
+                  <a:pt x="4480560" y="18288"/>
+                </a:cubicBezTo>
+                <a:cubicBezTo>
+                  <a:pt x="4279652" y="-6850"/>
+                  <a:pt x="4200762" y="41566"/>
+                  <a:pt x="3930091" y="18288"/>
+                </a:cubicBezTo>
+                <a:cubicBezTo>
+                  <a:pt x="3659420" y="-4990"/>
+                  <a:pt x="3456052" y="22294"/>
+                  <a:pt x="3290011" y="18288"/>
+                </a:cubicBezTo>
+                <a:cubicBezTo>
+                  <a:pt x="3123970" y="14282"/>
+                  <a:pt x="2882392" y="32818"/>
+                  <a:pt x="2649931" y="18288"/>
+                </a:cubicBezTo>
+                <a:cubicBezTo>
+                  <a:pt x="2417470" y="3758"/>
+                  <a:pt x="2238426" y="7337"/>
+                  <a:pt x="2054657" y="18288"/>
+                </a:cubicBezTo>
+                <a:cubicBezTo>
+                  <a:pt x="1870888" y="29239"/>
+                  <a:pt x="1566368" y="45040"/>
+                  <a:pt x="1324966" y="18288"/>
+                </a:cubicBezTo>
+                <a:cubicBezTo>
+                  <a:pt x="1083564" y="-8464"/>
+                  <a:pt x="787410" y="10946"/>
+                  <a:pt x="595274" y="18288"/>
+                </a:cubicBezTo>
+                <a:cubicBezTo>
+                  <a:pt x="403138" y="25630"/>
+                  <a:pt x="169622" y="10499"/>
+                  <a:pt x="0" y="18288"/>
+                </a:cubicBezTo>
+                <a:cubicBezTo>
+                  <a:pt x="668" y="13665"/>
+                  <a:pt x="578" y="5675"/>
+                  <a:pt x="0" y="0"/>
+                </a:cubicBezTo>
+                <a:close/>
+              </a:path>
+            </a:pathLst>
+          </a:custGeom>
+          <a:solidFill>
+            <a:schemeClr val="accent2"/>
+          </a:solidFill>
+          <a:ln w="41275" cap="rnd">
+            <a:solidFill>
+              <a:schemeClr val="accent2"/>
+            </a:solidFill>
+            <a:round/>
+            <a:extLst>
+              <a:ext uri="{C807C97D-BFC1-408E-A445-0C87EB9F89A2}">
+                <ask:lineSketchStyleProps xmlns:ask="http://schemas.microsoft.com/office/drawing/2018/sketchyshapes" sd="1219033472">
+                  <a:prstGeom prst="rect">
+                    <a:avLst/>
+                  </a:prstGeom>
+                  <ask:type>
+                    <ask:lineSketchFreehand/>
+                  </ask:type>
+                </ask:lineSketchStyleProps>
+              </a:ext>
+            </a:extLst>
+          </a:ln>
+        </p:spPr>
+        <p:style>
+          <a:lnRef idx="2">
+            <a:schemeClr val="accent1">
+              <a:shade val="50000"/>
+            </a:schemeClr>
+          </a:lnRef>
+          <a:fillRef idx="1">
+            <a:schemeClr val="accent1"/>
+          </a:fillRef>
+          <a:effectRef idx="0">
+            <a:schemeClr val="accent1"/>
+          </a:effectRef>
+          <a:fontRef idx="minor">
+            <a:schemeClr val="lt1"/>
+          </a:fontRef>
+        </p:style>
+        <p:txBody>
+          <a:bodyPr rtlCol="0" anchor="ctr"/>
+          <a:lstStyle/>
+          <a:p>
+            <a:pPr marL="0" marR="0" lvl="0" indent="0" algn="ctr" defTabSz="914400" rtl="0" eaLnBrk="1" fontAlgn="auto" latinLnBrk="0" hangingPunct="1">
+              <a:lnSpc>
+                <a:spcPct val="100000"/>
+              </a:lnSpc>
+              <a:spcBef>
+                <a:spcPts val="0"/>
+              </a:spcBef>
+              <a:spcAft>
+                <a:spcPts val="0"/>
+              </a:spcAft>
+              <a:buClrTx/>
+              <a:buSzTx/>
+              <a:buFontTx/>
+              <a:buNone/>
+              <a:tabLst/>
+              <a:defRPr/>
+            </a:pPr>
+            <a:endParaRPr kumimoji="0" lang="en-US" sz="1800" b="0" i="0" u="none" strike="noStrike" kern="1200" cap="none" spc="0" normalizeH="0" baseline="0" noProof="0">
+              <a:ln>
+                <a:noFill/>
+              </a:ln>
+              <a:solidFill>
+                <a:prstClr val="white"/>
+              </a:solidFill>
+              <a:effectLst/>
+              <a:uLnTx/>
+              <a:uFillTx/>
+              <a:latin typeface="Calibri" panose="020F0502020204030204"/>
+              <a:ea typeface="+mn-ea"/>
+              <a:cs typeface="+mn-cs"/>
+            </a:endParaRPr>
+          </a:p>
+        </p:txBody>
+      </p:sp>
+      <p:sp>
+        <p:nvSpPr>
+          <p:cNvPr id="3" name="Content Placeholder 2">
+            <a:extLst>
+              <a:ext uri="{FF2B5EF4-FFF2-40B4-BE49-F238E27FC236}">
+                <a16:creationId xmlns:a16="http://schemas.microsoft.com/office/drawing/2014/main" id="{E6589AE3-F7CB-4243-9983-EABA7D054633}"/>
+              </a:ext>
+            </a:extLst>
+          </p:cNvPr>
+          <p:cNvSpPr>
+            <a:spLocks noGrp="1"/>
+          </p:cNvSpPr>
+          <p:nvPr>
+            <p:ph idx="1"/>
+          </p:nvPr>
+        </p:nvSpPr>
+        <p:spPr>
+          <a:xfrm>
+            <a:off x="5126418" y="552091"/>
+            <a:ext cx="6224335" cy="5431536"/>
+          </a:xfrm>
+        </p:spPr>
+        <p:txBody>
+          <a:bodyPr anchor="ctr">
+            <a:normAutofit/>
+          </a:bodyPr>
+          <a:lstStyle/>
+          <a:p>
+            <a:r>
+              <a:rPr lang="en-US" sz="2200" dirty="0"/>
+              <a:t>Continuous Variables: A one-sample t-test can be used to compare a sample mean against an external standard. The analysis is easy to implement in a standard statistical software analysis package. </a:t>
+            </a:r>
+          </a:p>
+        </p:txBody>
+      </p:sp>
+    </p:spTree>
+    <p:extLst>
+      <p:ext uri="{BB962C8B-B14F-4D97-AF65-F5344CB8AC3E}">
+        <p14:creationId xmlns:p14="http://schemas.microsoft.com/office/powerpoint/2010/main" val="1540614432"/>
+      </p:ext>
+    </p:extLst>
+  </p:cSld>
+  <p:clrMapOvr>
+    <a:masterClrMapping/>
+  </p:clrMapOvr>
+</p:sld>
+</file>
+
+<file path=ppt/slides/slide12.xml><?xml version="1.0" encoding="utf-8"?>
+<p:sld xmlns:a="http://schemas.openxmlformats.org/drawingml/2006/main" xmlns:r="http://schemas.openxmlformats.org/officeDocument/2006/relationships" xmlns:p="http://schemas.openxmlformats.org/presentationml/2006/main">
+  <p:cSld>
+    <p:bg>
+      <p:bgPr>
+        <a:solidFill>
+          <a:schemeClr val="bg1"/>
+        </a:solidFill>
+        <a:effectLst/>
+      </p:bgPr>
+    </p:bg>
+    <p:spTree>
+      <p:nvGrpSpPr>
+        <p:cNvPr id="1" name=""/>
+        <p:cNvGrpSpPr/>
+        <p:nvPr/>
+      </p:nvGrpSpPr>
+      <p:grpSpPr>
+        <a:xfrm>
+          <a:off x="0" y="0"/>
+          <a:ext cx="0" cy="0"/>
+          <a:chOff x="0" y="0"/>
+          <a:chExt cx="0" cy="0"/>
+        </a:xfrm>
+      </p:grpSpPr>
+      <p:sp useBgFill="1">
+        <p:nvSpPr>
+          <p:cNvPr id="8" name="Rectangle 7">
+            <a:extLst>
+              <a:ext uri="{FF2B5EF4-FFF2-40B4-BE49-F238E27FC236}">
+                <a16:creationId xmlns:a16="http://schemas.microsoft.com/office/drawing/2014/main" id="{100EDD19-6802-4EC3-95CE-CFFAB042CFD6}"/>
+              </a:ext>
+              <a:ext uri="{C183D7F6-B498-43B3-948B-1728B52AA6E4}">
+                <adec:decorative xmlns:adec="http://schemas.microsoft.com/office/drawing/2017/decorative" val="1"/>
+              </a:ext>
+            </a:extLst>
+          </p:cNvPr>
+          <p:cNvSpPr>
+            <a:spLocks noGrp="1" noRot="1" noChangeAspect="1" noMove="1" noResize="1" noEditPoints="1" noAdjustHandles="1" noChangeArrowheads="1" noChangeShapeType="1" noTextEdit="1"/>
+          </p:cNvSpPr>
+          <p:nvPr>
+            <p:extLst>
+              <p:ext uri="{386F3935-93C4-4BCD-93E2-E3B085C9AB24}">
+                <p16:designElem xmlns:p16="http://schemas.microsoft.com/office/powerpoint/2015/main" val="1"/>
+              </p:ext>
+            </p:extLst>
+          </p:nvPr>
+        </p:nvSpPr>
+        <p:spPr>
+          <a:xfrm>
+            <a:off x="0" y="0"/>
+            <a:ext cx="12188952" cy="6858000"/>
+          </a:xfrm>
+          <a:prstGeom prst="rect">
+            <a:avLst/>
+          </a:prstGeom>
+          <a:ln>
+            <a:noFill/>
+          </a:ln>
+        </p:spPr>
+        <p:style>
+          <a:lnRef idx="2">
+            <a:schemeClr val="accent1">
+              <a:shade val="50000"/>
+            </a:schemeClr>
+          </a:lnRef>
+          <a:fillRef idx="1">
+            <a:schemeClr val="accent1"/>
+          </a:fillRef>
+          <a:effectRef idx="0">
+            <a:schemeClr val="accent1"/>
+          </a:effectRef>
+          <a:fontRef idx="minor">
+            <a:schemeClr val="lt1"/>
+          </a:fontRef>
+        </p:style>
+        <p:txBody>
+          <a:bodyPr rtlCol="0" anchor="ctr"/>
+          <a:lstStyle/>
+          <a:p>
+            <a:pPr algn="ctr"/>
+            <a:endParaRPr lang="en-US"/>
+          </a:p>
+        </p:txBody>
+      </p:sp>
+      <p:sp>
+        <p:nvSpPr>
+          <p:cNvPr id="2" name="Title 1">
+            <a:extLst>
+              <a:ext uri="{FF2B5EF4-FFF2-40B4-BE49-F238E27FC236}">
+                <a16:creationId xmlns:a16="http://schemas.microsoft.com/office/drawing/2014/main" id="{7817186F-F60A-433D-B008-ADB7F7BAEC14}"/>
+              </a:ext>
+            </a:extLst>
+          </p:cNvPr>
+          <p:cNvSpPr>
+            <a:spLocks noGrp="1"/>
+          </p:cNvSpPr>
+          <p:nvPr>
+            <p:ph type="title"/>
+          </p:nvPr>
+        </p:nvSpPr>
+        <p:spPr>
+          <a:xfrm>
+            <a:off x="838200" y="365125"/>
+            <a:ext cx="10515600" cy="1325563"/>
+          </a:xfrm>
+        </p:spPr>
+        <p:txBody>
+          <a:bodyPr>
+            <a:normAutofit/>
+          </a:bodyPr>
+          <a:lstStyle/>
+          <a:p>
+            <a:r>
+              <a:rPr lang="en-US" sz="5400"/>
+              <a:t>Independent t-test</a:t>
+            </a:r>
+          </a:p>
+        </p:txBody>
+      </p:sp>
+      <p:sp>
+        <p:nvSpPr>
+          <p:cNvPr id="10" name="sketch line">
+            <a:extLst>
+              <a:ext uri="{FF2B5EF4-FFF2-40B4-BE49-F238E27FC236}">
+                <a16:creationId xmlns:a16="http://schemas.microsoft.com/office/drawing/2014/main" id="{DB17E863-922E-4C26-BD64-E8FD41D28661}"/>
+              </a:ext>
+              <a:ext uri="{C183D7F6-B498-43B3-948B-1728B52AA6E4}">
+                <adec:decorative xmlns:adec="http://schemas.microsoft.com/office/drawing/2017/decorative" val="1"/>
+              </a:ext>
+            </a:extLst>
+          </p:cNvPr>
+          <p:cNvSpPr>
+            <a:spLocks noGrp="1" noRot="1" noChangeAspect="1" noMove="1" noResize="1" noEditPoints="1" noAdjustHandles="1" noChangeArrowheads="1" noChangeShapeType="1" noTextEdit="1"/>
+          </p:cNvSpPr>
+          <p:nvPr>
+            <p:extLst>
+              <p:ext uri="{386F3935-93C4-4BCD-93E2-E3B085C9AB24}">
+                <p16:designElem xmlns:p16="http://schemas.microsoft.com/office/powerpoint/2015/main" val="1"/>
+              </p:ext>
+            </p:extLst>
+          </p:nvPr>
+        </p:nvSpPr>
+        <p:spPr>
+          <a:xfrm>
+            <a:off x="669036" y="1677373"/>
+            <a:ext cx="10853928" cy="18288"/>
+          </a:xfrm>
+          <a:custGeom>
+            <a:avLst/>
+            <a:gdLst>
+              <a:gd name="connsiteX0" fmla="*/ 0 w 10853928"/>
+              <a:gd name="connsiteY0" fmla="*/ 0 h 18288"/>
+              <a:gd name="connsiteX1" fmla="*/ 461292 w 10853928"/>
+              <a:gd name="connsiteY1" fmla="*/ 0 h 18288"/>
+              <a:gd name="connsiteX2" fmla="*/ 1139662 w 10853928"/>
+              <a:gd name="connsiteY2" fmla="*/ 0 h 18288"/>
+              <a:gd name="connsiteX3" fmla="*/ 1926572 w 10853928"/>
+              <a:gd name="connsiteY3" fmla="*/ 0 h 18288"/>
+              <a:gd name="connsiteX4" fmla="*/ 2279325 w 10853928"/>
+              <a:gd name="connsiteY4" fmla="*/ 0 h 18288"/>
+              <a:gd name="connsiteX5" fmla="*/ 2632078 w 10853928"/>
+              <a:gd name="connsiteY5" fmla="*/ 0 h 18288"/>
+              <a:gd name="connsiteX6" fmla="*/ 3527527 w 10853928"/>
+              <a:gd name="connsiteY6" fmla="*/ 0 h 18288"/>
+              <a:gd name="connsiteX7" fmla="*/ 4205897 w 10853928"/>
+              <a:gd name="connsiteY7" fmla="*/ 0 h 18288"/>
+              <a:gd name="connsiteX8" fmla="*/ 4558650 w 10853928"/>
+              <a:gd name="connsiteY8" fmla="*/ 0 h 18288"/>
+              <a:gd name="connsiteX9" fmla="*/ 5237020 w 10853928"/>
+              <a:gd name="connsiteY9" fmla="*/ 0 h 18288"/>
+              <a:gd name="connsiteX10" fmla="*/ 6132469 w 10853928"/>
+              <a:gd name="connsiteY10" fmla="*/ 0 h 18288"/>
+              <a:gd name="connsiteX11" fmla="*/ 6702301 w 10853928"/>
+              <a:gd name="connsiteY11" fmla="*/ 0 h 18288"/>
+              <a:gd name="connsiteX12" fmla="*/ 7272132 w 10853928"/>
+              <a:gd name="connsiteY12" fmla="*/ 0 h 18288"/>
+              <a:gd name="connsiteX13" fmla="*/ 7950502 w 10853928"/>
+              <a:gd name="connsiteY13" fmla="*/ 0 h 18288"/>
+              <a:gd name="connsiteX14" fmla="*/ 8737412 w 10853928"/>
+              <a:gd name="connsiteY14" fmla="*/ 0 h 18288"/>
+              <a:gd name="connsiteX15" fmla="*/ 9524322 w 10853928"/>
+              <a:gd name="connsiteY15" fmla="*/ 0 h 18288"/>
+              <a:gd name="connsiteX16" fmla="*/ 10853928 w 10853928"/>
+              <a:gd name="connsiteY16" fmla="*/ 0 h 18288"/>
+              <a:gd name="connsiteX17" fmla="*/ 10853928 w 10853928"/>
+              <a:gd name="connsiteY17" fmla="*/ 18288 h 18288"/>
+              <a:gd name="connsiteX18" fmla="*/ 10392636 w 10853928"/>
+              <a:gd name="connsiteY18" fmla="*/ 18288 h 18288"/>
+              <a:gd name="connsiteX19" fmla="*/ 9497187 w 10853928"/>
+              <a:gd name="connsiteY19" fmla="*/ 18288 h 18288"/>
+              <a:gd name="connsiteX20" fmla="*/ 8818817 w 10853928"/>
+              <a:gd name="connsiteY20" fmla="*/ 18288 h 18288"/>
+              <a:gd name="connsiteX21" fmla="*/ 8466064 w 10853928"/>
+              <a:gd name="connsiteY21" fmla="*/ 18288 h 18288"/>
+              <a:gd name="connsiteX22" fmla="*/ 7787693 w 10853928"/>
+              <a:gd name="connsiteY22" fmla="*/ 18288 h 18288"/>
+              <a:gd name="connsiteX23" fmla="*/ 7217862 w 10853928"/>
+              <a:gd name="connsiteY23" fmla="*/ 18288 h 18288"/>
+              <a:gd name="connsiteX24" fmla="*/ 6648031 w 10853928"/>
+              <a:gd name="connsiteY24" fmla="*/ 18288 h 18288"/>
+              <a:gd name="connsiteX25" fmla="*/ 6078200 w 10853928"/>
+              <a:gd name="connsiteY25" fmla="*/ 18288 h 18288"/>
+              <a:gd name="connsiteX26" fmla="*/ 5508368 w 10853928"/>
+              <a:gd name="connsiteY26" fmla="*/ 18288 h 18288"/>
+              <a:gd name="connsiteX27" fmla="*/ 4721459 w 10853928"/>
+              <a:gd name="connsiteY27" fmla="*/ 18288 h 18288"/>
+              <a:gd name="connsiteX28" fmla="*/ 4043088 w 10853928"/>
+              <a:gd name="connsiteY28" fmla="*/ 18288 h 18288"/>
+              <a:gd name="connsiteX29" fmla="*/ 3690336 w 10853928"/>
+              <a:gd name="connsiteY29" fmla="*/ 18288 h 18288"/>
+              <a:gd name="connsiteX30" fmla="*/ 3120504 w 10853928"/>
+              <a:gd name="connsiteY30" fmla="*/ 18288 h 18288"/>
+              <a:gd name="connsiteX31" fmla="*/ 2333595 w 10853928"/>
+              <a:gd name="connsiteY31" fmla="*/ 18288 h 18288"/>
+              <a:gd name="connsiteX32" fmla="*/ 1872303 w 10853928"/>
+              <a:gd name="connsiteY32" fmla="*/ 18288 h 18288"/>
+              <a:gd name="connsiteX33" fmla="*/ 976854 w 10853928"/>
+              <a:gd name="connsiteY33" fmla="*/ 18288 h 18288"/>
+              <a:gd name="connsiteX34" fmla="*/ 0 w 10853928"/>
+              <a:gd name="connsiteY34" fmla="*/ 18288 h 18288"/>
+              <a:gd name="connsiteX35" fmla="*/ 0 w 10853928"/>
+              <a:gd name="connsiteY35" fmla="*/ 0 h 18288"/>
+            </a:gdLst>
+            <a:ahLst/>
+            <a:cxnLst>
+              <a:cxn ang="0">
+                <a:pos x="connsiteX0" y="connsiteY0"/>
+              </a:cxn>
+              <a:cxn ang="0">
+                <a:pos x="connsiteX1" y="connsiteY1"/>
+              </a:cxn>
+              <a:cxn ang="0">
+                <a:pos x="connsiteX2" y="connsiteY2"/>
+              </a:cxn>
+              <a:cxn ang="0">
+                <a:pos x="connsiteX3" y="connsiteY3"/>
+              </a:cxn>
+              <a:cxn ang="0">
+                <a:pos x="connsiteX4" y="connsiteY4"/>
+              </a:cxn>
+              <a:cxn ang="0">
+                <a:pos x="connsiteX5" y="connsiteY5"/>
+              </a:cxn>
+              <a:cxn ang="0">
+                <a:pos x="connsiteX6" y="connsiteY6"/>
+              </a:cxn>
+              <a:cxn ang="0">
+                <a:pos x="connsiteX7" y="connsiteY7"/>
+              </a:cxn>
+              <a:cxn ang="0">
+                <a:pos x="connsiteX8" y="connsiteY8"/>
+              </a:cxn>
+              <a:cxn ang="0">
+                <a:pos x="connsiteX9" y="connsiteY9"/>
+              </a:cxn>
+              <a:cxn ang="0">
+                <a:pos x="connsiteX10" y="connsiteY10"/>
+              </a:cxn>
+              <a:cxn ang="0">
+                <a:pos x="connsiteX11" y="connsiteY11"/>
+              </a:cxn>
+              <a:cxn ang="0">
+                <a:pos x="connsiteX12" y="connsiteY12"/>
+              </a:cxn>
+              <a:cxn ang="0">
+                <a:pos x="connsiteX13" y="connsiteY13"/>
+              </a:cxn>
+              <a:cxn ang="0">
+                <a:pos x="connsiteX14" y="connsiteY14"/>
+              </a:cxn>
+              <a:cxn ang="0">
+                <a:pos x="connsiteX15" y="connsiteY15"/>
+              </a:cxn>
+              <a:cxn ang="0">
+                <a:pos x="connsiteX16" y="connsiteY16"/>
+              </a:cxn>
+              <a:cxn ang="0">
+                <a:pos x="connsiteX17" y="connsiteY17"/>
+              </a:cxn>
+              <a:cxn ang="0">
+                <a:pos x="connsiteX18" y="connsiteY18"/>
+              </a:cxn>
+              <a:cxn ang="0">
+                <a:pos x="connsiteX19" y="connsiteY19"/>
+              </a:cxn>
+              <a:cxn ang="0">
+                <a:pos x="connsiteX20" y="connsiteY20"/>
+              </a:cxn>
+              <a:cxn ang="0">
+                <a:pos x="connsiteX21" y="connsiteY21"/>
+              </a:cxn>
+              <a:cxn ang="0">
+                <a:pos x="connsiteX22" y="connsiteY22"/>
+              </a:cxn>
+              <a:cxn ang="0">
+                <a:pos x="connsiteX23" y="connsiteY23"/>
+              </a:cxn>
+              <a:cxn ang="0">
+                <a:pos x="connsiteX24" y="connsiteY24"/>
+              </a:cxn>
+              <a:cxn ang="0">
+                <a:pos x="connsiteX25" y="connsiteY25"/>
+              </a:cxn>
+              <a:cxn ang="0">
+                <a:pos x="connsiteX26" y="connsiteY26"/>
+              </a:cxn>
+              <a:cxn ang="0">
+                <a:pos x="connsiteX27" y="connsiteY27"/>
+              </a:cxn>
+              <a:cxn ang="0">
+                <a:pos x="connsiteX28" y="connsiteY28"/>
+              </a:cxn>
+              <a:cxn ang="0">
+                <a:pos x="connsiteX29" y="connsiteY29"/>
+              </a:cxn>
+              <a:cxn ang="0">
+                <a:pos x="connsiteX30" y="connsiteY30"/>
+              </a:cxn>
+              <a:cxn ang="0">
+                <a:pos x="connsiteX31" y="connsiteY31"/>
+              </a:cxn>
+              <a:cxn ang="0">
+                <a:pos x="connsiteX32" y="connsiteY32"/>
+              </a:cxn>
+              <a:cxn ang="0">
+                <a:pos x="connsiteX33" y="connsiteY33"/>
+              </a:cxn>
+              <a:cxn ang="0">
+                <a:pos x="connsiteX34" y="connsiteY34"/>
+              </a:cxn>
+              <a:cxn ang="0">
+                <a:pos x="connsiteX35" y="connsiteY35"/>
+              </a:cxn>
+            </a:cxnLst>
+            <a:rect l="l" t="t" r="r" b="b"/>
+            <a:pathLst>
+              <a:path w="10853928" h="18288" fill="none" extrusionOk="0">
+                <a:moveTo>
+                  <a:pt x="0" y="0"/>
+                </a:moveTo>
+                <a:cubicBezTo>
+                  <a:pt x="146993" y="-19076"/>
+                  <a:pt x="347684" y="-4790"/>
+                  <a:pt x="461292" y="0"/>
+                </a:cubicBezTo>
+                <a:cubicBezTo>
+                  <a:pt x="574900" y="4790"/>
+                  <a:pt x="808367" y="19821"/>
+                  <a:pt x="1139662" y="0"/>
+                </a:cubicBezTo>
+                <a:cubicBezTo>
+                  <a:pt x="1470957" y="-19821"/>
+                  <a:pt x="1627405" y="5721"/>
+                  <a:pt x="1926572" y="0"/>
+                </a:cubicBezTo>
+                <a:cubicBezTo>
+                  <a:pt x="2225739" y="-5721"/>
+                  <a:pt x="2137730" y="-3235"/>
+                  <a:pt x="2279325" y="0"/>
+                </a:cubicBezTo>
+                <a:cubicBezTo>
+                  <a:pt x="2420920" y="3235"/>
+                  <a:pt x="2456518" y="9685"/>
+                  <a:pt x="2632078" y="0"/>
+                </a:cubicBezTo>
+                <a:cubicBezTo>
+                  <a:pt x="2807638" y="-9685"/>
+                  <a:pt x="3211516" y="-43007"/>
+                  <a:pt x="3527527" y="0"/>
+                </a:cubicBezTo>
+                <a:cubicBezTo>
+                  <a:pt x="3843538" y="43007"/>
+                  <a:pt x="4058833" y="22042"/>
+                  <a:pt x="4205897" y="0"/>
+                </a:cubicBezTo>
+                <a:cubicBezTo>
+                  <a:pt x="4352961" y="-22042"/>
+                  <a:pt x="4474805" y="-11846"/>
+                  <a:pt x="4558650" y="0"/>
+                </a:cubicBezTo>
+                <a:cubicBezTo>
+                  <a:pt x="4642495" y="11846"/>
+                  <a:pt x="5041928" y="-6069"/>
+                  <a:pt x="5237020" y="0"/>
+                </a:cubicBezTo>
+                <a:cubicBezTo>
+                  <a:pt x="5432112" y="6069"/>
+                  <a:pt x="5943266" y="-17479"/>
+                  <a:pt x="6132469" y="0"/>
+                </a:cubicBezTo>
+                <a:cubicBezTo>
+                  <a:pt x="6321672" y="17479"/>
+                  <a:pt x="6483872" y="26234"/>
+                  <a:pt x="6702301" y="0"/>
+                </a:cubicBezTo>
+                <a:cubicBezTo>
+                  <a:pt x="6920730" y="-26234"/>
+                  <a:pt x="6991194" y="-15156"/>
+                  <a:pt x="7272132" y="0"/>
+                </a:cubicBezTo>
+                <a:cubicBezTo>
+                  <a:pt x="7553070" y="15156"/>
+                  <a:pt x="7684444" y="-32961"/>
+                  <a:pt x="7950502" y="0"/>
+                </a:cubicBezTo>
+                <a:cubicBezTo>
+                  <a:pt x="8216560" y="32961"/>
+                  <a:pt x="8493290" y="-10491"/>
+                  <a:pt x="8737412" y="0"/>
+                </a:cubicBezTo>
+                <a:cubicBezTo>
+                  <a:pt x="8981534" y="10491"/>
+                  <a:pt x="9191586" y="-13899"/>
+                  <a:pt x="9524322" y="0"/>
+                </a:cubicBezTo>
+                <a:cubicBezTo>
+                  <a:pt x="9857058" y="13899"/>
+                  <a:pt x="10297509" y="7485"/>
+                  <a:pt x="10853928" y="0"/>
+                </a:cubicBezTo>
+                <a:cubicBezTo>
+                  <a:pt x="10854574" y="4451"/>
+                  <a:pt x="10854418" y="9226"/>
+                  <a:pt x="10853928" y="18288"/>
+                </a:cubicBezTo>
+                <a:cubicBezTo>
+                  <a:pt x="10691638" y="28522"/>
+                  <a:pt x="10574319" y="29578"/>
+                  <a:pt x="10392636" y="18288"/>
+                </a:cubicBezTo>
+                <a:cubicBezTo>
+                  <a:pt x="10210953" y="6998"/>
+                  <a:pt x="9836277" y="-16742"/>
+                  <a:pt x="9497187" y="18288"/>
+                </a:cubicBezTo>
+                <a:cubicBezTo>
+                  <a:pt x="9158097" y="53318"/>
+                  <a:pt x="9119479" y="30714"/>
+                  <a:pt x="8818817" y="18288"/>
+                </a:cubicBezTo>
+                <a:cubicBezTo>
+                  <a:pt x="8518155" y="5863"/>
+                  <a:pt x="8640037" y="6483"/>
+                  <a:pt x="8466064" y="18288"/>
+                </a:cubicBezTo>
+                <a:cubicBezTo>
+                  <a:pt x="8292091" y="30093"/>
+                  <a:pt x="7997656" y="18914"/>
+                  <a:pt x="7787693" y="18288"/>
+                </a:cubicBezTo>
+                <a:cubicBezTo>
+                  <a:pt x="7577730" y="17662"/>
+                  <a:pt x="7412468" y="21416"/>
+                  <a:pt x="7217862" y="18288"/>
+                </a:cubicBezTo>
+                <a:cubicBezTo>
+                  <a:pt x="7023256" y="15160"/>
+                  <a:pt x="6898018" y="14824"/>
+                  <a:pt x="6648031" y="18288"/>
+                </a:cubicBezTo>
+                <a:cubicBezTo>
+                  <a:pt x="6398044" y="21752"/>
+                  <a:pt x="6254402" y="38625"/>
+                  <a:pt x="6078200" y="18288"/>
+                </a:cubicBezTo>
+                <a:cubicBezTo>
+                  <a:pt x="5901998" y="-2049"/>
+                  <a:pt x="5622886" y="3213"/>
+                  <a:pt x="5508368" y="18288"/>
+                </a:cubicBezTo>
+                <a:cubicBezTo>
+                  <a:pt x="5393850" y="33363"/>
+                  <a:pt x="5036260" y="26830"/>
+                  <a:pt x="4721459" y="18288"/>
+                </a:cubicBezTo>
+                <a:cubicBezTo>
+                  <a:pt x="4406658" y="9746"/>
+                  <a:pt x="4239221" y="41551"/>
+                  <a:pt x="4043088" y="18288"/>
+                </a:cubicBezTo>
+                <a:cubicBezTo>
+                  <a:pt x="3846955" y="-4975"/>
+                  <a:pt x="3818802" y="34658"/>
+                  <a:pt x="3690336" y="18288"/>
+                </a:cubicBezTo>
+                <a:cubicBezTo>
+                  <a:pt x="3561870" y="1918"/>
+                  <a:pt x="3265491" y="42194"/>
+                  <a:pt x="3120504" y="18288"/>
+                </a:cubicBezTo>
+                <a:cubicBezTo>
+                  <a:pt x="2975517" y="-5618"/>
+                  <a:pt x="2720254" y="36673"/>
+                  <a:pt x="2333595" y="18288"/>
+                </a:cubicBezTo>
+                <a:cubicBezTo>
+                  <a:pt x="1946936" y="-97"/>
+                  <a:pt x="2097241" y="5776"/>
+                  <a:pt x="1872303" y="18288"/>
+                </a:cubicBezTo>
+                <a:cubicBezTo>
+                  <a:pt x="1647365" y="30800"/>
+                  <a:pt x="1282708" y="45380"/>
+                  <a:pt x="976854" y="18288"/>
+                </a:cubicBezTo>
+                <a:cubicBezTo>
+                  <a:pt x="671000" y="-8804"/>
+                  <a:pt x="408401" y="-12775"/>
+                  <a:pt x="0" y="18288"/>
+                </a:cubicBezTo>
+                <a:cubicBezTo>
+                  <a:pt x="-213" y="9468"/>
+                  <a:pt x="187" y="4459"/>
+                  <a:pt x="0" y="0"/>
+                </a:cubicBezTo>
+                <a:close/>
+              </a:path>
+              <a:path w="10853928" h="18288" stroke="0" extrusionOk="0">
+                <a:moveTo>
+                  <a:pt x="0" y="0"/>
+                </a:moveTo>
+                <a:cubicBezTo>
+                  <a:pt x="267322" y="15284"/>
+                  <a:pt x="415388" y="-21048"/>
+                  <a:pt x="569831" y="0"/>
+                </a:cubicBezTo>
+                <a:cubicBezTo>
+                  <a:pt x="724274" y="21048"/>
+                  <a:pt x="769333" y="-2353"/>
+                  <a:pt x="922584" y="0"/>
+                </a:cubicBezTo>
+                <a:cubicBezTo>
+                  <a:pt x="1075835" y="2353"/>
+                  <a:pt x="1399490" y="-145"/>
+                  <a:pt x="1818033" y="0"/>
+                </a:cubicBezTo>
+                <a:cubicBezTo>
+                  <a:pt x="2236576" y="145"/>
+                  <a:pt x="2145330" y="5482"/>
+                  <a:pt x="2387864" y="0"/>
+                </a:cubicBezTo>
+                <a:cubicBezTo>
+                  <a:pt x="2630398" y="-5482"/>
+                  <a:pt x="2793207" y="18487"/>
+                  <a:pt x="2957695" y="0"/>
+                </a:cubicBezTo>
+                <a:cubicBezTo>
+                  <a:pt x="3122183" y="-18487"/>
+                  <a:pt x="3579141" y="19003"/>
+                  <a:pt x="3853144" y="0"/>
+                </a:cubicBezTo>
+                <a:cubicBezTo>
+                  <a:pt x="4127147" y="-19003"/>
+                  <a:pt x="4209857" y="12211"/>
+                  <a:pt x="4314436" y="0"/>
+                </a:cubicBezTo>
+                <a:cubicBezTo>
+                  <a:pt x="4419015" y="-12211"/>
+                  <a:pt x="4762459" y="-17220"/>
+                  <a:pt x="5209885" y="0"/>
+                </a:cubicBezTo>
+                <a:cubicBezTo>
+                  <a:pt x="5657311" y="17220"/>
+                  <a:pt x="5692663" y="-3290"/>
+                  <a:pt x="6105335" y="0"/>
+                </a:cubicBezTo>
+                <a:cubicBezTo>
+                  <a:pt x="6518007" y="3290"/>
+                  <a:pt x="6455516" y="-5124"/>
+                  <a:pt x="6783705" y="0"/>
+                </a:cubicBezTo>
+                <a:cubicBezTo>
+                  <a:pt x="7111894" y="5124"/>
+                  <a:pt x="7441941" y="-17829"/>
+                  <a:pt x="7679154" y="0"/>
+                </a:cubicBezTo>
+                <a:cubicBezTo>
+                  <a:pt x="7916367" y="17829"/>
+                  <a:pt x="8102967" y="-24363"/>
+                  <a:pt x="8248985" y="0"/>
+                </a:cubicBezTo>
+                <a:cubicBezTo>
+                  <a:pt x="8395003" y="24363"/>
+                  <a:pt x="8552393" y="25505"/>
+                  <a:pt x="8818817" y="0"/>
+                </a:cubicBezTo>
+                <a:cubicBezTo>
+                  <a:pt x="9085241" y="-25505"/>
+                  <a:pt x="9411308" y="38000"/>
+                  <a:pt x="9605726" y="0"/>
+                </a:cubicBezTo>
+                <a:cubicBezTo>
+                  <a:pt x="9800144" y="-38000"/>
+                  <a:pt x="10006468" y="-25741"/>
+                  <a:pt x="10175558" y="0"/>
+                </a:cubicBezTo>
+                <a:cubicBezTo>
+                  <a:pt x="10344648" y="25741"/>
+                  <a:pt x="10696282" y="695"/>
+                  <a:pt x="10853928" y="0"/>
+                </a:cubicBezTo>
+                <a:cubicBezTo>
+                  <a:pt x="10853521" y="8690"/>
+                  <a:pt x="10853774" y="14141"/>
+                  <a:pt x="10853928" y="18288"/>
+                </a:cubicBezTo>
+                <a:cubicBezTo>
+                  <a:pt x="10608124" y="24255"/>
+                  <a:pt x="10343415" y="22307"/>
+                  <a:pt x="10067018" y="18288"/>
+                </a:cubicBezTo>
+                <a:cubicBezTo>
+                  <a:pt x="9790621" y="14270"/>
+                  <a:pt x="9843266" y="3564"/>
+                  <a:pt x="9714266" y="18288"/>
+                </a:cubicBezTo>
+                <a:cubicBezTo>
+                  <a:pt x="9585266" y="33012"/>
+                  <a:pt x="9379484" y="1875"/>
+                  <a:pt x="9252974" y="18288"/>
+                </a:cubicBezTo>
+                <a:cubicBezTo>
+                  <a:pt x="9126464" y="34701"/>
+                  <a:pt x="8580678" y="-4904"/>
+                  <a:pt x="8357525" y="18288"/>
+                </a:cubicBezTo>
+                <a:cubicBezTo>
+                  <a:pt x="8134372" y="41480"/>
+                  <a:pt x="7903199" y="26458"/>
+                  <a:pt x="7679154" y="18288"/>
+                </a:cubicBezTo>
+                <a:cubicBezTo>
+                  <a:pt x="7455109" y="10118"/>
+                  <a:pt x="7435944" y="27109"/>
+                  <a:pt x="7217862" y="18288"/>
+                </a:cubicBezTo>
+                <a:cubicBezTo>
+                  <a:pt x="6999780" y="9467"/>
+                  <a:pt x="6680409" y="18985"/>
+                  <a:pt x="6539492" y="18288"/>
+                </a:cubicBezTo>
+                <a:cubicBezTo>
+                  <a:pt x="6398575" y="17592"/>
+                  <a:pt x="6312077" y="33018"/>
+                  <a:pt x="6186739" y="18288"/>
+                </a:cubicBezTo>
+                <a:cubicBezTo>
+                  <a:pt x="6061401" y="3558"/>
+                  <a:pt x="5947033" y="12075"/>
+                  <a:pt x="5833986" y="18288"/>
+                </a:cubicBezTo>
+                <a:cubicBezTo>
+                  <a:pt x="5720939" y="24501"/>
+                  <a:pt x="5482226" y="8586"/>
+                  <a:pt x="5155616" y="18288"/>
+                </a:cubicBezTo>
+                <a:cubicBezTo>
+                  <a:pt x="4829006" y="27991"/>
+                  <a:pt x="4841274" y="29316"/>
+                  <a:pt x="4694324" y="18288"/>
+                </a:cubicBezTo>
+                <a:cubicBezTo>
+                  <a:pt x="4547374" y="7260"/>
+                  <a:pt x="4077675" y="7013"/>
+                  <a:pt x="3907414" y="18288"/>
+                </a:cubicBezTo>
+                <a:cubicBezTo>
+                  <a:pt x="3737153" y="29564"/>
+                  <a:pt x="3538393" y="21630"/>
+                  <a:pt x="3446122" y="18288"/>
+                </a:cubicBezTo>
+                <a:cubicBezTo>
+                  <a:pt x="3353851" y="14946"/>
+                  <a:pt x="2990320" y="-8091"/>
+                  <a:pt x="2659212" y="18288"/>
+                </a:cubicBezTo>
+                <a:cubicBezTo>
+                  <a:pt x="2328104" y="44667"/>
+                  <a:pt x="2427653" y="9607"/>
+                  <a:pt x="2306460" y="18288"/>
+                </a:cubicBezTo>
+                <a:cubicBezTo>
+                  <a:pt x="2185267" y="26969"/>
+                  <a:pt x="1719763" y="3717"/>
+                  <a:pt x="1519550" y="18288"/>
+                </a:cubicBezTo>
+                <a:cubicBezTo>
+                  <a:pt x="1319337" y="32860"/>
+                  <a:pt x="1167371" y="17040"/>
+                  <a:pt x="1058258" y="18288"/>
+                </a:cubicBezTo>
+                <a:cubicBezTo>
+                  <a:pt x="949145" y="19536"/>
+                  <a:pt x="780234" y="31447"/>
+                  <a:pt x="705505" y="18288"/>
+                </a:cubicBezTo>
+                <a:cubicBezTo>
+                  <a:pt x="630776" y="5129"/>
+                  <a:pt x="215796" y="30056"/>
+                  <a:pt x="0" y="18288"/>
+                </a:cubicBezTo>
+                <a:cubicBezTo>
+                  <a:pt x="-53" y="11301"/>
+                  <a:pt x="-649" y="7756"/>
+                  <a:pt x="0" y="0"/>
+                </a:cubicBezTo>
+                <a:close/>
+              </a:path>
+            </a:pathLst>
+          </a:custGeom>
+          <a:solidFill>
+            <a:schemeClr val="accent2"/>
+          </a:solidFill>
+          <a:ln w="41275" cap="rnd">
+            <a:solidFill>
+              <a:schemeClr val="accent2"/>
+            </a:solidFill>
+            <a:round/>
+            <a:extLst>
+              <a:ext uri="{C807C97D-BFC1-408E-A445-0C87EB9F89A2}">
+                <ask:lineSketchStyleProps xmlns:ask="http://schemas.microsoft.com/office/drawing/2018/sketchyshapes" sd="1219033472">
+                  <a:prstGeom prst="rect">
+                    <a:avLst/>
+                  </a:prstGeom>
+                  <ask:type>
+                    <ask:lineSketchFreehand/>
+                  </ask:type>
+                </ask:lineSketchStyleProps>
+              </a:ext>
+            </a:extLst>
+          </a:ln>
+        </p:spPr>
+        <p:style>
+          <a:lnRef idx="2">
+            <a:schemeClr val="accent1">
+              <a:shade val="50000"/>
+            </a:schemeClr>
+          </a:lnRef>
+          <a:fillRef idx="1">
+            <a:schemeClr val="accent1"/>
+          </a:fillRef>
+          <a:effectRef idx="0">
+            <a:schemeClr val="accent1"/>
+          </a:effectRef>
+          <a:fontRef idx="minor">
+            <a:schemeClr val="lt1"/>
+          </a:fontRef>
+        </p:style>
+        <p:txBody>
+          <a:bodyPr rtlCol="0" anchor="ctr"/>
+          <a:lstStyle/>
+          <a:p>
+            <a:pPr algn="ctr"/>
+            <a:endParaRPr lang="en-US"/>
+          </a:p>
+        </p:txBody>
+      </p:sp>
+      <p:sp>
+        <p:nvSpPr>
+          <p:cNvPr id="3" name="Content Placeholder 2">
+            <a:extLst>
+              <a:ext uri="{FF2B5EF4-FFF2-40B4-BE49-F238E27FC236}">
+                <a16:creationId xmlns:a16="http://schemas.microsoft.com/office/drawing/2014/main" id="{3E24E750-05BF-4FB2-AC79-F21CC9647522}"/>
+              </a:ext>
+            </a:extLst>
+          </p:cNvPr>
+          <p:cNvSpPr>
+            <a:spLocks noGrp="1"/>
+          </p:cNvSpPr>
+          <p:nvPr>
+            <p:ph idx="1"/>
+          </p:nvPr>
+        </p:nvSpPr>
+        <p:spPr>
+          <a:xfrm>
+            <a:off x="838200" y="1929384"/>
+            <a:ext cx="10515600" cy="4251960"/>
+          </a:xfrm>
+        </p:spPr>
+        <p:txBody>
+          <a:bodyPr>
+            <a:normAutofit fontScale="92500" lnSpcReduction="10000"/>
+          </a:bodyPr>
+          <a:lstStyle/>
+          <a:p>
+            <a:r>
+              <a:rPr lang="en-US" sz="2200" dirty="0"/>
+              <a:t>Hypothesis tests use samples to infer properties of entire population </a:t>
+            </a:r>
+          </a:p>
+          <a:p>
+            <a:r>
+              <a:rPr lang="en-US" sz="2200" dirty="0"/>
+              <a:t>T-test compare means </a:t>
+            </a:r>
+          </a:p>
+          <a:p>
+            <a:r>
+              <a:rPr lang="en-US" sz="2200" dirty="0"/>
+              <a:t>2 sample t-tests compare the means of 2 groups </a:t>
+            </a:r>
+          </a:p>
+          <a:p>
+            <a:pPr lvl="1"/>
+            <a:r>
+              <a:rPr lang="en-US" sz="2200" dirty="0"/>
+              <a:t>Are two population means different?</a:t>
+            </a:r>
+          </a:p>
+          <a:p>
+            <a:r>
+              <a:rPr lang="en-US" sz="2200" dirty="0"/>
+              <a:t>Null and Alternative Hypotheses</a:t>
+            </a:r>
+          </a:p>
+          <a:p>
+            <a:pPr lvl="1"/>
+            <a:r>
+              <a:rPr lang="en-US" sz="2200" dirty="0"/>
+              <a:t>Null: The two-group means are equal </a:t>
+            </a:r>
+          </a:p>
+          <a:p>
+            <a:pPr lvl="1"/>
+            <a:r>
+              <a:rPr lang="en-US" sz="2200" dirty="0"/>
+              <a:t>Alternative: The two-group means are NOT equal </a:t>
+            </a:r>
+          </a:p>
+          <a:p>
+            <a:r>
+              <a:rPr lang="en-US" sz="2200" dirty="0"/>
+              <a:t>Statistically results: Reject the null hypothesis when the p-value &lt; significance level </a:t>
+            </a:r>
+          </a:p>
+          <a:p>
+            <a:r>
+              <a:rPr lang="en-US" sz="2200" dirty="0"/>
+              <a:t>The formula for the independent t-test depends on the two samples’ variances </a:t>
+            </a:r>
+          </a:p>
+          <a:p>
+            <a:pPr lvl="1"/>
+            <a:r>
+              <a:rPr lang="en-US" sz="1800" dirty="0"/>
+              <a:t>Equal variance</a:t>
+            </a:r>
+          </a:p>
+          <a:p>
+            <a:pPr lvl="1"/>
+            <a:r>
+              <a:rPr lang="en-US" sz="1800" dirty="0"/>
+              <a:t>Unequal variance</a:t>
+            </a:r>
+          </a:p>
+          <a:p>
+            <a:r>
+              <a:rPr lang="en-US" sz="2200" dirty="0"/>
+              <a:t>For formal formulas: visit </a:t>
+            </a:r>
+            <a:r>
+              <a:rPr lang="en-US" sz="2200" dirty="0">
+                <a:hlinkClick r:id="rId3"/>
+              </a:rPr>
+              <a:t>here</a:t>
+            </a:r>
+            <a:endParaRPr lang="en-US" sz="2200" dirty="0"/>
+          </a:p>
+        </p:txBody>
+      </p:sp>
+    </p:spTree>
+    <p:extLst>
+      <p:ext uri="{BB962C8B-B14F-4D97-AF65-F5344CB8AC3E}">
+        <p14:creationId xmlns:p14="http://schemas.microsoft.com/office/powerpoint/2010/main" val="3291872564"/>
+      </p:ext>
+    </p:extLst>
+  </p:cSld>
+  <p:clrMapOvr>
+    <a:masterClrMapping/>
+  </p:clrMapOvr>
+</p:sld>
+</file>
+
+<file path=ppt/slides/slide13.xml><?xml version="1.0" encoding="utf-8"?>
+<p:sld xmlns:a="http://schemas.openxmlformats.org/drawingml/2006/main" xmlns:r="http://schemas.openxmlformats.org/officeDocument/2006/relationships" xmlns:p="http://schemas.openxmlformats.org/presentationml/2006/main">
+  <p:cSld>
+    <p:bg>
+      <p:bgPr>
+        <a:solidFill>
+          <a:schemeClr val="bg1"/>
+        </a:solidFill>
+        <a:effectLst/>
+      </p:bgPr>
+    </p:bg>
+    <p:spTree>
+      <p:nvGrpSpPr>
+        <p:cNvPr id="1" name=""/>
+        <p:cNvGrpSpPr/>
+        <p:nvPr/>
+      </p:nvGrpSpPr>
+      <p:grpSpPr>
+        <a:xfrm>
+          <a:off x="0" y="0"/>
+          <a:ext cx="0" cy="0"/>
+          <a:chOff x="0" y="0"/>
+          <a:chExt cx="0" cy="0"/>
+        </a:xfrm>
+      </p:grpSpPr>
+      <p:sp useBgFill="1">
+        <p:nvSpPr>
+          <p:cNvPr id="71" name="Rectangle 70">
+            <a:extLst>
+              <a:ext uri="{FF2B5EF4-FFF2-40B4-BE49-F238E27FC236}">
+                <a16:creationId xmlns:a16="http://schemas.microsoft.com/office/drawing/2014/main" id="{2B97F24A-32CE-4C1C-A50D-3016B394DCFB}"/>
+              </a:ext>
+              <a:ext uri="{C183D7F6-B498-43B3-948B-1728B52AA6E4}">
+                <adec:decorative xmlns:adec="http://schemas.microsoft.com/office/drawing/2017/decorative" val="1"/>
+              </a:ext>
+            </a:extLst>
+          </p:cNvPr>
+          <p:cNvSpPr>
+            <a:spLocks noGrp="1" noRot="1" noChangeAspect="1" noMove="1" noResize="1" noEditPoints="1" noAdjustHandles="1" noChangeArrowheads="1" noChangeShapeType="1" noTextEdit="1"/>
+          </p:cNvSpPr>
+          <p:nvPr>
+            <p:extLst>
+              <p:ext uri="{386F3935-93C4-4BCD-93E2-E3B085C9AB24}">
+                <p16:designElem xmlns:p16="http://schemas.microsoft.com/office/powerpoint/2015/main" val="1"/>
+              </p:ext>
+            </p:extLst>
+          </p:nvPr>
+        </p:nvSpPr>
+        <p:spPr>
+          <a:xfrm>
+            <a:off x="0" y="0"/>
+            <a:ext cx="12192000" cy="6858000"/>
+          </a:xfrm>
+          <a:prstGeom prst="rect">
+            <a:avLst/>
+          </a:prstGeom>
+          <a:ln>
+            <a:noFill/>
+          </a:ln>
+        </p:spPr>
+        <p:style>
+          <a:lnRef idx="2">
+            <a:schemeClr val="accent1">
+              <a:shade val="50000"/>
+            </a:schemeClr>
+          </a:lnRef>
+          <a:fillRef idx="1">
+            <a:schemeClr val="accent1"/>
+          </a:fillRef>
+          <a:effectRef idx="0">
+            <a:schemeClr val="accent1"/>
+          </a:effectRef>
+          <a:fontRef idx="minor">
+            <a:schemeClr val="lt1"/>
+          </a:fontRef>
+        </p:style>
+        <p:txBody>
+          <a:bodyPr rtlCol="0" anchor="ctr"/>
+          <a:lstStyle/>
+          <a:p>
+            <a:pPr algn="ctr"/>
+            <a:endParaRPr lang="en-US"/>
+          </a:p>
+        </p:txBody>
+      </p:sp>
+      <p:sp>
+        <p:nvSpPr>
+          <p:cNvPr id="2" name="Title 1">
+            <a:extLst>
+              <a:ext uri="{FF2B5EF4-FFF2-40B4-BE49-F238E27FC236}">
+                <a16:creationId xmlns:a16="http://schemas.microsoft.com/office/drawing/2014/main" id="{9DE44975-097F-43CA-B464-1AE371D59C49}"/>
+              </a:ext>
+            </a:extLst>
+          </p:cNvPr>
+          <p:cNvSpPr>
+            <a:spLocks noGrp="1"/>
+          </p:cNvSpPr>
+          <p:nvPr>
+            <p:ph type="title"/>
+          </p:nvPr>
+        </p:nvSpPr>
+        <p:spPr>
+          <a:xfrm>
+            <a:off x="630936" y="639520"/>
+            <a:ext cx="3429000" cy="1719072"/>
+          </a:xfrm>
+        </p:spPr>
+        <p:txBody>
+          <a:bodyPr anchor="b">
+            <a:normAutofit/>
+          </a:bodyPr>
+          <a:lstStyle/>
+          <a:p>
+            <a:r>
+              <a:rPr lang="en-US" sz="5400"/>
+              <a:t>F-test for 2 Variances</a:t>
+            </a:r>
+          </a:p>
+        </p:txBody>
+      </p:sp>
+      <p:sp>
+        <p:nvSpPr>
+          <p:cNvPr id="73" name="sketch line">
+            <a:extLst>
+              <a:ext uri="{FF2B5EF4-FFF2-40B4-BE49-F238E27FC236}">
+                <a16:creationId xmlns:a16="http://schemas.microsoft.com/office/drawing/2014/main" id="{CD8B4F24-440B-49E9-B85D-733523DC064B}"/>
+              </a:ext>
+              <a:ext uri="{C183D7F6-B498-43B3-948B-1728B52AA6E4}">
+                <adec:decorative xmlns:adec="http://schemas.microsoft.com/office/drawing/2017/decorative" val="1"/>
+              </a:ext>
+            </a:extLst>
+          </p:cNvPr>
+          <p:cNvSpPr>
+            <a:spLocks noGrp="1" noRot="1" noChangeAspect="1" noMove="1" noResize="1" noEditPoints="1" noAdjustHandles="1" noChangeArrowheads="1" noChangeShapeType="1" noTextEdit="1"/>
+          </p:cNvSpPr>
+          <p:nvPr>
+            <p:extLst>
+              <p:ext uri="{386F3935-93C4-4BCD-93E2-E3B085C9AB24}">
+                <p16:designElem xmlns:p16="http://schemas.microsoft.com/office/powerpoint/2015/main" val="1"/>
+              </p:ext>
+            </p:extLst>
+          </p:nvPr>
+        </p:nvSpPr>
+        <p:spPr>
+          <a:xfrm>
+            <a:off x="643278" y="2573756"/>
+            <a:ext cx="3255095" cy="18288"/>
+          </a:xfrm>
+          <a:custGeom>
+            <a:avLst/>
+            <a:gdLst>
+              <a:gd name="connsiteX0" fmla="*/ 0 w 3255095"/>
+              <a:gd name="connsiteY0" fmla="*/ 0 h 18288"/>
+              <a:gd name="connsiteX1" fmla="*/ 618468 w 3255095"/>
+              <a:gd name="connsiteY1" fmla="*/ 0 h 18288"/>
+              <a:gd name="connsiteX2" fmla="*/ 1269487 w 3255095"/>
+              <a:gd name="connsiteY2" fmla="*/ 0 h 18288"/>
+              <a:gd name="connsiteX3" fmla="*/ 1953057 w 3255095"/>
+              <a:gd name="connsiteY3" fmla="*/ 0 h 18288"/>
+              <a:gd name="connsiteX4" fmla="*/ 2636627 w 3255095"/>
+              <a:gd name="connsiteY4" fmla="*/ 0 h 18288"/>
+              <a:gd name="connsiteX5" fmla="*/ 3255095 w 3255095"/>
+              <a:gd name="connsiteY5" fmla="*/ 0 h 18288"/>
+              <a:gd name="connsiteX6" fmla="*/ 3255095 w 3255095"/>
+              <a:gd name="connsiteY6" fmla="*/ 18288 h 18288"/>
+              <a:gd name="connsiteX7" fmla="*/ 2538974 w 3255095"/>
+              <a:gd name="connsiteY7" fmla="*/ 18288 h 18288"/>
+              <a:gd name="connsiteX8" fmla="*/ 1822853 w 3255095"/>
+              <a:gd name="connsiteY8" fmla="*/ 18288 h 18288"/>
+              <a:gd name="connsiteX9" fmla="*/ 1171834 w 3255095"/>
+              <a:gd name="connsiteY9" fmla="*/ 18288 h 18288"/>
+              <a:gd name="connsiteX10" fmla="*/ 0 w 3255095"/>
+              <a:gd name="connsiteY10" fmla="*/ 18288 h 18288"/>
+              <a:gd name="connsiteX11" fmla="*/ 0 w 3255095"/>
+              <a:gd name="connsiteY11" fmla="*/ 0 h 18288"/>
+            </a:gdLst>
+            <a:ahLst/>
+            <a:cxnLst>
+              <a:cxn ang="0">
+                <a:pos x="connsiteX0" y="connsiteY0"/>
+              </a:cxn>
+              <a:cxn ang="0">
+                <a:pos x="connsiteX1" y="connsiteY1"/>
+              </a:cxn>
+              <a:cxn ang="0">
+                <a:pos x="connsiteX2" y="connsiteY2"/>
+              </a:cxn>
+              <a:cxn ang="0">
+                <a:pos x="connsiteX3" y="connsiteY3"/>
+              </a:cxn>
+              <a:cxn ang="0">
+                <a:pos x="connsiteX4" y="connsiteY4"/>
+              </a:cxn>
+              <a:cxn ang="0">
+                <a:pos x="connsiteX5" y="connsiteY5"/>
+              </a:cxn>
+              <a:cxn ang="0">
+                <a:pos x="connsiteX6" y="connsiteY6"/>
+              </a:cxn>
+              <a:cxn ang="0">
+                <a:pos x="connsiteX7" y="connsiteY7"/>
+              </a:cxn>
+              <a:cxn ang="0">
+                <a:pos x="connsiteX8" y="connsiteY8"/>
+              </a:cxn>
+              <a:cxn ang="0">
+                <a:pos x="connsiteX9" y="connsiteY9"/>
+              </a:cxn>
+              <a:cxn ang="0">
+                <a:pos x="connsiteX10" y="connsiteY10"/>
+              </a:cxn>
+              <a:cxn ang="0">
+                <a:pos x="connsiteX11" y="connsiteY11"/>
+              </a:cxn>
+            </a:cxnLst>
+            <a:rect l="l" t="t" r="r" b="b"/>
+            <a:pathLst>
+              <a:path w="3255095" h="18288" fill="none" extrusionOk="0">
+                <a:moveTo>
+                  <a:pt x="0" y="0"/>
+                </a:moveTo>
+                <a:cubicBezTo>
+                  <a:pt x="240201" y="-22123"/>
+                  <a:pt x="462021" y="-19623"/>
+                  <a:pt x="618468" y="0"/>
+                </a:cubicBezTo>
+                <a:cubicBezTo>
+                  <a:pt x="774915" y="19623"/>
+                  <a:pt x="974734" y="2035"/>
+                  <a:pt x="1269487" y="0"/>
+                </a:cubicBezTo>
+                <a:cubicBezTo>
+                  <a:pt x="1564240" y="-2035"/>
+                  <a:pt x="1733579" y="10639"/>
+                  <a:pt x="1953057" y="0"/>
+                </a:cubicBezTo>
+                <a:cubicBezTo>
+                  <a:pt x="2172535" y="-10639"/>
+                  <a:pt x="2453962" y="14018"/>
+                  <a:pt x="2636627" y="0"/>
+                </a:cubicBezTo>
+                <a:cubicBezTo>
+                  <a:pt x="2819292" y="-14018"/>
+                  <a:pt x="3121375" y="5399"/>
+                  <a:pt x="3255095" y="0"/>
+                </a:cubicBezTo>
+                <a:cubicBezTo>
+                  <a:pt x="3254386" y="8157"/>
+                  <a:pt x="3254682" y="12125"/>
+                  <a:pt x="3255095" y="18288"/>
+                </a:cubicBezTo>
+                <a:cubicBezTo>
+                  <a:pt x="3088545" y="23203"/>
+                  <a:pt x="2687475" y="7419"/>
+                  <a:pt x="2538974" y="18288"/>
+                </a:cubicBezTo>
+                <a:cubicBezTo>
+                  <a:pt x="2390473" y="29157"/>
+                  <a:pt x="2137381" y="-8959"/>
+                  <a:pt x="1822853" y="18288"/>
+                </a:cubicBezTo>
+                <a:cubicBezTo>
+                  <a:pt x="1508325" y="45535"/>
+                  <a:pt x="1466437" y="20385"/>
+                  <a:pt x="1171834" y="18288"/>
+                </a:cubicBezTo>
+                <a:cubicBezTo>
+                  <a:pt x="877231" y="16191"/>
+                  <a:pt x="561097" y="37643"/>
+                  <a:pt x="0" y="18288"/>
+                </a:cubicBezTo>
+                <a:cubicBezTo>
+                  <a:pt x="-46" y="12483"/>
+                  <a:pt x="-203" y="6491"/>
+                  <a:pt x="0" y="0"/>
+                </a:cubicBezTo>
+                <a:close/>
+              </a:path>
+              <a:path w="3255095" h="18288" stroke="0" extrusionOk="0">
+                <a:moveTo>
+                  <a:pt x="0" y="0"/>
+                </a:moveTo>
+                <a:cubicBezTo>
+                  <a:pt x="291965" y="19429"/>
+                  <a:pt x="363155" y="8568"/>
+                  <a:pt x="618468" y="0"/>
+                </a:cubicBezTo>
+                <a:cubicBezTo>
+                  <a:pt x="873781" y="-8568"/>
+                  <a:pt x="904459" y="-19505"/>
+                  <a:pt x="1171834" y="0"/>
+                </a:cubicBezTo>
+                <a:cubicBezTo>
+                  <a:pt x="1439209" y="19505"/>
+                  <a:pt x="1744369" y="9790"/>
+                  <a:pt x="1887955" y="0"/>
+                </a:cubicBezTo>
+                <a:cubicBezTo>
+                  <a:pt x="2031541" y="-9790"/>
+                  <a:pt x="2346378" y="21240"/>
+                  <a:pt x="2506423" y="0"/>
+                </a:cubicBezTo>
+                <a:cubicBezTo>
+                  <a:pt x="2666468" y="-21240"/>
+                  <a:pt x="2990257" y="30414"/>
+                  <a:pt x="3255095" y="0"/>
+                </a:cubicBezTo>
+                <a:cubicBezTo>
+                  <a:pt x="3254831" y="4493"/>
+                  <a:pt x="3255479" y="9472"/>
+                  <a:pt x="3255095" y="18288"/>
+                </a:cubicBezTo>
+                <a:cubicBezTo>
+                  <a:pt x="3120743" y="16690"/>
+                  <a:pt x="2759628" y="42462"/>
+                  <a:pt x="2604076" y="18288"/>
+                </a:cubicBezTo>
+                <a:cubicBezTo>
+                  <a:pt x="2448524" y="-5886"/>
+                  <a:pt x="2184336" y="19599"/>
+                  <a:pt x="1887955" y="18288"/>
+                </a:cubicBezTo>
+                <a:cubicBezTo>
+                  <a:pt x="1591574" y="16977"/>
+                  <a:pt x="1548845" y="6870"/>
+                  <a:pt x="1334589" y="18288"/>
+                </a:cubicBezTo>
+                <a:cubicBezTo>
+                  <a:pt x="1120333" y="29706"/>
+                  <a:pt x="996014" y="9662"/>
+                  <a:pt x="683570" y="18288"/>
+                </a:cubicBezTo>
+                <a:cubicBezTo>
+                  <a:pt x="371126" y="26914"/>
+                  <a:pt x="198687" y="16167"/>
+                  <a:pt x="0" y="18288"/>
+                </a:cubicBezTo>
+                <a:cubicBezTo>
+                  <a:pt x="843" y="9577"/>
+                  <a:pt x="371" y="6900"/>
+                  <a:pt x="0" y="0"/>
+                </a:cubicBezTo>
+                <a:close/>
+              </a:path>
+            </a:pathLst>
+          </a:custGeom>
+          <a:solidFill>
+            <a:schemeClr val="accent2"/>
+          </a:solidFill>
+          <a:ln w="38100" cap="rnd">
+            <a:solidFill>
+              <a:schemeClr val="accent2"/>
+            </a:solidFill>
+            <a:round/>
+            <a:extLst>
+              <a:ext uri="{C807C97D-BFC1-408E-A445-0C87EB9F89A2}">
+                <ask:lineSketchStyleProps xmlns:ask="http://schemas.microsoft.com/office/drawing/2018/sketchyshapes" sd="1219033472">
+                  <a:prstGeom prst="rect">
+                    <a:avLst/>
+                  </a:prstGeom>
+                  <ask:type>
+                    <ask:lineSketchFreehand/>
+                  </ask:type>
+                </ask:lineSketchStyleProps>
+              </a:ext>
+            </a:extLst>
+          </a:ln>
+        </p:spPr>
+        <p:style>
+          <a:lnRef idx="2">
+            <a:schemeClr val="accent1">
+              <a:shade val="50000"/>
+            </a:schemeClr>
+          </a:lnRef>
+          <a:fillRef idx="1">
+            <a:schemeClr val="accent1"/>
+          </a:fillRef>
+          <a:effectRef idx="0">
+            <a:schemeClr val="accent1"/>
+          </a:effectRef>
+          <a:fontRef idx="minor">
+            <a:schemeClr val="lt1"/>
+          </a:fontRef>
+        </p:style>
+        <p:txBody>
+          <a:bodyPr rtlCol="0" anchor="ctr"/>
+          <a:lstStyle/>
+          <a:p>
+            <a:pPr algn="ctr"/>
+            <a:endParaRPr lang="en-US"/>
+          </a:p>
+        </p:txBody>
+      </p:sp>
+      <mc:AlternateContent xmlns:mc="http://schemas.openxmlformats.org/markup-compatibility/2006" xmlns:a14="http://schemas.microsoft.com/office/drawing/2010/main">
+        <mc:Choice Requires="a14">
+          <p:sp>
+            <p:nvSpPr>
+              <p:cNvPr id="3" name="Content Placeholder 2">
+                <a:extLst>
+                  <a:ext uri="{FF2B5EF4-FFF2-40B4-BE49-F238E27FC236}">
+                    <a16:creationId xmlns:a16="http://schemas.microsoft.com/office/drawing/2014/main" id="{DDD24CAF-BDA7-420F-96BA-67C4365D39E6}"/>
+                  </a:ext>
+                </a:extLst>
+              </p:cNvPr>
+              <p:cNvSpPr>
+                <a:spLocks noGrp="1"/>
+              </p:cNvSpPr>
+              <p:nvPr>
+                <p:ph idx="1"/>
+              </p:nvPr>
+            </p:nvSpPr>
+            <p:spPr>
+              <a:xfrm>
+                <a:off x="630936" y="2807208"/>
+                <a:ext cx="3429000" cy="3410712"/>
+              </a:xfrm>
+            </p:spPr>
+            <p:txBody>
+              <a:bodyPr anchor="t">
+                <a:normAutofit/>
+              </a:bodyPr>
+              <a:lstStyle/>
+              <a:p>
+                <a:r>
+                  <a:rPr lang="en-US" sz="2200" dirty="0"/>
+                  <a:t>H0: </a:t>
+                </a:r>
+                <a14:m>
+                  <m:oMath xmlns:m="http://schemas.openxmlformats.org/officeDocument/2006/math">
+                    <m:sSubSup>
+                      <m:sSubSupPr>
+                        <m:ctrlPr>
+                          <a:rPr lang="en-US" sz="2200" b="0" i="1">
+                            <a:latin typeface="Cambria Math" panose="02040503050406030204" pitchFamily="18" charset="0"/>
+                          </a:rPr>
+                        </m:ctrlPr>
+                      </m:sSubSupPr>
+                      <m:e>
+                        <m:r>
+                          <a:rPr lang="en-US" sz="2200" b="0" i="1">
+                            <a:latin typeface="Cambria Math" panose="02040503050406030204" pitchFamily="18" charset="0"/>
+                          </a:rPr>
+                          <m:t>𝜎</m:t>
+                        </m:r>
+                      </m:e>
+                      <m:sub>
+                        <m:r>
+                          <a:rPr lang="en-US" sz="2200" b="0" i="1">
+                            <a:latin typeface="Cambria Math" panose="02040503050406030204" pitchFamily="18" charset="0"/>
+                          </a:rPr>
+                          <m:t>𝑥</m:t>
+                        </m:r>
+                      </m:sub>
+                      <m:sup>
+                        <m:r>
+                          <a:rPr lang="en-US" sz="2200" b="0" i="1">
+                            <a:latin typeface="Cambria Math" panose="02040503050406030204" pitchFamily="18" charset="0"/>
+                          </a:rPr>
+                          <m:t>2</m:t>
+                        </m:r>
+                      </m:sup>
+                    </m:sSubSup>
+                    <m:r>
+                      <a:rPr lang="en-US" sz="2200" b="0" i="1">
+                        <a:latin typeface="Cambria Math" panose="02040503050406030204" pitchFamily="18" charset="0"/>
+                      </a:rPr>
+                      <m:t>=</m:t>
+                    </m:r>
+                    <m:sSubSup>
+                      <m:sSubSupPr>
+                        <m:ctrlPr>
+                          <a:rPr lang="en-US" sz="2200" b="0" i="1">
+                            <a:latin typeface="Cambria Math" panose="02040503050406030204" pitchFamily="18" charset="0"/>
+                          </a:rPr>
+                        </m:ctrlPr>
+                      </m:sSubSupPr>
+                      <m:e>
+                        <m:r>
+                          <a:rPr lang="en-US" sz="2200" b="0" i="1">
+                            <a:latin typeface="Cambria Math" panose="02040503050406030204" pitchFamily="18" charset="0"/>
+                          </a:rPr>
+                          <m:t>𝜎</m:t>
+                        </m:r>
+                      </m:e>
+                      <m:sub>
+                        <m:r>
+                          <a:rPr lang="en-US" sz="2200" b="0" i="1">
+                            <a:latin typeface="Cambria Math" panose="02040503050406030204" pitchFamily="18" charset="0"/>
+                          </a:rPr>
+                          <m:t>𝑌</m:t>
+                        </m:r>
+                      </m:sub>
+                      <m:sup>
+                        <m:r>
+                          <a:rPr lang="en-US" sz="2200" b="0" i="1">
+                            <a:latin typeface="Cambria Math" panose="02040503050406030204" pitchFamily="18" charset="0"/>
+                          </a:rPr>
+                          <m:t>2</m:t>
+                        </m:r>
+                      </m:sup>
+                    </m:sSubSup>
+                  </m:oMath>
+                </a14:m>
+                <a:endParaRPr lang="en-US" sz="2200" dirty="0"/>
+              </a:p>
+              <a:p>
+                <a:r>
+                  <a:rPr lang="en-US" sz="2200" dirty="0" err="1"/>
+                  <a:t>H1</a:t>
+                </a:r>
+                <a:r>
+                  <a:rPr lang="en-US" sz="2200" dirty="0"/>
+                  <a:t>: </a:t>
+                </a:r>
+                <a14:m>
+                  <m:oMath xmlns:m="http://schemas.openxmlformats.org/officeDocument/2006/math">
+                    <m:sSubSup>
+                      <m:sSubSupPr>
+                        <m:ctrlPr>
+                          <a:rPr lang="en-US" sz="2200" b="0" i="1">
+                            <a:latin typeface="Cambria Math" panose="02040503050406030204" pitchFamily="18" charset="0"/>
+                          </a:rPr>
+                        </m:ctrlPr>
+                      </m:sSubSupPr>
+                      <m:e>
+                        <m:r>
+                          <a:rPr lang="en-US" sz="2200" b="0" i="1">
+                            <a:latin typeface="Cambria Math" panose="02040503050406030204" pitchFamily="18" charset="0"/>
+                          </a:rPr>
+                          <m:t>𝜎</m:t>
+                        </m:r>
+                      </m:e>
+                      <m:sub>
+                        <m:r>
+                          <a:rPr lang="en-US" sz="2200" b="0" i="1">
+                            <a:latin typeface="Cambria Math" panose="02040503050406030204" pitchFamily="18" charset="0"/>
+                          </a:rPr>
+                          <m:t>𝑥</m:t>
+                        </m:r>
+                      </m:sub>
+                      <m:sup>
+                        <m:r>
+                          <a:rPr lang="en-US" sz="2200" b="0" i="1">
+                            <a:latin typeface="Cambria Math" panose="02040503050406030204" pitchFamily="18" charset="0"/>
+                          </a:rPr>
+                          <m:t>2</m:t>
+                        </m:r>
+                      </m:sup>
+                    </m:sSubSup>
+                    <m:r>
+                      <a:rPr lang="en-US" sz="2200" b="0" i="1">
+                        <a:latin typeface="Cambria Math" panose="02040503050406030204" pitchFamily="18" charset="0"/>
+                      </a:rPr>
+                      <m:t>≠</m:t>
+                    </m:r>
+                    <m:sSubSup>
+                      <m:sSubSupPr>
+                        <m:ctrlPr>
+                          <a:rPr lang="en-US" sz="2200" b="0" i="1">
+                            <a:latin typeface="Cambria Math" panose="02040503050406030204" pitchFamily="18" charset="0"/>
+                          </a:rPr>
+                        </m:ctrlPr>
+                      </m:sSubSupPr>
+                      <m:e>
+                        <m:r>
+                          <a:rPr lang="en-US" sz="2200" b="0" i="1">
+                            <a:latin typeface="Cambria Math" panose="02040503050406030204" pitchFamily="18" charset="0"/>
+                          </a:rPr>
+                          <m:t>𝜎</m:t>
+                        </m:r>
+                      </m:e>
+                      <m:sub>
+                        <m:r>
+                          <a:rPr lang="en-US" sz="2200" b="0" i="1">
+                            <a:latin typeface="Cambria Math" panose="02040503050406030204" pitchFamily="18" charset="0"/>
+                          </a:rPr>
+                          <m:t>𝑌</m:t>
+                        </m:r>
+                      </m:sub>
+                      <m:sup>
+                        <m:r>
+                          <a:rPr lang="en-US" sz="2200" b="0" i="1">
+                            <a:latin typeface="Cambria Math" panose="02040503050406030204" pitchFamily="18" charset="0"/>
+                          </a:rPr>
+                          <m:t>2</m:t>
+                        </m:r>
+                      </m:sup>
+                    </m:sSubSup>
+                  </m:oMath>
+                </a14:m>
+                <a:endParaRPr lang="en-US" sz="2200" dirty="0"/>
+              </a:p>
+              <a:p>
+                <a:r>
+                  <a:rPr lang="en-US" sz="2200" dirty="0"/>
+                  <a:t>The shape of the 2 distributions can affect the mean </a:t>
+                </a:r>
+                <a:r>
+                  <a:rPr lang="en-US" sz="2200"/>
+                  <a:t>hypothesis testing. </a:t>
+                </a:r>
+                <a:endParaRPr lang="en-US" sz="2200" dirty="0"/>
+              </a:p>
+            </p:txBody>
+          </p:sp>
+        </mc:Choice>
+        <mc:Fallback xmlns="">
+          <p:sp>
+            <p:nvSpPr>
+              <p:cNvPr id="3" name="Content Placeholder 2">
+                <a:extLst>
+                  <a:ext uri="{FF2B5EF4-FFF2-40B4-BE49-F238E27FC236}">
+                    <a16:creationId xmlns:a16="http://schemas.microsoft.com/office/drawing/2014/main" id="{DDD24CAF-BDA7-420F-96BA-67C4365D39E6}"/>
+                  </a:ext>
+                </a:extLst>
+              </p:cNvPr>
+              <p:cNvSpPr>
+                <a:spLocks noGrp="1" noRot="1" noChangeAspect="1" noMove="1" noResize="1" noEditPoints="1" noAdjustHandles="1" noChangeArrowheads="1" noChangeShapeType="1" noTextEdit="1"/>
+              </p:cNvSpPr>
+              <p:nvPr>
+                <p:ph idx="1"/>
+              </p:nvPr>
+            </p:nvSpPr>
+            <p:spPr>
+              <a:xfrm>
+                <a:off x="630936" y="2807208"/>
+                <a:ext cx="3429000" cy="3410712"/>
+              </a:xfrm>
+              <a:blipFill>
+                <a:blip r:embed="rId3"/>
+                <a:stretch>
+                  <a:fillRect l="-2135" t="-1968"/>
+                </a:stretch>
+              </a:blipFill>
+            </p:spPr>
+            <p:txBody>
+              <a:bodyPr/>
+              <a:lstStyle/>
+              <a:p>
+                <a:r>
+                  <a:rPr lang="en-US">
+                    <a:noFill/>
+                  </a:rPr>
+                  <a:t> </a:t>
+                </a:r>
+              </a:p>
+            </p:txBody>
+          </p:sp>
+        </mc:Fallback>
+      </mc:AlternateContent>
+      <p:pic>
+        <p:nvPicPr>
+          <p:cNvPr id="1026" name="Picture 2" descr="Defining the overlapping area of two log-normal distributions with  different means, same variance, and different scaling factors that add up  to 1 - Cross Validated">
+            <a:extLst>
+              <a:ext uri="{FF2B5EF4-FFF2-40B4-BE49-F238E27FC236}">
+                <a16:creationId xmlns:a16="http://schemas.microsoft.com/office/drawing/2014/main" id="{0C056128-00B7-400E-90CE-F7C21C68FE2E}"/>
+              </a:ext>
+            </a:extLst>
+          </p:cNvPr>
+          <p:cNvPicPr>
+            <a:picLocks noChangeAspect="1" noChangeArrowheads="1"/>
+          </p:cNvPicPr>
+          <p:nvPr/>
+        </p:nvPicPr>
+        <p:blipFill>
+          <a:blip r:embed="rId4">
+            <a:extLst>
+              <a:ext uri="{28A0092B-C50C-407E-A947-70E740481C1C}">
+                <a14:useLocalDpi xmlns:a14="http://schemas.microsoft.com/office/drawing/2010/main" val="0"/>
+              </a:ext>
+            </a:extLst>
+          </a:blip>
+          <a:stretch>
+            <a:fillRect/>
+          </a:stretch>
+        </p:blipFill>
+        <p:spPr bwMode="auto">
+          <a:xfrm>
+            <a:off x="4654296" y="667512"/>
+            <a:ext cx="6903720" cy="5522976"/>
+          </a:xfrm>
+          <a:prstGeom prst="rect">
+            <a:avLst/>
+          </a:prstGeom>
+          <a:noFill/>
+          <a:extLst>
+            <a:ext uri="{909E8E84-426E-40DD-AFC4-6F175D3DCCD1}">
+              <a14:hiddenFill xmlns:a14="http://schemas.microsoft.com/office/drawing/2010/main">
+                <a:solidFill>
+                  <a:srgbClr val="FFFFFF"/>
+                </a:solidFill>
+              </a14:hiddenFill>
+            </a:ext>
+          </a:extLst>
+        </p:spPr>
+      </p:pic>
+    </p:spTree>
+    <p:extLst>
+      <p:ext uri="{BB962C8B-B14F-4D97-AF65-F5344CB8AC3E}">
+        <p14:creationId xmlns:p14="http://schemas.microsoft.com/office/powerpoint/2010/main" val="4196916089"/>
+      </p:ext>
+    </p:extLst>
+  </p:cSld>
+  <p:clrMapOvr>
+    <a:masterClrMapping/>
+  </p:clrMapOvr>
+</p:sld>
+</file>
+
+<file path=ppt/slides/slide14.xml><?xml version="1.0" encoding="utf-8"?>
+<p:sld xmlns:a="http://schemas.openxmlformats.org/drawingml/2006/main" xmlns:r="http://schemas.openxmlformats.org/officeDocument/2006/relationships" xmlns:p="http://schemas.openxmlformats.org/presentationml/2006/main">
+  <p:cSld>
+    <p:bg>
+      <p:bgPr>
+        <a:solidFill>
+          <a:schemeClr val="bg1"/>
+        </a:solidFill>
+        <a:effectLst/>
+      </p:bgPr>
+    </p:bg>
+    <p:spTree>
+      <p:nvGrpSpPr>
+        <p:cNvPr id="1" name=""/>
+        <p:cNvGrpSpPr/>
+        <p:nvPr/>
+      </p:nvGrpSpPr>
+      <p:grpSpPr>
+        <a:xfrm>
+          <a:off x="0" y="0"/>
+          <a:ext cx="0" cy="0"/>
+          <a:chOff x="0" y="0"/>
+          <a:chExt cx="0" cy="0"/>
+        </a:xfrm>
+      </p:grpSpPr>
+      <p:sp useBgFill="1">
+        <p:nvSpPr>
+          <p:cNvPr id="10" name="Rectangle 9">
+            <a:extLst>
+              <a:ext uri="{FF2B5EF4-FFF2-40B4-BE49-F238E27FC236}">
+                <a16:creationId xmlns:a16="http://schemas.microsoft.com/office/drawing/2014/main" id="{2B97F24A-32CE-4C1C-A50D-3016B394DCFB}"/>
+              </a:ext>
+              <a:ext uri="{C183D7F6-B498-43B3-948B-1728B52AA6E4}">
+                <adec:decorative xmlns:adec="http://schemas.microsoft.com/office/drawing/2017/decorative" val="1"/>
+              </a:ext>
+            </a:extLst>
+          </p:cNvPr>
+          <p:cNvSpPr>
+            <a:spLocks noGrp="1" noRot="1" noChangeAspect="1" noMove="1" noResize="1" noEditPoints="1" noAdjustHandles="1" noChangeArrowheads="1" noChangeShapeType="1" noTextEdit="1"/>
+          </p:cNvSpPr>
+          <p:nvPr>
+            <p:extLst>
+              <p:ext uri="{386F3935-93C4-4BCD-93E2-E3B085C9AB24}">
+                <p16:designElem xmlns:p16="http://schemas.microsoft.com/office/powerpoint/2015/main" val="1"/>
+              </p:ext>
+            </p:extLst>
+          </p:nvPr>
+        </p:nvSpPr>
+        <p:spPr>
+          <a:xfrm>
+            <a:off x="0" y="0"/>
+            <a:ext cx="12192000" cy="6858000"/>
+          </a:xfrm>
+          <a:prstGeom prst="rect">
+            <a:avLst/>
+          </a:prstGeom>
+          <a:ln>
+            <a:noFill/>
+          </a:ln>
+        </p:spPr>
+        <p:style>
+          <a:lnRef idx="2">
+            <a:schemeClr val="accent1">
+              <a:shade val="50000"/>
+            </a:schemeClr>
+          </a:lnRef>
+          <a:fillRef idx="1">
+            <a:schemeClr val="accent1"/>
+          </a:fillRef>
+          <a:effectRef idx="0">
+            <a:schemeClr val="accent1"/>
+          </a:effectRef>
+          <a:fontRef idx="minor">
+            <a:schemeClr val="lt1"/>
+          </a:fontRef>
+        </p:style>
+        <p:txBody>
+          <a:bodyPr rtlCol="0" anchor="ctr"/>
+          <a:lstStyle/>
+          <a:p>
+            <a:pPr algn="ctr"/>
+            <a:endParaRPr lang="en-US"/>
+          </a:p>
+        </p:txBody>
+      </p:sp>
+      <p:sp>
+        <p:nvSpPr>
+          <p:cNvPr id="2" name="Title 1">
+            <a:extLst>
+              <a:ext uri="{FF2B5EF4-FFF2-40B4-BE49-F238E27FC236}">
+                <a16:creationId xmlns:a16="http://schemas.microsoft.com/office/drawing/2014/main" id="{58B6F8F4-36B8-4CDE-88FB-4A7105F68DB7}"/>
+              </a:ext>
+            </a:extLst>
+          </p:cNvPr>
+          <p:cNvSpPr>
+            <a:spLocks noGrp="1"/>
+          </p:cNvSpPr>
+          <p:nvPr>
+            <p:ph type="title"/>
+          </p:nvPr>
+        </p:nvSpPr>
+        <p:spPr>
+          <a:xfrm>
+            <a:off x="630936" y="639520"/>
+            <a:ext cx="3429000" cy="1719072"/>
+          </a:xfrm>
+        </p:spPr>
+        <p:txBody>
+          <a:bodyPr anchor="b">
+            <a:normAutofit/>
+          </a:bodyPr>
+          <a:lstStyle/>
+          <a:p>
+            <a:r>
+              <a:rPr lang="en-US" sz="3800"/>
+              <a:t>Two-sample independent t-test</a:t>
+            </a:r>
+          </a:p>
+        </p:txBody>
+      </p:sp>
+      <p:sp>
+        <p:nvSpPr>
+          <p:cNvPr id="15" name="sketch line">
+            <a:extLst>
+              <a:ext uri="{FF2B5EF4-FFF2-40B4-BE49-F238E27FC236}">
+                <a16:creationId xmlns:a16="http://schemas.microsoft.com/office/drawing/2014/main" id="{CD8B4F24-440B-49E9-B85D-733523DC064B}"/>
+              </a:ext>
+              <a:ext uri="{C183D7F6-B498-43B3-948B-1728B52AA6E4}">
+                <adec:decorative xmlns:adec="http://schemas.microsoft.com/office/drawing/2017/decorative" val="1"/>
+              </a:ext>
+            </a:extLst>
+          </p:cNvPr>
+          <p:cNvSpPr>
+            <a:spLocks noGrp="1" noRot="1" noChangeAspect="1" noMove="1" noResize="1" noEditPoints="1" noAdjustHandles="1" noChangeArrowheads="1" noChangeShapeType="1" noTextEdit="1"/>
+          </p:cNvSpPr>
+          <p:nvPr>
+            <p:extLst>
+              <p:ext uri="{386F3935-93C4-4BCD-93E2-E3B085C9AB24}">
+                <p16:designElem xmlns:p16="http://schemas.microsoft.com/office/powerpoint/2015/main" val="1"/>
+              </p:ext>
+            </p:extLst>
+          </p:nvPr>
+        </p:nvSpPr>
+        <p:spPr>
+          <a:xfrm>
+            <a:off x="643278" y="2573756"/>
+            <a:ext cx="3255095" cy="18288"/>
+          </a:xfrm>
+          <a:custGeom>
+            <a:avLst/>
+            <a:gdLst>
+              <a:gd name="connsiteX0" fmla="*/ 0 w 3255095"/>
+              <a:gd name="connsiteY0" fmla="*/ 0 h 18288"/>
+              <a:gd name="connsiteX1" fmla="*/ 618468 w 3255095"/>
+              <a:gd name="connsiteY1" fmla="*/ 0 h 18288"/>
+              <a:gd name="connsiteX2" fmla="*/ 1269487 w 3255095"/>
+              <a:gd name="connsiteY2" fmla="*/ 0 h 18288"/>
+              <a:gd name="connsiteX3" fmla="*/ 1953057 w 3255095"/>
+              <a:gd name="connsiteY3" fmla="*/ 0 h 18288"/>
+              <a:gd name="connsiteX4" fmla="*/ 2636627 w 3255095"/>
+              <a:gd name="connsiteY4" fmla="*/ 0 h 18288"/>
+              <a:gd name="connsiteX5" fmla="*/ 3255095 w 3255095"/>
+              <a:gd name="connsiteY5" fmla="*/ 0 h 18288"/>
+              <a:gd name="connsiteX6" fmla="*/ 3255095 w 3255095"/>
+              <a:gd name="connsiteY6" fmla="*/ 18288 h 18288"/>
+              <a:gd name="connsiteX7" fmla="*/ 2538974 w 3255095"/>
+              <a:gd name="connsiteY7" fmla="*/ 18288 h 18288"/>
+              <a:gd name="connsiteX8" fmla="*/ 1822853 w 3255095"/>
+              <a:gd name="connsiteY8" fmla="*/ 18288 h 18288"/>
+              <a:gd name="connsiteX9" fmla="*/ 1171834 w 3255095"/>
+              <a:gd name="connsiteY9" fmla="*/ 18288 h 18288"/>
+              <a:gd name="connsiteX10" fmla="*/ 0 w 3255095"/>
+              <a:gd name="connsiteY10" fmla="*/ 18288 h 18288"/>
+              <a:gd name="connsiteX11" fmla="*/ 0 w 3255095"/>
+              <a:gd name="connsiteY11" fmla="*/ 0 h 18288"/>
+            </a:gdLst>
+            <a:ahLst/>
+            <a:cxnLst>
+              <a:cxn ang="0">
+                <a:pos x="connsiteX0" y="connsiteY0"/>
+              </a:cxn>
+              <a:cxn ang="0">
+                <a:pos x="connsiteX1" y="connsiteY1"/>
+              </a:cxn>
+              <a:cxn ang="0">
+                <a:pos x="connsiteX2" y="connsiteY2"/>
+              </a:cxn>
+              <a:cxn ang="0">
+                <a:pos x="connsiteX3" y="connsiteY3"/>
+              </a:cxn>
+              <a:cxn ang="0">
+                <a:pos x="connsiteX4" y="connsiteY4"/>
+              </a:cxn>
+              <a:cxn ang="0">
+                <a:pos x="connsiteX5" y="connsiteY5"/>
+              </a:cxn>
+              <a:cxn ang="0">
+                <a:pos x="connsiteX6" y="connsiteY6"/>
+              </a:cxn>
+              <a:cxn ang="0">
+                <a:pos x="connsiteX7" y="connsiteY7"/>
+              </a:cxn>
+              <a:cxn ang="0">
+                <a:pos x="connsiteX8" y="connsiteY8"/>
+              </a:cxn>
+              <a:cxn ang="0">
+                <a:pos x="connsiteX9" y="connsiteY9"/>
+              </a:cxn>
+              <a:cxn ang="0">
+                <a:pos x="connsiteX10" y="connsiteY10"/>
+              </a:cxn>
+              <a:cxn ang="0">
+                <a:pos x="connsiteX11" y="connsiteY11"/>
+              </a:cxn>
+            </a:cxnLst>
+            <a:rect l="l" t="t" r="r" b="b"/>
+            <a:pathLst>
+              <a:path w="3255095" h="18288" fill="none" extrusionOk="0">
+                <a:moveTo>
+                  <a:pt x="0" y="0"/>
+                </a:moveTo>
+                <a:cubicBezTo>
+                  <a:pt x="240201" y="-22123"/>
+                  <a:pt x="462021" y="-19623"/>
+                  <a:pt x="618468" y="0"/>
+                </a:cubicBezTo>
+                <a:cubicBezTo>
+                  <a:pt x="774915" y="19623"/>
+                  <a:pt x="974734" y="2035"/>
+                  <a:pt x="1269487" y="0"/>
+                </a:cubicBezTo>
+                <a:cubicBezTo>
+                  <a:pt x="1564240" y="-2035"/>
+                  <a:pt x="1733579" y="10639"/>
+                  <a:pt x="1953057" y="0"/>
+                </a:cubicBezTo>
+                <a:cubicBezTo>
+                  <a:pt x="2172535" y="-10639"/>
+                  <a:pt x="2453962" y="14018"/>
+                  <a:pt x="2636627" y="0"/>
+                </a:cubicBezTo>
+                <a:cubicBezTo>
+                  <a:pt x="2819292" y="-14018"/>
+                  <a:pt x="3121375" y="5399"/>
+                  <a:pt x="3255095" y="0"/>
+                </a:cubicBezTo>
+                <a:cubicBezTo>
+                  <a:pt x="3254386" y="8157"/>
+                  <a:pt x="3254682" y="12125"/>
+                  <a:pt x="3255095" y="18288"/>
+                </a:cubicBezTo>
+                <a:cubicBezTo>
+                  <a:pt x="3088545" y="23203"/>
+                  <a:pt x="2687475" y="7419"/>
+                  <a:pt x="2538974" y="18288"/>
+                </a:cubicBezTo>
+                <a:cubicBezTo>
+                  <a:pt x="2390473" y="29157"/>
+                  <a:pt x="2137381" y="-8959"/>
+                  <a:pt x="1822853" y="18288"/>
+                </a:cubicBezTo>
+                <a:cubicBezTo>
+                  <a:pt x="1508325" y="45535"/>
+                  <a:pt x="1466437" y="20385"/>
+                  <a:pt x="1171834" y="18288"/>
+                </a:cubicBezTo>
+                <a:cubicBezTo>
+                  <a:pt x="877231" y="16191"/>
+                  <a:pt x="561097" y="37643"/>
+                  <a:pt x="0" y="18288"/>
+                </a:cubicBezTo>
+                <a:cubicBezTo>
+                  <a:pt x="-46" y="12483"/>
+                  <a:pt x="-203" y="6491"/>
+                  <a:pt x="0" y="0"/>
+                </a:cubicBezTo>
+                <a:close/>
+              </a:path>
+              <a:path w="3255095" h="18288" stroke="0" extrusionOk="0">
+                <a:moveTo>
+                  <a:pt x="0" y="0"/>
+                </a:moveTo>
+                <a:cubicBezTo>
+                  <a:pt x="291965" y="19429"/>
+                  <a:pt x="363155" y="8568"/>
+                  <a:pt x="618468" y="0"/>
+                </a:cubicBezTo>
+                <a:cubicBezTo>
+                  <a:pt x="873781" y="-8568"/>
+                  <a:pt x="904459" y="-19505"/>
+                  <a:pt x="1171834" y="0"/>
+                </a:cubicBezTo>
+                <a:cubicBezTo>
+                  <a:pt x="1439209" y="19505"/>
+                  <a:pt x="1744369" y="9790"/>
+                  <a:pt x="1887955" y="0"/>
+                </a:cubicBezTo>
+                <a:cubicBezTo>
+                  <a:pt x="2031541" y="-9790"/>
+                  <a:pt x="2346378" y="21240"/>
+                  <a:pt x="2506423" y="0"/>
+                </a:cubicBezTo>
+                <a:cubicBezTo>
+                  <a:pt x="2666468" y="-21240"/>
+                  <a:pt x="2990257" y="30414"/>
+                  <a:pt x="3255095" y="0"/>
+                </a:cubicBezTo>
+                <a:cubicBezTo>
+                  <a:pt x="3254831" y="4493"/>
+                  <a:pt x="3255479" y="9472"/>
+                  <a:pt x="3255095" y="18288"/>
+                </a:cubicBezTo>
+                <a:cubicBezTo>
+                  <a:pt x="3120743" y="16690"/>
+                  <a:pt x="2759628" y="42462"/>
+                  <a:pt x="2604076" y="18288"/>
+                </a:cubicBezTo>
+                <a:cubicBezTo>
+                  <a:pt x="2448524" y="-5886"/>
+                  <a:pt x="2184336" y="19599"/>
+                  <a:pt x="1887955" y="18288"/>
+                </a:cubicBezTo>
+                <a:cubicBezTo>
+                  <a:pt x="1591574" y="16977"/>
+                  <a:pt x="1548845" y="6870"/>
+                  <a:pt x="1334589" y="18288"/>
+                </a:cubicBezTo>
+                <a:cubicBezTo>
+                  <a:pt x="1120333" y="29706"/>
+                  <a:pt x="996014" y="9662"/>
+                  <a:pt x="683570" y="18288"/>
+                </a:cubicBezTo>
+                <a:cubicBezTo>
+                  <a:pt x="371126" y="26914"/>
+                  <a:pt x="198687" y="16167"/>
+                  <a:pt x="0" y="18288"/>
+                </a:cubicBezTo>
+                <a:cubicBezTo>
+                  <a:pt x="843" y="9577"/>
+                  <a:pt x="371" y="6900"/>
+                  <a:pt x="0" y="0"/>
+                </a:cubicBezTo>
+                <a:close/>
+              </a:path>
+            </a:pathLst>
+          </a:custGeom>
+          <a:solidFill>
+            <a:schemeClr val="accent2"/>
+          </a:solidFill>
+          <a:ln w="38100" cap="rnd">
+            <a:solidFill>
+              <a:schemeClr val="accent2"/>
+            </a:solidFill>
+            <a:round/>
+            <a:extLst>
+              <a:ext uri="{C807C97D-BFC1-408E-A445-0C87EB9F89A2}">
+                <ask:lineSketchStyleProps xmlns:ask="http://schemas.microsoft.com/office/drawing/2018/sketchyshapes" sd="1219033472">
+                  <a:prstGeom prst="rect">
+                    <a:avLst/>
+                  </a:prstGeom>
+                  <ask:type>
+                    <ask:lineSketchFreehand/>
+                  </ask:type>
+                </ask:lineSketchStyleProps>
+              </a:ext>
+            </a:extLst>
+          </a:ln>
+        </p:spPr>
+        <p:style>
+          <a:lnRef idx="2">
+            <a:schemeClr val="accent1">
+              <a:shade val="50000"/>
+            </a:schemeClr>
+          </a:lnRef>
+          <a:fillRef idx="1">
+            <a:schemeClr val="accent1"/>
+          </a:fillRef>
+          <a:effectRef idx="0">
+            <a:schemeClr val="accent1"/>
+          </a:effectRef>
+          <a:fontRef idx="minor">
+            <a:schemeClr val="lt1"/>
+          </a:fontRef>
+        </p:style>
+        <p:txBody>
+          <a:bodyPr rtlCol="0" anchor="ctr"/>
+          <a:lstStyle/>
+          <a:p>
+            <a:pPr algn="ctr"/>
+            <a:endParaRPr lang="en-US"/>
+          </a:p>
+        </p:txBody>
+      </p:sp>
+      <mc:AlternateContent xmlns:mc="http://schemas.openxmlformats.org/markup-compatibility/2006" xmlns:a14="http://schemas.microsoft.com/office/drawing/2010/main">
+        <mc:Choice Requires="a14">
+          <p:sp>
+            <p:nvSpPr>
+              <p:cNvPr id="3" name="Content Placeholder 2">
+                <a:extLst>
+                  <a:ext uri="{FF2B5EF4-FFF2-40B4-BE49-F238E27FC236}">
+                    <a16:creationId xmlns:a16="http://schemas.microsoft.com/office/drawing/2014/main" id="{AA0628DC-7173-4799-A964-5E85EE084063}"/>
+                  </a:ext>
+                </a:extLst>
+              </p:cNvPr>
+              <p:cNvSpPr>
+                <a:spLocks noGrp="1"/>
+              </p:cNvSpPr>
+              <p:nvPr>
+                <p:ph idx="1"/>
+              </p:nvPr>
+            </p:nvSpPr>
+            <p:spPr>
+              <a:xfrm>
+                <a:off x="630936" y="2807208"/>
+                <a:ext cx="3429000" cy="3410712"/>
+              </a:xfrm>
+            </p:spPr>
+            <p:txBody>
+              <a:bodyPr anchor="t">
+                <a:normAutofit/>
+              </a:bodyPr>
+              <a:lstStyle/>
+              <a:p>
+                <a:r>
+                  <a:rPr lang="en-US" sz="2200"/>
+                  <a:t>H0: </a:t>
+                </a:r>
+                <a14:m>
+                  <m:oMath xmlns:m="http://schemas.openxmlformats.org/officeDocument/2006/math">
+                    <m:sSub>
+                      <m:sSubPr>
+                        <m:ctrlPr>
+                          <a:rPr lang="en-US" sz="2200" b="0" i="1">
+                            <a:latin typeface="Cambria Math" panose="02040503050406030204" pitchFamily="18" charset="0"/>
+                          </a:rPr>
+                        </m:ctrlPr>
+                      </m:sSubPr>
+                      <m:e>
+                        <m:r>
+                          <a:rPr lang="en-US" sz="2200" b="0" i="1">
+                            <a:latin typeface="Cambria Math" panose="02040503050406030204" pitchFamily="18" charset="0"/>
+                          </a:rPr>
+                          <m:t>𝜇</m:t>
+                        </m:r>
+                      </m:e>
+                      <m:sub>
+                        <m:r>
+                          <a:rPr lang="en-US" sz="2200" b="0" i="1">
+                            <a:latin typeface="Cambria Math" panose="02040503050406030204" pitchFamily="18" charset="0"/>
+                          </a:rPr>
+                          <m:t>𝑥</m:t>
+                        </m:r>
+                      </m:sub>
+                    </m:sSub>
+                    <m:r>
+                      <a:rPr lang="en-US" sz="2200" b="0" i="1">
+                        <a:latin typeface="Cambria Math" panose="02040503050406030204" pitchFamily="18" charset="0"/>
+                      </a:rPr>
+                      <m:t>=</m:t>
+                    </m:r>
+                    <m:sSub>
+                      <m:sSubPr>
+                        <m:ctrlPr>
+                          <a:rPr lang="en-US" sz="2200" b="0" i="1">
+                            <a:latin typeface="Cambria Math" panose="02040503050406030204" pitchFamily="18" charset="0"/>
+                          </a:rPr>
+                        </m:ctrlPr>
+                      </m:sSubPr>
+                      <m:e>
+                        <m:r>
+                          <a:rPr lang="en-US" sz="2200" b="0" i="1">
+                            <a:latin typeface="Cambria Math" panose="02040503050406030204" pitchFamily="18" charset="0"/>
+                          </a:rPr>
+                          <m:t>𝜇</m:t>
+                        </m:r>
+                      </m:e>
+                      <m:sub>
+                        <m:r>
+                          <a:rPr lang="en-US" sz="2200" b="0" i="1">
+                            <a:latin typeface="Cambria Math" panose="02040503050406030204" pitchFamily="18" charset="0"/>
+                          </a:rPr>
+                          <m:t>𝑦</m:t>
+                        </m:r>
+                      </m:sub>
+                    </m:sSub>
+                  </m:oMath>
+                </a14:m>
+                <a:endParaRPr lang="en-US" sz="2200"/>
+              </a:p>
+              <a:p>
+                <a:r>
+                  <a:rPr lang="en-US" sz="2200"/>
+                  <a:t>H1: </a:t>
+                </a:r>
+                <a14:m>
+                  <m:oMath xmlns:m="http://schemas.openxmlformats.org/officeDocument/2006/math">
+                    <m:sSub>
+                      <m:sSubPr>
+                        <m:ctrlPr>
+                          <a:rPr lang="en-US" sz="2200" b="0" i="1">
+                            <a:latin typeface="Cambria Math" panose="02040503050406030204" pitchFamily="18" charset="0"/>
+                          </a:rPr>
+                        </m:ctrlPr>
+                      </m:sSubPr>
+                      <m:e>
+                        <m:r>
+                          <a:rPr lang="en-US" sz="2200" b="0" i="1">
+                            <a:latin typeface="Cambria Math" panose="02040503050406030204" pitchFamily="18" charset="0"/>
+                          </a:rPr>
+                          <m:t>𝜇</m:t>
+                        </m:r>
+                      </m:e>
+                      <m:sub>
+                        <m:r>
+                          <a:rPr lang="en-US" sz="2200" b="0" i="1">
+                            <a:latin typeface="Cambria Math" panose="02040503050406030204" pitchFamily="18" charset="0"/>
+                          </a:rPr>
+                          <m:t>𝑥</m:t>
+                        </m:r>
+                      </m:sub>
+                    </m:sSub>
+                    <m:r>
+                      <a:rPr lang="en-US" sz="2200" b="0" i="1">
+                        <a:latin typeface="Cambria Math" panose="02040503050406030204" pitchFamily="18" charset="0"/>
+                      </a:rPr>
+                      <m:t>≠</m:t>
+                    </m:r>
+                    <m:sSub>
+                      <m:sSubPr>
+                        <m:ctrlPr>
+                          <a:rPr lang="en-US" sz="2200" b="0" i="1">
+                            <a:latin typeface="Cambria Math" panose="02040503050406030204" pitchFamily="18" charset="0"/>
+                          </a:rPr>
+                        </m:ctrlPr>
+                      </m:sSubPr>
+                      <m:e>
+                        <m:r>
+                          <a:rPr lang="en-US" sz="2200" b="0" i="1">
+                            <a:latin typeface="Cambria Math" panose="02040503050406030204" pitchFamily="18" charset="0"/>
+                          </a:rPr>
+                          <m:t>𝜇</m:t>
+                        </m:r>
+                      </m:e>
+                      <m:sub>
+                        <m:r>
+                          <a:rPr lang="en-US" sz="2200" b="0" i="1">
+                            <a:latin typeface="Cambria Math" panose="02040503050406030204" pitchFamily="18" charset="0"/>
+                          </a:rPr>
+                          <m:t>𝑦</m:t>
+                        </m:r>
+                      </m:sub>
+                    </m:sSub>
+                  </m:oMath>
+                </a14:m>
+                <a:endParaRPr lang="en-US" sz="2200"/>
+              </a:p>
+              <a:p>
+                <a:r>
+                  <a:rPr lang="en-US" sz="2200"/>
+                  <a:t>Based on whether you reject or accept the assumption that the two samples’ variances are equal, then you can select the appropriate test</a:t>
+                </a:r>
+              </a:p>
+            </p:txBody>
+          </p:sp>
+        </mc:Choice>
+        <mc:Fallback xmlns="">
+          <p:sp>
+            <p:nvSpPr>
+              <p:cNvPr id="3" name="Content Placeholder 2">
+                <a:extLst>
+                  <a:ext uri="{FF2B5EF4-FFF2-40B4-BE49-F238E27FC236}">
+                    <a16:creationId xmlns:a16="http://schemas.microsoft.com/office/drawing/2014/main" id="{AA0628DC-7173-4799-A964-5E85EE084063}"/>
+                  </a:ext>
+                </a:extLst>
+              </p:cNvPr>
+              <p:cNvSpPr>
+                <a:spLocks noGrp="1" noRot="1" noChangeAspect="1" noMove="1" noResize="1" noEditPoints="1" noAdjustHandles="1" noChangeArrowheads="1" noChangeShapeType="1" noTextEdit="1"/>
+              </p:cNvSpPr>
+              <p:nvPr>
+                <p:ph idx="1"/>
+              </p:nvPr>
+            </p:nvSpPr>
+            <p:spPr>
+              <a:xfrm>
+                <a:off x="630936" y="2807208"/>
+                <a:ext cx="3429000" cy="3410712"/>
+              </a:xfrm>
+              <a:blipFill>
+                <a:blip r:embed="rId3"/>
+                <a:stretch>
+                  <a:fillRect l="-2135" t="-1968" r="-2313"/>
+                </a:stretch>
+              </a:blipFill>
+            </p:spPr>
+            <p:txBody>
+              <a:bodyPr/>
+              <a:lstStyle/>
+              <a:p>
+                <a:r>
+                  <a:rPr lang="en-US">
+                    <a:noFill/>
+                  </a:rPr>
+                  <a:t> </a:t>
+                </a:r>
+              </a:p>
+            </p:txBody>
+          </p:sp>
+        </mc:Fallback>
+      </mc:AlternateContent>
+      <p:pic>
+        <p:nvPicPr>
+          <p:cNvPr id="5" name="Picture 4" descr="Chart, line chart&#10;&#10;Description automatically generated">
+            <a:extLst>
+              <a:ext uri="{FF2B5EF4-FFF2-40B4-BE49-F238E27FC236}">
+                <a16:creationId xmlns:a16="http://schemas.microsoft.com/office/drawing/2014/main" id="{9CC19467-C257-436B-BF79-2F20ED42D8C1}"/>
+              </a:ext>
+            </a:extLst>
+          </p:cNvPr>
+          <p:cNvPicPr>
+            <a:picLocks noChangeAspect="1"/>
+          </p:cNvPicPr>
+          <p:nvPr/>
+        </p:nvPicPr>
+        <p:blipFill>
+          <a:blip r:embed="rId4">
+            <a:extLst>
+              <a:ext uri="{28A0092B-C50C-407E-A947-70E740481C1C}">
+                <a14:useLocalDpi xmlns:a14="http://schemas.microsoft.com/office/drawing/2010/main" val="0"/>
+              </a:ext>
+              <a:ext uri="{837473B0-CC2E-450A-ABE3-18F120FF3D39}">
+                <a1611:picAttrSrcUrl xmlns:a1611="http://schemas.microsoft.com/office/drawing/2016/11/main" r:id="rId5"/>
+              </a:ext>
+            </a:extLst>
+          </a:blip>
+          <a:stretch>
+            <a:fillRect/>
+          </a:stretch>
+        </p:blipFill>
+        <p:spPr>
+          <a:xfrm>
+            <a:off x="4654296" y="1754848"/>
+            <a:ext cx="6903720" cy="3348304"/>
+          </a:xfrm>
+          <a:prstGeom prst="rect">
+            <a:avLst/>
+          </a:prstGeom>
+        </p:spPr>
+      </p:pic>
+    </p:spTree>
+    <p:extLst>
+      <p:ext uri="{BB962C8B-B14F-4D97-AF65-F5344CB8AC3E}">
+        <p14:creationId xmlns:p14="http://schemas.microsoft.com/office/powerpoint/2010/main" val="1874262198"/>
+      </p:ext>
+    </p:extLst>
+  </p:cSld>
+  <p:clrMapOvr>
+    <a:masterClrMapping/>
+  </p:clrMapOvr>
+</p:sld>
+</file>
+
+<file path=ppt/slides/slide15.xml><?xml version="1.0" encoding="utf-8"?>
+<p:sld xmlns:a="http://schemas.openxmlformats.org/drawingml/2006/main" xmlns:r="http://schemas.openxmlformats.org/officeDocument/2006/relationships" xmlns:p="http://schemas.openxmlformats.org/presentationml/2006/main">
+  <p:cSld>
+    <p:bg>
+      <p:bgPr>
+        <a:solidFill>
+          <a:schemeClr val="bg1"/>
+        </a:solidFill>
+        <a:effectLst/>
+      </p:bgPr>
+    </p:bg>
+    <p:spTree>
+      <p:nvGrpSpPr>
+        <p:cNvPr id="1" name=""/>
+        <p:cNvGrpSpPr/>
+        <p:nvPr/>
+      </p:nvGrpSpPr>
+      <p:grpSpPr>
+        <a:xfrm>
+          <a:off x="0" y="0"/>
+          <a:ext cx="0" cy="0"/>
+          <a:chOff x="0" y="0"/>
+          <a:chExt cx="0" cy="0"/>
+        </a:xfrm>
+      </p:grpSpPr>
+      <p:sp useBgFill="1">
+        <p:nvSpPr>
+          <p:cNvPr id="11" name="Rectangle 10">
+            <a:extLst>
+              <a:ext uri="{FF2B5EF4-FFF2-40B4-BE49-F238E27FC236}">
                 <a16:creationId xmlns:a16="http://schemas.microsoft.com/office/drawing/2014/main" id="{35DB3719-6FDC-4E5D-891D-FF40B7300F64}"/>
               </a:ext>
               <a:ext uri="{C183D7F6-B498-43B3-948B-1728B52AA6E4}">
@@ -13683,7 +20223,7 @@
                 <a:tabLst/>
                 <a:defRPr/>
               </a:pPr>
-              <a:t>10</a:t>
+              <a:t>15</a:t>
             </a:fld>
             <a:endParaRPr kumimoji="0" lang="en-US" sz="1200" b="0" i="0" u="none" strike="noStrike" kern="1200" cap="none" spc="0" normalizeH="0" baseline="0" noProof="0">
               <a:ln>
@@ -17763,7 +24303,7 @@
 </p:sld>
 </file>
 
-<file path=ppt/slides/slide11.xml><?xml version="1.0" encoding="utf-8"?>
+<file path=ppt/slides/slide16.xml><?xml version="1.0" encoding="utf-8"?>
 <p:sld xmlns:a="http://schemas.openxmlformats.org/drawingml/2006/main" xmlns:r="http://schemas.openxmlformats.org/officeDocument/2006/relationships" xmlns:p="http://schemas.openxmlformats.org/presentationml/2006/main">
   <p:cSld>
     <p:bg>
@@ -18408,7 +24948,7 @@
                 <a:tabLst/>
                 <a:defRPr/>
               </a:pPr>
-              <a:t>11</a:t>
+              <a:t>16</a:t>
             </a:fld>
             <a:endParaRPr kumimoji="0" lang="en-US" sz="1200" b="0" i="0" u="none" strike="noStrike" kern="1200" cap="none" spc="0" normalizeH="0" baseline="0" noProof="0">
               <a:ln>
@@ -21751,8 +28291,37 @@
           <a:bodyPr rtlCol="0" anchor="ctr"/>
           <a:lstStyle/>
           <a:p>
-            <a:pPr algn="ctr"/>
-            <a:endParaRPr lang="en-US"/>
+            <a:pPr marL="0" marR="0" lvl="0" indent="0" algn="ctr" defTabSz="914400" rtl="0" eaLnBrk="1" fontAlgn="auto" latinLnBrk="0" hangingPunct="1">
+              <a:lnSpc>
+                <a:spcPct val="100000"/>
+              </a:lnSpc>
+              <a:spcBef>
+                <a:spcPts val="0"/>
+              </a:spcBef>
+              <a:spcAft>
+                <a:spcPts val="0"/>
+              </a:spcAft>
+              <a:buClrTx/>
+              <a:buSzTx/>
+              <a:buFontTx/>
+              <a:buNone/>
+              <a:tabLst/>
+              <a:defRPr/>
+            </a:pPr>
+            <a:endParaRPr kumimoji="0" lang="en-US" sz="1800" b="0" i="0" u="none" strike="noStrike" kern="1200" cap="none" spc="0" normalizeH="0" baseline="0" noProof="0">
+              <a:ln>
+                <a:noFill/>
+              </a:ln>
+              <a:solidFill>
+                <a:prstClr val="white"/>
+              </a:solidFill>
+              <a:effectLst/>
+              <a:uLnTx/>
+              <a:uFillTx/>
+              <a:latin typeface="Calibri" panose="020F0502020204030204"/>
+              <a:ea typeface="+mn-ea"/>
+              <a:cs typeface="+mn-cs"/>
+            </a:endParaRPr>
           </a:p>
         </p:txBody>
       </p:sp>
@@ -21761,7 +28330,7 @@
           <p:cNvPr id="2" name="Title 1">
             <a:extLst>
               <a:ext uri="{FF2B5EF4-FFF2-40B4-BE49-F238E27FC236}">
-                <a16:creationId xmlns:a16="http://schemas.microsoft.com/office/drawing/2014/main" id="{7817186F-F60A-433D-B008-ADB7F7BAEC14}"/>
+                <a16:creationId xmlns:a16="http://schemas.microsoft.com/office/drawing/2014/main" id="{BE848CC8-21EA-4157-8192-088FBFBE8262}"/>
               </a:ext>
             </a:extLst>
           </p:cNvPr>
@@ -21786,7 +28355,7 @@
           <a:p>
             <a:r>
               <a:rPr lang="en-US" sz="5400"/>
-              <a:t>Independent t-test</a:t>
+              <a:t>Hypothesis Testing </a:t>
             </a:r>
           </a:p>
         </p:txBody>
@@ -22424,17 +28993,46 @@
           <a:bodyPr rtlCol="0" anchor="ctr"/>
           <a:lstStyle/>
           <a:p>
-            <a:pPr algn="ctr"/>
-            <a:endParaRPr lang="en-US"/>
+            <a:pPr marL="0" marR="0" lvl="0" indent="0" algn="ctr" defTabSz="914400" rtl="0" eaLnBrk="1" fontAlgn="auto" latinLnBrk="0" hangingPunct="1">
+              <a:lnSpc>
+                <a:spcPct val="100000"/>
+              </a:lnSpc>
+              <a:spcBef>
+                <a:spcPts val="0"/>
+              </a:spcBef>
+              <a:spcAft>
+                <a:spcPts val="0"/>
+              </a:spcAft>
+              <a:buClrTx/>
+              <a:buSzTx/>
+              <a:buFontTx/>
+              <a:buNone/>
+              <a:tabLst/>
+              <a:defRPr/>
+            </a:pPr>
+            <a:endParaRPr kumimoji="0" lang="en-US" sz="1800" b="0" i="0" u="none" strike="noStrike" kern="1200" cap="none" spc="0" normalizeH="0" baseline="0" noProof="0">
+              <a:ln>
+                <a:noFill/>
+              </a:ln>
+              <a:solidFill>
+                <a:prstClr val="white"/>
+              </a:solidFill>
+              <a:effectLst/>
+              <a:uLnTx/>
+              <a:uFillTx/>
+              <a:latin typeface="Calibri" panose="020F0502020204030204"/>
+              <a:ea typeface="+mn-ea"/>
+              <a:cs typeface="+mn-cs"/>
+            </a:endParaRPr>
           </a:p>
         </p:txBody>
       </p:sp>
       <p:sp>
         <p:nvSpPr>
-          <p:cNvPr id="3" name="Content Placeholder 2">
+          <p:cNvPr id="19" name="Content Placeholder 2">
             <a:extLst>
               <a:ext uri="{FF2B5EF4-FFF2-40B4-BE49-F238E27FC236}">
-                <a16:creationId xmlns:a16="http://schemas.microsoft.com/office/drawing/2014/main" id="{3E24E750-05BF-4FB2-AC79-F21CC9647522}"/>
+                <a16:creationId xmlns:a16="http://schemas.microsoft.com/office/drawing/2014/main" id="{A19A8F3A-796C-4015-A8CF-2C8E518F8507}"/>
               </a:ext>
             </a:extLst>
           </p:cNvPr>
@@ -22453,99 +29051,49 @@
         </p:spPr>
         <p:txBody>
           <a:bodyPr>
-            <a:normAutofit fontScale="92500" lnSpcReduction="10000"/>
+            <a:normAutofit/>
           </a:bodyPr>
           <a:lstStyle/>
           <a:p>
             <a:r>
-              <a:rPr lang="en-US" sz="2200" dirty="0"/>
-              <a:t>Hypothesis tests use samples to infer properties of entire population </a:t>
+              <a:rPr lang="en-US" altLang="en-US" sz="2200" b="1" i="1"/>
+              <a:t>THE ISSUE:  </a:t>
             </a:r>
-          </a:p>
-          <a:p>
             <a:r>
-              <a:rPr lang="en-US" sz="2200" dirty="0"/>
-              <a:t>T-test compare means </a:t>
+              <a:rPr lang="en-US" altLang="en-US" sz="2200"/>
+              <a:t>How can we tell if a particular result in the sample represents the true situation in the population… or simply occurred by chance?</a:t>
             </a:r>
+            <a:endParaRPr lang="en-US" sz="2200"/>
           </a:p>
           <a:p>
             <a:r>
-              <a:rPr lang="en-US" sz="2200" dirty="0"/>
-              <a:t>2 sample t-tests compare the means of 2 groups </a:t>
+              <a:rPr lang="en-US" sz="2200"/>
+              <a:t>HYPOTHESIS: Unproven propositions about some phenomenon of interest.</a:t>
             </a:r>
           </a:p>
           <a:p>
             <a:pPr lvl="1"/>
             <a:r>
-              <a:rPr lang="en-US" sz="2200" dirty="0"/>
-              <a:t>Are two population means different?</a:t>
-            </a:r>
-          </a:p>
-          <a:p>
-            <a:r>
-              <a:rPr lang="en-US" sz="2200" dirty="0"/>
-              <a:t>Null and Alternative Hypotheses</a:t>
+              <a:rPr lang="en-US" sz="2200"/>
+              <a:t>NULL HYPOTHESIS: The hypothesis that a proposed result is not true for the population.</a:t>
             </a:r>
           </a:p>
           <a:p>
             <a:pPr lvl="1"/>
             <a:r>
-              <a:rPr lang="en-US" sz="2200" dirty="0"/>
-              <a:t>Null: The two-group means are equal </a:t>
+              <a:rPr lang="en-US" sz="2200"/>
+              <a:t>ALTERNATIVE HYPOTHESIS: The hypothesis that a proposed result is true for the population.</a:t>
             </a:r>
           </a:p>
           <a:p>
-            <a:pPr lvl="1"/>
-            <a:r>
-              <a:rPr lang="en-US" sz="2200" dirty="0"/>
-              <a:t>Alternative: The two-group means are NOT equal </a:t>
-            </a:r>
-          </a:p>
-          <a:p>
-            <a:r>
-              <a:rPr lang="en-US" sz="2200" dirty="0"/>
-              <a:t>Statistically results: Reject the null hypothesis when the p-value &lt; significance level </a:t>
-            </a:r>
-          </a:p>
-          <a:p>
-            <a:r>
-              <a:rPr lang="en-US" sz="2200" dirty="0"/>
-              <a:t>The formula for the independent t-test depends on the two samples’ variances </a:t>
-            </a:r>
-          </a:p>
-          <a:p>
-            <a:pPr lvl="1"/>
-            <a:r>
-              <a:rPr lang="en-US" sz="1800" dirty="0"/>
-              <a:t>Equal variance</a:t>
-            </a:r>
-          </a:p>
-          <a:p>
-            <a:pPr lvl="1"/>
-            <a:r>
-              <a:rPr lang="en-US" sz="1800" dirty="0"/>
-              <a:t>Unequal variance</a:t>
-            </a:r>
-          </a:p>
-          <a:p>
-            <a:r>
-              <a:rPr lang="en-US" sz="2200" dirty="0"/>
-              <a:t>For formal formulas: visit </a:t>
-            </a:r>
-            <a:r>
-              <a:rPr lang="en-US" sz="2200" dirty="0">
-                <a:hlinkClick r:id="rId3"/>
-              </a:rPr>
-              <a:t>here</a:t>
-            </a:r>
-            <a:endParaRPr lang="en-US" sz="2200" dirty="0"/>
+            <a:endParaRPr lang="en-US" sz="2200"/>
           </a:p>
         </p:txBody>
       </p:sp>
     </p:spTree>
     <p:extLst>
       <p:ext uri="{BB962C8B-B14F-4D97-AF65-F5344CB8AC3E}">
-        <p14:creationId xmlns:p14="http://schemas.microsoft.com/office/powerpoint/2010/main" val="3291872564"/>
+        <p14:creationId xmlns:p14="http://schemas.microsoft.com/office/powerpoint/2010/main" val="4059868623"/>
       </p:ext>
     </p:extLst>
   </p:cSld>
@@ -22582,10 +29130,10 @@
       </p:grpSpPr>
       <p:sp useBgFill="1">
         <p:nvSpPr>
-          <p:cNvPr id="71" name="Rectangle 70">
+          <p:cNvPr id="9" name="Rectangle 8">
             <a:extLst>
               <a:ext uri="{FF2B5EF4-FFF2-40B4-BE49-F238E27FC236}">
-                <a16:creationId xmlns:a16="http://schemas.microsoft.com/office/drawing/2014/main" id="{2B97F24A-32CE-4C1C-A50D-3016B394DCFB}"/>
+                <a16:creationId xmlns:a16="http://schemas.microsoft.com/office/drawing/2014/main" id="{BACC6370-2D7E-4714-9D71-7542949D7D5D}"/>
               </a:ext>
               <a:ext uri="{C183D7F6-B498-43B3-948B-1728B52AA6E4}">
                 <adec:decorative xmlns:adec="http://schemas.microsoft.com/office/drawing/2017/decorative" val="1"/>
@@ -22607,6 +29155,830 @@
           <a:xfrm>
             <a:off x="0" y="0"/>
             <a:ext cx="12192000" cy="6858000"/>
+          </a:xfrm>
+          <a:prstGeom prst="rect">
+            <a:avLst/>
+          </a:prstGeom>
+          <a:ln w="12700" cap="flat" cmpd="sng" algn="ctr">
+            <a:noFill/>
+            <a:prstDash val="solid"/>
+            <a:miter lim="800000"/>
+          </a:ln>
+          <a:effectLst/>
+          <a:extLst>
+            <a:ext uri="{91240B29-F687-4F45-9708-019B960494DF}">
+              <a14:hiddenLine xmlns:a14="http://schemas.microsoft.com/office/drawing/2010/main" w="12700" cap="flat" cmpd="sng" algn="ctr">
+                <a:solidFill>
+                  <a:schemeClr val="accent1">
+                    <a:shade val="50000"/>
+                  </a:schemeClr>
+                </a:solidFill>
+                <a:prstDash val="solid"/>
+                <a:miter lim="800000"/>
+              </a14:hiddenLine>
+            </a:ext>
+          </a:extLst>
+        </p:spPr>
+        <p:style>
+          <a:lnRef idx="2">
+            <a:schemeClr val="accent1">
+              <a:shade val="50000"/>
+            </a:schemeClr>
+          </a:lnRef>
+          <a:fillRef idx="1">
+            <a:schemeClr val="accent1"/>
+          </a:fillRef>
+          <a:effectRef idx="0">
+            <a:schemeClr val="accent1"/>
+          </a:effectRef>
+          <a:fontRef idx="minor">
+            <a:schemeClr val="lt1"/>
+          </a:fontRef>
+        </p:style>
+        <p:txBody>
+          <a:bodyPr rtlCol="0" anchor="ctr"/>
+          <a:lstStyle/>
+          <a:p>
+            <a:pPr marL="0" marR="0" lvl="0" indent="0" algn="ctr" defTabSz="914400" rtl="0" eaLnBrk="1" fontAlgn="auto" latinLnBrk="0" hangingPunct="1">
+              <a:lnSpc>
+                <a:spcPct val="100000"/>
+              </a:lnSpc>
+              <a:spcBef>
+                <a:spcPts val="0"/>
+              </a:spcBef>
+              <a:spcAft>
+                <a:spcPts val="0"/>
+              </a:spcAft>
+              <a:buClrTx/>
+              <a:buSzTx/>
+              <a:buFontTx/>
+              <a:buNone/>
+              <a:tabLst/>
+              <a:defRPr/>
+            </a:pPr>
+            <a:endParaRPr kumimoji="0" lang="en-US" sz="1800" b="0" i="0" u="none" strike="noStrike" kern="1200" cap="none" spc="0" normalizeH="0" baseline="0" noProof="0">
+              <a:ln>
+                <a:noFill/>
+              </a:ln>
+              <a:solidFill>
+                <a:prstClr val="white"/>
+              </a:solidFill>
+              <a:effectLst/>
+              <a:uLnTx/>
+              <a:uFillTx/>
+              <a:latin typeface="Calibri" panose="020F0502020204030204"/>
+              <a:ea typeface="+mn-ea"/>
+              <a:cs typeface="+mn-cs"/>
+            </a:endParaRPr>
+          </a:p>
+        </p:txBody>
+      </p:sp>
+      <p:sp>
+        <p:nvSpPr>
+          <p:cNvPr id="11" name="Rectangle 10">
+            <a:extLst>
+              <a:ext uri="{FF2B5EF4-FFF2-40B4-BE49-F238E27FC236}">
+                <a16:creationId xmlns:a16="http://schemas.microsoft.com/office/drawing/2014/main" id="{256B2C21-A230-48C0-8DF1-C46611373C44}"/>
+              </a:ext>
+              <a:ext uri="{C183D7F6-B498-43B3-948B-1728B52AA6E4}">
+                <adec:decorative xmlns:adec="http://schemas.microsoft.com/office/drawing/2017/decorative" val="1"/>
+              </a:ext>
+            </a:extLst>
+          </p:cNvPr>
+          <p:cNvSpPr>
+            <a:spLocks noGrp="1" noRot="1" noChangeAspect="1" noMove="1" noResize="1" noEditPoints="1" noAdjustHandles="1" noChangeArrowheads="1" noChangeShapeType="1" noTextEdit="1"/>
+          </p:cNvSpPr>
+          <p:nvPr>
+            <p:extLst>
+              <p:ext uri="{386F3935-93C4-4BCD-93E2-E3B085C9AB24}">
+                <p16:designElem xmlns:p16="http://schemas.microsoft.com/office/powerpoint/2015/main" val="1"/>
+              </p:ext>
+            </p:extLst>
+          </p:nvPr>
+        </p:nvSpPr>
+        <p:spPr>
+          <a:xfrm rot="5400000" flipH="1">
+            <a:off x="-1410084" y="1410082"/>
+            <a:ext cx="6858000" cy="4037836"/>
+          </a:xfrm>
+          <a:prstGeom prst="rect">
+            <a:avLst/>
+          </a:prstGeom>
+          <a:gradFill>
+            <a:gsLst>
+              <a:gs pos="8000">
+                <a:srgbClr val="000000"/>
+              </a:gs>
+              <a:gs pos="100000">
+                <a:schemeClr val="accent1">
+                  <a:lumMod val="75000"/>
+                </a:schemeClr>
+              </a:gs>
+            </a:gsLst>
+            <a:lin ang="3000000" scaled="0"/>
+          </a:gradFill>
+          <a:ln>
+            <a:noFill/>
+          </a:ln>
+        </p:spPr>
+        <p:style>
+          <a:lnRef idx="2">
+            <a:schemeClr val="accent1">
+              <a:shade val="50000"/>
+            </a:schemeClr>
+          </a:lnRef>
+          <a:fillRef idx="1">
+            <a:schemeClr val="accent1"/>
+          </a:fillRef>
+          <a:effectRef idx="0">
+            <a:schemeClr val="accent1"/>
+          </a:effectRef>
+          <a:fontRef idx="minor">
+            <a:schemeClr val="lt1"/>
+          </a:fontRef>
+        </p:style>
+        <p:txBody>
+          <a:bodyPr rtlCol="0" anchor="ctr"/>
+          <a:lstStyle/>
+          <a:p>
+            <a:pPr marL="0" marR="0" lvl="0" indent="0" algn="ctr" defTabSz="914400" rtl="0" eaLnBrk="1" fontAlgn="auto" latinLnBrk="0" hangingPunct="1">
+              <a:lnSpc>
+                <a:spcPct val="100000"/>
+              </a:lnSpc>
+              <a:spcBef>
+                <a:spcPts val="0"/>
+              </a:spcBef>
+              <a:spcAft>
+                <a:spcPts val="0"/>
+              </a:spcAft>
+              <a:buClrTx/>
+              <a:buSzTx/>
+              <a:buFontTx/>
+              <a:buNone/>
+              <a:tabLst/>
+              <a:defRPr/>
+            </a:pPr>
+            <a:endParaRPr kumimoji="0" lang="en-US" sz="1800" b="0" i="0" u="none" strike="noStrike" kern="1200" cap="none" spc="0" normalizeH="0" baseline="0" noProof="0">
+              <a:ln>
+                <a:noFill/>
+              </a:ln>
+              <a:solidFill>
+                <a:prstClr val="white"/>
+              </a:solidFill>
+              <a:effectLst/>
+              <a:uLnTx/>
+              <a:uFillTx/>
+              <a:latin typeface="Calibri" panose="020F0502020204030204"/>
+              <a:ea typeface="+mn-ea"/>
+              <a:cs typeface="+mn-cs"/>
+            </a:endParaRPr>
+          </a:p>
+        </p:txBody>
+      </p:sp>
+      <p:sp>
+        <p:nvSpPr>
+          <p:cNvPr id="13" name="Rectangle 12">
+            <a:extLst>
+              <a:ext uri="{FF2B5EF4-FFF2-40B4-BE49-F238E27FC236}">
+                <a16:creationId xmlns:a16="http://schemas.microsoft.com/office/drawing/2014/main" id="{3847E18C-932D-4C95-AABA-FEC7C9499AD7}"/>
+              </a:ext>
+              <a:ext uri="{C183D7F6-B498-43B3-948B-1728B52AA6E4}">
+                <adec:decorative xmlns:adec="http://schemas.microsoft.com/office/drawing/2017/decorative" val="1"/>
+              </a:ext>
+            </a:extLst>
+          </p:cNvPr>
+          <p:cNvSpPr>
+            <a:spLocks noGrp="1" noRot="1" noChangeAspect="1" noMove="1" noResize="1" noEditPoints="1" noAdjustHandles="1" noChangeArrowheads="1" noChangeShapeType="1" noTextEdit="1"/>
+          </p:cNvSpPr>
+          <p:nvPr>
+            <p:extLst>
+              <p:ext uri="{386F3935-93C4-4BCD-93E2-E3B085C9AB24}">
+                <p16:designElem xmlns:p16="http://schemas.microsoft.com/office/powerpoint/2015/main" val="1"/>
+              </p:ext>
+            </p:extLst>
+          </p:nvPr>
+        </p:nvSpPr>
+        <p:spPr>
+          <a:xfrm rot="5400000" flipH="1">
+            <a:off x="-1410085" y="1420219"/>
+            <a:ext cx="6857999" cy="4037839"/>
+          </a:xfrm>
+          <a:prstGeom prst="rect">
+            <a:avLst/>
+          </a:prstGeom>
+          <a:gradFill>
+            <a:gsLst>
+              <a:gs pos="0">
+                <a:srgbClr val="000000">
+                  <a:alpha val="0"/>
+                </a:srgbClr>
+              </a:gs>
+              <a:gs pos="99000">
+                <a:schemeClr val="accent1">
+                  <a:alpha val="46000"/>
+                </a:schemeClr>
+              </a:gs>
+            </a:gsLst>
+            <a:lin ang="1800000" scaled="0"/>
+          </a:gradFill>
+          <a:ln>
+            <a:noFill/>
+          </a:ln>
+        </p:spPr>
+        <p:style>
+          <a:lnRef idx="2">
+            <a:schemeClr val="accent1">
+              <a:shade val="50000"/>
+            </a:schemeClr>
+          </a:lnRef>
+          <a:fillRef idx="1">
+            <a:schemeClr val="accent1"/>
+          </a:fillRef>
+          <a:effectRef idx="0">
+            <a:schemeClr val="accent1"/>
+          </a:effectRef>
+          <a:fontRef idx="minor">
+            <a:schemeClr val="lt1"/>
+          </a:fontRef>
+        </p:style>
+        <p:txBody>
+          <a:bodyPr rtlCol="0" anchor="ctr"/>
+          <a:lstStyle/>
+          <a:p>
+            <a:pPr marL="0" marR="0" lvl="0" indent="0" algn="ctr" defTabSz="914400" rtl="0" eaLnBrk="1" fontAlgn="auto" latinLnBrk="0" hangingPunct="1">
+              <a:lnSpc>
+                <a:spcPct val="100000"/>
+              </a:lnSpc>
+              <a:spcBef>
+                <a:spcPts val="0"/>
+              </a:spcBef>
+              <a:spcAft>
+                <a:spcPts val="0"/>
+              </a:spcAft>
+              <a:buClrTx/>
+              <a:buSzTx/>
+              <a:buFontTx/>
+              <a:buNone/>
+              <a:tabLst/>
+              <a:defRPr/>
+            </a:pPr>
+            <a:endParaRPr kumimoji="0" lang="en-US" sz="1800" b="0" i="0" u="none" strike="noStrike" kern="1200" cap="none" spc="0" normalizeH="0" baseline="0" noProof="0">
+              <a:ln>
+                <a:noFill/>
+              </a:ln>
+              <a:solidFill>
+                <a:prstClr val="white"/>
+              </a:solidFill>
+              <a:effectLst/>
+              <a:uLnTx/>
+              <a:uFillTx/>
+              <a:latin typeface="Calibri" panose="020F0502020204030204"/>
+              <a:ea typeface="+mn-ea"/>
+              <a:cs typeface="+mn-cs"/>
+            </a:endParaRPr>
+          </a:p>
+        </p:txBody>
+      </p:sp>
+      <p:sp>
+        <p:nvSpPr>
+          <p:cNvPr id="15" name="Rectangle 14">
+            <a:extLst>
+              <a:ext uri="{FF2B5EF4-FFF2-40B4-BE49-F238E27FC236}">
+                <a16:creationId xmlns:a16="http://schemas.microsoft.com/office/drawing/2014/main" id="{3150CB11-0C61-439E-910F-5787759E72A0}"/>
+              </a:ext>
+              <a:ext uri="{C183D7F6-B498-43B3-948B-1728B52AA6E4}">
+                <adec:decorative xmlns:adec="http://schemas.microsoft.com/office/drawing/2017/decorative" val="1"/>
+              </a:ext>
+            </a:extLst>
+          </p:cNvPr>
+          <p:cNvSpPr>
+            <a:spLocks noGrp="1" noRot="1" noChangeAspect="1" noMove="1" noResize="1" noEditPoints="1" noAdjustHandles="1" noChangeArrowheads="1" noChangeShapeType="1" noTextEdit="1"/>
+          </p:cNvSpPr>
+          <p:nvPr>
+            <p:extLst>
+              <p:ext uri="{386F3935-93C4-4BCD-93E2-E3B085C9AB24}">
+                <p16:designElem xmlns:p16="http://schemas.microsoft.com/office/powerpoint/2015/main" val="1"/>
+              </p:ext>
+            </p:extLst>
+          </p:nvPr>
+        </p:nvSpPr>
+        <p:spPr>
+          <a:xfrm rot="5400000" flipH="1">
+            <a:off x="767923" y="3588085"/>
+            <a:ext cx="2501979" cy="4037841"/>
+          </a:xfrm>
+          <a:prstGeom prst="rect">
+            <a:avLst/>
+          </a:prstGeom>
+          <a:gradFill>
+            <a:gsLst>
+              <a:gs pos="2000">
+                <a:schemeClr val="accent1">
+                  <a:alpha val="29000"/>
+                </a:schemeClr>
+              </a:gs>
+              <a:gs pos="100000">
+                <a:srgbClr val="000000">
+                  <a:alpha val="30000"/>
+                </a:srgbClr>
+              </a:gs>
+            </a:gsLst>
+            <a:lin ang="7800000" scaled="0"/>
+          </a:gradFill>
+          <a:ln>
+            <a:noFill/>
+          </a:ln>
+        </p:spPr>
+        <p:style>
+          <a:lnRef idx="2">
+            <a:schemeClr val="accent1">
+              <a:shade val="50000"/>
+            </a:schemeClr>
+          </a:lnRef>
+          <a:fillRef idx="1">
+            <a:schemeClr val="accent1"/>
+          </a:fillRef>
+          <a:effectRef idx="0">
+            <a:schemeClr val="accent1"/>
+          </a:effectRef>
+          <a:fontRef idx="minor">
+            <a:schemeClr val="lt1"/>
+          </a:fontRef>
+        </p:style>
+        <p:txBody>
+          <a:bodyPr rtlCol="0" anchor="ctr"/>
+          <a:lstStyle/>
+          <a:p>
+            <a:pPr marL="0" marR="0" lvl="0" indent="0" algn="ctr" defTabSz="914400" rtl="0" eaLnBrk="1" fontAlgn="auto" latinLnBrk="0" hangingPunct="1">
+              <a:lnSpc>
+                <a:spcPct val="100000"/>
+              </a:lnSpc>
+              <a:spcBef>
+                <a:spcPts val="0"/>
+              </a:spcBef>
+              <a:spcAft>
+                <a:spcPts val="0"/>
+              </a:spcAft>
+              <a:buClrTx/>
+              <a:buSzTx/>
+              <a:buFontTx/>
+              <a:buNone/>
+              <a:tabLst/>
+              <a:defRPr/>
+            </a:pPr>
+            <a:endParaRPr kumimoji="0" lang="en-US" sz="1800" b="0" i="0" u="none" strike="noStrike" kern="1200" cap="none" spc="0" normalizeH="0" baseline="0" noProof="0" dirty="0">
+              <a:ln>
+                <a:noFill/>
+              </a:ln>
+              <a:solidFill>
+                <a:prstClr val="white"/>
+              </a:solidFill>
+              <a:effectLst/>
+              <a:uLnTx/>
+              <a:uFillTx/>
+              <a:latin typeface="Calibri" panose="020F0502020204030204"/>
+              <a:ea typeface="+mn-ea"/>
+              <a:cs typeface="+mn-cs"/>
+            </a:endParaRPr>
+          </a:p>
+        </p:txBody>
+      </p:sp>
+      <p:sp>
+        <p:nvSpPr>
+          <p:cNvPr id="17" name="Freeform: Shape 16">
+            <a:extLst>
+              <a:ext uri="{FF2B5EF4-FFF2-40B4-BE49-F238E27FC236}">
+                <a16:creationId xmlns:a16="http://schemas.microsoft.com/office/drawing/2014/main" id="{43F8A58B-5155-44CE-A5FF-7647B47D0A7A}"/>
+              </a:ext>
+              <a:ext uri="{C183D7F6-B498-43B3-948B-1728B52AA6E4}">
+                <adec:decorative xmlns:adec="http://schemas.microsoft.com/office/drawing/2017/decorative" val="1"/>
+              </a:ext>
+            </a:extLst>
+          </p:cNvPr>
+          <p:cNvSpPr>
+            <a:spLocks noGrp="1" noRot="1" noChangeAspect="1" noMove="1" noResize="1" noEditPoints="1" noAdjustHandles="1" noChangeArrowheads="1" noChangeShapeType="1" noTextEdit="1"/>
+          </p:cNvSpPr>
+          <p:nvPr>
+            <p:extLst>
+              <p:ext uri="{386F3935-93C4-4BCD-93E2-E3B085C9AB24}">
+                <p16:designElem xmlns:p16="http://schemas.microsoft.com/office/powerpoint/2015/main" val="1"/>
+              </p:ext>
+            </p:extLst>
+          </p:nvPr>
+        </p:nvSpPr>
+        <p:spPr>
+          <a:xfrm rot="20635413">
+            <a:off x="-501737" y="969718"/>
+            <a:ext cx="3900357" cy="4178958"/>
+          </a:xfrm>
+          <a:custGeom>
+            <a:avLst/>
+            <a:gdLst>
+              <a:gd name="connsiteX0" fmla="*/ 2432225 w 3900357"/>
+              <a:gd name="connsiteY0" fmla="*/ 93939 h 4178958"/>
+              <a:gd name="connsiteX1" fmla="*/ 3900357 w 3900357"/>
+              <a:gd name="connsiteY1" fmla="*/ 2089479 h 4178958"/>
+              <a:gd name="connsiteX2" fmla="*/ 1810878 w 3900357"/>
+              <a:gd name="connsiteY2" fmla="*/ 4178958 h 4178958"/>
+              <a:gd name="connsiteX3" fmla="*/ 78249 w 3900357"/>
+              <a:gd name="connsiteY3" fmla="*/ 3257727 h 4178958"/>
+              <a:gd name="connsiteX4" fmla="*/ 0 w 3900357"/>
+              <a:gd name="connsiteY4" fmla="*/ 3128923 h 4178958"/>
+              <a:gd name="connsiteX5" fmla="*/ 831324 w 3900357"/>
+              <a:gd name="connsiteY5" fmla="*/ 244281 h 4178958"/>
+              <a:gd name="connsiteX6" fmla="*/ 997559 w 3900357"/>
+              <a:gd name="connsiteY6" fmla="*/ 164202 h 4178958"/>
+              <a:gd name="connsiteX7" fmla="*/ 1810878 w 3900357"/>
+              <a:gd name="connsiteY7" fmla="*/ 0 h 4178958"/>
+              <a:gd name="connsiteX8" fmla="*/ 2432225 w 3900357"/>
+              <a:gd name="connsiteY8" fmla="*/ 93939 h 4178958"/>
+            </a:gdLst>
+            <a:ahLst/>
+            <a:cxnLst>
+              <a:cxn ang="0">
+                <a:pos x="connsiteX0" y="connsiteY0"/>
+              </a:cxn>
+              <a:cxn ang="0">
+                <a:pos x="connsiteX1" y="connsiteY1"/>
+              </a:cxn>
+              <a:cxn ang="0">
+                <a:pos x="connsiteX2" y="connsiteY2"/>
+              </a:cxn>
+              <a:cxn ang="0">
+                <a:pos x="connsiteX3" y="connsiteY3"/>
+              </a:cxn>
+              <a:cxn ang="0">
+                <a:pos x="connsiteX4" y="connsiteY4"/>
+              </a:cxn>
+              <a:cxn ang="0">
+                <a:pos x="connsiteX5" y="connsiteY5"/>
+              </a:cxn>
+              <a:cxn ang="0">
+                <a:pos x="connsiteX6" y="connsiteY6"/>
+              </a:cxn>
+              <a:cxn ang="0">
+                <a:pos x="connsiteX7" y="connsiteY7"/>
+              </a:cxn>
+              <a:cxn ang="0">
+                <a:pos x="connsiteX8" y="connsiteY8"/>
+              </a:cxn>
+            </a:cxnLst>
+            <a:rect l="l" t="t" r="r" b="b"/>
+            <a:pathLst>
+              <a:path w="3900357" h="4178958">
+                <a:moveTo>
+                  <a:pt x="2432225" y="93939"/>
+                </a:moveTo>
+                <a:cubicBezTo>
+                  <a:pt x="3282786" y="358491"/>
+                  <a:pt x="3900357" y="1151865"/>
+                  <a:pt x="3900357" y="2089479"/>
+                </a:cubicBezTo>
+                <a:cubicBezTo>
+                  <a:pt x="3900357" y="3243466"/>
+                  <a:pt x="2964865" y="4178958"/>
+                  <a:pt x="1810878" y="4178958"/>
+                </a:cubicBezTo>
+                <a:cubicBezTo>
+                  <a:pt x="1089636" y="4178958"/>
+                  <a:pt x="453744" y="3813531"/>
+                  <a:pt x="78249" y="3257727"/>
+                </a:cubicBezTo>
+                <a:lnTo>
+                  <a:pt x="0" y="3128923"/>
+                </a:lnTo>
+                <a:lnTo>
+                  <a:pt x="831324" y="244281"/>
+                </a:lnTo>
+                <a:lnTo>
+                  <a:pt x="997559" y="164202"/>
+                </a:lnTo>
+                <a:cubicBezTo>
+                  <a:pt x="1247540" y="58468"/>
+                  <a:pt x="1522381" y="0"/>
+                  <a:pt x="1810878" y="0"/>
+                </a:cubicBezTo>
+                <a:cubicBezTo>
+                  <a:pt x="2027251" y="0"/>
+                  <a:pt x="2235942" y="32888"/>
+                  <a:pt x="2432225" y="93939"/>
+                </a:cubicBezTo>
+                <a:close/>
+              </a:path>
+            </a:pathLst>
+          </a:custGeom>
+          <a:gradFill>
+            <a:gsLst>
+              <a:gs pos="29000">
+                <a:srgbClr val="000000">
+                  <a:alpha val="0"/>
+                </a:srgbClr>
+              </a:gs>
+              <a:gs pos="100000">
+                <a:schemeClr val="accent1">
+                  <a:alpha val="43000"/>
+                </a:schemeClr>
+              </a:gs>
+            </a:gsLst>
+            <a:lin ang="1800000" scaled="0"/>
+          </a:gradFill>
+          <a:ln>
+            <a:noFill/>
+          </a:ln>
+        </p:spPr>
+        <p:style>
+          <a:lnRef idx="2">
+            <a:schemeClr val="accent1">
+              <a:shade val="50000"/>
+            </a:schemeClr>
+          </a:lnRef>
+          <a:fillRef idx="1">
+            <a:schemeClr val="accent1"/>
+          </a:fillRef>
+          <a:effectRef idx="0">
+            <a:schemeClr val="accent1"/>
+          </a:effectRef>
+          <a:fontRef idx="minor">
+            <a:schemeClr val="lt1"/>
+          </a:fontRef>
+        </p:style>
+        <p:txBody>
+          <a:bodyPr wrap="square" rtlCol="0" anchor="ctr">
+            <a:noAutofit/>
+          </a:bodyPr>
+          <a:lstStyle/>
+          <a:p>
+            <a:pPr marL="0" marR="0" lvl="0" indent="0" algn="ctr" defTabSz="914400" rtl="0" eaLnBrk="1" fontAlgn="auto" latinLnBrk="0" hangingPunct="1">
+              <a:lnSpc>
+                <a:spcPct val="100000"/>
+              </a:lnSpc>
+              <a:spcBef>
+                <a:spcPts val="0"/>
+              </a:spcBef>
+              <a:spcAft>
+                <a:spcPts val="0"/>
+              </a:spcAft>
+              <a:buClrTx/>
+              <a:buSzTx/>
+              <a:buFontTx/>
+              <a:buNone/>
+              <a:tabLst/>
+              <a:defRPr/>
+            </a:pPr>
+            <a:endParaRPr kumimoji="0" lang="en-US" sz="1800" b="0" i="0" u="none" strike="noStrike" kern="1200" cap="none" spc="0" normalizeH="0" baseline="0" noProof="0" dirty="0">
+              <a:ln>
+                <a:noFill/>
+              </a:ln>
+              <a:solidFill>
+                <a:prstClr val="white"/>
+              </a:solidFill>
+              <a:effectLst/>
+              <a:uLnTx/>
+              <a:uFillTx/>
+              <a:latin typeface="Calibri" panose="020F0502020204030204"/>
+              <a:ea typeface="+mn-ea"/>
+              <a:cs typeface="+mn-cs"/>
+            </a:endParaRPr>
+          </a:p>
+        </p:txBody>
+      </p:sp>
+      <p:sp>
+        <p:nvSpPr>
+          <p:cNvPr id="19" name="Rectangle 18">
+            <a:extLst>
+              <a:ext uri="{FF2B5EF4-FFF2-40B4-BE49-F238E27FC236}">
+                <a16:creationId xmlns:a16="http://schemas.microsoft.com/office/drawing/2014/main" id="{443F2ACA-E6D6-4028-82DD-F03C262D5DE6}"/>
+              </a:ext>
+              <a:ext uri="{C183D7F6-B498-43B3-948B-1728B52AA6E4}">
+                <adec:decorative xmlns:adec="http://schemas.microsoft.com/office/drawing/2017/decorative" val="1"/>
+              </a:ext>
+            </a:extLst>
+          </p:cNvPr>
+          <p:cNvSpPr>
+            <a:spLocks noGrp="1" noRot="1" noChangeAspect="1" noMove="1" noResize="1" noEditPoints="1" noAdjustHandles="1" noChangeArrowheads="1" noChangeShapeType="1" noTextEdit="1"/>
+          </p:cNvSpPr>
+          <p:nvPr>
+            <p:extLst>
+              <p:ext uri="{386F3935-93C4-4BCD-93E2-E3B085C9AB24}">
+                <p16:designElem xmlns:p16="http://schemas.microsoft.com/office/powerpoint/2015/main" val="1"/>
+              </p:ext>
+            </p:extLst>
+          </p:nvPr>
+        </p:nvSpPr>
+        <p:spPr>
+          <a:xfrm rot="5400000" flipH="1">
+            <a:off x="-1410095" y="1410079"/>
+            <a:ext cx="6858003" cy="4037835"/>
+          </a:xfrm>
+          <a:prstGeom prst="rect">
+            <a:avLst/>
+          </a:prstGeom>
+          <a:gradFill>
+            <a:gsLst>
+              <a:gs pos="0">
+                <a:srgbClr val="000000">
+                  <a:alpha val="0"/>
+                </a:srgbClr>
+              </a:gs>
+              <a:gs pos="99000">
+                <a:schemeClr val="accent1">
+                  <a:lumMod val="60000"/>
+                  <a:lumOff val="40000"/>
+                  <a:alpha val="11000"/>
+                </a:schemeClr>
+              </a:gs>
+            </a:gsLst>
+            <a:lin ang="7200000" scaled="0"/>
+          </a:gradFill>
+          <a:ln>
+            <a:noFill/>
+          </a:ln>
+        </p:spPr>
+        <p:style>
+          <a:lnRef idx="2">
+            <a:schemeClr val="accent1">
+              <a:shade val="50000"/>
+            </a:schemeClr>
+          </a:lnRef>
+          <a:fillRef idx="1">
+            <a:schemeClr val="accent1"/>
+          </a:fillRef>
+          <a:effectRef idx="0">
+            <a:schemeClr val="accent1"/>
+          </a:effectRef>
+          <a:fontRef idx="minor">
+            <a:schemeClr val="lt1"/>
+          </a:fontRef>
+        </p:style>
+        <p:txBody>
+          <a:bodyPr rtlCol="0" anchor="ctr"/>
+          <a:lstStyle/>
+          <a:p>
+            <a:pPr marL="0" marR="0" lvl="0" indent="0" algn="ctr" defTabSz="914400" rtl="0" eaLnBrk="1" fontAlgn="auto" latinLnBrk="0" hangingPunct="1">
+              <a:lnSpc>
+                <a:spcPct val="100000"/>
+              </a:lnSpc>
+              <a:spcBef>
+                <a:spcPts val="0"/>
+              </a:spcBef>
+              <a:spcAft>
+                <a:spcPts val="0"/>
+              </a:spcAft>
+              <a:buClrTx/>
+              <a:buSzTx/>
+              <a:buFontTx/>
+              <a:buNone/>
+              <a:tabLst/>
+              <a:defRPr/>
+            </a:pPr>
+            <a:endParaRPr kumimoji="0" lang="en-US" sz="1800" b="0" i="0" u="none" strike="noStrike" kern="1200" cap="none" spc="0" normalizeH="0" baseline="0" noProof="0">
+              <a:ln>
+                <a:noFill/>
+              </a:ln>
+              <a:solidFill>
+                <a:prstClr val="white"/>
+              </a:solidFill>
+              <a:effectLst/>
+              <a:uLnTx/>
+              <a:uFillTx/>
+              <a:latin typeface="Calibri" panose="020F0502020204030204"/>
+              <a:ea typeface="+mn-ea"/>
+              <a:cs typeface="+mn-cs"/>
+            </a:endParaRPr>
+          </a:p>
+        </p:txBody>
+      </p:sp>
+      <p:sp>
+        <p:nvSpPr>
+          <p:cNvPr id="2" name="Title 1">
+            <a:extLst>
+              <a:ext uri="{FF2B5EF4-FFF2-40B4-BE49-F238E27FC236}">
+                <a16:creationId xmlns:a16="http://schemas.microsoft.com/office/drawing/2014/main" id="{F6002401-1AEF-4D57-9C5D-D905D203199F}"/>
+              </a:ext>
+            </a:extLst>
+          </p:cNvPr>
+          <p:cNvSpPr>
+            <a:spLocks noGrp="1"/>
+          </p:cNvSpPr>
+          <p:nvPr>
+            <p:ph type="title"/>
+          </p:nvPr>
+        </p:nvSpPr>
+        <p:spPr>
+          <a:xfrm>
+            <a:off x="586478" y="1683756"/>
+            <a:ext cx="3115265" cy="2396359"/>
+          </a:xfrm>
+        </p:spPr>
+        <p:txBody>
+          <a:bodyPr anchor="b">
+            <a:normAutofit/>
+          </a:bodyPr>
+          <a:lstStyle/>
+          <a:p>
+            <a:pPr algn="r"/>
+            <a:r>
+              <a:rPr lang="en-US" sz="4000">
+                <a:solidFill>
+                  <a:srgbClr val="FFFFFF"/>
+                </a:solidFill>
+              </a:rPr>
+              <a:t>Hypothesis Testing</a:t>
+            </a:r>
+          </a:p>
+        </p:txBody>
+      </p:sp>
+      <p:graphicFrame>
+        <p:nvGraphicFramePr>
+          <p:cNvPr id="30" name="Content Placeholder 2">
+            <a:extLst>
+              <a:ext uri="{FF2B5EF4-FFF2-40B4-BE49-F238E27FC236}">
+                <a16:creationId xmlns:a16="http://schemas.microsoft.com/office/drawing/2014/main" id="{5B673F8C-73FA-4F98-A39E-79DE5EFD66E3}"/>
+              </a:ext>
+            </a:extLst>
+          </p:cNvPr>
+          <p:cNvGraphicFramePr>
+            <a:graphicFrameLocks noGrp="1"/>
+          </p:cNvGraphicFramePr>
+          <p:nvPr>
+            <p:ph idx="1"/>
+          </p:nvPr>
+        </p:nvGraphicFramePr>
+        <p:xfrm>
+          <a:off x="4905052" y="750440"/>
+          <a:ext cx="6666833" cy="5453920"/>
+        </p:xfrm>
+        <a:graphic>
+          <a:graphicData uri="http://schemas.openxmlformats.org/drawingml/2006/diagram">
+            <dgm:relIds xmlns:dgm="http://schemas.openxmlformats.org/drawingml/2006/diagram" xmlns:r="http://schemas.openxmlformats.org/officeDocument/2006/relationships" r:dm="rId2" r:lo="rId3" r:qs="rId4" r:cs="rId5"/>
+          </a:graphicData>
+        </a:graphic>
+      </p:graphicFrame>
+    </p:spTree>
+    <p:extLst>
+      <p:ext uri="{BB962C8B-B14F-4D97-AF65-F5344CB8AC3E}">
+        <p14:creationId xmlns:p14="http://schemas.microsoft.com/office/powerpoint/2010/main" val="3857071751"/>
+      </p:ext>
+    </p:extLst>
+  </p:cSld>
+  <p:clrMapOvr>
+    <a:masterClrMapping/>
+  </p:clrMapOvr>
+</p:sld>
+</file>
+
+<file path=ppt/slides/slide9.xml><?xml version="1.0" encoding="utf-8"?>
+<p:sld xmlns:a="http://schemas.openxmlformats.org/drawingml/2006/main" xmlns:r="http://schemas.openxmlformats.org/officeDocument/2006/relationships" xmlns:p="http://schemas.openxmlformats.org/presentationml/2006/main">
+  <p:cSld>
+    <p:bg>
+      <p:bgPr>
+        <a:solidFill>
+          <a:schemeClr val="bg1"/>
+        </a:solidFill>
+        <a:effectLst/>
+      </p:bgPr>
+    </p:bg>
+    <p:spTree>
+      <p:nvGrpSpPr>
+        <p:cNvPr id="1" name=""/>
+        <p:cNvGrpSpPr/>
+        <p:nvPr/>
+      </p:nvGrpSpPr>
+      <p:grpSpPr>
+        <a:xfrm>
+          <a:off x="0" y="0"/>
+          <a:ext cx="0" cy="0"/>
+          <a:chOff x="0" y="0"/>
+          <a:chExt cx="0" cy="0"/>
+        </a:xfrm>
+      </p:grpSpPr>
+      <p:sp useBgFill="1">
+        <p:nvSpPr>
+          <p:cNvPr id="9" name="Rectangle 8">
+            <a:extLst>
+              <a:ext uri="{FF2B5EF4-FFF2-40B4-BE49-F238E27FC236}">
+                <a16:creationId xmlns:a16="http://schemas.microsoft.com/office/drawing/2014/main" id="{2C61293E-6EBE-43EF-A52C-9BEBFD7679D4}"/>
+              </a:ext>
+              <a:ext uri="{C183D7F6-B498-43B3-948B-1728B52AA6E4}">
+                <adec:decorative xmlns:adec="http://schemas.microsoft.com/office/drawing/2017/decorative" val="1"/>
+              </a:ext>
+            </a:extLst>
+          </p:cNvPr>
+          <p:cNvSpPr>
+            <a:spLocks noGrp="1" noRot="1" noChangeAspect="1" noMove="1" noResize="1" noEditPoints="1" noAdjustHandles="1" noChangeArrowheads="1" noChangeShapeType="1" noTextEdit="1"/>
+          </p:cNvSpPr>
+          <p:nvPr>
+            <p:extLst>
+              <p:ext uri="{386F3935-93C4-4BCD-93E2-E3B085C9AB24}">
+                <p16:designElem xmlns:p16="http://schemas.microsoft.com/office/powerpoint/2015/main" val="1"/>
+              </p:ext>
+            </p:extLst>
+          </p:nvPr>
+        </p:nvSpPr>
+        <p:spPr>
+          <a:xfrm>
+            <a:off x="0" y="0"/>
+            <a:ext cx="12188952" cy="6858000"/>
           </a:xfrm>
           <a:prstGeom prst="rect">
             <a:avLst/>
@@ -22635,8 +30007,37 @@
           <a:bodyPr rtlCol="0" anchor="ctr"/>
           <a:lstStyle/>
           <a:p>
-            <a:pPr algn="ctr"/>
-            <a:endParaRPr lang="en-US"/>
+            <a:pPr marL="0" marR="0" lvl="0" indent="0" algn="ctr" defTabSz="914400" rtl="0" eaLnBrk="1" fontAlgn="auto" latinLnBrk="0" hangingPunct="1">
+              <a:lnSpc>
+                <a:spcPct val="100000"/>
+              </a:lnSpc>
+              <a:spcBef>
+                <a:spcPts val="0"/>
+              </a:spcBef>
+              <a:spcAft>
+                <a:spcPts val="0"/>
+              </a:spcAft>
+              <a:buClrTx/>
+              <a:buSzTx/>
+              <a:buFontTx/>
+              <a:buNone/>
+              <a:tabLst/>
+              <a:defRPr/>
+            </a:pPr>
+            <a:endParaRPr kumimoji="0" lang="en-US" sz="1800" b="0" i="0" u="none" strike="noStrike" kern="1200" cap="none" spc="0" normalizeH="0" baseline="0" noProof="0">
+              <a:ln>
+                <a:noFill/>
+              </a:ln>
+              <a:solidFill>
+                <a:prstClr val="white"/>
+              </a:solidFill>
+              <a:effectLst/>
+              <a:uLnTx/>
+              <a:uFillTx/>
+              <a:latin typeface="Calibri" panose="020F0502020204030204"/>
+              <a:ea typeface="+mn-ea"/>
+              <a:cs typeface="+mn-cs"/>
+            </a:endParaRPr>
           </a:p>
         </p:txBody>
       </p:sp>
@@ -22645,7 +30046,7 @@
           <p:cNvPr id="2" name="Title 1">
             <a:extLst>
               <a:ext uri="{FF2B5EF4-FFF2-40B4-BE49-F238E27FC236}">
-                <a16:creationId xmlns:a16="http://schemas.microsoft.com/office/drawing/2014/main" id="{9DE44975-097F-43CA-B464-1AE371D59C49}"/>
+                <a16:creationId xmlns:a16="http://schemas.microsoft.com/office/drawing/2014/main" id="{3FF349F5-43D3-4324-A7EA-C9F2A341A728}"/>
               </a:ext>
             </a:extLst>
           </p:cNvPr>
@@ -22658,8 +30059,8 @@
         </p:nvSpPr>
         <p:spPr>
           <a:xfrm>
-            <a:off x="630936" y="639520"/>
-            <a:ext cx="3429000" cy="1719072"/>
+            <a:off x="4654296" y="329184"/>
+            <a:ext cx="6894576" cy="1783080"/>
           </a:xfrm>
         </p:spPr>
         <p:txBody>
@@ -22669,18 +30070,231 @@
           <a:lstStyle/>
           <a:p>
             <a:r>
-              <a:rPr lang="en-US" sz="5400"/>
-              <a:t>F-test for 2 Variances</a:t>
+              <a:rPr lang="en-US" sz="3800"/>
+              <a:t>Common Misinterpretations of what “Statistically Significant” Means </a:t>
             </a:r>
           </a:p>
         </p:txBody>
       </p:sp>
+      <p:pic>
+        <p:nvPicPr>
+          <p:cNvPr id="5" name="Picture 4" descr="Question mark on green pastel background">
+            <a:extLst>
+              <a:ext uri="{FF2B5EF4-FFF2-40B4-BE49-F238E27FC236}">
+                <a16:creationId xmlns:a16="http://schemas.microsoft.com/office/drawing/2014/main" id="{E84191D3-36F7-4B4C-9D03-DB8582FB653A}"/>
+              </a:ext>
+            </a:extLst>
+          </p:cNvPr>
+          <p:cNvPicPr>
+            <a:picLocks noChangeAspect="1"/>
+          </p:cNvPicPr>
+          <p:nvPr/>
+        </p:nvPicPr>
+        <p:blipFill rotWithShape="1">
+          <a:blip r:embed="rId2"/>
+          <a:srcRect l="47837" r="7844"/>
+          <a:stretch/>
+        </p:blipFill>
+        <p:spPr>
+          <a:xfrm>
+            <a:off x="20" y="1"/>
+            <a:ext cx="4052522" cy="6858000"/>
+          </a:xfrm>
+          <a:custGeom>
+            <a:avLst/>
+            <a:gdLst/>
+            <a:ahLst/>
+            <a:cxnLst/>
+            <a:rect l="l" t="t" r="r" b="b"/>
+            <a:pathLst>
+              <a:path w="4052542" h="6858000">
+                <a:moveTo>
+                  <a:pt x="0" y="0"/>
+                </a:moveTo>
+                <a:lnTo>
+                  <a:pt x="4020923" y="0"/>
+                </a:lnTo>
+                <a:lnTo>
+                  <a:pt x="4022656" y="14697"/>
+                </a:lnTo>
+                <a:cubicBezTo>
+                  <a:pt x="4037606" y="98462"/>
+                  <a:pt x="4035072" y="183369"/>
+                  <a:pt x="4039126" y="267642"/>
+                </a:cubicBezTo>
+                <a:cubicBezTo>
+                  <a:pt x="4043941" y="370699"/>
+                  <a:pt x="4037860" y="474136"/>
+                  <a:pt x="4035579" y="577446"/>
+                </a:cubicBezTo>
+                <a:cubicBezTo>
+                  <a:pt x="4033805" y="665399"/>
+                  <a:pt x="4025063" y="753226"/>
+                  <a:pt x="4027724" y="841306"/>
+                </a:cubicBezTo>
+                <a:cubicBezTo>
+                  <a:pt x="4027914" y="844352"/>
+                  <a:pt x="4027914" y="847398"/>
+                  <a:pt x="4027724" y="850444"/>
+                </a:cubicBezTo>
+                <a:cubicBezTo>
+                  <a:pt x="4019615" y="947281"/>
+                  <a:pt x="4019615" y="1044626"/>
+                  <a:pt x="4027724" y="1141464"/>
+                </a:cubicBezTo>
+                <a:cubicBezTo>
+                  <a:pt x="4030296" y="1181772"/>
+                  <a:pt x="4029574" y="1222221"/>
+                  <a:pt x="4025570" y="1262415"/>
+                </a:cubicBezTo>
+                <a:cubicBezTo>
+                  <a:pt x="4021769" y="1313563"/>
+                  <a:pt x="4009606" y="1365472"/>
+                  <a:pt x="4018348" y="1416238"/>
+                </a:cubicBezTo>
+                <a:cubicBezTo>
+                  <a:pt x="4024037" y="1458058"/>
+                  <a:pt x="4027166" y="1500194"/>
+                  <a:pt x="4027724" y="1542394"/>
+                </a:cubicBezTo>
+                <a:cubicBezTo>
+                  <a:pt x="4032158" y="1636820"/>
+                  <a:pt x="4027977" y="1731753"/>
+                  <a:pt x="4026330" y="1826433"/>
+                </a:cubicBezTo>
+                <a:cubicBezTo>
+                  <a:pt x="4024556" y="1936724"/>
+                  <a:pt x="4027344" y="2047015"/>
+                  <a:pt x="4018475" y="2157432"/>
+                </a:cubicBezTo>
+                <a:cubicBezTo>
+                  <a:pt x="4013597" y="2246629"/>
+                  <a:pt x="4013597" y="2336029"/>
+                  <a:pt x="4018475" y="2425226"/>
+                </a:cubicBezTo>
+                <a:cubicBezTo>
+                  <a:pt x="4020882" y="2506961"/>
+                  <a:pt x="4033172" y="2587934"/>
+                  <a:pt x="4031145" y="2670557"/>
+                </a:cubicBezTo>
+                <a:cubicBezTo>
+                  <a:pt x="4028737" y="2766886"/>
+                  <a:pt x="4017335" y="2862962"/>
+                  <a:pt x="4020882" y="2959546"/>
+                </a:cubicBezTo>
+                <a:cubicBezTo>
+                  <a:pt x="4022529" y="3005617"/>
+                  <a:pt x="4022656" y="3051688"/>
+                  <a:pt x="4023543" y="3097758"/>
+                </a:cubicBezTo>
+                <a:cubicBezTo>
+                  <a:pt x="4024683" y="3153221"/>
+                  <a:pt x="4034692" y="3208556"/>
+                  <a:pt x="4029117" y="3263892"/>
+                </a:cubicBezTo>
+                <a:cubicBezTo>
+                  <a:pt x="4019869" y="3356161"/>
+                  <a:pt x="3995923" y="3446906"/>
+                  <a:pt x="4010873" y="3541459"/>
+                </a:cubicBezTo>
+                <a:cubicBezTo>
+                  <a:pt x="4019108" y="3593495"/>
+                  <a:pt x="4028357" y="3645658"/>
+                  <a:pt x="4033172" y="3698201"/>
+                </a:cubicBezTo>
+                <a:cubicBezTo>
+                  <a:pt x="4037353" y="3745160"/>
+                  <a:pt x="4047868" y="3792881"/>
+                  <a:pt x="4039886" y="3839586"/>
+                </a:cubicBezTo>
+                <a:cubicBezTo>
+                  <a:pt x="4033045" y="3879565"/>
+                  <a:pt x="4036592" y="3919544"/>
+                  <a:pt x="4031271" y="3959523"/>
+                </a:cubicBezTo>
+                <a:cubicBezTo>
+                  <a:pt x="4024303" y="4011939"/>
+                  <a:pt x="4020629" y="4065244"/>
+                  <a:pt x="4015308" y="4118042"/>
+                </a:cubicBezTo>
+                <a:cubicBezTo>
+                  <a:pt x="4010620" y="4165889"/>
+                  <a:pt x="4006946" y="4213610"/>
+                  <a:pt x="4019615" y="4258539"/>
+                </a:cubicBezTo>
+                <a:cubicBezTo>
+                  <a:pt x="4050656" y="4371622"/>
+                  <a:pt x="4033679" y="4484070"/>
+                  <a:pt x="4022023" y="4596391"/>
+                </a:cubicBezTo>
+                <a:cubicBezTo>
+                  <a:pt x="4016321" y="4650965"/>
+                  <a:pt x="4007959" y="4708712"/>
+                  <a:pt x="4020629" y="4758718"/>
+                </a:cubicBezTo>
+                <a:cubicBezTo>
+                  <a:pt x="4043941" y="4847432"/>
+                  <a:pt x="4025697" y="4931705"/>
+                  <a:pt x="4015561" y="5016866"/>
+                </a:cubicBezTo>
+                <a:cubicBezTo>
+                  <a:pt x="4003335" y="5100174"/>
+                  <a:pt x="4005096" y="5184929"/>
+                  <a:pt x="4020756" y="5267654"/>
+                </a:cubicBezTo>
+                <a:cubicBezTo>
+                  <a:pt x="4033172" y="5326035"/>
+                  <a:pt x="4033172" y="5385432"/>
+                  <a:pt x="4034692" y="5444194"/>
+                </a:cubicBezTo>
+                <a:cubicBezTo>
+                  <a:pt x="4035579" y="5481001"/>
+                  <a:pt x="4022023" y="5518441"/>
+                  <a:pt x="4013027" y="5555120"/>
+                </a:cubicBezTo>
+                <a:cubicBezTo>
+                  <a:pt x="3996937" y="5621371"/>
+                  <a:pt x="3991109" y="5688636"/>
+                  <a:pt x="4013027" y="5753237"/>
+                </a:cubicBezTo>
+                <a:cubicBezTo>
+                  <a:pt x="4043561" y="5842713"/>
+                  <a:pt x="4061045" y="5932189"/>
+                  <a:pt x="4048375" y="6026870"/>
+                </a:cubicBezTo>
+                <a:cubicBezTo>
+                  <a:pt x="4041027" y="6085251"/>
+                  <a:pt x="4039380" y="6144902"/>
+                  <a:pt x="4028357" y="6202522"/>
+                </a:cubicBezTo>
+                <a:cubicBezTo>
+                  <a:pt x="4010240" y="6298091"/>
+                  <a:pt x="4016701" y="6393024"/>
+                  <a:pt x="4031145" y="6487196"/>
+                </a:cubicBezTo>
+                <a:cubicBezTo>
+                  <a:pt x="4041293" y="6565885"/>
+                  <a:pt x="4042395" y="6645474"/>
+                  <a:pt x="4034439" y="6724403"/>
+                </a:cubicBezTo>
+                <a:lnTo>
+                  <a:pt x="4025206" y="6858000"/>
+                </a:lnTo>
+                <a:lnTo>
+                  <a:pt x="0" y="6858000"/>
+                </a:lnTo>
+                <a:close/>
+              </a:path>
+            </a:pathLst>
+          </a:custGeom>
+        </p:spPr>
+      </p:pic>
       <p:sp>
         <p:nvSpPr>
-          <p:cNvPr id="73" name="sketch line">
+          <p:cNvPr id="11" name="sketchy line">
             <a:extLst>
               <a:ext uri="{FF2B5EF4-FFF2-40B4-BE49-F238E27FC236}">
-                <a16:creationId xmlns:a16="http://schemas.microsoft.com/office/drawing/2014/main" id="{CD8B4F24-440B-49E9-B85D-733523DC064B}"/>
+                <a16:creationId xmlns:a16="http://schemas.microsoft.com/office/drawing/2014/main" id="{3FCFB1DE-0B7E-48CC-BA90-B2AB0889F9D6}"/>
               </a:ext>
               <a:ext uri="{C183D7F6-B498-43B3-948B-1728B52AA6E4}">
                 <adec:decorative xmlns:adec="http://schemas.microsoft.com/office/drawing/2017/decorative" val="1"/>
@@ -22700,36 +30314,46 @@
         </p:nvSpPr>
         <p:spPr>
           <a:xfrm>
-            <a:off x="643278" y="2573756"/>
-            <a:ext cx="3255095" cy="18288"/>
+            <a:off x="4654296" y="2395728"/>
+            <a:ext cx="4243589" cy="18288"/>
           </a:xfrm>
           <a:custGeom>
             <a:avLst/>
             <a:gdLst>
-              <a:gd name="connsiteX0" fmla="*/ 0 w 3255095"/>
+              <a:gd name="connsiteX0" fmla="*/ 0 w 4243589"/>
               <a:gd name="connsiteY0" fmla="*/ 0 h 18288"/>
-              <a:gd name="connsiteX1" fmla="*/ 618468 w 3255095"/>
+              <a:gd name="connsiteX1" fmla="*/ 478919 w 4243589"/>
               <a:gd name="connsiteY1" fmla="*/ 0 h 18288"/>
-              <a:gd name="connsiteX2" fmla="*/ 1269487 w 3255095"/>
+              <a:gd name="connsiteX2" fmla="*/ 957839 w 4243589"/>
               <a:gd name="connsiteY2" fmla="*/ 0 h 18288"/>
-              <a:gd name="connsiteX3" fmla="*/ 1953057 w 3255095"/>
+              <a:gd name="connsiteX3" fmla="*/ 1521630 w 4243589"/>
               <a:gd name="connsiteY3" fmla="*/ 0 h 18288"/>
-              <a:gd name="connsiteX4" fmla="*/ 2636627 w 3255095"/>
+              <a:gd name="connsiteX4" fmla="*/ 2212729 w 4243589"/>
               <a:gd name="connsiteY4" fmla="*/ 0 h 18288"/>
-              <a:gd name="connsiteX5" fmla="*/ 3255095 w 3255095"/>
+              <a:gd name="connsiteX5" fmla="*/ 2734084 w 4243589"/>
               <a:gd name="connsiteY5" fmla="*/ 0 h 18288"/>
-              <a:gd name="connsiteX6" fmla="*/ 3255095 w 3255095"/>
-              <a:gd name="connsiteY6" fmla="*/ 18288 h 18288"/>
-              <a:gd name="connsiteX7" fmla="*/ 2538974 w 3255095"/>
-              <a:gd name="connsiteY7" fmla="*/ 18288 h 18288"/>
-              <a:gd name="connsiteX8" fmla="*/ 1822853 w 3255095"/>
+              <a:gd name="connsiteX6" fmla="*/ 3255439 w 4243589"/>
+              <a:gd name="connsiteY6" fmla="*/ 0 h 18288"/>
+              <a:gd name="connsiteX7" fmla="*/ 4243589 w 4243589"/>
+              <a:gd name="connsiteY7" fmla="*/ 0 h 18288"/>
+              <a:gd name="connsiteX8" fmla="*/ 4243589 w 4243589"/>
               <a:gd name="connsiteY8" fmla="*/ 18288 h 18288"/>
-              <a:gd name="connsiteX9" fmla="*/ 1171834 w 3255095"/>
+              <a:gd name="connsiteX9" fmla="*/ 3594926 w 4243589"/>
               <a:gd name="connsiteY9" fmla="*/ 18288 h 18288"/>
-              <a:gd name="connsiteX10" fmla="*/ 0 w 3255095"/>
+              <a:gd name="connsiteX10" fmla="*/ 3073571 w 4243589"/>
               <a:gd name="connsiteY10" fmla="*/ 18288 h 18288"/>
-              <a:gd name="connsiteX11" fmla="*/ 0 w 3255095"/>
-              <a:gd name="connsiteY11" fmla="*/ 0 h 18288"/>
+              <a:gd name="connsiteX11" fmla="*/ 2552216 w 4243589"/>
+              <a:gd name="connsiteY11" fmla="*/ 18288 h 18288"/>
+              <a:gd name="connsiteX12" fmla="*/ 1903553 w 4243589"/>
+              <a:gd name="connsiteY12" fmla="*/ 18288 h 18288"/>
+              <a:gd name="connsiteX13" fmla="*/ 1212454 w 4243589"/>
+              <a:gd name="connsiteY13" fmla="*/ 18288 h 18288"/>
+              <a:gd name="connsiteX14" fmla="*/ 733535 w 4243589"/>
+              <a:gd name="connsiteY14" fmla="*/ 18288 h 18288"/>
+              <a:gd name="connsiteX15" fmla="*/ 0 w 4243589"/>
+              <a:gd name="connsiteY15" fmla="*/ 18288 h 18288"/>
+              <a:gd name="connsiteX16" fmla="*/ 0 w 4243589"/>
+              <a:gd name="connsiteY16" fmla="*/ 0 h 18288"/>
             </a:gdLst>
             <a:ahLst/>
             <a:cxnLst>
@@ -22769,132 +30393,192 @@
               <a:cxn ang="0">
                 <a:pos x="connsiteX11" y="connsiteY11"/>
               </a:cxn>
+              <a:cxn ang="0">
+                <a:pos x="connsiteX12" y="connsiteY12"/>
+              </a:cxn>
+              <a:cxn ang="0">
+                <a:pos x="connsiteX13" y="connsiteY13"/>
+              </a:cxn>
+              <a:cxn ang="0">
+                <a:pos x="connsiteX14" y="connsiteY14"/>
+              </a:cxn>
+              <a:cxn ang="0">
+                <a:pos x="connsiteX15" y="connsiteY15"/>
+              </a:cxn>
+              <a:cxn ang="0">
+                <a:pos x="connsiteX16" y="connsiteY16"/>
+              </a:cxn>
             </a:cxnLst>
             <a:rect l="l" t="t" r="r" b="b"/>
             <a:pathLst>
-              <a:path w="3255095" h="18288" fill="none" extrusionOk="0">
+              <a:path w="4243589" h="18288" fill="none" extrusionOk="0">
                 <a:moveTo>
                   <a:pt x="0" y="0"/>
                 </a:moveTo>
                 <a:cubicBezTo>
-                  <a:pt x="240201" y="-22123"/>
-                  <a:pt x="462021" y="-19623"/>
-                  <a:pt x="618468" y="0"/>
-                </a:cubicBezTo>
-                <a:cubicBezTo>
-                  <a:pt x="774915" y="19623"/>
-                  <a:pt x="974734" y="2035"/>
-                  <a:pt x="1269487" y="0"/>
-                </a:cubicBezTo>
-                <a:cubicBezTo>
-                  <a:pt x="1564240" y="-2035"/>
-                  <a:pt x="1733579" y="10639"/>
-                  <a:pt x="1953057" y="0"/>
-                </a:cubicBezTo>
-                <a:cubicBezTo>
-                  <a:pt x="2172535" y="-10639"/>
-                  <a:pt x="2453962" y="14018"/>
-                  <a:pt x="2636627" y="0"/>
-                </a:cubicBezTo>
-                <a:cubicBezTo>
-                  <a:pt x="2819292" y="-14018"/>
-                  <a:pt x="3121375" y="5399"/>
-                  <a:pt x="3255095" y="0"/>
-                </a:cubicBezTo>
-                <a:cubicBezTo>
-                  <a:pt x="3254386" y="8157"/>
-                  <a:pt x="3254682" y="12125"/>
-                  <a:pt x="3255095" y="18288"/>
-                </a:cubicBezTo>
-                <a:cubicBezTo>
-                  <a:pt x="3088545" y="23203"/>
-                  <a:pt x="2687475" y="7419"/>
-                  <a:pt x="2538974" y="18288"/>
-                </a:cubicBezTo>
-                <a:cubicBezTo>
-                  <a:pt x="2390473" y="29157"/>
-                  <a:pt x="2137381" y="-8959"/>
-                  <a:pt x="1822853" y="18288"/>
-                </a:cubicBezTo>
-                <a:cubicBezTo>
-                  <a:pt x="1508325" y="45535"/>
-                  <a:pt x="1466437" y="20385"/>
-                  <a:pt x="1171834" y="18288"/>
-                </a:cubicBezTo>
-                <a:cubicBezTo>
-                  <a:pt x="877231" y="16191"/>
-                  <a:pt x="561097" y="37643"/>
+                  <a:pt x="213395" y="-21006"/>
+                  <a:pt x="307421" y="-18116"/>
+                  <a:pt x="478919" y="0"/>
+                </a:cubicBezTo>
+                <a:cubicBezTo>
+                  <a:pt x="650417" y="18116"/>
+                  <a:pt x="831092" y="-21237"/>
+                  <a:pt x="957839" y="0"/>
+                </a:cubicBezTo>
+                <a:cubicBezTo>
+                  <a:pt x="1084586" y="21237"/>
+                  <a:pt x="1301682" y="25124"/>
+                  <a:pt x="1521630" y="0"/>
+                </a:cubicBezTo>
+                <a:cubicBezTo>
+                  <a:pt x="1741578" y="-25124"/>
+                  <a:pt x="1970269" y="-29139"/>
+                  <a:pt x="2212729" y="0"/>
+                </a:cubicBezTo>
+                <a:cubicBezTo>
+                  <a:pt x="2455189" y="29139"/>
+                  <a:pt x="2558847" y="-4796"/>
+                  <a:pt x="2734084" y="0"/>
+                </a:cubicBezTo>
+                <a:cubicBezTo>
+                  <a:pt x="2909321" y="4796"/>
+                  <a:pt x="3097217" y="-13409"/>
+                  <a:pt x="3255439" y="0"/>
+                </a:cubicBezTo>
+                <a:cubicBezTo>
+                  <a:pt x="3413662" y="13409"/>
+                  <a:pt x="3979999" y="-10121"/>
+                  <a:pt x="4243589" y="0"/>
+                </a:cubicBezTo>
+                <a:cubicBezTo>
+                  <a:pt x="4244484" y="8974"/>
+                  <a:pt x="4243043" y="9359"/>
+                  <a:pt x="4243589" y="18288"/>
+                </a:cubicBezTo>
+                <a:cubicBezTo>
+                  <a:pt x="4058777" y="31246"/>
+                  <a:pt x="3910348" y="3158"/>
+                  <a:pt x="3594926" y="18288"/>
+                </a:cubicBezTo>
+                <a:cubicBezTo>
+                  <a:pt x="3279504" y="33418"/>
+                  <a:pt x="3319955" y="-3977"/>
+                  <a:pt x="3073571" y="18288"/>
+                </a:cubicBezTo>
+                <a:cubicBezTo>
+                  <a:pt x="2827187" y="40553"/>
+                  <a:pt x="2767387" y="1863"/>
+                  <a:pt x="2552216" y="18288"/>
+                </a:cubicBezTo>
+                <a:cubicBezTo>
+                  <a:pt x="2337046" y="34713"/>
+                  <a:pt x="2181871" y="19527"/>
+                  <a:pt x="1903553" y="18288"/>
+                </a:cubicBezTo>
+                <a:cubicBezTo>
+                  <a:pt x="1625235" y="17049"/>
+                  <a:pt x="1557672" y="24174"/>
+                  <a:pt x="1212454" y="18288"/>
+                </a:cubicBezTo>
+                <a:cubicBezTo>
+                  <a:pt x="867236" y="12402"/>
+                  <a:pt x="874382" y="15627"/>
+                  <a:pt x="733535" y="18288"/>
+                </a:cubicBezTo>
+                <a:cubicBezTo>
+                  <a:pt x="592688" y="20949"/>
+                  <a:pt x="183477" y="14753"/>
                   <a:pt x="0" y="18288"/>
                 </a:cubicBezTo>
                 <a:cubicBezTo>
-                  <a:pt x="-46" y="12483"/>
-                  <a:pt x="-203" y="6491"/>
+                  <a:pt x="-229" y="14222"/>
+                  <a:pt x="509" y="5816"/>
                   <a:pt x="0" y="0"/>
                 </a:cubicBezTo>
                 <a:close/>
               </a:path>
-              <a:path w="3255095" h="18288" stroke="0" extrusionOk="0">
+              <a:path w="4243589" h="18288" stroke="0" extrusionOk="0">
                 <a:moveTo>
                   <a:pt x="0" y="0"/>
                 </a:moveTo>
                 <a:cubicBezTo>
-                  <a:pt x="291965" y="19429"/>
-                  <a:pt x="363155" y="8568"/>
-                  <a:pt x="618468" y="0"/>
-                </a:cubicBezTo>
-                <a:cubicBezTo>
-                  <a:pt x="873781" y="-8568"/>
-                  <a:pt x="904459" y="-19505"/>
-                  <a:pt x="1171834" y="0"/>
-                </a:cubicBezTo>
-                <a:cubicBezTo>
-                  <a:pt x="1439209" y="19505"/>
-                  <a:pt x="1744369" y="9790"/>
-                  <a:pt x="1887955" y="0"/>
-                </a:cubicBezTo>
-                <a:cubicBezTo>
-                  <a:pt x="2031541" y="-9790"/>
-                  <a:pt x="2346378" y="21240"/>
-                  <a:pt x="2506423" y="0"/>
-                </a:cubicBezTo>
-                <a:cubicBezTo>
-                  <a:pt x="2666468" y="-21240"/>
-                  <a:pt x="2990257" y="30414"/>
-                  <a:pt x="3255095" y="0"/>
-                </a:cubicBezTo>
-                <a:cubicBezTo>
-                  <a:pt x="3254831" y="4493"/>
-                  <a:pt x="3255479" y="9472"/>
-                  <a:pt x="3255095" y="18288"/>
-                </a:cubicBezTo>
-                <a:cubicBezTo>
-                  <a:pt x="3120743" y="16690"/>
-                  <a:pt x="2759628" y="42462"/>
-                  <a:pt x="2604076" y="18288"/>
-                </a:cubicBezTo>
-                <a:cubicBezTo>
-                  <a:pt x="2448524" y="-5886"/>
-                  <a:pt x="2184336" y="19599"/>
-                  <a:pt x="1887955" y="18288"/>
-                </a:cubicBezTo>
-                <a:cubicBezTo>
-                  <a:pt x="1591574" y="16977"/>
-                  <a:pt x="1548845" y="6870"/>
-                  <a:pt x="1334589" y="18288"/>
-                </a:cubicBezTo>
-                <a:cubicBezTo>
-                  <a:pt x="1120333" y="29706"/>
-                  <a:pt x="996014" y="9662"/>
-                  <a:pt x="683570" y="18288"/>
-                </a:cubicBezTo>
-                <a:cubicBezTo>
-                  <a:pt x="371126" y="26914"/>
-                  <a:pt x="198687" y="16167"/>
+                  <a:pt x="143690" y="16630"/>
+                  <a:pt x="266667" y="14847"/>
+                  <a:pt x="521355" y="0"/>
+                </a:cubicBezTo>
+                <a:cubicBezTo>
+                  <a:pt x="776043" y="-14847"/>
+                  <a:pt x="814491" y="-17363"/>
+                  <a:pt x="1000275" y="0"/>
+                </a:cubicBezTo>
+                <a:cubicBezTo>
+                  <a:pt x="1186059" y="17363"/>
+                  <a:pt x="1352504" y="-23507"/>
+                  <a:pt x="1521630" y="0"/>
+                </a:cubicBezTo>
+                <a:cubicBezTo>
+                  <a:pt x="1690756" y="23507"/>
+                  <a:pt x="1889525" y="5871"/>
+                  <a:pt x="2127857" y="0"/>
+                </a:cubicBezTo>
+                <a:cubicBezTo>
+                  <a:pt x="2366189" y="-5871"/>
+                  <a:pt x="2620628" y="-27997"/>
+                  <a:pt x="2776520" y="0"/>
+                </a:cubicBezTo>
+                <a:cubicBezTo>
+                  <a:pt x="2932412" y="27997"/>
+                  <a:pt x="3131683" y="-25073"/>
+                  <a:pt x="3467618" y="0"/>
+                </a:cubicBezTo>
+                <a:cubicBezTo>
+                  <a:pt x="3803553" y="25073"/>
+                  <a:pt x="4017371" y="3071"/>
+                  <a:pt x="4243589" y="0"/>
+                </a:cubicBezTo>
+                <a:cubicBezTo>
+                  <a:pt x="4243134" y="6162"/>
+                  <a:pt x="4243492" y="11775"/>
+                  <a:pt x="4243589" y="18288"/>
+                </a:cubicBezTo>
+                <a:cubicBezTo>
+                  <a:pt x="4017834" y="-5779"/>
+                  <a:pt x="3834586" y="13376"/>
+                  <a:pt x="3594926" y="18288"/>
+                </a:cubicBezTo>
+                <a:cubicBezTo>
+                  <a:pt x="3355266" y="23200"/>
+                  <a:pt x="3204179" y="2869"/>
+                  <a:pt x="2903827" y="18288"/>
+                </a:cubicBezTo>
+                <a:cubicBezTo>
+                  <a:pt x="2603475" y="33707"/>
+                  <a:pt x="2526187" y="46187"/>
+                  <a:pt x="2212729" y="18288"/>
+                </a:cubicBezTo>
+                <a:cubicBezTo>
+                  <a:pt x="1899271" y="-9611"/>
+                  <a:pt x="1966289" y="29692"/>
+                  <a:pt x="1733809" y="18288"/>
+                </a:cubicBezTo>
+                <a:cubicBezTo>
+                  <a:pt x="1501329" y="6884"/>
+                  <a:pt x="1343612" y="12492"/>
+                  <a:pt x="1085146" y="18288"/>
+                </a:cubicBezTo>
+                <a:cubicBezTo>
+                  <a:pt x="826680" y="24084"/>
+                  <a:pt x="778184" y="35607"/>
+                  <a:pt x="521355" y="18288"/>
+                </a:cubicBezTo>
+                <a:cubicBezTo>
+                  <a:pt x="264526" y="969"/>
+                  <a:pt x="120277" y="4268"/>
                   <a:pt x="0" y="18288"/>
                 </a:cubicBezTo>
                 <a:cubicBezTo>
-                  <a:pt x="843" y="9577"/>
-                  <a:pt x="371" y="6900"/>
+                  <a:pt x="766" y="10800"/>
+                  <a:pt x="-457" y="8180"/>
                   <a:pt x="0" y="0"/>
                 </a:cubicBezTo>
                 <a:close/>
@@ -22904,14 +30588,14 @@
           <a:solidFill>
             <a:schemeClr val="accent2"/>
           </a:solidFill>
-          <a:ln w="38100" cap="rnd">
+          <a:ln w="44450" cap="rnd">
             <a:solidFill>
               <a:schemeClr val="accent2"/>
             </a:solidFill>
             <a:round/>
             <a:extLst>
               <a:ext uri="{C807C97D-BFC1-408E-A445-0C87EB9F89A2}">
-                <ask:lineSketchStyleProps xmlns:ask="http://schemas.microsoft.com/office/drawing/2018/sketchyshapes" sd="1219033472">
+                <ask:lineSketchStyleProps xmlns:ask="http://schemas.microsoft.com/office/drawing/2018/sketchyshapes" sd="2727557108">
                   <a:prstGeom prst="rect">
                     <a:avLst/>
                   </a:prstGeom>
@@ -22943,8 +30627,37 @@
           <a:bodyPr rtlCol="0" anchor="ctr"/>
           <a:lstStyle/>
           <a:p>
-            <a:pPr algn="ctr"/>
-            <a:endParaRPr lang="en-US"/>
+            <a:pPr marL="0" marR="0" lvl="0" indent="0" algn="ctr" defTabSz="914400" rtl="0" eaLnBrk="1" fontAlgn="auto" latinLnBrk="0" hangingPunct="1">
+              <a:lnSpc>
+                <a:spcPct val="100000"/>
+              </a:lnSpc>
+              <a:spcBef>
+                <a:spcPts val="0"/>
+              </a:spcBef>
+              <a:spcAft>
+                <a:spcPts val="0"/>
+              </a:spcAft>
+              <a:buClrTx/>
+              <a:buSzTx/>
+              <a:buFontTx/>
+              <a:buNone/>
+              <a:tabLst/>
+              <a:defRPr/>
+            </a:pPr>
+            <a:endParaRPr kumimoji="0" lang="en-US" sz="1800" b="0" i="0" u="none" strike="noStrike" kern="1200" cap="none" spc="0" normalizeH="0" baseline="0" noProof="0">
+              <a:ln>
+                <a:noFill/>
+              </a:ln>
+              <a:solidFill>
+                <a:prstClr val="white"/>
+              </a:solidFill>
+              <a:effectLst/>
+              <a:uLnTx/>
+              <a:uFillTx/>
+              <a:latin typeface="Calibri" panose="020F0502020204030204"/>
+              <a:ea typeface="+mn-ea"/>
+              <a:cs typeface="+mn-cs"/>
+            </a:endParaRPr>
           </a:p>
         </p:txBody>
       </p:sp>
@@ -22955,7 +30668,7 @@
               <p:cNvPr id="3" name="Content Placeholder 2">
                 <a:extLst>
                   <a:ext uri="{FF2B5EF4-FFF2-40B4-BE49-F238E27FC236}">
-                    <a16:creationId xmlns:a16="http://schemas.microsoft.com/office/drawing/2014/main" id="{DDD24CAF-BDA7-420F-96BA-67C4365D39E6}"/>
+                    <a16:creationId xmlns:a16="http://schemas.microsoft.com/office/drawing/2014/main" id="{C18AB008-1C8D-4CC0-9544-829127D3CA75}"/>
                   </a:ext>
                 </a:extLst>
               </p:cNvPr>
@@ -22968,195 +30681,46 @@
             </p:nvSpPr>
             <p:spPr>
               <a:xfrm>
-                <a:off x="630936" y="2807208"/>
-                <a:ext cx="3429000" cy="3410712"/>
+                <a:off x="4654296" y="2706624"/>
+                <a:ext cx="6894576" cy="3483864"/>
               </a:xfrm>
             </p:spPr>
             <p:txBody>
-              <a:bodyPr anchor="t">
+              <a:bodyPr>
                 <a:normAutofit/>
               </a:bodyPr>
               <a:lstStyle/>
               <a:p>
                 <a:r>
-                  <a:rPr lang="en-US" sz="2200" dirty="0"/>
-                  <a:t>H0: </a:t>
+                  <a:rPr lang="en-US" sz="2200"/>
+                  <a:t>Viewing p-values as if they represent the probability that the results occurred because of sampling error (e.g., p = .05 implies that there is only a .05 probability that the results were caused by chance) </a:t>
+                </a:r>
+              </a:p>
+              <a:p>
+                <a:r>
+                  <a:rPr lang="en-US" sz="2200"/>
+                  <a:t>Assuming that statistical significance is the same thing as managerial significance </a:t>
+                </a:r>
+              </a:p>
+              <a:p>
+                <a:r>
+                  <a:rPr lang="en-US" sz="2200"/>
+                  <a:t>Viewing the </a:t>
                 </a:r>
                 <a14:m>
                   <m:oMath xmlns:m="http://schemas.openxmlformats.org/officeDocument/2006/math">
-                    <m:sSubSup>
-                      <m:sSubSupPr>
-                        <m:ctrlPr>
-                          <a:rPr lang="en-US" sz="2200" b="0" i="1">
-                            <a:latin typeface="Cambria Math" panose="02040503050406030204" pitchFamily="18" charset="0"/>
-                          </a:rPr>
-                        </m:ctrlPr>
-                      </m:sSubSupPr>
-                      <m:e>
-                        <m:r>
-                          <a:rPr lang="en-US" sz="2200" b="0" i="1">
-                            <a:latin typeface="Cambria Math" panose="02040503050406030204" pitchFamily="18" charset="0"/>
-                          </a:rPr>
-                          <m:t>𝜎</m:t>
-                        </m:r>
-                      </m:e>
-                      <m:sub>
-                        <m:r>
-                          <a:rPr lang="en-US" sz="2200" b="0" i="1">
-                            <a:latin typeface="Cambria Math" panose="02040503050406030204" pitchFamily="18" charset="0"/>
-                          </a:rPr>
-                          <m:t>𝑥</m:t>
-                        </m:r>
-                      </m:sub>
-                      <m:sup>
-                        <m:r>
-                          <a:rPr lang="en-US" sz="2200" b="0" i="1">
-                            <a:latin typeface="Cambria Math" panose="02040503050406030204" pitchFamily="18" charset="0"/>
-                          </a:rPr>
-                          <m:t>2</m:t>
-                        </m:r>
-                      </m:sup>
-                    </m:sSubSup>
                     <m:r>
                       <a:rPr lang="en-US" sz="2200" b="0" i="1">
                         <a:latin typeface="Cambria Math" panose="02040503050406030204" pitchFamily="18" charset="0"/>
                       </a:rPr>
-                      <m:t>=</m:t>
+                      <m:t>𝛼</m:t>
                     </m:r>
-                    <m:sSubSup>
-                      <m:sSubSupPr>
-                        <m:ctrlPr>
-                          <a:rPr lang="en-US" sz="2200" b="0" i="1">
-                            <a:latin typeface="Cambria Math" panose="02040503050406030204" pitchFamily="18" charset="0"/>
-                          </a:rPr>
-                        </m:ctrlPr>
-                      </m:sSubSupPr>
-                      <m:e>
-                        <m:r>
-                          <a:rPr lang="en-US" sz="2200" b="0" i="1">
-                            <a:latin typeface="Cambria Math" panose="02040503050406030204" pitchFamily="18" charset="0"/>
-                          </a:rPr>
-                          <m:t>𝜎</m:t>
-                        </m:r>
-                      </m:e>
-                      <m:sub>
-                        <m:r>
-                          <a:rPr lang="en-US" sz="2200" b="0" i="1">
-                            <a:latin typeface="Cambria Math" panose="02040503050406030204" pitchFamily="18" charset="0"/>
-                          </a:rPr>
-                          <m:t>𝑌</m:t>
-                        </m:r>
-                      </m:sub>
-                      <m:sup>
-                        <m:r>
-                          <a:rPr lang="en-US" sz="2200" b="0" i="1">
-                            <a:latin typeface="Cambria Math" panose="02040503050406030204" pitchFamily="18" charset="0"/>
-                          </a:rPr>
-                          <m:t>2</m:t>
-                        </m:r>
-                      </m:sup>
-                    </m:sSubSup>
                   </m:oMath>
                 </a14:m>
-                <a:endParaRPr lang="en-US" sz="2200" dirty="0"/>
-              </a:p>
-              <a:p>
-                <a:r>
-                  <a:rPr lang="en-US" sz="2200" dirty="0" err="1"/>
-                  <a:t>H1</a:t>
-                </a:r>
-                <a:r>
-                  <a:rPr lang="en-US" sz="2200" dirty="0"/>
-                  <a:t>: </a:t>
-                </a:r>
-                <a14:m>
-                  <m:oMath xmlns:m="http://schemas.openxmlformats.org/officeDocument/2006/math">
-                    <m:sSubSup>
-                      <m:sSubSupPr>
-                        <m:ctrlPr>
-                          <a:rPr lang="en-US" sz="2200" b="0" i="1">
-                            <a:latin typeface="Cambria Math" panose="02040503050406030204" pitchFamily="18" charset="0"/>
-                          </a:rPr>
-                        </m:ctrlPr>
-                      </m:sSubSupPr>
-                      <m:e>
-                        <m:r>
-                          <a:rPr lang="en-US" sz="2200" b="0" i="1">
-                            <a:latin typeface="Cambria Math" panose="02040503050406030204" pitchFamily="18" charset="0"/>
-                          </a:rPr>
-                          <m:t>𝜎</m:t>
-                        </m:r>
-                      </m:e>
-                      <m:sub>
-                        <m:r>
-                          <a:rPr lang="en-US" sz="2200" b="0" i="1">
-                            <a:latin typeface="Cambria Math" panose="02040503050406030204" pitchFamily="18" charset="0"/>
-                          </a:rPr>
-                          <m:t>𝑥</m:t>
-                        </m:r>
-                      </m:sub>
-                      <m:sup>
-                        <m:r>
-                          <a:rPr lang="en-US" sz="2200" b="0" i="1">
-                            <a:latin typeface="Cambria Math" panose="02040503050406030204" pitchFamily="18" charset="0"/>
-                          </a:rPr>
-                          <m:t>2</m:t>
-                        </m:r>
-                      </m:sup>
-                    </m:sSubSup>
-                    <m:r>
-                      <a:rPr lang="en-US" sz="2200" b="0" i="1">
-                        <a:latin typeface="Cambria Math" panose="02040503050406030204" pitchFamily="18" charset="0"/>
-                      </a:rPr>
-                      <m:t>≠</m:t>
-                    </m:r>
-                    <m:sSubSup>
-                      <m:sSubSupPr>
-                        <m:ctrlPr>
-                          <a:rPr lang="en-US" sz="2200" b="0" i="1">
-                            <a:latin typeface="Cambria Math" panose="02040503050406030204" pitchFamily="18" charset="0"/>
-                          </a:rPr>
-                        </m:ctrlPr>
-                      </m:sSubSupPr>
-                      <m:e>
-                        <m:r>
-                          <a:rPr lang="en-US" sz="2200" b="0" i="1">
-                            <a:latin typeface="Cambria Math" panose="02040503050406030204" pitchFamily="18" charset="0"/>
-                          </a:rPr>
-                          <m:t>𝜎</m:t>
-                        </m:r>
-                      </m:e>
-                      <m:sub>
-                        <m:r>
-                          <a:rPr lang="en-US" sz="2200" b="0" i="1">
-                            <a:latin typeface="Cambria Math" panose="02040503050406030204" pitchFamily="18" charset="0"/>
-                          </a:rPr>
-                          <m:t>𝑌</m:t>
-                        </m:r>
-                      </m:sub>
-                      <m:sup>
-                        <m:r>
-                          <a:rPr lang="en-US" sz="2200" b="0" i="1">
-                            <a:latin typeface="Cambria Math" panose="02040503050406030204" pitchFamily="18" charset="0"/>
-                          </a:rPr>
-                          <m:t>2</m:t>
-                        </m:r>
-                      </m:sup>
-                    </m:sSubSup>
-                  </m:oMath>
-                </a14:m>
-                <a:endParaRPr lang="en-US" sz="2200" dirty="0"/>
-              </a:p>
-              <a:p>
-                <a:r>
-                  <a:rPr lang="en-US" sz="2200" dirty="0"/>
-                  <a:t>The shape of the 2 distributions can affect the mean </a:t>
-                </a:r>
                 <a:r>
                   <a:rPr lang="en-US" sz="2200"/>
-                  <a:t>hypothesis testing. </a:t>
+                  <a:t> or p levels as if they are somehow related to the probability that the research hypothesis is true (e.g., a p-value such as p&gt;.001 is “highly significant” and therefore more valid than p&lt; .05). </a:t>
                 </a:r>
-                <a:endParaRPr lang="en-US" sz="2200" dirty="0"/>
               </a:p>
             </p:txBody>
           </p:sp>
@@ -23167,7 +30731,7 @@
               <p:cNvPr id="3" name="Content Placeholder 2">
                 <a:extLst>
                   <a:ext uri="{FF2B5EF4-FFF2-40B4-BE49-F238E27FC236}">
-                    <a16:creationId xmlns:a16="http://schemas.microsoft.com/office/drawing/2014/main" id="{DDD24CAF-BDA7-420F-96BA-67C4365D39E6}"/>
+                    <a16:creationId xmlns:a16="http://schemas.microsoft.com/office/drawing/2014/main" id="{C18AB008-1C8D-4CC0-9544-829127D3CA75}"/>
                   </a:ext>
                 </a:extLst>
               </p:cNvPr>
@@ -23180,13 +30744,13 @@
             </p:nvSpPr>
             <p:spPr>
               <a:xfrm>
-                <a:off x="630936" y="2807208"/>
-                <a:ext cx="3429000" cy="3410712"/>
+                <a:off x="4654296" y="2706624"/>
+                <a:ext cx="6894576" cy="3483864"/>
               </a:xfrm>
               <a:blipFill>
                 <a:blip r:embed="rId3"/>
                 <a:stretch>
-                  <a:fillRect l="-2135" t="-1968"/>
+                  <a:fillRect l="-1061" t="-2273" r="-1149"/>
                 </a:stretch>
               </a:blipFill>
             </p:spPr>
@@ -23205,717 +30769,10 @@
           </p:sp>
         </mc:Fallback>
       </mc:AlternateContent>
-      <p:pic>
-        <p:nvPicPr>
-          <p:cNvPr id="1026" name="Picture 2" descr="Defining the overlapping area of two log-normal distributions with  different means, same variance, and different scaling factors that add up  to 1 - Cross Validated">
-            <a:extLst>
-              <a:ext uri="{FF2B5EF4-FFF2-40B4-BE49-F238E27FC236}">
-                <a16:creationId xmlns:a16="http://schemas.microsoft.com/office/drawing/2014/main" id="{0C056128-00B7-400E-90CE-F7C21C68FE2E}"/>
-              </a:ext>
-            </a:extLst>
-          </p:cNvPr>
-          <p:cNvPicPr>
-            <a:picLocks noChangeAspect="1" noChangeArrowheads="1"/>
-          </p:cNvPicPr>
-          <p:nvPr/>
-        </p:nvPicPr>
-        <p:blipFill>
-          <a:blip r:embed="rId4">
-            <a:extLst>
-              <a:ext uri="{28A0092B-C50C-407E-A947-70E740481C1C}">
-                <a14:useLocalDpi xmlns:a14="http://schemas.microsoft.com/office/drawing/2010/main" val="0"/>
-              </a:ext>
-            </a:extLst>
-          </a:blip>
-          <a:stretch>
-            <a:fillRect/>
-          </a:stretch>
-        </p:blipFill>
-        <p:spPr bwMode="auto">
-          <a:xfrm>
-            <a:off x="4654296" y="667512"/>
-            <a:ext cx="6903720" cy="5522976"/>
-          </a:xfrm>
-          <a:prstGeom prst="rect">
-            <a:avLst/>
-          </a:prstGeom>
-          <a:noFill/>
-          <a:extLst>
-            <a:ext uri="{909E8E84-426E-40DD-AFC4-6F175D3DCCD1}">
-              <a14:hiddenFill xmlns:a14="http://schemas.microsoft.com/office/drawing/2010/main">
-                <a:solidFill>
-                  <a:srgbClr val="FFFFFF"/>
-                </a:solidFill>
-              </a14:hiddenFill>
-            </a:ext>
-          </a:extLst>
-        </p:spPr>
-      </p:pic>
     </p:spTree>
     <p:extLst>
       <p:ext uri="{BB962C8B-B14F-4D97-AF65-F5344CB8AC3E}">
-        <p14:creationId xmlns:p14="http://schemas.microsoft.com/office/powerpoint/2010/main" val="4196916089"/>
-      </p:ext>
-    </p:extLst>
-  </p:cSld>
-  <p:clrMapOvr>
-    <a:masterClrMapping/>
-  </p:clrMapOvr>
-</p:sld>
-</file>
-
-<file path=ppt/slides/slide9.xml><?xml version="1.0" encoding="utf-8"?>
-<p:sld xmlns:a="http://schemas.openxmlformats.org/drawingml/2006/main" xmlns:r="http://schemas.openxmlformats.org/officeDocument/2006/relationships" xmlns:p="http://schemas.openxmlformats.org/presentationml/2006/main">
-  <p:cSld>
-    <p:bg>
-      <p:bgPr>
-        <a:solidFill>
-          <a:schemeClr val="bg1"/>
-        </a:solidFill>
-        <a:effectLst/>
-      </p:bgPr>
-    </p:bg>
-    <p:spTree>
-      <p:nvGrpSpPr>
-        <p:cNvPr id="1" name=""/>
-        <p:cNvGrpSpPr/>
-        <p:nvPr/>
-      </p:nvGrpSpPr>
-      <p:grpSpPr>
-        <a:xfrm>
-          <a:off x="0" y="0"/>
-          <a:ext cx="0" cy="0"/>
-          <a:chOff x="0" y="0"/>
-          <a:chExt cx="0" cy="0"/>
-        </a:xfrm>
-      </p:grpSpPr>
-      <p:sp useBgFill="1">
-        <p:nvSpPr>
-          <p:cNvPr id="10" name="Rectangle 9">
-            <a:extLst>
-              <a:ext uri="{FF2B5EF4-FFF2-40B4-BE49-F238E27FC236}">
-                <a16:creationId xmlns:a16="http://schemas.microsoft.com/office/drawing/2014/main" id="{2B97F24A-32CE-4C1C-A50D-3016B394DCFB}"/>
-              </a:ext>
-              <a:ext uri="{C183D7F6-B498-43B3-948B-1728B52AA6E4}">
-                <adec:decorative xmlns:adec="http://schemas.microsoft.com/office/drawing/2017/decorative" val="1"/>
-              </a:ext>
-            </a:extLst>
-          </p:cNvPr>
-          <p:cNvSpPr>
-            <a:spLocks noGrp="1" noRot="1" noChangeAspect="1" noMove="1" noResize="1" noEditPoints="1" noAdjustHandles="1" noChangeArrowheads="1" noChangeShapeType="1" noTextEdit="1"/>
-          </p:cNvSpPr>
-          <p:nvPr>
-            <p:extLst>
-              <p:ext uri="{386F3935-93C4-4BCD-93E2-E3B085C9AB24}">
-                <p16:designElem xmlns:p16="http://schemas.microsoft.com/office/powerpoint/2015/main" val="1"/>
-              </p:ext>
-            </p:extLst>
-          </p:nvPr>
-        </p:nvSpPr>
-        <p:spPr>
-          <a:xfrm>
-            <a:off x="0" y="0"/>
-            <a:ext cx="12192000" cy="6858000"/>
-          </a:xfrm>
-          <a:prstGeom prst="rect">
-            <a:avLst/>
-          </a:prstGeom>
-          <a:ln>
-            <a:noFill/>
-          </a:ln>
-        </p:spPr>
-        <p:style>
-          <a:lnRef idx="2">
-            <a:schemeClr val="accent1">
-              <a:shade val="50000"/>
-            </a:schemeClr>
-          </a:lnRef>
-          <a:fillRef idx="1">
-            <a:schemeClr val="accent1"/>
-          </a:fillRef>
-          <a:effectRef idx="0">
-            <a:schemeClr val="accent1"/>
-          </a:effectRef>
-          <a:fontRef idx="minor">
-            <a:schemeClr val="lt1"/>
-          </a:fontRef>
-        </p:style>
-        <p:txBody>
-          <a:bodyPr rtlCol="0" anchor="ctr"/>
-          <a:lstStyle/>
-          <a:p>
-            <a:pPr algn="ctr"/>
-            <a:endParaRPr lang="en-US"/>
-          </a:p>
-        </p:txBody>
-      </p:sp>
-      <p:sp>
-        <p:nvSpPr>
-          <p:cNvPr id="2" name="Title 1">
-            <a:extLst>
-              <a:ext uri="{FF2B5EF4-FFF2-40B4-BE49-F238E27FC236}">
-                <a16:creationId xmlns:a16="http://schemas.microsoft.com/office/drawing/2014/main" id="{58B6F8F4-36B8-4CDE-88FB-4A7105F68DB7}"/>
-              </a:ext>
-            </a:extLst>
-          </p:cNvPr>
-          <p:cNvSpPr>
-            <a:spLocks noGrp="1"/>
-          </p:cNvSpPr>
-          <p:nvPr>
-            <p:ph type="title"/>
-          </p:nvPr>
-        </p:nvSpPr>
-        <p:spPr>
-          <a:xfrm>
-            <a:off x="630936" y="639520"/>
-            <a:ext cx="3429000" cy="1719072"/>
-          </a:xfrm>
-        </p:spPr>
-        <p:txBody>
-          <a:bodyPr anchor="b">
-            <a:normAutofit/>
-          </a:bodyPr>
-          <a:lstStyle/>
-          <a:p>
-            <a:r>
-              <a:rPr lang="en-US" sz="3800"/>
-              <a:t>Two-sample independent t-test</a:t>
-            </a:r>
-          </a:p>
-        </p:txBody>
-      </p:sp>
-      <p:sp>
-        <p:nvSpPr>
-          <p:cNvPr id="15" name="sketch line">
-            <a:extLst>
-              <a:ext uri="{FF2B5EF4-FFF2-40B4-BE49-F238E27FC236}">
-                <a16:creationId xmlns:a16="http://schemas.microsoft.com/office/drawing/2014/main" id="{CD8B4F24-440B-49E9-B85D-733523DC064B}"/>
-              </a:ext>
-              <a:ext uri="{C183D7F6-B498-43B3-948B-1728B52AA6E4}">
-                <adec:decorative xmlns:adec="http://schemas.microsoft.com/office/drawing/2017/decorative" val="1"/>
-              </a:ext>
-            </a:extLst>
-          </p:cNvPr>
-          <p:cNvSpPr>
-            <a:spLocks noGrp="1" noRot="1" noChangeAspect="1" noMove="1" noResize="1" noEditPoints="1" noAdjustHandles="1" noChangeArrowheads="1" noChangeShapeType="1" noTextEdit="1"/>
-          </p:cNvSpPr>
-          <p:nvPr>
-            <p:extLst>
-              <p:ext uri="{386F3935-93C4-4BCD-93E2-E3B085C9AB24}">
-                <p16:designElem xmlns:p16="http://schemas.microsoft.com/office/powerpoint/2015/main" val="1"/>
-              </p:ext>
-            </p:extLst>
-          </p:nvPr>
-        </p:nvSpPr>
-        <p:spPr>
-          <a:xfrm>
-            <a:off x="643278" y="2573756"/>
-            <a:ext cx="3255095" cy="18288"/>
-          </a:xfrm>
-          <a:custGeom>
-            <a:avLst/>
-            <a:gdLst>
-              <a:gd name="connsiteX0" fmla="*/ 0 w 3255095"/>
-              <a:gd name="connsiteY0" fmla="*/ 0 h 18288"/>
-              <a:gd name="connsiteX1" fmla="*/ 618468 w 3255095"/>
-              <a:gd name="connsiteY1" fmla="*/ 0 h 18288"/>
-              <a:gd name="connsiteX2" fmla="*/ 1269487 w 3255095"/>
-              <a:gd name="connsiteY2" fmla="*/ 0 h 18288"/>
-              <a:gd name="connsiteX3" fmla="*/ 1953057 w 3255095"/>
-              <a:gd name="connsiteY3" fmla="*/ 0 h 18288"/>
-              <a:gd name="connsiteX4" fmla="*/ 2636627 w 3255095"/>
-              <a:gd name="connsiteY4" fmla="*/ 0 h 18288"/>
-              <a:gd name="connsiteX5" fmla="*/ 3255095 w 3255095"/>
-              <a:gd name="connsiteY5" fmla="*/ 0 h 18288"/>
-              <a:gd name="connsiteX6" fmla="*/ 3255095 w 3255095"/>
-              <a:gd name="connsiteY6" fmla="*/ 18288 h 18288"/>
-              <a:gd name="connsiteX7" fmla="*/ 2538974 w 3255095"/>
-              <a:gd name="connsiteY7" fmla="*/ 18288 h 18288"/>
-              <a:gd name="connsiteX8" fmla="*/ 1822853 w 3255095"/>
-              <a:gd name="connsiteY8" fmla="*/ 18288 h 18288"/>
-              <a:gd name="connsiteX9" fmla="*/ 1171834 w 3255095"/>
-              <a:gd name="connsiteY9" fmla="*/ 18288 h 18288"/>
-              <a:gd name="connsiteX10" fmla="*/ 0 w 3255095"/>
-              <a:gd name="connsiteY10" fmla="*/ 18288 h 18288"/>
-              <a:gd name="connsiteX11" fmla="*/ 0 w 3255095"/>
-              <a:gd name="connsiteY11" fmla="*/ 0 h 18288"/>
-            </a:gdLst>
-            <a:ahLst/>
-            <a:cxnLst>
-              <a:cxn ang="0">
-                <a:pos x="connsiteX0" y="connsiteY0"/>
-              </a:cxn>
-              <a:cxn ang="0">
-                <a:pos x="connsiteX1" y="connsiteY1"/>
-              </a:cxn>
-              <a:cxn ang="0">
-                <a:pos x="connsiteX2" y="connsiteY2"/>
-              </a:cxn>
-              <a:cxn ang="0">
-                <a:pos x="connsiteX3" y="connsiteY3"/>
-              </a:cxn>
-              <a:cxn ang="0">
-                <a:pos x="connsiteX4" y="connsiteY4"/>
-              </a:cxn>
-              <a:cxn ang="0">
-                <a:pos x="connsiteX5" y="connsiteY5"/>
-              </a:cxn>
-              <a:cxn ang="0">
-                <a:pos x="connsiteX6" y="connsiteY6"/>
-              </a:cxn>
-              <a:cxn ang="0">
-                <a:pos x="connsiteX7" y="connsiteY7"/>
-              </a:cxn>
-              <a:cxn ang="0">
-                <a:pos x="connsiteX8" y="connsiteY8"/>
-              </a:cxn>
-              <a:cxn ang="0">
-                <a:pos x="connsiteX9" y="connsiteY9"/>
-              </a:cxn>
-              <a:cxn ang="0">
-                <a:pos x="connsiteX10" y="connsiteY10"/>
-              </a:cxn>
-              <a:cxn ang="0">
-                <a:pos x="connsiteX11" y="connsiteY11"/>
-              </a:cxn>
-            </a:cxnLst>
-            <a:rect l="l" t="t" r="r" b="b"/>
-            <a:pathLst>
-              <a:path w="3255095" h="18288" fill="none" extrusionOk="0">
-                <a:moveTo>
-                  <a:pt x="0" y="0"/>
-                </a:moveTo>
-                <a:cubicBezTo>
-                  <a:pt x="240201" y="-22123"/>
-                  <a:pt x="462021" y="-19623"/>
-                  <a:pt x="618468" y="0"/>
-                </a:cubicBezTo>
-                <a:cubicBezTo>
-                  <a:pt x="774915" y="19623"/>
-                  <a:pt x="974734" y="2035"/>
-                  <a:pt x="1269487" y="0"/>
-                </a:cubicBezTo>
-                <a:cubicBezTo>
-                  <a:pt x="1564240" y="-2035"/>
-                  <a:pt x="1733579" y="10639"/>
-                  <a:pt x="1953057" y="0"/>
-                </a:cubicBezTo>
-                <a:cubicBezTo>
-                  <a:pt x="2172535" y="-10639"/>
-                  <a:pt x="2453962" y="14018"/>
-                  <a:pt x="2636627" y="0"/>
-                </a:cubicBezTo>
-                <a:cubicBezTo>
-                  <a:pt x="2819292" y="-14018"/>
-                  <a:pt x="3121375" y="5399"/>
-                  <a:pt x="3255095" y="0"/>
-                </a:cubicBezTo>
-                <a:cubicBezTo>
-                  <a:pt x="3254386" y="8157"/>
-                  <a:pt x="3254682" y="12125"/>
-                  <a:pt x="3255095" y="18288"/>
-                </a:cubicBezTo>
-                <a:cubicBezTo>
-                  <a:pt x="3088545" y="23203"/>
-                  <a:pt x="2687475" y="7419"/>
-                  <a:pt x="2538974" y="18288"/>
-                </a:cubicBezTo>
-                <a:cubicBezTo>
-                  <a:pt x="2390473" y="29157"/>
-                  <a:pt x="2137381" y="-8959"/>
-                  <a:pt x="1822853" y="18288"/>
-                </a:cubicBezTo>
-                <a:cubicBezTo>
-                  <a:pt x="1508325" y="45535"/>
-                  <a:pt x="1466437" y="20385"/>
-                  <a:pt x="1171834" y="18288"/>
-                </a:cubicBezTo>
-                <a:cubicBezTo>
-                  <a:pt x="877231" y="16191"/>
-                  <a:pt x="561097" y="37643"/>
-                  <a:pt x="0" y="18288"/>
-                </a:cubicBezTo>
-                <a:cubicBezTo>
-                  <a:pt x="-46" y="12483"/>
-                  <a:pt x="-203" y="6491"/>
-                  <a:pt x="0" y="0"/>
-                </a:cubicBezTo>
-                <a:close/>
-              </a:path>
-              <a:path w="3255095" h="18288" stroke="0" extrusionOk="0">
-                <a:moveTo>
-                  <a:pt x="0" y="0"/>
-                </a:moveTo>
-                <a:cubicBezTo>
-                  <a:pt x="291965" y="19429"/>
-                  <a:pt x="363155" y="8568"/>
-                  <a:pt x="618468" y="0"/>
-                </a:cubicBezTo>
-                <a:cubicBezTo>
-                  <a:pt x="873781" y="-8568"/>
-                  <a:pt x="904459" y="-19505"/>
-                  <a:pt x="1171834" y="0"/>
-                </a:cubicBezTo>
-                <a:cubicBezTo>
-                  <a:pt x="1439209" y="19505"/>
-                  <a:pt x="1744369" y="9790"/>
-                  <a:pt x="1887955" y="0"/>
-                </a:cubicBezTo>
-                <a:cubicBezTo>
-                  <a:pt x="2031541" y="-9790"/>
-                  <a:pt x="2346378" y="21240"/>
-                  <a:pt x="2506423" y="0"/>
-                </a:cubicBezTo>
-                <a:cubicBezTo>
-                  <a:pt x="2666468" y="-21240"/>
-                  <a:pt x="2990257" y="30414"/>
-                  <a:pt x="3255095" y="0"/>
-                </a:cubicBezTo>
-                <a:cubicBezTo>
-                  <a:pt x="3254831" y="4493"/>
-                  <a:pt x="3255479" y="9472"/>
-                  <a:pt x="3255095" y="18288"/>
-                </a:cubicBezTo>
-                <a:cubicBezTo>
-                  <a:pt x="3120743" y="16690"/>
-                  <a:pt x="2759628" y="42462"/>
-                  <a:pt x="2604076" y="18288"/>
-                </a:cubicBezTo>
-                <a:cubicBezTo>
-                  <a:pt x="2448524" y="-5886"/>
-                  <a:pt x="2184336" y="19599"/>
-                  <a:pt x="1887955" y="18288"/>
-                </a:cubicBezTo>
-                <a:cubicBezTo>
-                  <a:pt x="1591574" y="16977"/>
-                  <a:pt x="1548845" y="6870"/>
-                  <a:pt x="1334589" y="18288"/>
-                </a:cubicBezTo>
-                <a:cubicBezTo>
-                  <a:pt x="1120333" y="29706"/>
-                  <a:pt x="996014" y="9662"/>
-                  <a:pt x="683570" y="18288"/>
-                </a:cubicBezTo>
-                <a:cubicBezTo>
-                  <a:pt x="371126" y="26914"/>
-                  <a:pt x="198687" y="16167"/>
-                  <a:pt x="0" y="18288"/>
-                </a:cubicBezTo>
-                <a:cubicBezTo>
-                  <a:pt x="843" y="9577"/>
-                  <a:pt x="371" y="6900"/>
-                  <a:pt x="0" y="0"/>
-                </a:cubicBezTo>
-                <a:close/>
-              </a:path>
-            </a:pathLst>
-          </a:custGeom>
-          <a:solidFill>
-            <a:schemeClr val="accent2"/>
-          </a:solidFill>
-          <a:ln w="38100" cap="rnd">
-            <a:solidFill>
-              <a:schemeClr val="accent2"/>
-            </a:solidFill>
-            <a:round/>
-            <a:extLst>
-              <a:ext uri="{C807C97D-BFC1-408E-A445-0C87EB9F89A2}">
-                <ask:lineSketchStyleProps xmlns:ask="http://schemas.microsoft.com/office/drawing/2018/sketchyshapes" sd="1219033472">
-                  <a:prstGeom prst="rect">
-                    <a:avLst/>
-                  </a:prstGeom>
-                  <ask:type>
-                    <ask:lineSketchFreehand/>
-                  </ask:type>
-                </ask:lineSketchStyleProps>
-              </a:ext>
-            </a:extLst>
-          </a:ln>
-        </p:spPr>
-        <p:style>
-          <a:lnRef idx="2">
-            <a:schemeClr val="accent1">
-              <a:shade val="50000"/>
-            </a:schemeClr>
-          </a:lnRef>
-          <a:fillRef idx="1">
-            <a:schemeClr val="accent1"/>
-          </a:fillRef>
-          <a:effectRef idx="0">
-            <a:schemeClr val="accent1"/>
-          </a:effectRef>
-          <a:fontRef idx="minor">
-            <a:schemeClr val="lt1"/>
-          </a:fontRef>
-        </p:style>
-        <p:txBody>
-          <a:bodyPr rtlCol="0" anchor="ctr"/>
-          <a:lstStyle/>
-          <a:p>
-            <a:pPr algn="ctr"/>
-            <a:endParaRPr lang="en-US"/>
-          </a:p>
-        </p:txBody>
-      </p:sp>
-      <mc:AlternateContent xmlns:mc="http://schemas.openxmlformats.org/markup-compatibility/2006" xmlns:a14="http://schemas.microsoft.com/office/drawing/2010/main">
-        <mc:Choice Requires="a14">
-          <p:sp>
-            <p:nvSpPr>
-              <p:cNvPr id="3" name="Content Placeholder 2">
-                <a:extLst>
-                  <a:ext uri="{FF2B5EF4-FFF2-40B4-BE49-F238E27FC236}">
-                    <a16:creationId xmlns:a16="http://schemas.microsoft.com/office/drawing/2014/main" id="{AA0628DC-7173-4799-A964-5E85EE084063}"/>
-                  </a:ext>
-                </a:extLst>
-              </p:cNvPr>
-              <p:cNvSpPr>
-                <a:spLocks noGrp="1"/>
-              </p:cNvSpPr>
-              <p:nvPr>
-                <p:ph idx="1"/>
-              </p:nvPr>
-            </p:nvSpPr>
-            <p:spPr>
-              <a:xfrm>
-                <a:off x="630936" y="2807208"/>
-                <a:ext cx="3429000" cy="3410712"/>
-              </a:xfrm>
-            </p:spPr>
-            <p:txBody>
-              <a:bodyPr anchor="t">
-                <a:normAutofit/>
-              </a:bodyPr>
-              <a:lstStyle/>
-              <a:p>
-                <a:r>
-                  <a:rPr lang="en-US" sz="2200"/>
-                  <a:t>H0: </a:t>
-                </a:r>
-                <a14:m>
-                  <m:oMath xmlns:m="http://schemas.openxmlformats.org/officeDocument/2006/math">
-                    <m:sSub>
-                      <m:sSubPr>
-                        <m:ctrlPr>
-                          <a:rPr lang="en-US" sz="2200" b="0" i="1">
-                            <a:latin typeface="Cambria Math" panose="02040503050406030204" pitchFamily="18" charset="0"/>
-                          </a:rPr>
-                        </m:ctrlPr>
-                      </m:sSubPr>
-                      <m:e>
-                        <m:r>
-                          <a:rPr lang="en-US" sz="2200" b="0" i="1">
-                            <a:latin typeface="Cambria Math" panose="02040503050406030204" pitchFamily="18" charset="0"/>
-                          </a:rPr>
-                          <m:t>𝜇</m:t>
-                        </m:r>
-                      </m:e>
-                      <m:sub>
-                        <m:r>
-                          <a:rPr lang="en-US" sz="2200" b="0" i="1">
-                            <a:latin typeface="Cambria Math" panose="02040503050406030204" pitchFamily="18" charset="0"/>
-                          </a:rPr>
-                          <m:t>𝑥</m:t>
-                        </m:r>
-                      </m:sub>
-                    </m:sSub>
-                    <m:r>
-                      <a:rPr lang="en-US" sz="2200" b="0" i="1">
-                        <a:latin typeface="Cambria Math" panose="02040503050406030204" pitchFamily="18" charset="0"/>
-                      </a:rPr>
-                      <m:t>=</m:t>
-                    </m:r>
-                    <m:sSub>
-                      <m:sSubPr>
-                        <m:ctrlPr>
-                          <a:rPr lang="en-US" sz="2200" b="0" i="1">
-                            <a:latin typeface="Cambria Math" panose="02040503050406030204" pitchFamily="18" charset="0"/>
-                          </a:rPr>
-                        </m:ctrlPr>
-                      </m:sSubPr>
-                      <m:e>
-                        <m:r>
-                          <a:rPr lang="en-US" sz="2200" b="0" i="1">
-                            <a:latin typeface="Cambria Math" panose="02040503050406030204" pitchFamily="18" charset="0"/>
-                          </a:rPr>
-                          <m:t>𝜇</m:t>
-                        </m:r>
-                      </m:e>
-                      <m:sub>
-                        <m:r>
-                          <a:rPr lang="en-US" sz="2200" b="0" i="1">
-                            <a:latin typeface="Cambria Math" panose="02040503050406030204" pitchFamily="18" charset="0"/>
-                          </a:rPr>
-                          <m:t>𝑦</m:t>
-                        </m:r>
-                      </m:sub>
-                    </m:sSub>
-                  </m:oMath>
-                </a14:m>
-                <a:endParaRPr lang="en-US" sz="2200"/>
-              </a:p>
-              <a:p>
-                <a:r>
-                  <a:rPr lang="en-US" sz="2200"/>
-                  <a:t>H1: </a:t>
-                </a:r>
-                <a14:m>
-                  <m:oMath xmlns:m="http://schemas.openxmlformats.org/officeDocument/2006/math">
-                    <m:sSub>
-                      <m:sSubPr>
-                        <m:ctrlPr>
-                          <a:rPr lang="en-US" sz="2200" b="0" i="1">
-                            <a:latin typeface="Cambria Math" panose="02040503050406030204" pitchFamily="18" charset="0"/>
-                          </a:rPr>
-                        </m:ctrlPr>
-                      </m:sSubPr>
-                      <m:e>
-                        <m:r>
-                          <a:rPr lang="en-US" sz="2200" b="0" i="1">
-                            <a:latin typeface="Cambria Math" panose="02040503050406030204" pitchFamily="18" charset="0"/>
-                          </a:rPr>
-                          <m:t>𝜇</m:t>
-                        </m:r>
-                      </m:e>
-                      <m:sub>
-                        <m:r>
-                          <a:rPr lang="en-US" sz="2200" b="0" i="1">
-                            <a:latin typeface="Cambria Math" panose="02040503050406030204" pitchFamily="18" charset="0"/>
-                          </a:rPr>
-                          <m:t>𝑥</m:t>
-                        </m:r>
-                      </m:sub>
-                    </m:sSub>
-                    <m:r>
-                      <a:rPr lang="en-US" sz="2200" b="0" i="1">
-                        <a:latin typeface="Cambria Math" panose="02040503050406030204" pitchFamily="18" charset="0"/>
-                      </a:rPr>
-                      <m:t>≠</m:t>
-                    </m:r>
-                    <m:sSub>
-                      <m:sSubPr>
-                        <m:ctrlPr>
-                          <a:rPr lang="en-US" sz="2200" b="0" i="1">
-                            <a:latin typeface="Cambria Math" panose="02040503050406030204" pitchFamily="18" charset="0"/>
-                          </a:rPr>
-                        </m:ctrlPr>
-                      </m:sSubPr>
-                      <m:e>
-                        <m:r>
-                          <a:rPr lang="en-US" sz="2200" b="0" i="1">
-                            <a:latin typeface="Cambria Math" panose="02040503050406030204" pitchFamily="18" charset="0"/>
-                          </a:rPr>
-                          <m:t>𝜇</m:t>
-                        </m:r>
-                      </m:e>
-                      <m:sub>
-                        <m:r>
-                          <a:rPr lang="en-US" sz="2200" b="0" i="1">
-                            <a:latin typeface="Cambria Math" panose="02040503050406030204" pitchFamily="18" charset="0"/>
-                          </a:rPr>
-                          <m:t>𝑦</m:t>
-                        </m:r>
-                      </m:sub>
-                    </m:sSub>
-                  </m:oMath>
-                </a14:m>
-                <a:endParaRPr lang="en-US" sz="2200"/>
-              </a:p>
-              <a:p>
-                <a:r>
-                  <a:rPr lang="en-US" sz="2200"/>
-                  <a:t>Based on whether you reject or accept the assumption that the two samples’ variances are equal, then you can select the appropriate test</a:t>
-                </a:r>
-              </a:p>
-            </p:txBody>
-          </p:sp>
-        </mc:Choice>
-        <mc:Fallback xmlns="">
-          <p:sp>
-            <p:nvSpPr>
-              <p:cNvPr id="3" name="Content Placeholder 2">
-                <a:extLst>
-                  <a:ext uri="{FF2B5EF4-FFF2-40B4-BE49-F238E27FC236}">
-                    <a16:creationId xmlns:a16="http://schemas.microsoft.com/office/drawing/2014/main" id="{AA0628DC-7173-4799-A964-5E85EE084063}"/>
-                  </a:ext>
-                </a:extLst>
-              </p:cNvPr>
-              <p:cNvSpPr>
-                <a:spLocks noGrp="1" noRot="1" noChangeAspect="1" noMove="1" noResize="1" noEditPoints="1" noAdjustHandles="1" noChangeArrowheads="1" noChangeShapeType="1" noTextEdit="1"/>
-              </p:cNvSpPr>
-              <p:nvPr>
-                <p:ph idx="1"/>
-              </p:nvPr>
-            </p:nvSpPr>
-            <p:spPr>
-              <a:xfrm>
-                <a:off x="630936" y="2807208"/>
-                <a:ext cx="3429000" cy="3410712"/>
-              </a:xfrm>
-              <a:blipFill>
-                <a:blip r:embed="rId3"/>
-                <a:stretch>
-                  <a:fillRect l="-2135" t="-1968" r="-2313"/>
-                </a:stretch>
-              </a:blipFill>
-            </p:spPr>
-            <p:txBody>
-              <a:bodyPr/>
-              <a:lstStyle/>
-              <a:p>
-                <a:r>
-                  <a:rPr lang="en-US">
-                    <a:noFill/>
-                  </a:rPr>
-                  <a:t> </a:t>
-                </a:r>
-              </a:p>
-            </p:txBody>
-          </p:sp>
-        </mc:Fallback>
-      </mc:AlternateContent>
-      <p:pic>
-        <p:nvPicPr>
-          <p:cNvPr id="5" name="Picture 4" descr="Chart, line chart&#10;&#10;Description automatically generated">
-            <a:extLst>
-              <a:ext uri="{FF2B5EF4-FFF2-40B4-BE49-F238E27FC236}">
-                <a16:creationId xmlns:a16="http://schemas.microsoft.com/office/drawing/2014/main" id="{9CC19467-C257-436B-BF79-2F20ED42D8C1}"/>
-              </a:ext>
-            </a:extLst>
-          </p:cNvPr>
-          <p:cNvPicPr>
-            <a:picLocks noChangeAspect="1"/>
-          </p:cNvPicPr>
-          <p:nvPr/>
-        </p:nvPicPr>
-        <p:blipFill>
-          <a:blip r:embed="rId4">
-            <a:extLst>
-              <a:ext uri="{28A0092B-C50C-407E-A947-70E740481C1C}">
-                <a14:useLocalDpi xmlns:a14="http://schemas.microsoft.com/office/drawing/2010/main" val="0"/>
-              </a:ext>
-              <a:ext uri="{837473B0-CC2E-450A-ABE3-18F120FF3D39}">
-                <a1611:picAttrSrcUrl xmlns:a1611="http://schemas.microsoft.com/office/drawing/2016/11/main" r:id="rId5"/>
-              </a:ext>
-            </a:extLst>
-          </a:blip>
-          <a:stretch>
-            <a:fillRect/>
-          </a:stretch>
-        </p:blipFill>
-        <p:spPr>
-          <a:xfrm>
-            <a:off x="4654296" y="1754848"/>
-            <a:ext cx="6903720" cy="3348304"/>
-          </a:xfrm>
-          <a:prstGeom prst="rect">
-            <a:avLst/>
-          </a:prstGeom>
-        </p:spPr>
-      </p:pic>
-    </p:spTree>
-    <p:extLst>
-      <p:ext uri="{BB962C8B-B14F-4D97-AF65-F5344CB8AC3E}">
-        <p14:creationId xmlns:p14="http://schemas.microsoft.com/office/powerpoint/2010/main" val="1874262198"/>
+        <p14:creationId xmlns:p14="http://schemas.microsoft.com/office/powerpoint/2010/main" val="1788073587"/>
       </p:ext>
     </p:extLst>
   </p:cSld>
@@ -25106,11 +31963,12 @@
 </file>
 
 <file path=customXml/item1.xml><?xml version="1.0" encoding="utf-8"?>
-<p:properties xmlns:p="http://schemas.microsoft.com/office/2006/metadata/properties" xmlns:xsi="http://www.w3.org/2001/XMLSchema-instance" xmlns:pc="http://schemas.microsoft.com/office/infopath/2007/PartnerControls">
-  <documentManagement>
-    <MediaServiceKeyPoints xmlns="71af3243-3dd4-4a8d-8c0d-dd76da1f02a5" xsi:nil="true"/>
-  </documentManagement>
-</p:properties>
+<?mso-contentType ?>
+<FormTemplates xmlns="http://schemas.microsoft.com/sharepoint/v3/contenttype/forms">
+  <Display>DocumentLibraryForm</Display>
+  <Edit>DocumentLibraryForm</Edit>
+  <New>DocumentLibraryForm</New>
+</FormTemplates>
 </file>
 
 <file path=customXml/item2.xml><?xml version="1.0" encoding="utf-8"?>
@@ -25325,20 +32183,17 @@
 </file>
 
 <file path=customXml/item3.xml><?xml version="1.0" encoding="utf-8"?>
-<?mso-contentType ?>
-<FormTemplates xmlns="http://schemas.microsoft.com/sharepoint/v3/contenttype/forms">
-  <Display>DocumentLibraryForm</Display>
-  <Edit>DocumentLibraryForm</Edit>
-  <New>DocumentLibraryForm</New>
-</FormTemplates>
+<p:properties xmlns:p="http://schemas.microsoft.com/office/2006/metadata/properties" xmlns:xsi="http://www.w3.org/2001/XMLSchema-instance" xmlns:pc="http://schemas.microsoft.com/office/infopath/2007/PartnerControls">
+  <documentManagement>
+    <MediaServiceKeyPoints xmlns="71af3243-3dd4-4a8d-8c0d-dd76da1f02a5" xsi:nil="true"/>
+  </documentManagement>
+</p:properties>
 </file>
 
 <file path=customXml/itemProps1.xml><?xml version="1.0" encoding="utf-8"?>
-<ds:datastoreItem xmlns:ds="http://schemas.openxmlformats.org/officeDocument/2006/customXml" ds:itemID="{03C7D9E6-B0D9-433E-BD46-EB60F64F4DA8}">
+<ds:datastoreItem xmlns:ds="http://schemas.openxmlformats.org/officeDocument/2006/customXml" ds:itemID="{5CA875DA-F9FD-4F83-A049-3B1027B542DE}">
   <ds:schemaRefs>
-    <ds:schemaRef ds:uri="http://schemas.microsoft.com/office/2006/metadata/properties"/>
-    <ds:schemaRef ds:uri="http://schemas.microsoft.com/office/infopath/2007/PartnerControls"/>
-    <ds:schemaRef ds:uri="71af3243-3dd4-4a8d-8c0d-dd76da1f02a5"/>
+    <ds:schemaRef ds:uri="http://schemas.microsoft.com/sharepoint/v3/contenttype/forms"/>
   </ds:schemaRefs>
 </ds:datastoreItem>
 </file>
@@ -25363,9 +32218,11 @@
 </file>
 
 <file path=customXml/itemProps3.xml><?xml version="1.0" encoding="utf-8"?>
-<ds:datastoreItem xmlns:ds="http://schemas.openxmlformats.org/officeDocument/2006/customXml" ds:itemID="{5CA875DA-F9FD-4F83-A049-3B1027B542DE}">
+<ds:datastoreItem xmlns:ds="http://schemas.openxmlformats.org/officeDocument/2006/customXml" ds:itemID="{03C7D9E6-B0D9-433E-BD46-EB60F64F4DA8}">
   <ds:schemaRefs>
-    <ds:schemaRef ds:uri="http://schemas.microsoft.com/sharepoint/v3/contenttype/forms"/>
+    <ds:schemaRef ds:uri="http://schemas.microsoft.com/office/2006/metadata/properties"/>
+    <ds:schemaRef ds:uri="http://schemas.microsoft.com/office/infopath/2007/PartnerControls"/>
+    <ds:schemaRef ds:uri="71af3243-3dd4-4a8d-8c0d-dd76da1f02a5"/>
   </ds:schemaRefs>
 </ds:datastoreItem>
 </file>